--- a/Slides_6.pptx
+++ b/Slides_6.pptx
@@ -6,6 +6,10 @@
   </p:sldMasterIdLst>
   <p:sldIdLst>
     <p:sldId id="257" r:id="rId2"/>
+    <p:sldId id="258" r:id="rId3"/>
+    <p:sldId id="259" r:id="rId4"/>
+    <p:sldId id="260" r:id="rId5"/>
+    <p:sldId id="261" r:id="rId6"/>
   </p:sldIdLst>
   <p:sldSz cx="12192000" cy="6858000"/>
   <p:notesSz cx="6858000" cy="9144000"/>
@@ -3408,6 +3412,552 @@
 </p:sld>
 </file>
 
+<file path=ppt/slides/slide2.xml><?xml version="1.0" encoding="utf-8"?>
+<p:sld xmlns:a="http://schemas.openxmlformats.org/drawingml/2006/main" xmlns:r="http://schemas.openxmlformats.org/officeDocument/2006/relationships" xmlns:p="http://schemas.openxmlformats.org/presentationml/2006/main">
+  <p:cSld>
+    <p:spTree>
+      <p:nvGrpSpPr>
+        <p:cNvPr id="1" name=""/>
+        <p:cNvGrpSpPr/>
+        <p:nvPr/>
+      </p:nvGrpSpPr>
+      <p:grpSpPr>
+        <a:xfrm>
+          <a:off x="0" y="0"/>
+          <a:ext cx="0" cy="0"/>
+          <a:chOff x="0" y="0"/>
+          <a:chExt cx="0" cy="0"/>
+        </a:xfrm>
+      </p:grpSpPr>
+      <p:sp>
+        <p:nvSpPr>
+          <p:cNvPr id="2" name="Title 1">
+            <a:extLst>
+              <a:ext uri="{FF2B5EF4-FFF2-40B4-BE49-F238E27FC236}">
+                <a16:creationId xmlns:a16="http://schemas.microsoft.com/office/drawing/2014/main" id="{7A40177F-BCCD-7BE2-DBFD-188813EADB13}"/>
+              </a:ext>
+            </a:extLst>
+          </p:cNvPr>
+          <p:cNvSpPr>
+            <a:spLocks noGrp="1"/>
+          </p:cNvSpPr>
+          <p:nvPr>
+            <p:ph type="title"/>
+          </p:nvPr>
+        </p:nvSpPr>
+        <p:spPr/>
+        <p:txBody>
+          <a:bodyPr/>
+          <a:lstStyle/>
+          <a:p>
+            <a:r>
+              <a:rPr lang="en-US" dirty="0"/>
+              <a:t>Simpson’s Paradox</a:t>
+            </a:r>
+          </a:p>
+        </p:txBody>
+      </p:sp>
+      <p:pic>
+        <p:nvPicPr>
+          <p:cNvPr id="13" name="Graphic 12">
+            <a:extLst>
+              <a:ext uri="{FF2B5EF4-FFF2-40B4-BE49-F238E27FC236}">
+                <a16:creationId xmlns:a16="http://schemas.microsoft.com/office/drawing/2014/main" id="{294D540C-B721-CD7B-337E-EF6259EA489D}"/>
+              </a:ext>
+            </a:extLst>
+          </p:cNvPr>
+          <p:cNvPicPr>
+            <a:picLocks noChangeAspect="1"/>
+          </p:cNvPicPr>
+          <p:nvPr/>
+        </p:nvPicPr>
+        <p:blipFill>
+          <a:blip r:embed="rId2">
+            <a:extLst>
+              <a:ext uri="{28A0092B-C50C-407E-A947-70E740481C1C}">
+                <a14:useLocalDpi xmlns:a14="http://schemas.microsoft.com/office/drawing/2010/main" val="0"/>
+              </a:ext>
+              <a:ext uri="{96DAC541-7B7A-43D3-8B79-37D633B846F1}">
+                <asvg:svgBlip xmlns:asvg="http://schemas.microsoft.com/office/drawing/2016/SVG/main" r:embed="rId3"/>
+              </a:ext>
+            </a:extLst>
+          </a:blip>
+          <a:stretch>
+            <a:fillRect/>
+          </a:stretch>
+        </p:blipFill>
+        <p:spPr>
+          <a:xfrm>
+            <a:off x="3171825" y="1690688"/>
+            <a:ext cx="5848350" cy="4391025"/>
+          </a:xfrm>
+          <a:prstGeom prst="rect">
+            <a:avLst/>
+          </a:prstGeom>
+        </p:spPr>
+      </p:pic>
+    </p:spTree>
+    <p:extLst>
+      <p:ext uri="{BB962C8B-B14F-4D97-AF65-F5344CB8AC3E}">
+        <p14:creationId xmlns:p14="http://schemas.microsoft.com/office/powerpoint/2010/main" val="3493813268"/>
+      </p:ext>
+    </p:extLst>
+  </p:cSld>
+  <p:clrMapOvr>
+    <a:masterClrMapping/>
+  </p:clrMapOvr>
+</p:sld>
+</file>
+
+<file path=ppt/slides/slide3.xml><?xml version="1.0" encoding="utf-8"?>
+<p:sld xmlns:a="http://schemas.openxmlformats.org/drawingml/2006/main" xmlns:r="http://schemas.openxmlformats.org/officeDocument/2006/relationships" xmlns:p="http://schemas.openxmlformats.org/presentationml/2006/main">
+  <p:cSld>
+    <p:spTree>
+      <p:nvGrpSpPr>
+        <p:cNvPr id="1" name=""/>
+        <p:cNvGrpSpPr/>
+        <p:nvPr/>
+      </p:nvGrpSpPr>
+      <p:grpSpPr>
+        <a:xfrm>
+          <a:off x="0" y="0"/>
+          <a:ext cx="0" cy="0"/>
+          <a:chOff x="0" y="0"/>
+          <a:chExt cx="0" cy="0"/>
+        </a:xfrm>
+      </p:grpSpPr>
+      <p:sp>
+        <p:nvSpPr>
+          <p:cNvPr id="2" name="Title 1">
+            <a:extLst>
+              <a:ext uri="{FF2B5EF4-FFF2-40B4-BE49-F238E27FC236}">
+                <a16:creationId xmlns:a16="http://schemas.microsoft.com/office/drawing/2014/main" id="{7A40177F-BCCD-7BE2-DBFD-188813EADB13}"/>
+              </a:ext>
+            </a:extLst>
+          </p:cNvPr>
+          <p:cNvSpPr>
+            <a:spLocks noGrp="1"/>
+          </p:cNvSpPr>
+          <p:nvPr>
+            <p:ph type="title"/>
+          </p:nvPr>
+        </p:nvSpPr>
+        <p:spPr/>
+        <p:txBody>
+          <a:bodyPr/>
+          <a:lstStyle/>
+          <a:p>
+            <a:r>
+              <a:rPr lang="en-US" dirty="0"/>
+              <a:t>Simpson’s Paradox</a:t>
+            </a:r>
+          </a:p>
+        </p:txBody>
+      </p:sp>
+      <p:pic>
+        <p:nvPicPr>
+          <p:cNvPr id="4" name="Graphic 3">
+            <a:extLst>
+              <a:ext uri="{FF2B5EF4-FFF2-40B4-BE49-F238E27FC236}">
+                <a16:creationId xmlns:a16="http://schemas.microsoft.com/office/drawing/2014/main" id="{3A2B0B33-5AE1-0A11-A92B-1910013B3859}"/>
+              </a:ext>
+            </a:extLst>
+          </p:cNvPr>
+          <p:cNvPicPr>
+            <a:picLocks noChangeAspect="1"/>
+          </p:cNvPicPr>
+          <p:nvPr/>
+        </p:nvPicPr>
+        <p:blipFill>
+          <a:blip r:embed="rId2">
+            <a:extLst>
+              <a:ext uri="{28A0092B-C50C-407E-A947-70E740481C1C}">
+                <a14:useLocalDpi xmlns:a14="http://schemas.microsoft.com/office/drawing/2010/main" val="0"/>
+              </a:ext>
+              <a:ext uri="{96DAC541-7B7A-43D3-8B79-37D633B846F1}">
+                <asvg:svgBlip xmlns:asvg="http://schemas.microsoft.com/office/drawing/2016/SVG/main" r:embed="rId3"/>
+              </a:ext>
+            </a:extLst>
+          </a:blip>
+          <a:stretch>
+            <a:fillRect/>
+          </a:stretch>
+        </p:blipFill>
+        <p:spPr>
+          <a:xfrm>
+            <a:off x="3171825" y="1690688"/>
+            <a:ext cx="5848350" cy="4391025"/>
+          </a:xfrm>
+          <a:prstGeom prst="rect">
+            <a:avLst/>
+          </a:prstGeom>
+        </p:spPr>
+      </p:pic>
+    </p:spTree>
+    <p:extLst>
+      <p:ext uri="{BB962C8B-B14F-4D97-AF65-F5344CB8AC3E}">
+        <p14:creationId xmlns:p14="http://schemas.microsoft.com/office/powerpoint/2010/main" val="3490033838"/>
+      </p:ext>
+    </p:extLst>
+  </p:cSld>
+  <p:clrMapOvr>
+    <a:masterClrMapping/>
+  </p:clrMapOvr>
+</p:sld>
+</file>
+
+<file path=ppt/slides/slide4.xml><?xml version="1.0" encoding="utf-8"?>
+<p:sld xmlns:a="http://schemas.openxmlformats.org/drawingml/2006/main" xmlns:r="http://schemas.openxmlformats.org/officeDocument/2006/relationships" xmlns:p="http://schemas.openxmlformats.org/presentationml/2006/main">
+  <p:cSld>
+    <p:spTree>
+      <p:nvGrpSpPr>
+        <p:cNvPr id="1" name=""/>
+        <p:cNvGrpSpPr/>
+        <p:nvPr/>
+      </p:nvGrpSpPr>
+      <p:grpSpPr>
+        <a:xfrm>
+          <a:off x="0" y="0"/>
+          <a:ext cx="0" cy="0"/>
+          <a:chOff x="0" y="0"/>
+          <a:chExt cx="0" cy="0"/>
+        </a:xfrm>
+      </p:grpSpPr>
+      <p:sp>
+        <p:nvSpPr>
+          <p:cNvPr id="2" name="Title 1">
+            <a:extLst>
+              <a:ext uri="{FF2B5EF4-FFF2-40B4-BE49-F238E27FC236}">
+                <a16:creationId xmlns:a16="http://schemas.microsoft.com/office/drawing/2014/main" id="{7A40177F-BCCD-7BE2-DBFD-188813EADB13}"/>
+              </a:ext>
+            </a:extLst>
+          </p:cNvPr>
+          <p:cNvSpPr>
+            <a:spLocks noGrp="1"/>
+          </p:cNvSpPr>
+          <p:nvPr>
+            <p:ph type="title"/>
+          </p:nvPr>
+        </p:nvSpPr>
+        <p:spPr/>
+        <p:txBody>
+          <a:bodyPr/>
+          <a:lstStyle/>
+          <a:p>
+            <a:r>
+              <a:rPr lang="en-US" dirty="0"/>
+              <a:t>Simpson’s Paradox</a:t>
+            </a:r>
+          </a:p>
+        </p:txBody>
+      </p:sp>
+      <p:pic>
+        <p:nvPicPr>
+          <p:cNvPr id="4" name="Graphic 3">
+            <a:extLst>
+              <a:ext uri="{FF2B5EF4-FFF2-40B4-BE49-F238E27FC236}">
+                <a16:creationId xmlns:a16="http://schemas.microsoft.com/office/drawing/2014/main" id="{0C59102A-F857-96FE-9AC8-C0E1F6EAB088}"/>
+              </a:ext>
+            </a:extLst>
+          </p:cNvPr>
+          <p:cNvPicPr>
+            <a:picLocks noChangeAspect="1"/>
+          </p:cNvPicPr>
+          <p:nvPr/>
+        </p:nvPicPr>
+        <p:blipFill>
+          <a:blip r:embed="rId2">
+            <a:extLst>
+              <a:ext uri="{28A0092B-C50C-407E-A947-70E740481C1C}">
+                <a14:useLocalDpi xmlns:a14="http://schemas.microsoft.com/office/drawing/2010/main" val="0"/>
+              </a:ext>
+              <a:ext uri="{96DAC541-7B7A-43D3-8B79-37D633B846F1}">
+                <asvg:svgBlip xmlns:asvg="http://schemas.microsoft.com/office/drawing/2016/SVG/main" r:embed="rId3"/>
+              </a:ext>
+            </a:extLst>
+          </a:blip>
+          <a:stretch>
+            <a:fillRect/>
+          </a:stretch>
+        </p:blipFill>
+        <p:spPr>
+          <a:xfrm>
+            <a:off x="3171825" y="1690688"/>
+            <a:ext cx="5848350" cy="4391025"/>
+          </a:xfrm>
+          <a:prstGeom prst="rect">
+            <a:avLst/>
+          </a:prstGeom>
+        </p:spPr>
+      </p:pic>
+    </p:spTree>
+    <p:extLst>
+      <p:ext uri="{BB962C8B-B14F-4D97-AF65-F5344CB8AC3E}">
+        <p14:creationId xmlns:p14="http://schemas.microsoft.com/office/powerpoint/2010/main" val="3372273435"/>
+      </p:ext>
+    </p:extLst>
+  </p:cSld>
+  <p:clrMapOvr>
+    <a:masterClrMapping/>
+  </p:clrMapOvr>
+</p:sld>
+</file>
+
+<file path=ppt/slides/slide5.xml><?xml version="1.0" encoding="utf-8"?>
+<p:sld xmlns:a="http://schemas.openxmlformats.org/drawingml/2006/main" xmlns:r="http://schemas.openxmlformats.org/officeDocument/2006/relationships" xmlns:p="http://schemas.openxmlformats.org/presentationml/2006/main">
+  <p:cSld>
+    <p:spTree>
+      <p:nvGrpSpPr>
+        <p:cNvPr id="1" name=""/>
+        <p:cNvGrpSpPr/>
+        <p:nvPr/>
+      </p:nvGrpSpPr>
+      <p:grpSpPr>
+        <a:xfrm>
+          <a:off x="0" y="0"/>
+          <a:ext cx="0" cy="0"/>
+          <a:chOff x="0" y="0"/>
+          <a:chExt cx="0" cy="0"/>
+        </a:xfrm>
+      </p:grpSpPr>
+      <p:sp>
+        <p:nvSpPr>
+          <p:cNvPr id="2" name="Title 1">
+            <a:extLst>
+              <a:ext uri="{FF2B5EF4-FFF2-40B4-BE49-F238E27FC236}">
+                <a16:creationId xmlns:a16="http://schemas.microsoft.com/office/drawing/2014/main" id="{7A40177F-BCCD-7BE2-DBFD-188813EADB13}"/>
+              </a:ext>
+            </a:extLst>
+          </p:cNvPr>
+          <p:cNvSpPr>
+            <a:spLocks noGrp="1"/>
+          </p:cNvSpPr>
+          <p:nvPr>
+            <p:ph type="title"/>
+          </p:nvPr>
+        </p:nvSpPr>
+        <p:spPr/>
+        <p:txBody>
+          <a:bodyPr/>
+          <a:lstStyle/>
+          <a:p>
+            <a:r>
+              <a:rPr lang="en-US" dirty="0"/>
+              <a:t>Simpson’s Paradox</a:t>
+            </a:r>
+          </a:p>
+        </p:txBody>
+      </p:sp>
+      <p:pic>
+        <p:nvPicPr>
+          <p:cNvPr id="6" name="Graphic 5">
+            <a:extLst>
+              <a:ext uri="{FF2B5EF4-FFF2-40B4-BE49-F238E27FC236}">
+                <a16:creationId xmlns:a16="http://schemas.microsoft.com/office/drawing/2014/main" id="{DDD3B794-29BA-4429-CB44-1FD07C396B12}"/>
+              </a:ext>
+            </a:extLst>
+          </p:cNvPr>
+          <p:cNvPicPr>
+            <a:picLocks noChangeAspect="1"/>
+          </p:cNvPicPr>
+          <p:nvPr/>
+        </p:nvPicPr>
+        <p:blipFill>
+          <a:blip r:embed="rId2">
+            <a:extLst>
+              <a:ext uri="{28A0092B-C50C-407E-A947-70E740481C1C}">
+                <a14:useLocalDpi xmlns:a14="http://schemas.microsoft.com/office/drawing/2010/main" val="0"/>
+              </a:ext>
+              <a:ext uri="{96DAC541-7B7A-43D3-8B79-37D633B846F1}">
+                <asvg:svgBlip xmlns:asvg="http://schemas.microsoft.com/office/drawing/2016/SVG/main" r:embed="rId3"/>
+              </a:ext>
+            </a:extLst>
+          </a:blip>
+          <a:stretch>
+            <a:fillRect/>
+          </a:stretch>
+        </p:blipFill>
+        <p:spPr>
+          <a:xfrm>
+            <a:off x="2443162" y="1690688"/>
+            <a:ext cx="7305675" cy="4448175"/>
+          </a:xfrm>
+          <a:prstGeom prst="rect">
+            <a:avLst/>
+          </a:prstGeom>
+        </p:spPr>
+      </p:pic>
+      <mc:AlternateContent xmlns:mc="http://schemas.openxmlformats.org/markup-compatibility/2006">
+        <mc:Choice xmlns:a14="http://schemas.microsoft.com/office/drawing/2010/main" Requires="a14">
+          <p:sp>
+            <p:nvSpPr>
+              <p:cNvPr id="7" name="TextBox 6">
+                <a:extLst>
+                  <a:ext uri="{FF2B5EF4-FFF2-40B4-BE49-F238E27FC236}">
+                    <a16:creationId xmlns:a16="http://schemas.microsoft.com/office/drawing/2014/main" id="{EB8A59D7-54AE-0350-D906-6E9F85B93FAC}"/>
+                  </a:ext>
+                </a:extLst>
+              </p:cNvPr>
+              <p:cNvSpPr txBox="1"/>
+              <p:nvPr/>
+            </p:nvSpPr>
+            <p:spPr>
+              <a:xfrm>
+                <a:off x="4733735" y="6138863"/>
+                <a:ext cx="2724527" cy="400110"/>
+              </a:xfrm>
+              <a:prstGeom prst="rect">
+                <a:avLst/>
+              </a:prstGeom>
+              <a:noFill/>
+            </p:spPr>
+            <p:txBody>
+              <a:bodyPr wrap="none" rtlCol="0">
+                <a:spAutoFit/>
+              </a:bodyPr>
+              <a:lstStyle/>
+              <a:p>
+                <a14:m>
+                  <m:oMathPara xmlns:m="http://schemas.openxmlformats.org/officeDocument/2006/math">
+                    <m:oMathParaPr>
+                      <m:jc m:val="centerGroup"/>
+                    </m:oMathParaPr>
+                    <m:oMath xmlns:m="http://schemas.openxmlformats.org/officeDocument/2006/math">
+                      <m:r>
+                        <a:rPr lang="en-US" sz="2000" i="1" smtClean="0">
+                          <a:solidFill>
+                            <a:schemeClr val="tx1"/>
+                          </a:solidFill>
+                          <a:latin typeface="Cambria Math" panose="02040503050406030204" pitchFamily="18" charset="0"/>
+                        </a:rPr>
+                        <m:t>𝑦</m:t>
+                      </m:r>
+                      <m:r>
+                        <a:rPr lang="en-US" sz="2000" i="1" smtClean="0">
+                          <a:solidFill>
+                            <a:schemeClr val="tx1"/>
+                          </a:solidFill>
+                          <a:latin typeface="Cambria Math" panose="02040503050406030204" pitchFamily="18" charset="0"/>
+                        </a:rPr>
+                        <m:t> = 1.0868</m:t>
+                      </m:r>
+                      <m:r>
+                        <a:rPr lang="en-US" sz="2000" i="1" smtClean="0">
+                          <a:solidFill>
+                            <a:schemeClr val="tx1"/>
+                          </a:solidFill>
+                          <a:latin typeface="Cambria Math" panose="02040503050406030204" pitchFamily="18" charset="0"/>
+                        </a:rPr>
+                        <m:t>𝑥</m:t>
+                      </m:r>
+                      <m:r>
+                        <a:rPr lang="en-US" sz="2000" b="0" i="1" smtClean="0">
+                          <a:solidFill>
+                            <a:schemeClr val="tx1"/>
+                          </a:solidFill>
+                          <a:latin typeface="Cambria Math" panose="02040503050406030204" pitchFamily="18" charset="0"/>
+                        </a:rPr>
+                        <m:t> </m:t>
+                      </m:r>
+                      <m:r>
+                        <a:rPr lang="en-US" sz="2000" i="1" smtClean="0">
+                          <a:solidFill>
+                            <a:schemeClr val="tx1"/>
+                          </a:solidFill>
+                          <a:latin typeface="Cambria Math" panose="02040503050406030204" pitchFamily="18" charset="0"/>
+                        </a:rPr>
+                        <m:t>-</m:t>
+                      </m:r>
+                      <m:r>
+                        <a:rPr lang="en-US" sz="2000" b="0" i="1" smtClean="0">
+                          <a:solidFill>
+                            <a:schemeClr val="tx1"/>
+                          </a:solidFill>
+                          <a:latin typeface="Cambria Math" panose="02040503050406030204" pitchFamily="18" charset="0"/>
+                        </a:rPr>
+                        <m:t> </m:t>
+                      </m:r>
+                      <m:r>
+                        <a:rPr lang="en-US" sz="2000" i="1" smtClean="0">
+                          <a:solidFill>
+                            <a:schemeClr val="tx1"/>
+                          </a:solidFill>
+                          <a:latin typeface="Cambria Math" panose="02040503050406030204" pitchFamily="18" charset="0"/>
+                        </a:rPr>
+                        <m:t>14.643</m:t>
+                      </m:r>
+                    </m:oMath>
+                  </m:oMathPara>
+                </a14:m>
+                <a:endParaRPr lang="en-US" sz="2000" b="0" i="0" dirty="0">
+                  <a:solidFill>
+                    <a:schemeClr val="tx1"/>
+                  </a:solidFill>
+                  <a:effectLst/>
+                  <a:latin typeface="Segoe WPC"/>
+                </a:endParaRPr>
+              </a:p>
+            </p:txBody>
+          </p:sp>
+        </mc:Choice>
+        <mc:Fallback>
+          <p:sp>
+            <p:nvSpPr>
+              <p:cNvPr id="7" name="TextBox 6">
+                <a:extLst>
+                  <a:ext uri="{FF2B5EF4-FFF2-40B4-BE49-F238E27FC236}">
+                    <a16:creationId xmlns:a16="http://schemas.microsoft.com/office/drawing/2014/main" id="{EB8A59D7-54AE-0350-D906-6E9F85B93FAC}"/>
+                  </a:ext>
+                </a:extLst>
+              </p:cNvPr>
+              <p:cNvSpPr txBox="1">
+                <a:spLocks noRot="1" noChangeAspect="1" noMove="1" noResize="1" noEditPoints="1" noAdjustHandles="1" noChangeArrowheads="1" noChangeShapeType="1" noTextEdit="1"/>
+              </p:cNvSpPr>
+              <p:nvPr/>
+            </p:nvSpPr>
+            <p:spPr>
+              <a:xfrm>
+                <a:off x="4733735" y="6138863"/>
+                <a:ext cx="2724527" cy="400110"/>
+              </a:xfrm>
+              <a:prstGeom prst="rect">
+                <a:avLst/>
+              </a:prstGeom>
+              <a:blipFill>
+                <a:blip r:embed="rId4"/>
+                <a:stretch>
+                  <a:fillRect b="-10606"/>
+                </a:stretch>
+              </a:blipFill>
+            </p:spPr>
+            <p:txBody>
+              <a:bodyPr/>
+              <a:lstStyle/>
+              <a:p>
+                <a:r>
+                  <a:rPr lang="en-US">
+                    <a:noFill/>
+                  </a:rPr>
+                  <a:t> </a:t>
+                </a:r>
+              </a:p>
+            </p:txBody>
+          </p:sp>
+        </mc:Fallback>
+      </mc:AlternateContent>
+    </p:spTree>
+    <p:extLst>
+      <p:ext uri="{BB962C8B-B14F-4D97-AF65-F5344CB8AC3E}">
+        <p14:creationId xmlns:p14="http://schemas.microsoft.com/office/powerpoint/2010/main" val="1363602704"/>
+      </p:ext>
+    </p:extLst>
+  </p:cSld>
+  <p:clrMapOvr>
+    <a:masterClrMapping/>
+  </p:clrMapOvr>
+</p:sld>
+</file>
+
 <file path=ppt/theme/theme1.xml><?xml version="1.0" encoding="utf-8"?>
 <a:theme xmlns:a="http://schemas.openxmlformats.org/drawingml/2006/main" name="Office Theme">
   <a:themeElements>

--- a/Slides_6.pptx
+++ b/Slides_6.pptx
@@ -6,10 +6,12 @@
   </p:sldMasterIdLst>
   <p:sldIdLst>
     <p:sldId id="257" r:id="rId2"/>
-    <p:sldId id="258" r:id="rId3"/>
-    <p:sldId id="259" r:id="rId4"/>
-    <p:sldId id="260" r:id="rId5"/>
-    <p:sldId id="261" r:id="rId6"/>
+    <p:sldId id="262" r:id="rId3"/>
+    <p:sldId id="263" r:id="rId4"/>
+    <p:sldId id="258" r:id="rId5"/>
+    <p:sldId id="259" r:id="rId6"/>
+    <p:sldId id="260" r:id="rId7"/>
+    <p:sldId id="261" r:id="rId8"/>
   </p:sldIdLst>
   <p:sldSz cx="12192000" cy="6858000"/>
   <p:notesSz cx="6858000" cy="9144000"/>
@@ -108,6 +110,11 @@
       </a:defRPr>
     </a:lvl9pPr>
   </p:defaultTextStyle>
+  <p:extLst>
+    <p:ext uri="{EFAFB233-063F-42B5-8137-9DF3F51BA10A}">
+      <p15:sldGuideLst xmlns:p15="http://schemas.microsoft.com/office/powerpoint/2012/main"/>
+    </p:ext>
+  </p:extLst>
 </p:presentation>
 </file>
 
@@ -258,7 +265,7 @@
           <a:p>
             <a:fld id="{304CBF68-AF7A-4CF6-B1FB-7BFF4689EE92}" type="datetimeFigureOut">
               <a:rPr lang="en-US" smtClean="0"/>
-              <a:t>1/30/2023</a:t>
+              <a:t>1/31/2023</a:t>
             </a:fld>
             <a:endParaRPr lang="en-US"/>
           </a:p>
@@ -456,7 +463,7 @@
           <a:p>
             <a:fld id="{304CBF68-AF7A-4CF6-B1FB-7BFF4689EE92}" type="datetimeFigureOut">
               <a:rPr lang="en-US" smtClean="0"/>
-              <a:t>1/30/2023</a:t>
+              <a:t>1/31/2023</a:t>
             </a:fld>
             <a:endParaRPr lang="en-US"/>
           </a:p>
@@ -664,7 +671,7 @@
           <a:p>
             <a:fld id="{304CBF68-AF7A-4CF6-B1FB-7BFF4689EE92}" type="datetimeFigureOut">
               <a:rPr lang="en-US" smtClean="0"/>
-              <a:t>1/30/2023</a:t>
+              <a:t>1/31/2023</a:t>
             </a:fld>
             <a:endParaRPr lang="en-US"/>
           </a:p>
@@ -862,7 +869,7 @@
           <a:p>
             <a:fld id="{304CBF68-AF7A-4CF6-B1FB-7BFF4689EE92}" type="datetimeFigureOut">
               <a:rPr lang="en-US" smtClean="0"/>
-              <a:t>1/30/2023</a:t>
+              <a:t>1/31/2023</a:t>
             </a:fld>
             <a:endParaRPr lang="en-US"/>
           </a:p>
@@ -1137,7 +1144,7 @@
           <a:p>
             <a:fld id="{304CBF68-AF7A-4CF6-B1FB-7BFF4689EE92}" type="datetimeFigureOut">
               <a:rPr lang="en-US" smtClean="0"/>
-              <a:t>1/30/2023</a:t>
+              <a:t>1/31/2023</a:t>
             </a:fld>
             <a:endParaRPr lang="en-US"/>
           </a:p>
@@ -1402,7 +1409,7 @@
           <a:p>
             <a:fld id="{304CBF68-AF7A-4CF6-B1FB-7BFF4689EE92}" type="datetimeFigureOut">
               <a:rPr lang="en-US" smtClean="0"/>
-              <a:t>1/30/2023</a:t>
+              <a:t>1/31/2023</a:t>
             </a:fld>
             <a:endParaRPr lang="en-US"/>
           </a:p>
@@ -1814,7 +1821,7 @@
           <a:p>
             <a:fld id="{304CBF68-AF7A-4CF6-B1FB-7BFF4689EE92}" type="datetimeFigureOut">
               <a:rPr lang="en-US" smtClean="0"/>
-              <a:t>1/30/2023</a:t>
+              <a:t>1/31/2023</a:t>
             </a:fld>
             <a:endParaRPr lang="en-US"/>
           </a:p>
@@ -1955,7 +1962,7 @@
           <a:p>
             <a:fld id="{304CBF68-AF7A-4CF6-B1FB-7BFF4689EE92}" type="datetimeFigureOut">
               <a:rPr lang="en-US" smtClean="0"/>
-              <a:t>1/30/2023</a:t>
+              <a:t>1/31/2023</a:t>
             </a:fld>
             <a:endParaRPr lang="en-US"/>
           </a:p>
@@ -2068,7 +2075,7 @@
           <a:p>
             <a:fld id="{304CBF68-AF7A-4CF6-B1FB-7BFF4689EE92}" type="datetimeFigureOut">
               <a:rPr lang="en-US" smtClean="0"/>
-              <a:t>1/30/2023</a:t>
+              <a:t>1/31/2023</a:t>
             </a:fld>
             <a:endParaRPr lang="en-US"/>
           </a:p>
@@ -2379,7 +2386,7 @@
           <a:p>
             <a:fld id="{304CBF68-AF7A-4CF6-B1FB-7BFF4689EE92}" type="datetimeFigureOut">
               <a:rPr lang="en-US" smtClean="0"/>
-              <a:t>1/30/2023</a:t>
+              <a:t>1/31/2023</a:t>
             </a:fld>
             <a:endParaRPr lang="en-US"/>
           </a:p>
@@ -2667,7 +2674,7 @@
           <a:p>
             <a:fld id="{304CBF68-AF7A-4CF6-B1FB-7BFF4689EE92}" type="datetimeFigureOut">
               <a:rPr lang="en-US" smtClean="0"/>
-              <a:t>1/30/2023</a:t>
+              <a:t>1/31/2023</a:t>
             </a:fld>
             <a:endParaRPr lang="en-US"/>
           </a:p>
@@ -2908,7 +2915,7 @@
           <a:p>
             <a:fld id="{304CBF68-AF7A-4CF6-B1FB-7BFF4689EE92}" type="datetimeFigureOut">
               <a:rPr lang="en-US" smtClean="0"/>
-              <a:t>1/30/2023</a:t>
+              <a:t>1/31/2023</a:t>
             </a:fld>
             <a:endParaRPr lang="en-US"/>
           </a:p>
@@ -3415,6 +3422,1990 @@
 <file path=ppt/slides/slide2.xml><?xml version="1.0" encoding="utf-8"?>
 <p:sld xmlns:a="http://schemas.openxmlformats.org/drawingml/2006/main" xmlns:r="http://schemas.openxmlformats.org/officeDocument/2006/relationships" xmlns:p="http://schemas.openxmlformats.org/presentationml/2006/main">
   <p:cSld>
+    <p:bg>
+      <p:bgPr>
+        <a:solidFill>
+          <a:schemeClr val="bg1"/>
+        </a:solidFill>
+        <a:effectLst/>
+      </p:bgPr>
+    </p:bg>
+    <p:spTree>
+      <p:nvGrpSpPr>
+        <p:cNvPr id="1" name=""/>
+        <p:cNvGrpSpPr/>
+        <p:nvPr/>
+      </p:nvGrpSpPr>
+      <p:grpSpPr>
+        <a:xfrm>
+          <a:off x="0" y="0"/>
+          <a:ext cx="0" cy="0"/>
+          <a:chOff x="0" y="0"/>
+          <a:chExt cx="0" cy="0"/>
+        </a:xfrm>
+      </p:grpSpPr>
+      <p:sp useBgFill="1">
+        <p:nvSpPr>
+          <p:cNvPr id="10" name="Rectangle 9">
+            <a:extLst>
+              <a:ext uri="{FF2B5EF4-FFF2-40B4-BE49-F238E27FC236}">
+                <a16:creationId xmlns:a16="http://schemas.microsoft.com/office/drawing/2014/main" id="{3E443FD7-A66B-4AA0-872D-B088B9BC5F17}"/>
+              </a:ext>
+              <a:ext uri="{C183D7F6-B498-43B3-948B-1728B52AA6E4}">
+                <adec:decorative xmlns:adec="http://schemas.microsoft.com/office/drawing/2017/decorative" val="1"/>
+              </a:ext>
+            </a:extLst>
+          </p:cNvPr>
+          <p:cNvSpPr>
+            <a:spLocks noGrp="1" noRot="1" noChangeAspect="1" noMove="1" noResize="1" noEditPoints="1" noAdjustHandles="1" noChangeArrowheads="1" noChangeShapeType="1" noTextEdit="1"/>
+          </p:cNvSpPr>
+          <p:nvPr>
+            <p:extLst>
+              <p:ext uri="{386F3935-93C4-4BCD-93E2-E3B085C9AB24}">
+                <p16:designElem xmlns:p16="http://schemas.microsoft.com/office/powerpoint/2015/main" val="1"/>
+              </p:ext>
+            </p:extLst>
+          </p:nvPr>
+        </p:nvSpPr>
+        <p:spPr>
+          <a:xfrm>
+            <a:off x="0" y="0"/>
+            <a:ext cx="12192000" cy="6858000"/>
+          </a:xfrm>
+          <a:prstGeom prst="rect">
+            <a:avLst/>
+          </a:prstGeom>
+          <a:ln>
+            <a:noFill/>
+          </a:ln>
+        </p:spPr>
+        <p:style>
+          <a:lnRef idx="2">
+            <a:schemeClr val="accent1">
+              <a:shade val="50000"/>
+            </a:schemeClr>
+          </a:lnRef>
+          <a:fillRef idx="1">
+            <a:schemeClr val="accent1"/>
+          </a:fillRef>
+          <a:effectRef idx="0">
+            <a:schemeClr val="accent1"/>
+          </a:effectRef>
+          <a:fontRef idx="minor">
+            <a:schemeClr val="lt1"/>
+          </a:fontRef>
+        </p:style>
+        <p:txBody>
+          <a:bodyPr rtlCol="0" anchor="ctr"/>
+          <a:lstStyle/>
+          <a:p>
+            <a:pPr algn="ctr"/>
+            <a:endParaRPr lang="en-US"/>
+          </a:p>
+        </p:txBody>
+      </p:sp>
+      <p:sp>
+        <p:nvSpPr>
+          <p:cNvPr id="2" name="Title 1">
+            <a:extLst>
+              <a:ext uri="{FF2B5EF4-FFF2-40B4-BE49-F238E27FC236}">
+                <a16:creationId xmlns:a16="http://schemas.microsoft.com/office/drawing/2014/main" id="{4BEE1493-3EF8-FC24-2A1D-FFA204BE3B83}"/>
+              </a:ext>
+            </a:extLst>
+          </p:cNvPr>
+          <p:cNvSpPr>
+            <a:spLocks noGrp="1"/>
+          </p:cNvSpPr>
+          <p:nvPr>
+            <p:ph type="title"/>
+          </p:nvPr>
+        </p:nvSpPr>
+        <p:spPr>
+          <a:xfrm>
+            <a:off x="1094095" y="851517"/>
+            <a:ext cx="5238466" cy="2991416"/>
+          </a:xfrm>
+        </p:spPr>
+        <p:txBody>
+          <a:bodyPr vert="horz" lIns="91440" tIns="45720" rIns="91440" bIns="45720" rtlCol="0" anchor="b">
+            <a:normAutofit/>
+          </a:bodyPr>
+          <a:lstStyle/>
+          <a:p>
+            <a:r>
+              <a:rPr lang="en-US" kern="1200">
+                <a:solidFill>
+                  <a:schemeClr val="tx1"/>
+                </a:solidFill>
+                <a:latin typeface="+mj-lt"/>
+                <a:ea typeface="+mj-ea"/>
+                <a:cs typeface="+mj-cs"/>
+              </a:rPr>
+              <a:t>Gradient</a:t>
+            </a:r>
+          </a:p>
+        </p:txBody>
+      </p:sp>
+      <p:sp>
+        <p:nvSpPr>
+          <p:cNvPr id="3" name="Text Placeholder 2">
+            <a:extLst>
+              <a:ext uri="{FF2B5EF4-FFF2-40B4-BE49-F238E27FC236}">
+                <a16:creationId xmlns:a16="http://schemas.microsoft.com/office/drawing/2014/main" id="{8467D103-46EB-AF59-D018-C094A30A5313}"/>
+              </a:ext>
+            </a:extLst>
+          </p:cNvPr>
+          <p:cNvSpPr>
+            <a:spLocks noGrp="1"/>
+          </p:cNvSpPr>
+          <p:nvPr>
+            <p:ph type="body" idx="1"/>
+          </p:nvPr>
+        </p:nvSpPr>
+        <p:spPr>
+          <a:xfrm>
+            <a:off x="1094096" y="3842932"/>
+            <a:ext cx="4167115" cy="2163551"/>
+          </a:xfrm>
+        </p:spPr>
+        <p:txBody>
+          <a:bodyPr vert="horz" lIns="91440" tIns="45720" rIns="91440" bIns="45720" rtlCol="0" anchor="t">
+            <a:normAutofit/>
+          </a:bodyPr>
+          <a:lstStyle/>
+          <a:p>
+            <a:endParaRPr lang="en-US" sz="2400" kern="1200">
+              <a:solidFill>
+                <a:schemeClr val="tx1"/>
+              </a:solidFill>
+              <a:latin typeface="+mn-lt"/>
+              <a:ea typeface="+mn-ea"/>
+              <a:cs typeface="+mn-cs"/>
+            </a:endParaRPr>
+          </a:p>
+        </p:txBody>
+      </p:sp>
+      <p:sp>
+        <p:nvSpPr>
+          <p:cNvPr id="12" name="Freeform: Shape 11">
+            <a:extLst>
+              <a:ext uri="{FF2B5EF4-FFF2-40B4-BE49-F238E27FC236}">
+                <a16:creationId xmlns:a16="http://schemas.microsoft.com/office/drawing/2014/main" id="{C04BE0EF-3561-49B4-9A29-F283168A91C7}"/>
+              </a:ext>
+              <a:ext uri="{C183D7F6-B498-43B3-948B-1728B52AA6E4}">
+                <adec:decorative xmlns:adec="http://schemas.microsoft.com/office/drawing/2017/decorative" val="1"/>
+              </a:ext>
+            </a:extLst>
+          </p:cNvPr>
+          <p:cNvSpPr>
+            <a:spLocks noGrp="1" noRot="1" noChangeAspect="1" noMove="1" noResize="1" noEditPoints="1" noAdjustHandles="1" noChangeArrowheads="1" noChangeShapeType="1" noTextEdit="1"/>
+          </p:cNvSpPr>
+          <p:nvPr>
+            <p:extLst>
+              <p:ext uri="{386F3935-93C4-4BCD-93E2-E3B085C9AB24}">
+                <p16:designElem xmlns:p16="http://schemas.microsoft.com/office/powerpoint/2015/main" val="1"/>
+              </p:ext>
+            </p:extLst>
+          </p:nvPr>
+        </p:nvSpPr>
+        <p:spPr>
+          <a:xfrm>
+            <a:off x="5510370" y="851518"/>
+            <a:ext cx="6184806" cy="5154967"/>
+          </a:xfrm>
+          <a:custGeom>
+            <a:avLst/>
+            <a:gdLst>
+              <a:gd name="connsiteX0" fmla="*/ 363179 w 6184806"/>
+              <a:gd name="connsiteY0" fmla="*/ 3125191 h 5154967"/>
+              <a:gd name="connsiteX1" fmla="*/ 898270 w 6184806"/>
+              <a:gd name="connsiteY1" fmla="*/ 3125191 h 5154967"/>
+              <a:gd name="connsiteX2" fmla="*/ 980326 w 6184806"/>
+              <a:gd name="connsiteY2" fmla="*/ 3173551 h 5154967"/>
+              <a:gd name="connsiteX3" fmla="*/ 1248448 w 6184806"/>
+              <a:gd name="connsiteY3" fmla="*/ 3635277 h 5154967"/>
+              <a:gd name="connsiteX4" fmla="*/ 1248448 w 6184806"/>
+              <a:gd name="connsiteY4" fmla="*/ 3729695 h 5154967"/>
+              <a:gd name="connsiteX5" fmla="*/ 980326 w 6184806"/>
+              <a:gd name="connsiteY5" fmla="*/ 4191421 h 5154967"/>
+              <a:gd name="connsiteX6" fmla="*/ 898270 w 6184806"/>
+              <a:gd name="connsiteY6" fmla="*/ 4239781 h 5154967"/>
+              <a:gd name="connsiteX7" fmla="*/ 363179 w 6184806"/>
+              <a:gd name="connsiteY7" fmla="*/ 4239781 h 5154967"/>
+              <a:gd name="connsiteX8" fmla="*/ 279969 w 6184806"/>
+              <a:gd name="connsiteY8" fmla="*/ 4191421 h 5154967"/>
+              <a:gd name="connsiteX9" fmla="*/ 13002 w 6184806"/>
+              <a:gd name="connsiteY9" fmla="*/ 3729695 h 5154967"/>
+              <a:gd name="connsiteX10" fmla="*/ 13002 w 6184806"/>
+              <a:gd name="connsiteY10" fmla="*/ 3635277 h 5154967"/>
+              <a:gd name="connsiteX11" fmla="*/ 279969 w 6184806"/>
+              <a:gd name="connsiteY11" fmla="*/ 3173551 h 5154967"/>
+              <a:gd name="connsiteX12" fmla="*/ 363179 w 6184806"/>
+              <a:gd name="connsiteY12" fmla="*/ 3125191 h 5154967"/>
+              <a:gd name="connsiteX13" fmla="*/ 2489721 w 6184806"/>
+              <a:gd name="connsiteY13" fmla="*/ 570035 h 5154967"/>
+              <a:gd name="connsiteX14" fmla="*/ 2764862 w 6184806"/>
+              <a:gd name="connsiteY14" fmla="*/ 570035 h 5154967"/>
+              <a:gd name="connsiteX15" fmla="*/ 2796959 w 6184806"/>
+              <a:gd name="connsiteY15" fmla="*/ 570035 h 5154967"/>
+              <a:gd name="connsiteX16" fmla="*/ 2827587 w 6184806"/>
+              <a:gd name="connsiteY16" fmla="*/ 622777 h 5154967"/>
+              <a:gd name="connsiteX17" fmla="*/ 2977604 w 6184806"/>
+              <a:gd name="connsiteY17" fmla="*/ 881117 h 5154967"/>
+              <a:gd name="connsiteX18" fmla="*/ 2977604 w 6184806"/>
+              <a:gd name="connsiteY18" fmla="*/ 1025720 h 5154967"/>
+              <a:gd name="connsiteX19" fmla="*/ 2566968 w 6184806"/>
+              <a:gd name="connsiteY19" fmla="*/ 1732863 h 5154967"/>
+              <a:gd name="connsiteX20" fmla="*/ 2441299 w 6184806"/>
+              <a:gd name="connsiteY20" fmla="*/ 1806927 h 5154967"/>
+              <a:gd name="connsiteX21" fmla="*/ 1621798 w 6184806"/>
+              <a:gd name="connsiteY21" fmla="*/ 1806927 h 5154967"/>
+              <a:gd name="connsiteX22" fmla="*/ 1583218 w 6184806"/>
+              <a:gd name="connsiteY22" fmla="*/ 1801802 h 5154967"/>
+              <a:gd name="connsiteX23" fmla="*/ 1556683 w 6184806"/>
+              <a:gd name="connsiteY23" fmla="*/ 1790677 h 5154967"/>
+              <a:gd name="connsiteX24" fmla="*/ 1572899 w 6184806"/>
+              <a:gd name="connsiteY24" fmla="*/ 1762630 h 5154967"/>
+              <a:gd name="connsiteX25" fmla="*/ 2147429 w 6184806"/>
+              <a:gd name="connsiteY25" fmla="*/ 768968 h 5154967"/>
+              <a:gd name="connsiteX26" fmla="*/ 2489721 w 6184806"/>
+              <a:gd name="connsiteY26" fmla="*/ 570035 h 5154967"/>
+              <a:gd name="connsiteX27" fmla="*/ 1573268 w 6184806"/>
+              <a:gd name="connsiteY27" fmla="*/ 0 h 5154967"/>
+              <a:gd name="connsiteX28" fmla="*/ 2497662 w 6184806"/>
+              <a:gd name="connsiteY28" fmla="*/ 0 h 5154967"/>
+              <a:gd name="connsiteX29" fmla="*/ 2639415 w 6184806"/>
+              <a:gd name="connsiteY29" fmla="*/ 83546 h 5154967"/>
+              <a:gd name="connsiteX30" fmla="*/ 2887862 w 6184806"/>
+              <a:gd name="connsiteY30" fmla="*/ 511387 h 5154967"/>
+              <a:gd name="connsiteX31" fmla="*/ 2915928 w 6184806"/>
+              <a:gd name="connsiteY31" fmla="*/ 559720 h 5154967"/>
+              <a:gd name="connsiteX32" fmla="*/ 2893844 w 6184806"/>
+              <a:gd name="connsiteY32" fmla="*/ 559720 h 5154967"/>
+              <a:gd name="connsiteX33" fmla="*/ 2789466 w 6184806"/>
+              <a:gd name="connsiteY33" fmla="*/ 559720 h 5154967"/>
+              <a:gd name="connsiteX34" fmla="*/ 2744122 w 6184806"/>
+              <a:gd name="connsiteY34" fmla="*/ 481634 h 5154967"/>
+              <a:gd name="connsiteX35" fmla="*/ 2570885 w 6184806"/>
+              <a:gd name="connsiteY35" fmla="*/ 183309 h 5154967"/>
+              <a:gd name="connsiteX36" fmla="*/ 2445216 w 6184806"/>
+              <a:gd name="connsiteY36" fmla="*/ 109243 h 5154967"/>
+              <a:gd name="connsiteX37" fmla="*/ 1625714 w 6184806"/>
+              <a:gd name="connsiteY37" fmla="*/ 109243 h 5154967"/>
+              <a:gd name="connsiteX38" fmla="*/ 1498276 w 6184806"/>
+              <a:gd name="connsiteY38" fmla="*/ 183309 h 5154967"/>
+              <a:gd name="connsiteX39" fmla="*/ 1089410 w 6184806"/>
+              <a:gd name="connsiteY39" fmla="*/ 890450 h 5154967"/>
+              <a:gd name="connsiteX40" fmla="*/ 1089410 w 6184806"/>
+              <a:gd name="connsiteY40" fmla="*/ 1035054 h 5154967"/>
+              <a:gd name="connsiteX41" fmla="*/ 1498276 w 6184806"/>
+              <a:gd name="connsiteY41" fmla="*/ 1742196 h 5154967"/>
+              <a:gd name="connsiteX42" fmla="*/ 1552039 w 6184806"/>
+              <a:gd name="connsiteY42" fmla="*/ 1796422 h 5154967"/>
+              <a:gd name="connsiteX43" fmla="*/ 1558260 w 6184806"/>
+              <a:gd name="connsiteY43" fmla="*/ 1799029 h 5154967"/>
+              <a:gd name="connsiteX44" fmla="*/ 1524911 w 6184806"/>
+              <a:gd name="connsiteY44" fmla="*/ 1856707 h 5154967"/>
+              <a:gd name="connsiteX45" fmla="*/ 1500108 w 6184806"/>
+              <a:gd name="connsiteY45" fmla="*/ 1899604 h 5154967"/>
+              <a:gd name="connsiteX46" fmla="*/ 1525834 w 6184806"/>
+              <a:gd name="connsiteY46" fmla="*/ 1910390 h 5154967"/>
+              <a:gd name="connsiteX47" fmla="*/ 1569352 w 6184806"/>
+              <a:gd name="connsiteY47" fmla="*/ 1916170 h 5154967"/>
+              <a:gd name="connsiteX48" fmla="*/ 2493745 w 6184806"/>
+              <a:gd name="connsiteY48" fmla="*/ 1916170 h 5154967"/>
+              <a:gd name="connsiteX49" fmla="*/ 2635498 w 6184806"/>
+              <a:gd name="connsiteY49" fmla="*/ 1832627 h 5154967"/>
+              <a:gd name="connsiteX50" fmla="*/ 3098693 w 6184806"/>
+              <a:gd name="connsiteY50" fmla="*/ 1034974 h 5154967"/>
+              <a:gd name="connsiteX51" fmla="*/ 3098693 w 6184806"/>
+              <a:gd name="connsiteY51" fmla="*/ 871863 h 5154967"/>
+              <a:gd name="connsiteX52" fmla="*/ 2945803 w 6184806"/>
+              <a:gd name="connsiteY52" fmla="*/ 608576 h 5154967"/>
+              <a:gd name="connsiteX53" fmla="*/ 2923422 w 6184806"/>
+              <a:gd name="connsiteY53" fmla="*/ 570035 h 5154967"/>
+              <a:gd name="connsiteX54" fmla="*/ 3027104 w 6184806"/>
+              <a:gd name="connsiteY54" fmla="*/ 570035 h 5154967"/>
+              <a:gd name="connsiteX55" fmla="*/ 4690846 w 6184806"/>
+              <a:gd name="connsiteY55" fmla="*/ 570035 h 5154967"/>
+              <a:gd name="connsiteX56" fmla="*/ 5028384 w 6184806"/>
+              <a:gd name="connsiteY56" fmla="*/ 768968 h 5154967"/>
+              <a:gd name="connsiteX57" fmla="*/ 6131323 w 6184806"/>
+              <a:gd name="connsiteY57" fmla="*/ 2668304 h 5154967"/>
+              <a:gd name="connsiteX58" fmla="*/ 6131323 w 6184806"/>
+              <a:gd name="connsiteY58" fmla="*/ 3056698 h 5154967"/>
+              <a:gd name="connsiteX59" fmla="*/ 5028384 w 6184806"/>
+              <a:gd name="connsiteY59" fmla="*/ 4956035 h 5154967"/>
+              <a:gd name="connsiteX60" fmla="*/ 4690846 w 6184806"/>
+              <a:gd name="connsiteY60" fmla="*/ 5154967 h 5154967"/>
+              <a:gd name="connsiteX61" fmla="*/ 2489721 w 6184806"/>
+              <a:gd name="connsiteY61" fmla="*/ 5154967 h 5154967"/>
+              <a:gd name="connsiteX62" fmla="*/ 2147429 w 6184806"/>
+              <a:gd name="connsiteY62" fmla="*/ 4956035 h 5154967"/>
+              <a:gd name="connsiteX63" fmla="*/ 1049243 w 6184806"/>
+              <a:gd name="connsiteY63" fmla="*/ 3056698 h 5154967"/>
+              <a:gd name="connsiteX64" fmla="*/ 1049243 w 6184806"/>
+              <a:gd name="connsiteY64" fmla="*/ 2668304 h 5154967"/>
+              <a:gd name="connsiteX65" fmla="*/ 1457007 w 6184806"/>
+              <a:gd name="connsiteY65" fmla="*/ 1963067 h 5154967"/>
+              <a:gd name="connsiteX66" fmla="*/ 1491373 w 6184806"/>
+              <a:gd name="connsiteY66" fmla="*/ 1903634 h 5154967"/>
+              <a:gd name="connsiteX67" fmla="*/ 1490164 w 6184806"/>
+              <a:gd name="connsiteY67" fmla="*/ 1903127 h 5154967"/>
+              <a:gd name="connsiteX68" fmla="*/ 1429519 w 6184806"/>
+              <a:gd name="connsiteY68" fmla="*/ 1841960 h 5154967"/>
+              <a:gd name="connsiteX69" fmla="*/ 968320 w 6184806"/>
+              <a:gd name="connsiteY69" fmla="*/ 1044307 h 5154967"/>
+              <a:gd name="connsiteX70" fmla="*/ 968320 w 6184806"/>
+              <a:gd name="connsiteY70" fmla="*/ 881196 h 5154967"/>
+              <a:gd name="connsiteX71" fmla="*/ 1429519 w 6184806"/>
+              <a:gd name="connsiteY71" fmla="*/ 83546 h 5154967"/>
+              <a:gd name="connsiteX72" fmla="*/ 1573268 w 6184806"/>
+              <a:gd name="connsiteY72" fmla="*/ 0 h 5154967"/>
+            </a:gdLst>
+            <a:ahLst/>
+            <a:cxnLst>
+              <a:cxn ang="0">
+                <a:pos x="connsiteX0" y="connsiteY0"/>
+              </a:cxn>
+              <a:cxn ang="0">
+                <a:pos x="connsiteX1" y="connsiteY1"/>
+              </a:cxn>
+              <a:cxn ang="0">
+                <a:pos x="connsiteX2" y="connsiteY2"/>
+              </a:cxn>
+              <a:cxn ang="0">
+                <a:pos x="connsiteX3" y="connsiteY3"/>
+              </a:cxn>
+              <a:cxn ang="0">
+                <a:pos x="connsiteX4" y="connsiteY4"/>
+              </a:cxn>
+              <a:cxn ang="0">
+                <a:pos x="connsiteX5" y="connsiteY5"/>
+              </a:cxn>
+              <a:cxn ang="0">
+                <a:pos x="connsiteX6" y="connsiteY6"/>
+              </a:cxn>
+              <a:cxn ang="0">
+                <a:pos x="connsiteX7" y="connsiteY7"/>
+              </a:cxn>
+              <a:cxn ang="0">
+                <a:pos x="connsiteX8" y="connsiteY8"/>
+              </a:cxn>
+              <a:cxn ang="0">
+                <a:pos x="connsiteX9" y="connsiteY9"/>
+              </a:cxn>
+              <a:cxn ang="0">
+                <a:pos x="connsiteX10" y="connsiteY10"/>
+              </a:cxn>
+              <a:cxn ang="0">
+                <a:pos x="connsiteX11" y="connsiteY11"/>
+              </a:cxn>
+              <a:cxn ang="0">
+                <a:pos x="connsiteX12" y="connsiteY12"/>
+              </a:cxn>
+              <a:cxn ang="0">
+                <a:pos x="connsiteX13" y="connsiteY13"/>
+              </a:cxn>
+              <a:cxn ang="0">
+                <a:pos x="connsiteX14" y="connsiteY14"/>
+              </a:cxn>
+              <a:cxn ang="0">
+                <a:pos x="connsiteX15" y="connsiteY15"/>
+              </a:cxn>
+              <a:cxn ang="0">
+                <a:pos x="connsiteX16" y="connsiteY16"/>
+              </a:cxn>
+              <a:cxn ang="0">
+                <a:pos x="connsiteX17" y="connsiteY17"/>
+              </a:cxn>
+              <a:cxn ang="0">
+                <a:pos x="connsiteX18" y="connsiteY18"/>
+              </a:cxn>
+              <a:cxn ang="0">
+                <a:pos x="connsiteX19" y="connsiteY19"/>
+              </a:cxn>
+              <a:cxn ang="0">
+                <a:pos x="connsiteX20" y="connsiteY20"/>
+              </a:cxn>
+              <a:cxn ang="0">
+                <a:pos x="connsiteX21" y="connsiteY21"/>
+              </a:cxn>
+              <a:cxn ang="0">
+                <a:pos x="connsiteX22" y="connsiteY22"/>
+              </a:cxn>
+              <a:cxn ang="0">
+                <a:pos x="connsiteX23" y="connsiteY23"/>
+              </a:cxn>
+              <a:cxn ang="0">
+                <a:pos x="connsiteX24" y="connsiteY24"/>
+              </a:cxn>
+              <a:cxn ang="0">
+                <a:pos x="connsiteX25" y="connsiteY25"/>
+              </a:cxn>
+              <a:cxn ang="0">
+                <a:pos x="connsiteX26" y="connsiteY26"/>
+              </a:cxn>
+              <a:cxn ang="0">
+                <a:pos x="connsiteX27" y="connsiteY27"/>
+              </a:cxn>
+              <a:cxn ang="0">
+                <a:pos x="connsiteX28" y="connsiteY28"/>
+              </a:cxn>
+              <a:cxn ang="0">
+                <a:pos x="connsiteX29" y="connsiteY29"/>
+              </a:cxn>
+              <a:cxn ang="0">
+                <a:pos x="connsiteX30" y="connsiteY30"/>
+              </a:cxn>
+              <a:cxn ang="0">
+                <a:pos x="connsiteX31" y="connsiteY31"/>
+              </a:cxn>
+              <a:cxn ang="0">
+                <a:pos x="connsiteX32" y="connsiteY32"/>
+              </a:cxn>
+              <a:cxn ang="0">
+                <a:pos x="connsiteX33" y="connsiteY33"/>
+              </a:cxn>
+              <a:cxn ang="0">
+                <a:pos x="connsiteX34" y="connsiteY34"/>
+              </a:cxn>
+              <a:cxn ang="0">
+                <a:pos x="connsiteX35" y="connsiteY35"/>
+              </a:cxn>
+              <a:cxn ang="0">
+                <a:pos x="connsiteX36" y="connsiteY36"/>
+              </a:cxn>
+              <a:cxn ang="0">
+                <a:pos x="connsiteX37" y="connsiteY37"/>
+              </a:cxn>
+              <a:cxn ang="0">
+                <a:pos x="connsiteX38" y="connsiteY38"/>
+              </a:cxn>
+              <a:cxn ang="0">
+                <a:pos x="connsiteX39" y="connsiteY39"/>
+              </a:cxn>
+              <a:cxn ang="0">
+                <a:pos x="connsiteX40" y="connsiteY40"/>
+              </a:cxn>
+              <a:cxn ang="0">
+                <a:pos x="connsiteX41" y="connsiteY41"/>
+              </a:cxn>
+              <a:cxn ang="0">
+                <a:pos x="connsiteX42" y="connsiteY42"/>
+              </a:cxn>
+              <a:cxn ang="0">
+                <a:pos x="connsiteX43" y="connsiteY43"/>
+              </a:cxn>
+              <a:cxn ang="0">
+                <a:pos x="connsiteX44" y="connsiteY44"/>
+              </a:cxn>
+              <a:cxn ang="0">
+                <a:pos x="connsiteX45" y="connsiteY45"/>
+              </a:cxn>
+              <a:cxn ang="0">
+                <a:pos x="connsiteX46" y="connsiteY46"/>
+              </a:cxn>
+              <a:cxn ang="0">
+                <a:pos x="connsiteX47" y="connsiteY47"/>
+              </a:cxn>
+              <a:cxn ang="0">
+                <a:pos x="connsiteX48" y="connsiteY48"/>
+              </a:cxn>
+              <a:cxn ang="0">
+                <a:pos x="connsiteX49" y="connsiteY49"/>
+              </a:cxn>
+              <a:cxn ang="0">
+                <a:pos x="connsiteX50" y="connsiteY50"/>
+              </a:cxn>
+              <a:cxn ang="0">
+                <a:pos x="connsiteX51" y="connsiteY51"/>
+              </a:cxn>
+              <a:cxn ang="0">
+                <a:pos x="connsiteX52" y="connsiteY52"/>
+              </a:cxn>
+              <a:cxn ang="0">
+                <a:pos x="connsiteX53" y="connsiteY53"/>
+              </a:cxn>
+              <a:cxn ang="0">
+                <a:pos x="connsiteX54" y="connsiteY54"/>
+              </a:cxn>
+              <a:cxn ang="0">
+                <a:pos x="connsiteX55" y="connsiteY55"/>
+              </a:cxn>
+              <a:cxn ang="0">
+                <a:pos x="connsiteX56" y="connsiteY56"/>
+              </a:cxn>
+              <a:cxn ang="0">
+                <a:pos x="connsiteX57" y="connsiteY57"/>
+              </a:cxn>
+              <a:cxn ang="0">
+                <a:pos x="connsiteX58" y="connsiteY58"/>
+              </a:cxn>
+              <a:cxn ang="0">
+                <a:pos x="connsiteX59" y="connsiteY59"/>
+              </a:cxn>
+              <a:cxn ang="0">
+                <a:pos x="connsiteX60" y="connsiteY60"/>
+              </a:cxn>
+              <a:cxn ang="0">
+                <a:pos x="connsiteX61" y="connsiteY61"/>
+              </a:cxn>
+              <a:cxn ang="0">
+                <a:pos x="connsiteX62" y="connsiteY62"/>
+              </a:cxn>
+              <a:cxn ang="0">
+                <a:pos x="connsiteX63" y="connsiteY63"/>
+              </a:cxn>
+              <a:cxn ang="0">
+                <a:pos x="connsiteX64" y="connsiteY64"/>
+              </a:cxn>
+              <a:cxn ang="0">
+                <a:pos x="connsiteX65" y="connsiteY65"/>
+              </a:cxn>
+              <a:cxn ang="0">
+                <a:pos x="connsiteX66" y="connsiteY66"/>
+              </a:cxn>
+              <a:cxn ang="0">
+                <a:pos x="connsiteX67" y="connsiteY67"/>
+              </a:cxn>
+              <a:cxn ang="0">
+                <a:pos x="connsiteX68" y="connsiteY68"/>
+              </a:cxn>
+              <a:cxn ang="0">
+                <a:pos x="connsiteX69" y="connsiteY69"/>
+              </a:cxn>
+              <a:cxn ang="0">
+                <a:pos x="connsiteX70" y="connsiteY70"/>
+              </a:cxn>
+              <a:cxn ang="0">
+                <a:pos x="connsiteX71" y="connsiteY71"/>
+              </a:cxn>
+              <a:cxn ang="0">
+                <a:pos x="connsiteX72" y="connsiteY72"/>
+              </a:cxn>
+            </a:cxnLst>
+            <a:rect l="l" t="t" r="r" b="b"/>
+            <a:pathLst>
+              <a:path w="6184806" h="5154967">
+                <a:moveTo>
+                  <a:pt x="363179" y="3125191"/>
+                </a:moveTo>
+                <a:cubicBezTo>
+                  <a:pt x="363179" y="3125191"/>
+                  <a:pt x="363179" y="3125191"/>
+                  <a:pt x="898270" y="3125191"/>
+                </a:cubicBezTo>
+                <a:cubicBezTo>
+                  <a:pt x="931786" y="3125191"/>
+                  <a:pt x="964145" y="3143614"/>
+                  <a:pt x="980326" y="3173551"/>
+                </a:cubicBezTo>
+                <a:cubicBezTo>
+                  <a:pt x="980326" y="3173551"/>
+                  <a:pt x="980326" y="3173551"/>
+                  <a:pt x="1248448" y="3635277"/>
+                </a:cubicBezTo>
+                <a:cubicBezTo>
+                  <a:pt x="1265784" y="3664063"/>
+                  <a:pt x="1265784" y="3700909"/>
+                  <a:pt x="1248448" y="3729695"/>
+                </a:cubicBezTo>
+                <a:cubicBezTo>
+                  <a:pt x="1248448" y="3729695"/>
+                  <a:pt x="1248448" y="3729695"/>
+                  <a:pt x="980326" y="4191421"/>
+                </a:cubicBezTo>
+                <a:cubicBezTo>
+                  <a:pt x="964145" y="4221358"/>
+                  <a:pt x="931786" y="4239781"/>
+                  <a:pt x="898270" y="4239781"/>
+                </a:cubicBezTo>
+                <a:cubicBezTo>
+                  <a:pt x="898270" y="4239781"/>
+                  <a:pt x="898270" y="4239781"/>
+                  <a:pt x="363179" y="4239781"/>
+                </a:cubicBezTo>
+                <a:cubicBezTo>
+                  <a:pt x="328508" y="4239781"/>
+                  <a:pt x="297305" y="4221358"/>
+                  <a:pt x="279969" y="4191421"/>
+                </a:cubicBezTo>
+                <a:cubicBezTo>
+                  <a:pt x="279969" y="4191421"/>
+                  <a:pt x="279969" y="4191421"/>
+                  <a:pt x="13002" y="3729695"/>
+                </a:cubicBezTo>
+                <a:cubicBezTo>
+                  <a:pt x="-4334" y="3700909"/>
+                  <a:pt x="-4334" y="3664063"/>
+                  <a:pt x="13002" y="3635277"/>
+                </a:cubicBezTo>
+                <a:cubicBezTo>
+                  <a:pt x="13002" y="3635277"/>
+                  <a:pt x="13002" y="3635277"/>
+                  <a:pt x="279969" y="3173551"/>
+                </a:cubicBezTo>
+                <a:cubicBezTo>
+                  <a:pt x="297305" y="3143614"/>
+                  <a:pt x="328508" y="3125191"/>
+                  <a:pt x="363179" y="3125191"/>
+                </a:cubicBezTo>
+                <a:close/>
+                <a:moveTo>
+                  <a:pt x="2489721" y="570035"/>
+                </a:moveTo>
+                <a:cubicBezTo>
+                  <a:pt x="2489721" y="570035"/>
+                  <a:pt x="2489721" y="570035"/>
+                  <a:pt x="2764862" y="570035"/>
+                </a:cubicBezTo>
+                <a:lnTo>
+                  <a:pt x="2796959" y="570035"/>
+                </a:lnTo>
+                <a:lnTo>
+                  <a:pt x="2827587" y="622777"/>
+                </a:lnTo>
+                <a:cubicBezTo>
+                  <a:pt x="2870233" y="696217"/>
+                  <a:pt x="2919858" y="781675"/>
+                  <a:pt x="2977604" y="881117"/>
+                </a:cubicBezTo>
+                <a:cubicBezTo>
+                  <a:pt x="3004153" y="925204"/>
+                  <a:pt x="3004153" y="981634"/>
+                  <a:pt x="2977604" y="1025720"/>
+                </a:cubicBezTo>
+                <a:cubicBezTo>
+                  <a:pt x="2977604" y="1025720"/>
+                  <a:pt x="2977604" y="1025720"/>
+                  <a:pt x="2566968" y="1732863"/>
+                </a:cubicBezTo>
+                <a:cubicBezTo>
+                  <a:pt x="2542188" y="1778712"/>
+                  <a:pt x="2492629" y="1806927"/>
+                  <a:pt x="2441299" y="1806927"/>
+                </a:cubicBezTo>
+                <a:cubicBezTo>
+                  <a:pt x="2441299" y="1806927"/>
+                  <a:pt x="2441299" y="1806927"/>
+                  <a:pt x="1621798" y="1806927"/>
+                </a:cubicBezTo>
+                <a:cubicBezTo>
+                  <a:pt x="1608523" y="1806927"/>
+                  <a:pt x="1595580" y="1805163"/>
+                  <a:pt x="1583218" y="1801802"/>
+                </a:cubicBezTo>
+                <a:lnTo>
+                  <a:pt x="1556683" y="1790677"/>
+                </a:lnTo>
+                <a:lnTo>
+                  <a:pt x="1572899" y="1762630"/>
+                </a:lnTo>
+                <a:cubicBezTo>
+                  <a:pt x="1719523" y="1509042"/>
+                  <a:pt x="1907201" y="1184448"/>
+                  <a:pt x="2147429" y="768968"/>
+                </a:cubicBezTo>
+                <a:cubicBezTo>
+                  <a:pt x="2218739" y="645819"/>
+                  <a:pt x="2347099" y="570035"/>
+                  <a:pt x="2489721" y="570035"/>
+                </a:cubicBezTo>
+                <a:close/>
+                <a:moveTo>
+                  <a:pt x="1573268" y="0"/>
+                </a:moveTo>
+                <a:cubicBezTo>
+                  <a:pt x="1573268" y="0"/>
+                  <a:pt x="1573268" y="0"/>
+                  <a:pt x="2497662" y="0"/>
+                </a:cubicBezTo>
+                <a:cubicBezTo>
+                  <a:pt x="2555561" y="0"/>
+                  <a:pt x="2611463" y="31828"/>
+                  <a:pt x="2639415" y="83546"/>
+                </a:cubicBezTo>
+                <a:cubicBezTo>
+                  <a:pt x="2639415" y="83546"/>
+                  <a:pt x="2639415" y="83546"/>
+                  <a:pt x="2887862" y="511387"/>
+                </a:cubicBezTo>
+                <a:lnTo>
+                  <a:pt x="2915928" y="559720"/>
+                </a:lnTo>
+                <a:lnTo>
+                  <a:pt x="2893844" y="559720"/>
+                </a:lnTo>
+                <a:lnTo>
+                  <a:pt x="2789466" y="559720"/>
+                </a:lnTo>
+                <a:lnTo>
+                  <a:pt x="2744122" y="481634"/>
+                </a:lnTo>
+                <a:cubicBezTo>
+                  <a:pt x="2570885" y="183309"/>
+                  <a:pt x="2570885" y="183309"/>
+                  <a:pt x="2570885" y="183309"/>
+                </a:cubicBezTo>
+                <a:cubicBezTo>
+                  <a:pt x="2546104" y="137459"/>
+                  <a:pt x="2496545" y="109243"/>
+                  <a:pt x="2445216" y="109243"/>
+                </a:cubicBezTo>
+                <a:cubicBezTo>
+                  <a:pt x="1625714" y="109243"/>
+                  <a:pt x="1625714" y="109243"/>
+                  <a:pt x="1625714" y="109243"/>
+                </a:cubicBezTo>
+                <a:cubicBezTo>
+                  <a:pt x="1572615" y="109243"/>
+                  <a:pt x="1524825" y="137459"/>
+                  <a:pt x="1498276" y="183309"/>
+                </a:cubicBezTo>
+                <a:cubicBezTo>
+                  <a:pt x="1089410" y="890450"/>
+                  <a:pt x="1089410" y="890450"/>
+                  <a:pt x="1089410" y="890450"/>
+                </a:cubicBezTo>
+                <a:cubicBezTo>
+                  <a:pt x="1062860" y="934537"/>
+                  <a:pt x="1062860" y="990967"/>
+                  <a:pt x="1089410" y="1035054"/>
+                </a:cubicBezTo>
+                <a:cubicBezTo>
+                  <a:pt x="1498276" y="1742196"/>
+                  <a:pt x="1498276" y="1742196"/>
+                  <a:pt x="1498276" y="1742196"/>
+                </a:cubicBezTo>
+                <a:cubicBezTo>
+                  <a:pt x="1511551" y="1765121"/>
+                  <a:pt x="1530135" y="1783637"/>
+                  <a:pt x="1552039" y="1796422"/>
+                </a:cubicBezTo>
+                <a:lnTo>
+                  <a:pt x="1558260" y="1799029"/>
+                </a:lnTo>
+                <a:lnTo>
+                  <a:pt x="1524911" y="1856707"/>
+                </a:lnTo>
+                <a:lnTo>
+                  <a:pt x="1500108" y="1899604"/>
+                </a:lnTo>
+                <a:lnTo>
+                  <a:pt x="1525834" y="1910390"/>
+                </a:lnTo>
+                <a:cubicBezTo>
+                  <a:pt x="1539779" y="1914181"/>
+                  <a:pt x="1554378" y="1916170"/>
+                  <a:pt x="1569352" y="1916170"/>
+                </a:cubicBezTo>
+                <a:cubicBezTo>
+                  <a:pt x="2493745" y="1916170"/>
+                  <a:pt x="2493745" y="1916170"/>
+                  <a:pt x="2493745" y="1916170"/>
+                </a:cubicBezTo>
+                <a:cubicBezTo>
+                  <a:pt x="2551645" y="1916170"/>
+                  <a:pt x="2607546" y="1884345"/>
+                  <a:pt x="2635498" y="1832627"/>
+                </a:cubicBezTo>
+                <a:cubicBezTo>
+                  <a:pt x="3098693" y="1034974"/>
+                  <a:pt x="3098693" y="1034974"/>
+                  <a:pt x="3098693" y="1034974"/>
+                </a:cubicBezTo>
+                <a:cubicBezTo>
+                  <a:pt x="3128641" y="985246"/>
+                  <a:pt x="3128641" y="921593"/>
+                  <a:pt x="3098693" y="871863"/>
+                </a:cubicBezTo>
+                <a:cubicBezTo>
+                  <a:pt x="3040794" y="772157"/>
+                  <a:pt x="2990132" y="684914"/>
+                  <a:pt x="2945803" y="608576"/>
+                </a:cubicBezTo>
+                <a:lnTo>
+                  <a:pt x="2923422" y="570035"/>
+                </a:lnTo>
+                <a:lnTo>
+                  <a:pt x="3027104" y="570035"/>
+                </a:lnTo>
+                <a:cubicBezTo>
+                  <a:pt x="3349535" y="570035"/>
+                  <a:pt x="3865424" y="570035"/>
+                  <a:pt x="4690846" y="570035"/>
+                </a:cubicBezTo>
+                <a:cubicBezTo>
+                  <a:pt x="4828714" y="570035"/>
+                  <a:pt x="4961827" y="645819"/>
+                  <a:pt x="5028384" y="768968"/>
+                </a:cubicBezTo>
+                <a:cubicBezTo>
+                  <a:pt x="5028384" y="768968"/>
+                  <a:pt x="5028384" y="768968"/>
+                  <a:pt x="6131323" y="2668304"/>
+                </a:cubicBezTo>
+                <a:cubicBezTo>
+                  <a:pt x="6202634" y="2786717"/>
+                  <a:pt x="6202634" y="2938285"/>
+                  <a:pt x="6131323" y="3056698"/>
+                </a:cubicBezTo>
+                <a:cubicBezTo>
+                  <a:pt x="6131323" y="3056698"/>
+                  <a:pt x="6131323" y="3056698"/>
+                  <a:pt x="5028384" y="4956035"/>
+                </a:cubicBezTo>
+                <a:cubicBezTo>
+                  <a:pt x="4961827" y="5079184"/>
+                  <a:pt x="4828714" y="5154967"/>
+                  <a:pt x="4690846" y="5154967"/>
+                </a:cubicBezTo>
+                <a:cubicBezTo>
+                  <a:pt x="4690846" y="5154967"/>
+                  <a:pt x="4690846" y="5154967"/>
+                  <a:pt x="2489721" y="5154967"/>
+                </a:cubicBezTo>
+                <a:cubicBezTo>
+                  <a:pt x="2347099" y="5154967"/>
+                  <a:pt x="2218739" y="5079184"/>
+                  <a:pt x="2147429" y="4956035"/>
+                </a:cubicBezTo>
+                <a:cubicBezTo>
+                  <a:pt x="2147429" y="4956035"/>
+                  <a:pt x="2147429" y="4956035"/>
+                  <a:pt x="1049243" y="3056698"/>
+                </a:cubicBezTo>
+                <a:cubicBezTo>
+                  <a:pt x="977932" y="2938285"/>
+                  <a:pt x="977932" y="2786717"/>
+                  <a:pt x="1049243" y="2668304"/>
+                </a:cubicBezTo>
+                <a:cubicBezTo>
+                  <a:pt x="1049243" y="2668304"/>
+                  <a:pt x="1049243" y="2668304"/>
+                  <a:pt x="1457007" y="1963067"/>
+                </a:cubicBezTo>
+                <a:lnTo>
+                  <a:pt x="1491373" y="1903634"/>
+                </a:lnTo>
+                <a:lnTo>
+                  <a:pt x="1490164" y="1903127"/>
+                </a:lnTo>
+                <a:cubicBezTo>
+                  <a:pt x="1465456" y="1888705"/>
+                  <a:pt x="1444493" y="1867820"/>
+                  <a:pt x="1429519" y="1841960"/>
+                </a:cubicBezTo>
+                <a:cubicBezTo>
+                  <a:pt x="1429519" y="1841960"/>
+                  <a:pt x="1429519" y="1841960"/>
+                  <a:pt x="968320" y="1044307"/>
+                </a:cubicBezTo>
+                <a:cubicBezTo>
+                  <a:pt x="938371" y="994579"/>
+                  <a:pt x="938371" y="930926"/>
+                  <a:pt x="968320" y="881196"/>
+                </a:cubicBezTo>
+                <a:cubicBezTo>
+                  <a:pt x="968320" y="881196"/>
+                  <a:pt x="968320" y="881196"/>
+                  <a:pt x="1429519" y="83546"/>
+                </a:cubicBezTo>
+                <a:cubicBezTo>
+                  <a:pt x="1459466" y="31828"/>
+                  <a:pt x="1513373" y="0"/>
+                  <a:pt x="1573268" y="0"/>
+                </a:cubicBezTo>
+                <a:close/>
+              </a:path>
+            </a:pathLst>
+          </a:custGeom>
+          <a:solidFill>
+            <a:schemeClr val="tx1">
+              <a:lumMod val="50000"/>
+              <a:lumOff val="50000"/>
+              <a:alpha val="15000"/>
+            </a:schemeClr>
+          </a:solidFill>
+          <a:ln>
+            <a:noFill/>
+          </a:ln>
+        </p:spPr>
+        <p:style>
+          <a:lnRef idx="2">
+            <a:schemeClr val="accent1">
+              <a:shade val="50000"/>
+            </a:schemeClr>
+          </a:lnRef>
+          <a:fillRef idx="1">
+            <a:schemeClr val="accent1"/>
+          </a:fillRef>
+          <a:effectRef idx="0">
+            <a:schemeClr val="accent1"/>
+          </a:effectRef>
+          <a:fontRef idx="minor">
+            <a:schemeClr val="lt1"/>
+          </a:fontRef>
+        </p:style>
+        <p:txBody>
+          <a:bodyPr wrap="square" rtlCol="0" anchor="ctr">
+            <a:noAutofit/>
+          </a:bodyPr>
+          <a:lstStyle/>
+          <a:p>
+            <a:pPr algn="ctr"/>
+            <a:endParaRPr lang="en-US"/>
+          </a:p>
+        </p:txBody>
+      </p:sp>
+      <p:pic>
+        <p:nvPicPr>
+          <p:cNvPr id="5" name="Graphic 4">
+            <a:extLst>
+              <a:ext uri="{FF2B5EF4-FFF2-40B4-BE49-F238E27FC236}">
+                <a16:creationId xmlns:a16="http://schemas.microsoft.com/office/drawing/2014/main" id="{7ED1E467-E3DE-33E4-14FF-3B92F18C2FFD}"/>
+              </a:ext>
+            </a:extLst>
+          </p:cNvPr>
+          <p:cNvPicPr>
+            <a:picLocks noChangeAspect="1"/>
+          </p:cNvPicPr>
+          <p:nvPr/>
+        </p:nvPicPr>
+        <p:blipFill>
+          <a:blip r:embed="rId2">
+            <a:extLst>
+              <a:ext uri="{28A0092B-C50C-407E-A947-70E740481C1C}">
+                <a14:useLocalDpi xmlns:a14="http://schemas.microsoft.com/office/drawing/2010/main" val="0"/>
+              </a:ext>
+              <a:ext uri="{96DAC541-7B7A-43D3-8B79-37D633B846F1}">
+                <asvg:svgBlip xmlns:asvg="http://schemas.microsoft.com/office/drawing/2016/SVG/main" r:embed="rId3"/>
+              </a:ext>
+            </a:extLst>
+          </a:blip>
+          <a:stretch>
+            <a:fillRect/>
+          </a:stretch>
+        </p:blipFill>
+        <p:spPr>
+          <a:xfrm>
+            <a:off x="7744060" y="2129307"/>
+            <a:ext cx="2792219" cy="3217333"/>
+          </a:xfrm>
+          <a:prstGeom prst="rect">
+            <a:avLst/>
+          </a:prstGeom>
+        </p:spPr>
+      </p:pic>
+    </p:spTree>
+    <p:extLst>
+      <p:ext uri="{BB962C8B-B14F-4D97-AF65-F5344CB8AC3E}">
+        <p14:creationId xmlns:p14="http://schemas.microsoft.com/office/powerpoint/2010/main" val="320067197"/>
+      </p:ext>
+    </p:extLst>
+  </p:cSld>
+  <p:clrMapOvr>
+    <a:masterClrMapping/>
+  </p:clrMapOvr>
+</p:sld>
+</file>
+
+<file path=ppt/slides/slide3.xml><?xml version="1.0" encoding="utf-8"?>
+<p:sld xmlns:a="http://schemas.openxmlformats.org/drawingml/2006/main" xmlns:r="http://schemas.openxmlformats.org/officeDocument/2006/relationships" xmlns:p="http://schemas.openxmlformats.org/presentationml/2006/main">
+  <p:cSld>
+    <p:bg>
+      <p:bgPr>
+        <a:solidFill>
+          <a:schemeClr val="bg1"/>
+        </a:solidFill>
+        <a:effectLst/>
+      </p:bgPr>
+    </p:bg>
+    <p:spTree>
+      <p:nvGrpSpPr>
+        <p:cNvPr id="1" name=""/>
+        <p:cNvGrpSpPr/>
+        <p:nvPr/>
+      </p:nvGrpSpPr>
+      <p:grpSpPr>
+        <a:xfrm>
+          <a:off x="0" y="0"/>
+          <a:ext cx="0" cy="0"/>
+          <a:chOff x="0" y="0"/>
+          <a:chExt cx="0" cy="0"/>
+        </a:xfrm>
+      </p:grpSpPr>
+      <p:sp useBgFill="1">
+        <p:nvSpPr>
+          <p:cNvPr id="24" name="Rectangle 23">
+            <a:extLst>
+              <a:ext uri="{FF2B5EF4-FFF2-40B4-BE49-F238E27FC236}">
+                <a16:creationId xmlns:a16="http://schemas.microsoft.com/office/drawing/2014/main" id="{3E443FD7-A66B-4AA0-872D-B088B9BC5F17}"/>
+              </a:ext>
+              <a:ext uri="{C183D7F6-B498-43B3-948B-1728B52AA6E4}">
+                <adec:decorative xmlns:adec="http://schemas.microsoft.com/office/drawing/2017/decorative" val="1"/>
+              </a:ext>
+            </a:extLst>
+          </p:cNvPr>
+          <p:cNvSpPr>
+            <a:spLocks noGrp="1" noRot="1" noChangeAspect="1" noMove="1" noResize="1" noEditPoints="1" noAdjustHandles="1" noChangeArrowheads="1" noChangeShapeType="1" noTextEdit="1"/>
+          </p:cNvSpPr>
+          <p:nvPr>
+            <p:extLst>
+              <p:ext uri="{386F3935-93C4-4BCD-93E2-E3B085C9AB24}">
+                <p16:designElem xmlns:p16="http://schemas.microsoft.com/office/powerpoint/2015/main" val="1"/>
+              </p:ext>
+            </p:extLst>
+          </p:nvPr>
+        </p:nvSpPr>
+        <p:spPr>
+          <a:xfrm>
+            <a:off x="0" y="0"/>
+            <a:ext cx="12192000" cy="6858000"/>
+          </a:xfrm>
+          <a:prstGeom prst="rect">
+            <a:avLst/>
+          </a:prstGeom>
+          <a:ln>
+            <a:noFill/>
+          </a:ln>
+        </p:spPr>
+        <p:style>
+          <a:lnRef idx="2">
+            <a:schemeClr val="accent1">
+              <a:shade val="50000"/>
+            </a:schemeClr>
+          </a:lnRef>
+          <a:fillRef idx="1">
+            <a:schemeClr val="accent1"/>
+          </a:fillRef>
+          <a:effectRef idx="0">
+            <a:schemeClr val="accent1"/>
+          </a:effectRef>
+          <a:fontRef idx="minor">
+            <a:schemeClr val="lt1"/>
+          </a:fontRef>
+        </p:style>
+        <p:txBody>
+          <a:bodyPr rtlCol="0" anchor="ctr"/>
+          <a:lstStyle/>
+          <a:p>
+            <a:pPr algn="ctr"/>
+            <a:endParaRPr lang="en-US"/>
+          </a:p>
+        </p:txBody>
+      </p:sp>
+      <p:sp>
+        <p:nvSpPr>
+          <p:cNvPr id="2" name="Title 1">
+            <a:extLst>
+              <a:ext uri="{FF2B5EF4-FFF2-40B4-BE49-F238E27FC236}">
+                <a16:creationId xmlns:a16="http://schemas.microsoft.com/office/drawing/2014/main" id="{E990CDA1-3788-7874-AD2E-E3713B0B131F}"/>
+              </a:ext>
+            </a:extLst>
+          </p:cNvPr>
+          <p:cNvSpPr>
+            <a:spLocks noGrp="1"/>
+          </p:cNvSpPr>
+          <p:nvPr>
+            <p:ph type="title"/>
+          </p:nvPr>
+        </p:nvSpPr>
+        <p:spPr>
+          <a:xfrm>
+            <a:off x="1094095" y="851517"/>
+            <a:ext cx="5238466" cy="2991416"/>
+          </a:xfrm>
+        </p:spPr>
+        <p:txBody>
+          <a:bodyPr vert="horz" lIns="91440" tIns="45720" rIns="91440" bIns="45720" rtlCol="0" anchor="b">
+            <a:normAutofit/>
+          </a:bodyPr>
+          <a:lstStyle/>
+          <a:p>
+            <a:r>
+              <a:rPr lang="en-US" kern="1200">
+                <a:solidFill>
+                  <a:schemeClr val="tx1"/>
+                </a:solidFill>
+                <a:latin typeface="+mj-lt"/>
+                <a:ea typeface="+mj-ea"/>
+                <a:cs typeface="+mj-cs"/>
+              </a:rPr>
+              <a:t>Data</a:t>
+            </a:r>
+          </a:p>
+        </p:txBody>
+      </p:sp>
+      <p:sp>
+        <p:nvSpPr>
+          <p:cNvPr id="3" name="Text Placeholder 2">
+            <a:extLst>
+              <a:ext uri="{FF2B5EF4-FFF2-40B4-BE49-F238E27FC236}">
+                <a16:creationId xmlns:a16="http://schemas.microsoft.com/office/drawing/2014/main" id="{E07827D9-7001-5C62-C1DA-EBB845B21255}"/>
+              </a:ext>
+            </a:extLst>
+          </p:cNvPr>
+          <p:cNvSpPr>
+            <a:spLocks noGrp="1"/>
+          </p:cNvSpPr>
+          <p:nvPr>
+            <p:ph type="body" idx="1"/>
+          </p:nvPr>
+        </p:nvSpPr>
+        <p:spPr>
+          <a:xfrm>
+            <a:off x="1094096" y="3842932"/>
+            <a:ext cx="4167115" cy="2163551"/>
+          </a:xfrm>
+        </p:spPr>
+        <p:txBody>
+          <a:bodyPr vert="horz" lIns="91440" tIns="45720" rIns="91440" bIns="45720" rtlCol="0" anchor="t">
+            <a:normAutofit/>
+          </a:bodyPr>
+          <a:lstStyle/>
+          <a:p>
+            <a:endParaRPr lang="en-US" sz="2400" kern="1200">
+              <a:solidFill>
+                <a:schemeClr val="tx1"/>
+              </a:solidFill>
+              <a:latin typeface="+mn-lt"/>
+              <a:ea typeface="+mn-ea"/>
+              <a:cs typeface="+mn-cs"/>
+            </a:endParaRPr>
+          </a:p>
+        </p:txBody>
+      </p:sp>
+      <p:sp>
+        <p:nvSpPr>
+          <p:cNvPr id="26" name="Freeform: Shape 25">
+            <a:extLst>
+              <a:ext uri="{FF2B5EF4-FFF2-40B4-BE49-F238E27FC236}">
+                <a16:creationId xmlns:a16="http://schemas.microsoft.com/office/drawing/2014/main" id="{C04BE0EF-3561-49B4-9A29-F283168A91C7}"/>
+              </a:ext>
+              <a:ext uri="{C183D7F6-B498-43B3-948B-1728B52AA6E4}">
+                <adec:decorative xmlns:adec="http://schemas.microsoft.com/office/drawing/2017/decorative" val="1"/>
+              </a:ext>
+            </a:extLst>
+          </p:cNvPr>
+          <p:cNvSpPr>
+            <a:spLocks noGrp="1" noRot="1" noChangeAspect="1" noMove="1" noResize="1" noEditPoints="1" noAdjustHandles="1" noChangeArrowheads="1" noChangeShapeType="1" noTextEdit="1"/>
+          </p:cNvSpPr>
+          <p:nvPr>
+            <p:extLst>
+              <p:ext uri="{386F3935-93C4-4BCD-93E2-E3B085C9AB24}">
+                <p16:designElem xmlns:p16="http://schemas.microsoft.com/office/powerpoint/2015/main" val="1"/>
+              </p:ext>
+            </p:extLst>
+          </p:nvPr>
+        </p:nvSpPr>
+        <p:spPr>
+          <a:xfrm>
+            <a:off x="5510370" y="851518"/>
+            <a:ext cx="6184806" cy="5154967"/>
+          </a:xfrm>
+          <a:custGeom>
+            <a:avLst/>
+            <a:gdLst>
+              <a:gd name="connsiteX0" fmla="*/ 363179 w 6184806"/>
+              <a:gd name="connsiteY0" fmla="*/ 3125191 h 5154967"/>
+              <a:gd name="connsiteX1" fmla="*/ 898270 w 6184806"/>
+              <a:gd name="connsiteY1" fmla="*/ 3125191 h 5154967"/>
+              <a:gd name="connsiteX2" fmla="*/ 980326 w 6184806"/>
+              <a:gd name="connsiteY2" fmla="*/ 3173551 h 5154967"/>
+              <a:gd name="connsiteX3" fmla="*/ 1248448 w 6184806"/>
+              <a:gd name="connsiteY3" fmla="*/ 3635277 h 5154967"/>
+              <a:gd name="connsiteX4" fmla="*/ 1248448 w 6184806"/>
+              <a:gd name="connsiteY4" fmla="*/ 3729695 h 5154967"/>
+              <a:gd name="connsiteX5" fmla="*/ 980326 w 6184806"/>
+              <a:gd name="connsiteY5" fmla="*/ 4191421 h 5154967"/>
+              <a:gd name="connsiteX6" fmla="*/ 898270 w 6184806"/>
+              <a:gd name="connsiteY6" fmla="*/ 4239781 h 5154967"/>
+              <a:gd name="connsiteX7" fmla="*/ 363179 w 6184806"/>
+              <a:gd name="connsiteY7" fmla="*/ 4239781 h 5154967"/>
+              <a:gd name="connsiteX8" fmla="*/ 279969 w 6184806"/>
+              <a:gd name="connsiteY8" fmla="*/ 4191421 h 5154967"/>
+              <a:gd name="connsiteX9" fmla="*/ 13002 w 6184806"/>
+              <a:gd name="connsiteY9" fmla="*/ 3729695 h 5154967"/>
+              <a:gd name="connsiteX10" fmla="*/ 13002 w 6184806"/>
+              <a:gd name="connsiteY10" fmla="*/ 3635277 h 5154967"/>
+              <a:gd name="connsiteX11" fmla="*/ 279969 w 6184806"/>
+              <a:gd name="connsiteY11" fmla="*/ 3173551 h 5154967"/>
+              <a:gd name="connsiteX12" fmla="*/ 363179 w 6184806"/>
+              <a:gd name="connsiteY12" fmla="*/ 3125191 h 5154967"/>
+              <a:gd name="connsiteX13" fmla="*/ 2489721 w 6184806"/>
+              <a:gd name="connsiteY13" fmla="*/ 570035 h 5154967"/>
+              <a:gd name="connsiteX14" fmla="*/ 2764862 w 6184806"/>
+              <a:gd name="connsiteY14" fmla="*/ 570035 h 5154967"/>
+              <a:gd name="connsiteX15" fmla="*/ 2796959 w 6184806"/>
+              <a:gd name="connsiteY15" fmla="*/ 570035 h 5154967"/>
+              <a:gd name="connsiteX16" fmla="*/ 2827587 w 6184806"/>
+              <a:gd name="connsiteY16" fmla="*/ 622777 h 5154967"/>
+              <a:gd name="connsiteX17" fmla="*/ 2977604 w 6184806"/>
+              <a:gd name="connsiteY17" fmla="*/ 881117 h 5154967"/>
+              <a:gd name="connsiteX18" fmla="*/ 2977604 w 6184806"/>
+              <a:gd name="connsiteY18" fmla="*/ 1025720 h 5154967"/>
+              <a:gd name="connsiteX19" fmla="*/ 2566968 w 6184806"/>
+              <a:gd name="connsiteY19" fmla="*/ 1732863 h 5154967"/>
+              <a:gd name="connsiteX20" fmla="*/ 2441299 w 6184806"/>
+              <a:gd name="connsiteY20" fmla="*/ 1806927 h 5154967"/>
+              <a:gd name="connsiteX21" fmla="*/ 1621798 w 6184806"/>
+              <a:gd name="connsiteY21" fmla="*/ 1806927 h 5154967"/>
+              <a:gd name="connsiteX22" fmla="*/ 1583218 w 6184806"/>
+              <a:gd name="connsiteY22" fmla="*/ 1801802 h 5154967"/>
+              <a:gd name="connsiteX23" fmla="*/ 1556683 w 6184806"/>
+              <a:gd name="connsiteY23" fmla="*/ 1790677 h 5154967"/>
+              <a:gd name="connsiteX24" fmla="*/ 1572899 w 6184806"/>
+              <a:gd name="connsiteY24" fmla="*/ 1762630 h 5154967"/>
+              <a:gd name="connsiteX25" fmla="*/ 2147429 w 6184806"/>
+              <a:gd name="connsiteY25" fmla="*/ 768968 h 5154967"/>
+              <a:gd name="connsiteX26" fmla="*/ 2489721 w 6184806"/>
+              <a:gd name="connsiteY26" fmla="*/ 570035 h 5154967"/>
+              <a:gd name="connsiteX27" fmla="*/ 1573268 w 6184806"/>
+              <a:gd name="connsiteY27" fmla="*/ 0 h 5154967"/>
+              <a:gd name="connsiteX28" fmla="*/ 2497662 w 6184806"/>
+              <a:gd name="connsiteY28" fmla="*/ 0 h 5154967"/>
+              <a:gd name="connsiteX29" fmla="*/ 2639415 w 6184806"/>
+              <a:gd name="connsiteY29" fmla="*/ 83546 h 5154967"/>
+              <a:gd name="connsiteX30" fmla="*/ 2887862 w 6184806"/>
+              <a:gd name="connsiteY30" fmla="*/ 511387 h 5154967"/>
+              <a:gd name="connsiteX31" fmla="*/ 2915928 w 6184806"/>
+              <a:gd name="connsiteY31" fmla="*/ 559720 h 5154967"/>
+              <a:gd name="connsiteX32" fmla="*/ 2893844 w 6184806"/>
+              <a:gd name="connsiteY32" fmla="*/ 559720 h 5154967"/>
+              <a:gd name="connsiteX33" fmla="*/ 2789466 w 6184806"/>
+              <a:gd name="connsiteY33" fmla="*/ 559720 h 5154967"/>
+              <a:gd name="connsiteX34" fmla="*/ 2744122 w 6184806"/>
+              <a:gd name="connsiteY34" fmla="*/ 481634 h 5154967"/>
+              <a:gd name="connsiteX35" fmla="*/ 2570885 w 6184806"/>
+              <a:gd name="connsiteY35" fmla="*/ 183309 h 5154967"/>
+              <a:gd name="connsiteX36" fmla="*/ 2445216 w 6184806"/>
+              <a:gd name="connsiteY36" fmla="*/ 109243 h 5154967"/>
+              <a:gd name="connsiteX37" fmla="*/ 1625714 w 6184806"/>
+              <a:gd name="connsiteY37" fmla="*/ 109243 h 5154967"/>
+              <a:gd name="connsiteX38" fmla="*/ 1498276 w 6184806"/>
+              <a:gd name="connsiteY38" fmla="*/ 183309 h 5154967"/>
+              <a:gd name="connsiteX39" fmla="*/ 1089410 w 6184806"/>
+              <a:gd name="connsiteY39" fmla="*/ 890450 h 5154967"/>
+              <a:gd name="connsiteX40" fmla="*/ 1089410 w 6184806"/>
+              <a:gd name="connsiteY40" fmla="*/ 1035054 h 5154967"/>
+              <a:gd name="connsiteX41" fmla="*/ 1498276 w 6184806"/>
+              <a:gd name="connsiteY41" fmla="*/ 1742196 h 5154967"/>
+              <a:gd name="connsiteX42" fmla="*/ 1552039 w 6184806"/>
+              <a:gd name="connsiteY42" fmla="*/ 1796422 h 5154967"/>
+              <a:gd name="connsiteX43" fmla="*/ 1558260 w 6184806"/>
+              <a:gd name="connsiteY43" fmla="*/ 1799029 h 5154967"/>
+              <a:gd name="connsiteX44" fmla="*/ 1524911 w 6184806"/>
+              <a:gd name="connsiteY44" fmla="*/ 1856707 h 5154967"/>
+              <a:gd name="connsiteX45" fmla="*/ 1500108 w 6184806"/>
+              <a:gd name="connsiteY45" fmla="*/ 1899604 h 5154967"/>
+              <a:gd name="connsiteX46" fmla="*/ 1525834 w 6184806"/>
+              <a:gd name="connsiteY46" fmla="*/ 1910390 h 5154967"/>
+              <a:gd name="connsiteX47" fmla="*/ 1569352 w 6184806"/>
+              <a:gd name="connsiteY47" fmla="*/ 1916170 h 5154967"/>
+              <a:gd name="connsiteX48" fmla="*/ 2493745 w 6184806"/>
+              <a:gd name="connsiteY48" fmla="*/ 1916170 h 5154967"/>
+              <a:gd name="connsiteX49" fmla="*/ 2635498 w 6184806"/>
+              <a:gd name="connsiteY49" fmla="*/ 1832627 h 5154967"/>
+              <a:gd name="connsiteX50" fmla="*/ 3098693 w 6184806"/>
+              <a:gd name="connsiteY50" fmla="*/ 1034974 h 5154967"/>
+              <a:gd name="connsiteX51" fmla="*/ 3098693 w 6184806"/>
+              <a:gd name="connsiteY51" fmla="*/ 871863 h 5154967"/>
+              <a:gd name="connsiteX52" fmla="*/ 2945803 w 6184806"/>
+              <a:gd name="connsiteY52" fmla="*/ 608576 h 5154967"/>
+              <a:gd name="connsiteX53" fmla="*/ 2923422 w 6184806"/>
+              <a:gd name="connsiteY53" fmla="*/ 570035 h 5154967"/>
+              <a:gd name="connsiteX54" fmla="*/ 3027104 w 6184806"/>
+              <a:gd name="connsiteY54" fmla="*/ 570035 h 5154967"/>
+              <a:gd name="connsiteX55" fmla="*/ 4690846 w 6184806"/>
+              <a:gd name="connsiteY55" fmla="*/ 570035 h 5154967"/>
+              <a:gd name="connsiteX56" fmla="*/ 5028384 w 6184806"/>
+              <a:gd name="connsiteY56" fmla="*/ 768968 h 5154967"/>
+              <a:gd name="connsiteX57" fmla="*/ 6131323 w 6184806"/>
+              <a:gd name="connsiteY57" fmla="*/ 2668304 h 5154967"/>
+              <a:gd name="connsiteX58" fmla="*/ 6131323 w 6184806"/>
+              <a:gd name="connsiteY58" fmla="*/ 3056698 h 5154967"/>
+              <a:gd name="connsiteX59" fmla="*/ 5028384 w 6184806"/>
+              <a:gd name="connsiteY59" fmla="*/ 4956035 h 5154967"/>
+              <a:gd name="connsiteX60" fmla="*/ 4690846 w 6184806"/>
+              <a:gd name="connsiteY60" fmla="*/ 5154967 h 5154967"/>
+              <a:gd name="connsiteX61" fmla="*/ 2489721 w 6184806"/>
+              <a:gd name="connsiteY61" fmla="*/ 5154967 h 5154967"/>
+              <a:gd name="connsiteX62" fmla="*/ 2147429 w 6184806"/>
+              <a:gd name="connsiteY62" fmla="*/ 4956035 h 5154967"/>
+              <a:gd name="connsiteX63" fmla="*/ 1049243 w 6184806"/>
+              <a:gd name="connsiteY63" fmla="*/ 3056698 h 5154967"/>
+              <a:gd name="connsiteX64" fmla="*/ 1049243 w 6184806"/>
+              <a:gd name="connsiteY64" fmla="*/ 2668304 h 5154967"/>
+              <a:gd name="connsiteX65" fmla="*/ 1457007 w 6184806"/>
+              <a:gd name="connsiteY65" fmla="*/ 1963067 h 5154967"/>
+              <a:gd name="connsiteX66" fmla="*/ 1491373 w 6184806"/>
+              <a:gd name="connsiteY66" fmla="*/ 1903634 h 5154967"/>
+              <a:gd name="connsiteX67" fmla="*/ 1490164 w 6184806"/>
+              <a:gd name="connsiteY67" fmla="*/ 1903127 h 5154967"/>
+              <a:gd name="connsiteX68" fmla="*/ 1429519 w 6184806"/>
+              <a:gd name="connsiteY68" fmla="*/ 1841960 h 5154967"/>
+              <a:gd name="connsiteX69" fmla="*/ 968320 w 6184806"/>
+              <a:gd name="connsiteY69" fmla="*/ 1044307 h 5154967"/>
+              <a:gd name="connsiteX70" fmla="*/ 968320 w 6184806"/>
+              <a:gd name="connsiteY70" fmla="*/ 881196 h 5154967"/>
+              <a:gd name="connsiteX71" fmla="*/ 1429519 w 6184806"/>
+              <a:gd name="connsiteY71" fmla="*/ 83546 h 5154967"/>
+              <a:gd name="connsiteX72" fmla="*/ 1573268 w 6184806"/>
+              <a:gd name="connsiteY72" fmla="*/ 0 h 5154967"/>
+            </a:gdLst>
+            <a:ahLst/>
+            <a:cxnLst>
+              <a:cxn ang="0">
+                <a:pos x="connsiteX0" y="connsiteY0"/>
+              </a:cxn>
+              <a:cxn ang="0">
+                <a:pos x="connsiteX1" y="connsiteY1"/>
+              </a:cxn>
+              <a:cxn ang="0">
+                <a:pos x="connsiteX2" y="connsiteY2"/>
+              </a:cxn>
+              <a:cxn ang="0">
+                <a:pos x="connsiteX3" y="connsiteY3"/>
+              </a:cxn>
+              <a:cxn ang="0">
+                <a:pos x="connsiteX4" y="connsiteY4"/>
+              </a:cxn>
+              <a:cxn ang="0">
+                <a:pos x="connsiteX5" y="connsiteY5"/>
+              </a:cxn>
+              <a:cxn ang="0">
+                <a:pos x="connsiteX6" y="connsiteY6"/>
+              </a:cxn>
+              <a:cxn ang="0">
+                <a:pos x="connsiteX7" y="connsiteY7"/>
+              </a:cxn>
+              <a:cxn ang="0">
+                <a:pos x="connsiteX8" y="connsiteY8"/>
+              </a:cxn>
+              <a:cxn ang="0">
+                <a:pos x="connsiteX9" y="connsiteY9"/>
+              </a:cxn>
+              <a:cxn ang="0">
+                <a:pos x="connsiteX10" y="connsiteY10"/>
+              </a:cxn>
+              <a:cxn ang="0">
+                <a:pos x="connsiteX11" y="connsiteY11"/>
+              </a:cxn>
+              <a:cxn ang="0">
+                <a:pos x="connsiteX12" y="connsiteY12"/>
+              </a:cxn>
+              <a:cxn ang="0">
+                <a:pos x="connsiteX13" y="connsiteY13"/>
+              </a:cxn>
+              <a:cxn ang="0">
+                <a:pos x="connsiteX14" y="connsiteY14"/>
+              </a:cxn>
+              <a:cxn ang="0">
+                <a:pos x="connsiteX15" y="connsiteY15"/>
+              </a:cxn>
+              <a:cxn ang="0">
+                <a:pos x="connsiteX16" y="connsiteY16"/>
+              </a:cxn>
+              <a:cxn ang="0">
+                <a:pos x="connsiteX17" y="connsiteY17"/>
+              </a:cxn>
+              <a:cxn ang="0">
+                <a:pos x="connsiteX18" y="connsiteY18"/>
+              </a:cxn>
+              <a:cxn ang="0">
+                <a:pos x="connsiteX19" y="connsiteY19"/>
+              </a:cxn>
+              <a:cxn ang="0">
+                <a:pos x="connsiteX20" y="connsiteY20"/>
+              </a:cxn>
+              <a:cxn ang="0">
+                <a:pos x="connsiteX21" y="connsiteY21"/>
+              </a:cxn>
+              <a:cxn ang="0">
+                <a:pos x="connsiteX22" y="connsiteY22"/>
+              </a:cxn>
+              <a:cxn ang="0">
+                <a:pos x="connsiteX23" y="connsiteY23"/>
+              </a:cxn>
+              <a:cxn ang="0">
+                <a:pos x="connsiteX24" y="connsiteY24"/>
+              </a:cxn>
+              <a:cxn ang="0">
+                <a:pos x="connsiteX25" y="connsiteY25"/>
+              </a:cxn>
+              <a:cxn ang="0">
+                <a:pos x="connsiteX26" y="connsiteY26"/>
+              </a:cxn>
+              <a:cxn ang="0">
+                <a:pos x="connsiteX27" y="connsiteY27"/>
+              </a:cxn>
+              <a:cxn ang="0">
+                <a:pos x="connsiteX28" y="connsiteY28"/>
+              </a:cxn>
+              <a:cxn ang="0">
+                <a:pos x="connsiteX29" y="connsiteY29"/>
+              </a:cxn>
+              <a:cxn ang="0">
+                <a:pos x="connsiteX30" y="connsiteY30"/>
+              </a:cxn>
+              <a:cxn ang="0">
+                <a:pos x="connsiteX31" y="connsiteY31"/>
+              </a:cxn>
+              <a:cxn ang="0">
+                <a:pos x="connsiteX32" y="connsiteY32"/>
+              </a:cxn>
+              <a:cxn ang="0">
+                <a:pos x="connsiteX33" y="connsiteY33"/>
+              </a:cxn>
+              <a:cxn ang="0">
+                <a:pos x="connsiteX34" y="connsiteY34"/>
+              </a:cxn>
+              <a:cxn ang="0">
+                <a:pos x="connsiteX35" y="connsiteY35"/>
+              </a:cxn>
+              <a:cxn ang="0">
+                <a:pos x="connsiteX36" y="connsiteY36"/>
+              </a:cxn>
+              <a:cxn ang="0">
+                <a:pos x="connsiteX37" y="connsiteY37"/>
+              </a:cxn>
+              <a:cxn ang="0">
+                <a:pos x="connsiteX38" y="connsiteY38"/>
+              </a:cxn>
+              <a:cxn ang="0">
+                <a:pos x="connsiteX39" y="connsiteY39"/>
+              </a:cxn>
+              <a:cxn ang="0">
+                <a:pos x="connsiteX40" y="connsiteY40"/>
+              </a:cxn>
+              <a:cxn ang="0">
+                <a:pos x="connsiteX41" y="connsiteY41"/>
+              </a:cxn>
+              <a:cxn ang="0">
+                <a:pos x="connsiteX42" y="connsiteY42"/>
+              </a:cxn>
+              <a:cxn ang="0">
+                <a:pos x="connsiteX43" y="connsiteY43"/>
+              </a:cxn>
+              <a:cxn ang="0">
+                <a:pos x="connsiteX44" y="connsiteY44"/>
+              </a:cxn>
+              <a:cxn ang="0">
+                <a:pos x="connsiteX45" y="connsiteY45"/>
+              </a:cxn>
+              <a:cxn ang="0">
+                <a:pos x="connsiteX46" y="connsiteY46"/>
+              </a:cxn>
+              <a:cxn ang="0">
+                <a:pos x="connsiteX47" y="connsiteY47"/>
+              </a:cxn>
+              <a:cxn ang="0">
+                <a:pos x="connsiteX48" y="connsiteY48"/>
+              </a:cxn>
+              <a:cxn ang="0">
+                <a:pos x="connsiteX49" y="connsiteY49"/>
+              </a:cxn>
+              <a:cxn ang="0">
+                <a:pos x="connsiteX50" y="connsiteY50"/>
+              </a:cxn>
+              <a:cxn ang="0">
+                <a:pos x="connsiteX51" y="connsiteY51"/>
+              </a:cxn>
+              <a:cxn ang="0">
+                <a:pos x="connsiteX52" y="connsiteY52"/>
+              </a:cxn>
+              <a:cxn ang="0">
+                <a:pos x="connsiteX53" y="connsiteY53"/>
+              </a:cxn>
+              <a:cxn ang="0">
+                <a:pos x="connsiteX54" y="connsiteY54"/>
+              </a:cxn>
+              <a:cxn ang="0">
+                <a:pos x="connsiteX55" y="connsiteY55"/>
+              </a:cxn>
+              <a:cxn ang="0">
+                <a:pos x="connsiteX56" y="connsiteY56"/>
+              </a:cxn>
+              <a:cxn ang="0">
+                <a:pos x="connsiteX57" y="connsiteY57"/>
+              </a:cxn>
+              <a:cxn ang="0">
+                <a:pos x="connsiteX58" y="connsiteY58"/>
+              </a:cxn>
+              <a:cxn ang="0">
+                <a:pos x="connsiteX59" y="connsiteY59"/>
+              </a:cxn>
+              <a:cxn ang="0">
+                <a:pos x="connsiteX60" y="connsiteY60"/>
+              </a:cxn>
+              <a:cxn ang="0">
+                <a:pos x="connsiteX61" y="connsiteY61"/>
+              </a:cxn>
+              <a:cxn ang="0">
+                <a:pos x="connsiteX62" y="connsiteY62"/>
+              </a:cxn>
+              <a:cxn ang="0">
+                <a:pos x="connsiteX63" y="connsiteY63"/>
+              </a:cxn>
+              <a:cxn ang="0">
+                <a:pos x="connsiteX64" y="connsiteY64"/>
+              </a:cxn>
+              <a:cxn ang="0">
+                <a:pos x="connsiteX65" y="connsiteY65"/>
+              </a:cxn>
+              <a:cxn ang="0">
+                <a:pos x="connsiteX66" y="connsiteY66"/>
+              </a:cxn>
+              <a:cxn ang="0">
+                <a:pos x="connsiteX67" y="connsiteY67"/>
+              </a:cxn>
+              <a:cxn ang="0">
+                <a:pos x="connsiteX68" y="connsiteY68"/>
+              </a:cxn>
+              <a:cxn ang="0">
+                <a:pos x="connsiteX69" y="connsiteY69"/>
+              </a:cxn>
+              <a:cxn ang="0">
+                <a:pos x="connsiteX70" y="connsiteY70"/>
+              </a:cxn>
+              <a:cxn ang="0">
+                <a:pos x="connsiteX71" y="connsiteY71"/>
+              </a:cxn>
+              <a:cxn ang="0">
+                <a:pos x="connsiteX72" y="connsiteY72"/>
+              </a:cxn>
+            </a:cxnLst>
+            <a:rect l="l" t="t" r="r" b="b"/>
+            <a:pathLst>
+              <a:path w="6184806" h="5154967">
+                <a:moveTo>
+                  <a:pt x="363179" y="3125191"/>
+                </a:moveTo>
+                <a:cubicBezTo>
+                  <a:pt x="363179" y="3125191"/>
+                  <a:pt x="363179" y="3125191"/>
+                  <a:pt x="898270" y="3125191"/>
+                </a:cubicBezTo>
+                <a:cubicBezTo>
+                  <a:pt x="931786" y="3125191"/>
+                  <a:pt x="964145" y="3143614"/>
+                  <a:pt x="980326" y="3173551"/>
+                </a:cubicBezTo>
+                <a:cubicBezTo>
+                  <a:pt x="980326" y="3173551"/>
+                  <a:pt x="980326" y="3173551"/>
+                  <a:pt x="1248448" y="3635277"/>
+                </a:cubicBezTo>
+                <a:cubicBezTo>
+                  <a:pt x="1265784" y="3664063"/>
+                  <a:pt x="1265784" y="3700909"/>
+                  <a:pt x="1248448" y="3729695"/>
+                </a:cubicBezTo>
+                <a:cubicBezTo>
+                  <a:pt x="1248448" y="3729695"/>
+                  <a:pt x="1248448" y="3729695"/>
+                  <a:pt x="980326" y="4191421"/>
+                </a:cubicBezTo>
+                <a:cubicBezTo>
+                  <a:pt x="964145" y="4221358"/>
+                  <a:pt x="931786" y="4239781"/>
+                  <a:pt x="898270" y="4239781"/>
+                </a:cubicBezTo>
+                <a:cubicBezTo>
+                  <a:pt x="898270" y="4239781"/>
+                  <a:pt x="898270" y="4239781"/>
+                  <a:pt x="363179" y="4239781"/>
+                </a:cubicBezTo>
+                <a:cubicBezTo>
+                  <a:pt x="328508" y="4239781"/>
+                  <a:pt x="297305" y="4221358"/>
+                  <a:pt x="279969" y="4191421"/>
+                </a:cubicBezTo>
+                <a:cubicBezTo>
+                  <a:pt x="279969" y="4191421"/>
+                  <a:pt x="279969" y="4191421"/>
+                  <a:pt x="13002" y="3729695"/>
+                </a:cubicBezTo>
+                <a:cubicBezTo>
+                  <a:pt x="-4334" y="3700909"/>
+                  <a:pt x="-4334" y="3664063"/>
+                  <a:pt x="13002" y="3635277"/>
+                </a:cubicBezTo>
+                <a:cubicBezTo>
+                  <a:pt x="13002" y="3635277"/>
+                  <a:pt x="13002" y="3635277"/>
+                  <a:pt x="279969" y="3173551"/>
+                </a:cubicBezTo>
+                <a:cubicBezTo>
+                  <a:pt x="297305" y="3143614"/>
+                  <a:pt x="328508" y="3125191"/>
+                  <a:pt x="363179" y="3125191"/>
+                </a:cubicBezTo>
+                <a:close/>
+                <a:moveTo>
+                  <a:pt x="2489721" y="570035"/>
+                </a:moveTo>
+                <a:cubicBezTo>
+                  <a:pt x="2489721" y="570035"/>
+                  <a:pt x="2489721" y="570035"/>
+                  <a:pt x="2764862" y="570035"/>
+                </a:cubicBezTo>
+                <a:lnTo>
+                  <a:pt x="2796959" y="570035"/>
+                </a:lnTo>
+                <a:lnTo>
+                  <a:pt x="2827587" y="622777"/>
+                </a:lnTo>
+                <a:cubicBezTo>
+                  <a:pt x="2870233" y="696217"/>
+                  <a:pt x="2919858" y="781675"/>
+                  <a:pt x="2977604" y="881117"/>
+                </a:cubicBezTo>
+                <a:cubicBezTo>
+                  <a:pt x="3004153" y="925204"/>
+                  <a:pt x="3004153" y="981634"/>
+                  <a:pt x="2977604" y="1025720"/>
+                </a:cubicBezTo>
+                <a:cubicBezTo>
+                  <a:pt x="2977604" y="1025720"/>
+                  <a:pt x="2977604" y="1025720"/>
+                  <a:pt x="2566968" y="1732863"/>
+                </a:cubicBezTo>
+                <a:cubicBezTo>
+                  <a:pt x="2542188" y="1778712"/>
+                  <a:pt x="2492629" y="1806927"/>
+                  <a:pt x="2441299" y="1806927"/>
+                </a:cubicBezTo>
+                <a:cubicBezTo>
+                  <a:pt x="2441299" y="1806927"/>
+                  <a:pt x="2441299" y="1806927"/>
+                  <a:pt x="1621798" y="1806927"/>
+                </a:cubicBezTo>
+                <a:cubicBezTo>
+                  <a:pt x="1608523" y="1806927"/>
+                  <a:pt x="1595580" y="1805163"/>
+                  <a:pt x="1583218" y="1801802"/>
+                </a:cubicBezTo>
+                <a:lnTo>
+                  <a:pt x="1556683" y="1790677"/>
+                </a:lnTo>
+                <a:lnTo>
+                  <a:pt x="1572899" y="1762630"/>
+                </a:lnTo>
+                <a:cubicBezTo>
+                  <a:pt x="1719523" y="1509042"/>
+                  <a:pt x="1907201" y="1184448"/>
+                  <a:pt x="2147429" y="768968"/>
+                </a:cubicBezTo>
+                <a:cubicBezTo>
+                  <a:pt x="2218739" y="645819"/>
+                  <a:pt x="2347099" y="570035"/>
+                  <a:pt x="2489721" y="570035"/>
+                </a:cubicBezTo>
+                <a:close/>
+                <a:moveTo>
+                  <a:pt x="1573268" y="0"/>
+                </a:moveTo>
+                <a:cubicBezTo>
+                  <a:pt x="1573268" y="0"/>
+                  <a:pt x="1573268" y="0"/>
+                  <a:pt x="2497662" y="0"/>
+                </a:cubicBezTo>
+                <a:cubicBezTo>
+                  <a:pt x="2555561" y="0"/>
+                  <a:pt x="2611463" y="31828"/>
+                  <a:pt x="2639415" y="83546"/>
+                </a:cubicBezTo>
+                <a:cubicBezTo>
+                  <a:pt x="2639415" y="83546"/>
+                  <a:pt x="2639415" y="83546"/>
+                  <a:pt x="2887862" y="511387"/>
+                </a:cubicBezTo>
+                <a:lnTo>
+                  <a:pt x="2915928" y="559720"/>
+                </a:lnTo>
+                <a:lnTo>
+                  <a:pt x="2893844" y="559720"/>
+                </a:lnTo>
+                <a:lnTo>
+                  <a:pt x="2789466" y="559720"/>
+                </a:lnTo>
+                <a:lnTo>
+                  <a:pt x="2744122" y="481634"/>
+                </a:lnTo>
+                <a:cubicBezTo>
+                  <a:pt x="2570885" y="183309"/>
+                  <a:pt x="2570885" y="183309"/>
+                  <a:pt x="2570885" y="183309"/>
+                </a:cubicBezTo>
+                <a:cubicBezTo>
+                  <a:pt x="2546104" y="137459"/>
+                  <a:pt x="2496545" y="109243"/>
+                  <a:pt x="2445216" y="109243"/>
+                </a:cubicBezTo>
+                <a:cubicBezTo>
+                  <a:pt x="1625714" y="109243"/>
+                  <a:pt x="1625714" y="109243"/>
+                  <a:pt x="1625714" y="109243"/>
+                </a:cubicBezTo>
+                <a:cubicBezTo>
+                  <a:pt x="1572615" y="109243"/>
+                  <a:pt x="1524825" y="137459"/>
+                  <a:pt x="1498276" y="183309"/>
+                </a:cubicBezTo>
+                <a:cubicBezTo>
+                  <a:pt x="1089410" y="890450"/>
+                  <a:pt x="1089410" y="890450"/>
+                  <a:pt x="1089410" y="890450"/>
+                </a:cubicBezTo>
+                <a:cubicBezTo>
+                  <a:pt x="1062860" y="934537"/>
+                  <a:pt x="1062860" y="990967"/>
+                  <a:pt x="1089410" y="1035054"/>
+                </a:cubicBezTo>
+                <a:cubicBezTo>
+                  <a:pt x="1498276" y="1742196"/>
+                  <a:pt x="1498276" y="1742196"/>
+                  <a:pt x="1498276" y="1742196"/>
+                </a:cubicBezTo>
+                <a:cubicBezTo>
+                  <a:pt x="1511551" y="1765121"/>
+                  <a:pt x="1530135" y="1783637"/>
+                  <a:pt x="1552039" y="1796422"/>
+                </a:cubicBezTo>
+                <a:lnTo>
+                  <a:pt x="1558260" y="1799029"/>
+                </a:lnTo>
+                <a:lnTo>
+                  <a:pt x="1524911" y="1856707"/>
+                </a:lnTo>
+                <a:lnTo>
+                  <a:pt x="1500108" y="1899604"/>
+                </a:lnTo>
+                <a:lnTo>
+                  <a:pt x="1525834" y="1910390"/>
+                </a:lnTo>
+                <a:cubicBezTo>
+                  <a:pt x="1539779" y="1914181"/>
+                  <a:pt x="1554378" y="1916170"/>
+                  <a:pt x="1569352" y="1916170"/>
+                </a:cubicBezTo>
+                <a:cubicBezTo>
+                  <a:pt x="2493745" y="1916170"/>
+                  <a:pt x="2493745" y="1916170"/>
+                  <a:pt x="2493745" y="1916170"/>
+                </a:cubicBezTo>
+                <a:cubicBezTo>
+                  <a:pt x="2551645" y="1916170"/>
+                  <a:pt x="2607546" y="1884345"/>
+                  <a:pt x="2635498" y="1832627"/>
+                </a:cubicBezTo>
+                <a:cubicBezTo>
+                  <a:pt x="3098693" y="1034974"/>
+                  <a:pt x="3098693" y="1034974"/>
+                  <a:pt x="3098693" y="1034974"/>
+                </a:cubicBezTo>
+                <a:cubicBezTo>
+                  <a:pt x="3128641" y="985246"/>
+                  <a:pt x="3128641" y="921593"/>
+                  <a:pt x="3098693" y="871863"/>
+                </a:cubicBezTo>
+                <a:cubicBezTo>
+                  <a:pt x="3040794" y="772157"/>
+                  <a:pt x="2990132" y="684914"/>
+                  <a:pt x="2945803" y="608576"/>
+                </a:cubicBezTo>
+                <a:lnTo>
+                  <a:pt x="2923422" y="570035"/>
+                </a:lnTo>
+                <a:lnTo>
+                  <a:pt x="3027104" y="570035"/>
+                </a:lnTo>
+                <a:cubicBezTo>
+                  <a:pt x="3349535" y="570035"/>
+                  <a:pt x="3865424" y="570035"/>
+                  <a:pt x="4690846" y="570035"/>
+                </a:cubicBezTo>
+                <a:cubicBezTo>
+                  <a:pt x="4828714" y="570035"/>
+                  <a:pt x="4961827" y="645819"/>
+                  <a:pt x="5028384" y="768968"/>
+                </a:cubicBezTo>
+                <a:cubicBezTo>
+                  <a:pt x="5028384" y="768968"/>
+                  <a:pt x="5028384" y="768968"/>
+                  <a:pt x="6131323" y="2668304"/>
+                </a:cubicBezTo>
+                <a:cubicBezTo>
+                  <a:pt x="6202634" y="2786717"/>
+                  <a:pt x="6202634" y="2938285"/>
+                  <a:pt x="6131323" y="3056698"/>
+                </a:cubicBezTo>
+                <a:cubicBezTo>
+                  <a:pt x="6131323" y="3056698"/>
+                  <a:pt x="6131323" y="3056698"/>
+                  <a:pt x="5028384" y="4956035"/>
+                </a:cubicBezTo>
+                <a:cubicBezTo>
+                  <a:pt x="4961827" y="5079184"/>
+                  <a:pt x="4828714" y="5154967"/>
+                  <a:pt x="4690846" y="5154967"/>
+                </a:cubicBezTo>
+                <a:cubicBezTo>
+                  <a:pt x="4690846" y="5154967"/>
+                  <a:pt x="4690846" y="5154967"/>
+                  <a:pt x="2489721" y="5154967"/>
+                </a:cubicBezTo>
+                <a:cubicBezTo>
+                  <a:pt x="2347099" y="5154967"/>
+                  <a:pt x="2218739" y="5079184"/>
+                  <a:pt x="2147429" y="4956035"/>
+                </a:cubicBezTo>
+                <a:cubicBezTo>
+                  <a:pt x="2147429" y="4956035"/>
+                  <a:pt x="2147429" y="4956035"/>
+                  <a:pt x="1049243" y="3056698"/>
+                </a:cubicBezTo>
+                <a:cubicBezTo>
+                  <a:pt x="977932" y="2938285"/>
+                  <a:pt x="977932" y="2786717"/>
+                  <a:pt x="1049243" y="2668304"/>
+                </a:cubicBezTo>
+                <a:cubicBezTo>
+                  <a:pt x="1049243" y="2668304"/>
+                  <a:pt x="1049243" y="2668304"/>
+                  <a:pt x="1457007" y="1963067"/>
+                </a:cubicBezTo>
+                <a:lnTo>
+                  <a:pt x="1491373" y="1903634"/>
+                </a:lnTo>
+                <a:lnTo>
+                  <a:pt x="1490164" y="1903127"/>
+                </a:lnTo>
+                <a:cubicBezTo>
+                  <a:pt x="1465456" y="1888705"/>
+                  <a:pt x="1444493" y="1867820"/>
+                  <a:pt x="1429519" y="1841960"/>
+                </a:cubicBezTo>
+                <a:cubicBezTo>
+                  <a:pt x="1429519" y="1841960"/>
+                  <a:pt x="1429519" y="1841960"/>
+                  <a:pt x="968320" y="1044307"/>
+                </a:cubicBezTo>
+                <a:cubicBezTo>
+                  <a:pt x="938371" y="994579"/>
+                  <a:pt x="938371" y="930926"/>
+                  <a:pt x="968320" y="881196"/>
+                </a:cubicBezTo>
+                <a:cubicBezTo>
+                  <a:pt x="968320" y="881196"/>
+                  <a:pt x="968320" y="881196"/>
+                  <a:pt x="1429519" y="83546"/>
+                </a:cubicBezTo>
+                <a:cubicBezTo>
+                  <a:pt x="1459466" y="31828"/>
+                  <a:pt x="1513373" y="0"/>
+                  <a:pt x="1573268" y="0"/>
+                </a:cubicBezTo>
+                <a:close/>
+              </a:path>
+            </a:pathLst>
+          </a:custGeom>
+          <a:solidFill>
+            <a:schemeClr val="tx1">
+              <a:lumMod val="50000"/>
+              <a:lumOff val="50000"/>
+              <a:alpha val="15000"/>
+            </a:schemeClr>
+          </a:solidFill>
+          <a:ln>
+            <a:noFill/>
+          </a:ln>
+        </p:spPr>
+        <p:style>
+          <a:lnRef idx="2">
+            <a:schemeClr val="accent1">
+              <a:shade val="50000"/>
+            </a:schemeClr>
+          </a:lnRef>
+          <a:fillRef idx="1">
+            <a:schemeClr val="accent1"/>
+          </a:fillRef>
+          <a:effectRef idx="0">
+            <a:schemeClr val="accent1"/>
+          </a:effectRef>
+          <a:fontRef idx="minor">
+            <a:schemeClr val="lt1"/>
+          </a:fontRef>
+        </p:style>
+        <p:txBody>
+          <a:bodyPr wrap="square" rtlCol="0" anchor="ctr">
+            <a:noAutofit/>
+          </a:bodyPr>
+          <a:lstStyle/>
+          <a:p>
+            <a:pPr algn="ctr"/>
+            <a:endParaRPr lang="en-US"/>
+          </a:p>
+        </p:txBody>
+      </p:sp>
+      <p:pic>
+        <p:nvPicPr>
+          <p:cNvPr id="5" name="Graphic 4">
+            <a:extLst>
+              <a:ext uri="{FF2B5EF4-FFF2-40B4-BE49-F238E27FC236}">
+                <a16:creationId xmlns:a16="http://schemas.microsoft.com/office/drawing/2014/main" id="{10BBF93C-E307-D89C-71AF-DCD9F29BB853}"/>
+              </a:ext>
+            </a:extLst>
+          </p:cNvPr>
+          <p:cNvPicPr>
+            <a:picLocks noChangeAspect="1"/>
+          </p:cNvPicPr>
+          <p:nvPr/>
+        </p:nvPicPr>
+        <p:blipFill>
+          <a:blip r:embed="rId2">
+            <a:extLst>
+              <a:ext uri="{28A0092B-C50C-407E-A947-70E740481C1C}">
+                <a14:useLocalDpi xmlns:a14="http://schemas.microsoft.com/office/drawing/2010/main" val="0"/>
+              </a:ext>
+              <a:ext uri="{96DAC541-7B7A-43D3-8B79-37D633B846F1}">
+                <asvg:svgBlip xmlns:asvg="http://schemas.microsoft.com/office/drawing/2016/SVG/main" r:embed="rId3"/>
+              </a:ext>
+            </a:extLst>
+          </a:blip>
+          <a:stretch>
+            <a:fillRect/>
+          </a:stretch>
+        </p:blipFill>
+        <p:spPr>
+          <a:xfrm>
+            <a:off x="7806153" y="2129307"/>
+            <a:ext cx="2668032" cy="3217333"/>
+          </a:xfrm>
+          <a:prstGeom prst="rect">
+            <a:avLst/>
+          </a:prstGeom>
+        </p:spPr>
+      </p:pic>
+    </p:spTree>
+    <p:extLst>
+      <p:ext uri="{BB962C8B-B14F-4D97-AF65-F5344CB8AC3E}">
+        <p14:creationId xmlns:p14="http://schemas.microsoft.com/office/powerpoint/2010/main" val="1626406594"/>
+      </p:ext>
+    </p:extLst>
+  </p:cSld>
+  <p:clrMapOvr>
+    <a:masterClrMapping/>
+  </p:clrMapOvr>
+</p:sld>
+</file>
+
+<file path=ppt/slides/slide4.xml><?xml version="1.0" encoding="utf-8"?>
+<p:sld xmlns:a="http://schemas.openxmlformats.org/drawingml/2006/main" xmlns:r="http://schemas.openxmlformats.org/officeDocument/2006/relationships" xmlns:p="http://schemas.openxmlformats.org/presentationml/2006/main">
+  <p:cSld>
     <p:spTree>
       <p:nvGrpSpPr>
         <p:cNvPr id="1" name=""/>
@@ -3509,7 +5500,7 @@
 </p:sld>
 </file>
 
-<file path=ppt/slides/slide3.xml><?xml version="1.0" encoding="utf-8"?>
+<file path=ppt/slides/slide5.xml><?xml version="1.0" encoding="utf-8"?>
 <p:sld xmlns:a="http://schemas.openxmlformats.org/drawingml/2006/main" xmlns:r="http://schemas.openxmlformats.org/officeDocument/2006/relationships" xmlns:p="http://schemas.openxmlformats.org/presentationml/2006/main">
   <p:cSld>
     <p:spTree>
@@ -3606,7 +5597,7 @@
 </p:sld>
 </file>
 
-<file path=ppt/slides/slide4.xml><?xml version="1.0" encoding="utf-8"?>
+<file path=ppt/slides/slide6.xml><?xml version="1.0" encoding="utf-8"?>
 <p:sld xmlns:a="http://schemas.openxmlformats.org/drawingml/2006/main" xmlns:r="http://schemas.openxmlformats.org/officeDocument/2006/relationships" xmlns:p="http://schemas.openxmlformats.org/presentationml/2006/main">
   <p:cSld>
     <p:spTree>
@@ -3703,7 +5694,7 @@
 </p:sld>
 </file>
 
-<file path=ppt/slides/slide5.xml><?xml version="1.0" encoding="utf-8"?>
+<file path=ppt/slides/slide7.xml><?xml version="1.0" encoding="utf-8"?>
 <p:sld xmlns:a="http://schemas.openxmlformats.org/drawingml/2006/main" xmlns:r="http://schemas.openxmlformats.org/officeDocument/2006/relationships" xmlns:p="http://schemas.openxmlformats.org/presentationml/2006/main">
   <p:cSld>
     <p:spTree>
@@ -3787,8 +5778,8 @@
           </a:prstGeom>
         </p:spPr>
       </p:pic>
-      <mc:AlternateContent xmlns:mc="http://schemas.openxmlformats.org/markup-compatibility/2006">
-        <mc:Choice xmlns:a14="http://schemas.microsoft.com/office/drawing/2010/main" Requires="a14">
+      <mc:AlternateContent xmlns:mc="http://schemas.openxmlformats.org/markup-compatibility/2006" xmlns:a14="http://schemas.microsoft.com/office/drawing/2010/main">
+        <mc:Choice Requires="a14">
           <p:sp>
             <p:nvSpPr>
               <p:cNvPr id="7" name="TextBox 6">
@@ -3817,6 +5808,7 @@
               </a:bodyPr>
               <a:lstStyle/>
               <a:p>
+                <a:pPr/>
                 <a14:m>
                   <m:oMathPara xmlns:m="http://schemas.openxmlformats.org/officeDocument/2006/math">
                     <m:oMathParaPr>
@@ -3866,7 +5858,7 @@
                           </a:solidFill>
                           <a:latin typeface="Cambria Math" panose="02040503050406030204" pitchFamily="18" charset="0"/>
                         </a:rPr>
-                        <m:t>-</m:t>
+                        <m:t>−</m:t>
                       </m:r>
                       <m:r>
                         <a:rPr lang="en-US" sz="2000" b="0" i="1" smtClean="0">
@@ -3900,7 +5892,7 @@
             </p:txBody>
           </p:sp>
         </mc:Choice>
-        <mc:Fallback>
+        <mc:Fallback xmlns="">
           <p:sp>
             <p:nvSpPr>
               <p:cNvPr id="7" name="TextBox 6">

--- a/Slides_6.pptx
+++ b/Slides_6.pptx
@@ -12,6 +12,7 @@
     <p:sldId id="259" r:id="rId6"/>
     <p:sldId id="260" r:id="rId7"/>
     <p:sldId id="261" r:id="rId8"/>
+    <p:sldId id="264" r:id="rId9"/>
   </p:sldIdLst>
   <p:sldSz cx="12192000" cy="6858000"/>
   <p:notesSz cx="6858000" cy="9144000"/>
@@ -5950,6 +5951,170 @@
 </p:sld>
 </file>
 
+<file path=ppt/slides/slide8.xml><?xml version="1.0" encoding="utf-8"?>
+<p:sld xmlns:a="http://schemas.openxmlformats.org/drawingml/2006/main" xmlns:r="http://schemas.openxmlformats.org/officeDocument/2006/relationships" xmlns:p="http://schemas.openxmlformats.org/presentationml/2006/main">
+  <p:cSld>
+    <p:spTree>
+      <p:nvGrpSpPr>
+        <p:cNvPr id="1" name=""/>
+        <p:cNvGrpSpPr/>
+        <p:nvPr/>
+      </p:nvGrpSpPr>
+      <p:grpSpPr>
+        <a:xfrm>
+          <a:off x="0" y="0"/>
+          <a:ext cx="0" cy="0"/>
+          <a:chOff x="0" y="0"/>
+          <a:chExt cx="0" cy="0"/>
+        </a:xfrm>
+      </p:grpSpPr>
+      <p:sp>
+        <p:nvSpPr>
+          <p:cNvPr id="2" name="Title 1">
+            <a:extLst>
+              <a:ext uri="{FF2B5EF4-FFF2-40B4-BE49-F238E27FC236}">
+                <a16:creationId xmlns:a16="http://schemas.microsoft.com/office/drawing/2014/main" id="{8BF46923-FEA6-3DCE-3534-51087F7A444F}"/>
+              </a:ext>
+            </a:extLst>
+          </p:cNvPr>
+          <p:cNvSpPr>
+            <a:spLocks noGrp="1"/>
+          </p:cNvSpPr>
+          <p:nvPr>
+            <p:ph type="title"/>
+          </p:nvPr>
+        </p:nvSpPr>
+        <p:spPr/>
+        <p:txBody>
+          <a:bodyPr/>
+          <a:lstStyle/>
+          <a:p>
+            <a:r>
+              <a:rPr lang="en-US" dirty="0"/>
+              <a:t>Imbalanced Data</a:t>
+            </a:r>
+          </a:p>
+        </p:txBody>
+      </p:sp>
+      <p:pic>
+        <p:nvPicPr>
+          <p:cNvPr id="5" name="Content Placeholder 4">
+            <a:extLst>
+              <a:ext uri="{FF2B5EF4-FFF2-40B4-BE49-F238E27FC236}">
+                <a16:creationId xmlns:a16="http://schemas.microsoft.com/office/drawing/2014/main" id="{8520206D-EE03-7A5A-85A7-BB1EA249ED57}"/>
+              </a:ext>
+            </a:extLst>
+          </p:cNvPr>
+          <p:cNvPicPr>
+            <a:picLocks noGrp="1" noChangeAspect="1"/>
+          </p:cNvPicPr>
+          <p:nvPr>
+            <p:ph sz="half" idx="1"/>
+          </p:nvPr>
+        </p:nvPicPr>
+        <p:blipFill>
+          <a:blip r:embed="rId2">
+            <a:extLst>
+              <a:ext uri="{28A0092B-C50C-407E-A947-70E740481C1C}">
+                <a14:useLocalDpi xmlns:a14="http://schemas.microsoft.com/office/drawing/2010/main" val="0"/>
+              </a:ext>
+              <a:ext uri="{96DAC541-7B7A-43D3-8B79-37D633B846F1}">
+                <asvg:svgBlip xmlns:asvg="http://schemas.microsoft.com/office/drawing/2016/SVG/main" r:embed="rId3"/>
+              </a:ext>
+            </a:extLst>
+          </a:blip>
+          <a:stretch>
+            <a:fillRect/>
+          </a:stretch>
+        </p:blipFill>
+        <p:spPr>
+          <a:xfrm>
+            <a:off x="838200" y="2266950"/>
+            <a:ext cx="4840110" cy="3000374"/>
+          </a:xfrm>
+        </p:spPr>
+      </p:pic>
+      <p:sp>
+        <p:nvSpPr>
+          <p:cNvPr id="6" name="Content Placeholder 5">
+            <a:extLst>
+              <a:ext uri="{FF2B5EF4-FFF2-40B4-BE49-F238E27FC236}">
+                <a16:creationId xmlns:a16="http://schemas.microsoft.com/office/drawing/2014/main" id="{DDA802A5-D5EC-06A0-460D-57536E4DEF2F}"/>
+              </a:ext>
+            </a:extLst>
+          </p:cNvPr>
+          <p:cNvSpPr>
+            <a:spLocks noGrp="1"/>
+          </p:cNvSpPr>
+          <p:nvPr>
+            <p:ph sz="half" idx="2"/>
+          </p:nvPr>
+        </p:nvSpPr>
+        <p:spPr/>
+        <p:txBody>
+          <a:bodyPr/>
+          <a:lstStyle/>
+          <a:p>
+            <a:pPr marL="0" indent="0">
+              <a:buNone/>
+            </a:pPr>
+            <a:r>
+              <a:rPr lang="en-US" dirty="0"/>
+              <a:t>Data-level:</a:t>
+            </a:r>
+          </a:p>
+          <a:p>
+            <a:r>
+              <a:rPr lang="en-US" dirty="0"/>
+              <a:t>Over sampling / Under sampling</a:t>
+            </a:r>
+          </a:p>
+          <a:p>
+            <a:r>
+              <a:rPr lang="en-US" dirty="0"/>
+              <a:t>Synthetic data generation</a:t>
+            </a:r>
+          </a:p>
+          <a:p>
+            <a:pPr marL="0" indent="0">
+              <a:buNone/>
+            </a:pPr>
+            <a:endParaRPr lang="en-US" dirty="0"/>
+          </a:p>
+          <a:p>
+            <a:pPr marL="0" indent="0">
+              <a:buNone/>
+            </a:pPr>
+            <a:r>
+              <a:rPr lang="en-US" dirty="0"/>
+              <a:t>Algorithm-level</a:t>
+            </a:r>
+          </a:p>
+          <a:p>
+            <a:r>
+              <a:rPr lang="en-US" dirty="0"/>
+              <a:t>Cost-sensitive learning / Class weight adjustment</a:t>
+            </a:r>
+          </a:p>
+          <a:p>
+            <a:pPr lvl="1"/>
+            <a:endParaRPr lang="en-US" dirty="0"/>
+          </a:p>
+        </p:txBody>
+      </p:sp>
+    </p:spTree>
+    <p:extLst>
+      <p:ext uri="{BB962C8B-B14F-4D97-AF65-F5344CB8AC3E}">
+        <p14:creationId xmlns:p14="http://schemas.microsoft.com/office/powerpoint/2010/main" val="3844657640"/>
+      </p:ext>
+    </p:extLst>
+  </p:cSld>
+  <p:clrMapOvr>
+    <a:masterClrMapping/>
+  </p:clrMapOvr>
+</p:sld>
+</file>
+
 <file path=ppt/theme/theme1.xml><?xml version="1.0" encoding="utf-8"?>
 <a:theme xmlns:a="http://schemas.openxmlformats.org/drawingml/2006/main" name="Office Theme">
   <a:themeElements>

--- a/Slides_6.pptx
+++ b/Slides_6.pptx
@@ -13,6 +13,7 @@
     <p:sldId id="260" r:id="rId7"/>
     <p:sldId id="261" r:id="rId8"/>
     <p:sldId id="264" r:id="rId9"/>
+    <p:sldId id="265" r:id="rId10"/>
   </p:sldIdLst>
   <p:sldSz cx="12192000" cy="6858000"/>
   <p:notesSz cx="6858000" cy="9144000"/>
@@ -6115,6 +6116,147 @@
 </p:sld>
 </file>
 
+<file path=ppt/slides/slide9.xml><?xml version="1.0" encoding="utf-8"?>
+<p:sld xmlns:a="http://schemas.openxmlformats.org/drawingml/2006/main" xmlns:r="http://schemas.openxmlformats.org/officeDocument/2006/relationships" xmlns:p="http://schemas.openxmlformats.org/presentationml/2006/main">
+  <p:cSld>
+    <p:spTree>
+      <p:nvGrpSpPr>
+        <p:cNvPr id="1" name=""/>
+        <p:cNvGrpSpPr/>
+        <p:nvPr/>
+      </p:nvGrpSpPr>
+      <p:grpSpPr>
+        <a:xfrm>
+          <a:off x="0" y="0"/>
+          <a:ext cx="0" cy="0"/>
+          <a:chOff x="0" y="0"/>
+          <a:chExt cx="0" cy="0"/>
+        </a:xfrm>
+      </p:grpSpPr>
+      <p:sp>
+        <p:nvSpPr>
+          <p:cNvPr id="2" name="Title 1">
+            <a:extLst>
+              <a:ext uri="{FF2B5EF4-FFF2-40B4-BE49-F238E27FC236}">
+                <a16:creationId xmlns:a16="http://schemas.microsoft.com/office/drawing/2014/main" id="{2A0042A4-3BC4-5DB9-A063-CE81FC74B039}"/>
+              </a:ext>
+            </a:extLst>
+          </p:cNvPr>
+          <p:cNvSpPr>
+            <a:spLocks noGrp="1"/>
+          </p:cNvSpPr>
+          <p:nvPr>
+            <p:ph type="title"/>
+          </p:nvPr>
+        </p:nvSpPr>
+        <p:spPr/>
+        <p:txBody>
+          <a:bodyPr/>
+          <a:lstStyle/>
+          <a:p>
+            <a:r>
+              <a:rPr lang="en-US" dirty="0"/>
+              <a:t>Data Augmentation</a:t>
+            </a:r>
+          </a:p>
+        </p:txBody>
+      </p:sp>
+      <p:sp>
+        <p:nvSpPr>
+          <p:cNvPr id="3" name="Content Placeholder 2">
+            <a:extLst>
+              <a:ext uri="{FF2B5EF4-FFF2-40B4-BE49-F238E27FC236}">
+                <a16:creationId xmlns:a16="http://schemas.microsoft.com/office/drawing/2014/main" id="{65998CC8-6297-0262-86BE-0CCA329C18CB}"/>
+              </a:ext>
+            </a:extLst>
+          </p:cNvPr>
+          <p:cNvSpPr>
+            <a:spLocks noGrp="1"/>
+          </p:cNvSpPr>
+          <p:nvPr>
+            <p:ph idx="1"/>
+          </p:nvPr>
+        </p:nvSpPr>
+        <p:spPr>
+          <a:xfrm>
+            <a:off x="838200" y="1825624"/>
+            <a:ext cx="10515600" cy="5032376"/>
+          </a:xfrm>
+        </p:spPr>
+        <p:txBody>
+          <a:bodyPr>
+            <a:normAutofit/>
+          </a:bodyPr>
+          <a:lstStyle/>
+          <a:p>
+            <a:r>
+              <a:rPr lang="en-US" dirty="0"/>
+              <a:t>Flip horizontal / vertical</a:t>
+            </a:r>
+          </a:p>
+          <a:p>
+            <a:r>
+              <a:rPr lang="en-US" dirty="0"/>
+              <a:t>Rotate</a:t>
+            </a:r>
+          </a:p>
+          <a:p>
+            <a:r>
+              <a:rPr lang="en-US" dirty="0"/>
+              <a:t>Rescale</a:t>
+            </a:r>
+          </a:p>
+          <a:p>
+            <a:r>
+              <a:rPr lang="en-US" dirty="0"/>
+              <a:t>Crop</a:t>
+            </a:r>
+          </a:p>
+          <a:p>
+            <a:r>
+              <a:rPr lang="en-US" dirty="0"/>
+              <a:t>Dilate/shrink</a:t>
+            </a:r>
+          </a:p>
+          <a:p>
+            <a:r>
+              <a:rPr lang="en-US" dirty="0"/>
+              <a:t>Add white noise</a:t>
+            </a:r>
+          </a:p>
+          <a:p>
+            <a:r>
+              <a:rPr lang="en-US" dirty="0"/>
+              <a:t>Add salt/pepper noise</a:t>
+            </a:r>
+          </a:p>
+          <a:p>
+            <a:r>
+              <a:rPr lang="en-US" dirty="0"/>
+              <a:t>Add white/black boxes</a:t>
+            </a:r>
+          </a:p>
+          <a:p>
+            <a:r>
+              <a:rPr lang="en-US" dirty="0"/>
+              <a:t>+ anything that you can think of!</a:t>
+            </a:r>
+          </a:p>
+        </p:txBody>
+      </p:sp>
+    </p:spTree>
+    <p:extLst>
+      <p:ext uri="{BB962C8B-B14F-4D97-AF65-F5344CB8AC3E}">
+        <p14:creationId xmlns:p14="http://schemas.microsoft.com/office/powerpoint/2010/main" val="3314343235"/>
+      </p:ext>
+    </p:extLst>
+  </p:cSld>
+  <p:clrMapOvr>
+    <a:masterClrMapping/>
+  </p:clrMapOvr>
+</p:sld>
+</file>
+
 <file path=ppt/theme/theme1.xml><?xml version="1.0" encoding="utf-8"?>
 <a:theme xmlns:a="http://schemas.openxmlformats.org/drawingml/2006/main" name="Office Theme">
   <a:themeElements>

--- a/Slides_6.pptx
+++ b/Slides_6.pptx
@@ -14,6 +14,7 @@
     <p:sldId id="261" r:id="rId8"/>
     <p:sldId id="264" r:id="rId9"/>
     <p:sldId id="265" r:id="rId10"/>
+    <p:sldId id="266" r:id="rId11"/>
   </p:sldIdLst>
   <p:sldSz cx="12192000" cy="6858000"/>
   <p:notesSz cx="6858000" cy="9144000"/>
@@ -3421,6 +3422,112 @@
 </p:sld>
 </file>
 
+<file path=ppt/slides/slide10.xml><?xml version="1.0" encoding="utf-8"?>
+<p:sld xmlns:a="http://schemas.openxmlformats.org/drawingml/2006/main" xmlns:r="http://schemas.openxmlformats.org/officeDocument/2006/relationships" xmlns:p="http://schemas.openxmlformats.org/presentationml/2006/main">
+  <p:cSld>
+    <p:spTree>
+      <p:nvGrpSpPr>
+        <p:cNvPr id="1" name=""/>
+        <p:cNvGrpSpPr/>
+        <p:nvPr/>
+      </p:nvGrpSpPr>
+      <p:grpSpPr>
+        <a:xfrm>
+          <a:off x="0" y="0"/>
+          <a:ext cx="0" cy="0"/>
+          <a:chOff x="0" y="0"/>
+          <a:chExt cx="0" cy="0"/>
+        </a:xfrm>
+      </p:grpSpPr>
+      <p:sp>
+        <p:nvSpPr>
+          <p:cNvPr id="2" name="Title 1">
+            <a:extLst>
+              <a:ext uri="{FF2B5EF4-FFF2-40B4-BE49-F238E27FC236}">
+                <a16:creationId xmlns:a16="http://schemas.microsoft.com/office/drawing/2014/main" id="{2A0042A4-3BC4-5DB9-A063-CE81FC74B039}"/>
+              </a:ext>
+            </a:extLst>
+          </p:cNvPr>
+          <p:cNvSpPr>
+            <a:spLocks noGrp="1"/>
+          </p:cNvSpPr>
+          <p:nvPr>
+            <p:ph type="title"/>
+          </p:nvPr>
+        </p:nvSpPr>
+        <p:spPr/>
+        <p:txBody>
+          <a:bodyPr/>
+          <a:lstStyle/>
+          <a:p>
+            <a:r>
+              <a:rPr lang="en-US" dirty="0"/>
+              <a:t>Data Augmentation: Audio</a:t>
+            </a:r>
+          </a:p>
+        </p:txBody>
+      </p:sp>
+      <p:sp>
+        <p:nvSpPr>
+          <p:cNvPr id="3" name="Content Placeholder 2">
+            <a:extLst>
+              <a:ext uri="{FF2B5EF4-FFF2-40B4-BE49-F238E27FC236}">
+                <a16:creationId xmlns:a16="http://schemas.microsoft.com/office/drawing/2014/main" id="{65998CC8-6297-0262-86BE-0CCA329C18CB}"/>
+              </a:ext>
+            </a:extLst>
+          </p:cNvPr>
+          <p:cNvSpPr>
+            <a:spLocks noGrp="1"/>
+          </p:cNvSpPr>
+          <p:nvPr>
+            <p:ph idx="1"/>
+          </p:nvPr>
+        </p:nvSpPr>
+        <p:spPr/>
+        <p:txBody>
+          <a:bodyPr>
+            <a:normAutofit/>
+          </a:bodyPr>
+          <a:lstStyle/>
+          <a:p>
+            <a:r>
+              <a:rPr lang="en-US" dirty="0"/>
+              <a:t>Add white noise</a:t>
+            </a:r>
+          </a:p>
+          <a:p>
+            <a:r>
+              <a:rPr lang="en-US" dirty="0"/>
+              <a:t>Shifting tone</a:t>
+            </a:r>
+          </a:p>
+          <a:p>
+            <a:r>
+              <a:rPr lang="en-US" dirty="0"/>
+              <a:t>Vary speed</a:t>
+            </a:r>
+          </a:p>
+          <a:p>
+            <a:r>
+              <a:rPr lang="en-US" dirty="0"/>
+              <a:t>Filter frequencies (drop/add low/high frequencies)</a:t>
+            </a:r>
+          </a:p>
+        </p:txBody>
+      </p:sp>
+    </p:spTree>
+    <p:extLst>
+      <p:ext uri="{BB962C8B-B14F-4D97-AF65-F5344CB8AC3E}">
+        <p14:creationId xmlns:p14="http://schemas.microsoft.com/office/powerpoint/2010/main" val="4070658688"/>
+      </p:ext>
+    </p:extLst>
+  </p:cSld>
+  <p:clrMapOvr>
+    <a:masterClrMapping/>
+  </p:clrMapOvr>
+</p:sld>
+</file>
+
 <file path=ppt/slides/slide2.xml><?xml version="1.0" encoding="utf-8"?>
 <p:sld xmlns:a="http://schemas.openxmlformats.org/drawingml/2006/main" xmlns:r="http://schemas.openxmlformats.org/officeDocument/2006/relationships" xmlns:p="http://schemas.openxmlformats.org/presentationml/2006/main">
   <p:cSld>
@@ -6156,7 +6263,7 @@
           <a:p>
             <a:r>
               <a:rPr lang="en-US" dirty="0"/>
-              <a:t>Data Augmentation</a:t>
+              <a:t>Data Augmentation: Images</a:t>
             </a:r>
           </a:p>
         </p:txBody>

--- a/Slides_6.pptx
+++ b/Slides_6.pptx
@@ -15,6 +15,7 @@
     <p:sldId id="264" r:id="rId9"/>
     <p:sldId id="265" r:id="rId10"/>
     <p:sldId id="266" r:id="rId11"/>
+    <p:sldId id="267" r:id="rId12"/>
   </p:sldIdLst>
   <p:sldSz cx="12192000" cy="6858000"/>
   <p:notesSz cx="6858000" cy="9144000"/>
@@ -3528,6 +3529,103 @@
 </p:sld>
 </file>
 
+<file path=ppt/slides/slide11.xml><?xml version="1.0" encoding="utf-8"?>
+<p:sld xmlns:a="http://schemas.openxmlformats.org/drawingml/2006/main" xmlns:r="http://schemas.openxmlformats.org/officeDocument/2006/relationships" xmlns:p="http://schemas.openxmlformats.org/presentationml/2006/main">
+  <p:cSld>
+    <p:spTree>
+      <p:nvGrpSpPr>
+        <p:cNvPr id="1" name=""/>
+        <p:cNvGrpSpPr/>
+        <p:nvPr/>
+      </p:nvGrpSpPr>
+      <p:grpSpPr>
+        <a:xfrm>
+          <a:off x="0" y="0"/>
+          <a:ext cx="0" cy="0"/>
+          <a:chOff x="0" y="0"/>
+          <a:chExt cx="0" cy="0"/>
+        </a:xfrm>
+      </p:grpSpPr>
+      <p:sp>
+        <p:nvSpPr>
+          <p:cNvPr id="2" name="Title 1">
+            <a:extLst>
+              <a:ext uri="{FF2B5EF4-FFF2-40B4-BE49-F238E27FC236}">
+                <a16:creationId xmlns:a16="http://schemas.microsoft.com/office/drawing/2014/main" id="{2A0042A4-3BC4-5DB9-A063-CE81FC74B039}"/>
+              </a:ext>
+            </a:extLst>
+          </p:cNvPr>
+          <p:cNvSpPr>
+            <a:spLocks noGrp="1"/>
+          </p:cNvSpPr>
+          <p:nvPr>
+            <p:ph type="title"/>
+          </p:nvPr>
+        </p:nvSpPr>
+        <p:spPr/>
+        <p:txBody>
+          <a:bodyPr/>
+          <a:lstStyle/>
+          <a:p>
+            <a:r>
+              <a:rPr lang="en-US" dirty="0"/>
+              <a:t>Data Augmentation: Text</a:t>
+            </a:r>
+          </a:p>
+        </p:txBody>
+      </p:sp>
+      <p:sp>
+        <p:nvSpPr>
+          <p:cNvPr id="3" name="Content Placeholder 2">
+            <a:extLst>
+              <a:ext uri="{FF2B5EF4-FFF2-40B4-BE49-F238E27FC236}">
+                <a16:creationId xmlns:a16="http://schemas.microsoft.com/office/drawing/2014/main" id="{65998CC8-6297-0262-86BE-0CCA329C18CB}"/>
+              </a:ext>
+            </a:extLst>
+          </p:cNvPr>
+          <p:cNvSpPr>
+            <a:spLocks noGrp="1"/>
+          </p:cNvSpPr>
+          <p:nvPr>
+            <p:ph idx="1"/>
+          </p:nvPr>
+        </p:nvSpPr>
+        <p:spPr/>
+        <p:txBody>
+          <a:bodyPr>
+            <a:normAutofit/>
+          </a:bodyPr>
+          <a:lstStyle/>
+          <a:p>
+            <a:r>
+              <a:rPr lang="en-US" dirty="0"/>
+              <a:t>Synonym substitute</a:t>
+            </a:r>
+          </a:p>
+          <a:p>
+            <a:r>
+              <a:rPr lang="en-US" dirty="0"/>
+              <a:t>Random insertion</a:t>
+            </a:r>
+          </a:p>
+          <a:p>
+            <a:endParaRPr lang="en-US" dirty="0"/>
+          </a:p>
+        </p:txBody>
+      </p:sp>
+    </p:spTree>
+    <p:extLst>
+      <p:ext uri="{BB962C8B-B14F-4D97-AF65-F5344CB8AC3E}">
+        <p14:creationId xmlns:p14="http://schemas.microsoft.com/office/powerpoint/2010/main" val="3274120912"/>
+      </p:ext>
+    </p:extLst>
+  </p:cSld>
+  <p:clrMapOvr>
+    <a:masterClrMapping/>
+  </p:clrMapOvr>
+</p:sld>
+</file>
+
 <file path=ppt/slides/slide2.xml><?xml version="1.0" encoding="utf-8"?>
 <p:sld xmlns:a="http://schemas.openxmlformats.org/drawingml/2006/main" xmlns:r="http://schemas.openxmlformats.org/officeDocument/2006/relationships" xmlns:p="http://schemas.openxmlformats.org/presentationml/2006/main">
   <p:cSld>

--- a/Slides_6.pptx
+++ b/Slides_6.pptx
@@ -4,6 +4,9 @@
   <p:sldMasterIdLst>
     <p:sldMasterId id="2147483648" r:id="rId1"/>
   </p:sldMasterIdLst>
+  <p:notesMasterIdLst>
+    <p:notesMasterId r:id="rId15"/>
+  </p:notesMasterIdLst>
   <p:sldIdLst>
     <p:sldId id="257" r:id="rId2"/>
     <p:sldId id="262" r:id="rId3"/>
@@ -12,10 +15,12 @@
     <p:sldId id="259" r:id="rId6"/>
     <p:sldId id="260" r:id="rId7"/>
     <p:sldId id="261" r:id="rId8"/>
-    <p:sldId id="264" r:id="rId9"/>
-    <p:sldId id="265" r:id="rId10"/>
-    <p:sldId id="266" r:id="rId11"/>
-    <p:sldId id="267" r:id="rId12"/>
+    <p:sldId id="265" r:id="rId9"/>
+    <p:sldId id="266" r:id="rId10"/>
+    <p:sldId id="267" r:id="rId11"/>
+    <p:sldId id="264" r:id="rId12"/>
+    <p:sldId id="268" r:id="rId13"/>
+    <p:sldId id="269" r:id="rId14"/>
   </p:sldIdLst>
   <p:sldSz cx="12192000" cy="6858000"/>
   <p:notesSz cx="6858000" cy="9144000"/>
@@ -120,6 +125,450 @@
     </p:ext>
   </p:extLst>
 </p:presentation>
+</file>
+
+<file path=ppt/notesMasters/notesMaster1.xml><?xml version="1.0" encoding="utf-8"?>
+<p:notesMaster xmlns:a="http://schemas.openxmlformats.org/drawingml/2006/main" xmlns:r="http://schemas.openxmlformats.org/officeDocument/2006/relationships" xmlns:p="http://schemas.openxmlformats.org/presentationml/2006/main">
+  <p:cSld>
+    <p:bg>
+      <p:bgRef idx="1001">
+        <a:schemeClr val="bg1"/>
+      </p:bgRef>
+    </p:bg>
+    <p:spTree>
+      <p:nvGrpSpPr>
+        <p:cNvPr id="1" name=""/>
+        <p:cNvGrpSpPr/>
+        <p:nvPr/>
+      </p:nvGrpSpPr>
+      <p:grpSpPr>
+        <a:xfrm>
+          <a:off x="0" y="0"/>
+          <a:ext cx="0" cy="0"/>
+          <a:chOff x="0" y="0"/>
+          <a:chExt cx="0" cy="0"/>
+        </a:xfrm>
+      </p:grpSpPr>
+      <p:sp>
+        <p:nvSpPr>
+          <p:cNvPr id="2" name="Header Placeholder 1"/>
+          <p:cNvSpPr>
+            <a:spLocks noGrp="1"/>
+          </p:cNvSpPr>
+          <p:nvPr>
+            <p:ph type="hdr" sz="quarter"/>
+          </p:nvPr>
+        </p:nvSpPr>
+        <p:spPr>
+          <a:xfrm>
+            <a:off x="0" y="0"/>
+            <a:ext cx="2971800" cy="458788"/>
+          </a:xfrm>
+          <a:prstGeom prst="rect">
+            <a:avLst/>
+          </a:prstGeom>
+        </p:spPr>
+        <p:txBody>
+          <a:bodyPr vert="horz" lIns="91440" tIns="45720" rIns="91440" bIns="45720" rtlCol="0"/>
+          <a:lstStyle>
+            <a:lvl1pPr algn="l">
+              <a:defRPr sz="1200"/>
+            </a:lvl1pPr>
+          </a:lstStyle>
+          <a:p>
+            <a:endParaRPr lang="en-US"/>
+          </a:p>
+        </p:txBody>
+      </p:sp>
+      <p:sp>
+        <p:nvSpPr>
+          <p:cNvPr id="3" name="Date Placeholder 2"/>
+          <p:cNvSpPr>
+            <a:spLocks noGrp="1"/>
+          </p:cNvSpPr>
+          <p:nvPr>
+            <p:ph type="dt" idx="1"/>
+          </p:nvPr>
+        </p:nvSpPr>
+        <p:spPr>
+          <a:xfrm>
+            <a:off x="3884613" y="0"/>
+            <a:ext cx="2971800" cy="458788"/>
+          </a:xfrm>
+          <a:prstGeom prst="rect">
+            <a:avLst/>
+          </a:prstGeom>
+        </p:spPr>
+        <p:txBody>
+          <a:bodyPr vert="horz" lIns="91440" tIns="45720" rIns="91440" bIns="45720" rtlCol="0"/>
+          <a:lstStyle>
+            <a:lvl1pPr algn="r">
+              <a:defRPr sz="1200"/>
+            </a:lvl1pPr>
+          </a:lstStyle>
+          <a:p>
+            <a:fld id="{924B292F-D4E4-48C8-B145-158F74B45F38}" type="datetimeFigureOut">
+              <a:rPr lang="en-US" smtClean="0"/>
+              <a:t>1/31/2023</a:t>
+            </a:fld>
+            <a:endParaRPr lang="en-US"/>
+          </a:p>
+        </p:txBody>
+      </p:sp>
+      <p:sp>
+        <p:nvSpPr>
+          <p:cNvPr id="4" name="Slide Image Placeholder 3"/>
+          <p:cNvSpPr>
+            <a:spLocks noGrp="1" noRot="1" noChangeAspect="1"/>
+          </p:cNvSpPr>
+          <p:nvPr>
+            <p:ph type="sldImg" idx="2"/>
+          </p:nvPr>
+        </p:nvSpPr>
+        <p:spPr>
+          <a:xfrm>
+            <a:off x="685800" y="1143000"/>
+            <a:ext cx="5486400" cy="3086100"/>
+          </a:xfrm>
+          <a:prstGeom prst="rect">
+            <a:avLst/>
+          </a:prstGeom>
+          <a:noFill/>
+          <a:ln w="12700">
+            <a:solidFill>
+              <a:prstClr val="black"/>
+            </a:solidFill>
+          </a:ln>
+        </p:spPr>
+        <p:txBody>
+          <a:bodyPr vert="horz" lIns="91440" tIns="45720" rIns="91440" bIns="45720" rtlCol="0" anchor="ctr"/>
+          <a:lstStyle/>
+          <a:p>
+            <a:endParaRPr lang="en-US"/>
+          </a:p>
+        </p:txBody>
+      </p:sp>
+      <p:sp>
+        <p:nvSpPr>
+          <p:cNvPr id="5" name="Notes Placeholder 4"/>
+          <p:cNvSpPr>
+            <a:spLocks noGrp="1"/>
+          </p:cNvSpPr>
+          <p:nvPr>
+            <p:ph type="body" sz="quarter" idx="3"/>
+          </p:nvPr>
+        </p:nvSpPr>
+        <p:spPr>
+          <a:xfrm>
+            <a:off x="685800" y="4400550"/>
+            <a:ext cx="5486400" cy="3600450"/>
+          </a:xfrm>
+          <a:prstGeom prst="rect">
+            <a:avLst/>
+          </a:prstGeom>
+        </p:spPr>
+        <p:txBody>
+          <a:bodyPr vert="horz" lIns="91440" tIns="45720" rIns="91440" bIns="45720" rtlCol="0"/>
+          <a:lstStyle/>
+          <a:p>
+            <a:pPr lvl="0"/>
+            <a:r>
+              <a:rPr lang="en-US"/>
+              <a:t>Click to edit Master text styles</a:t>
+            </a:r>
+          </a:p>
+          <a:p>
+            <a:pPr lvl="1"/>
+            <a:r>
+              <a:rPr lang="en-US"/>
+              <a:t>Second level</a:t>
+            </a:r>
+          </a:p>
+          <a:p>
+            <a:pPr lvl="2"/>
+            <a:r>
+              <a:rPr lang="en-US"/>
+              <a:t>Third level</a:t>
+            </a:r>
+          </a:p>
+          <a:p>
+            <a:pPr lvl="3"/>
+            <a:r>
+              <a:rPr lang="en-US"/>
+              <a:t>Fourth level</a:t>
+            </a:r>
+          </a:p>
+          <a:p>
+            <a:pPr lvl="4"/>
+            <a:r>
+              <a:rPr lang="en-US"/>
+              <a:t>Fifth level</a:t>
+            </a:r>
+          </a:p>
+        </p:txBody>
+      </p:sp>
+      <p:sp>
+        <p:nvSpPr>
+          <p:cNvPr id="6" name="Footer Placeholder 5"/>
+          <p:cNvSpPr>
+            <a:spLocks noGrp="1"/>
+          </p:cNvSpPr>
+          <p:nvPr>
+            <p:ph type="ftr" sz="quarter" idx="4"/>
+          </p:nvPr>
+        </p:nvSpPr>
+        <p:spPr>
+          <a:xfrm>
+            <a:off x="0" y="8685213"/>
+            <a:ext cx="2971800" cy="458787"/>
+          </a:xfrm>
+          <a:prstGeom prst="rect">
+            <a:avLst/>
+          </a:prstGeom>
+        </p:spPr>
+        <p:txBody>
+          <a:bodyPr vert="horz" lIns="91440" tIns="45720" rIns="91440" bIns="45720" rtlCol="0" anchor="b"/>
+          <a:lstStyle>
+            <a:lvl1pPr algn="l">
+              <a:defRPr sz="1200"/>
+            </a:lvl1pPr>
+          </a:lstStyle>
+          <a:p>
+            <a:endParaRPr lang="en-US"/>
+          </a:p>
+        </p:txBody>
+      </p:sp>
+      <p:sp>
+        <p:nvSpPr>
+          <p:cNvPr id="7" name="Slide Number Placeholder 6"/>
+          <p:cNvSpPr>
+            <a:spLocks noGrp="1"/>
+          </p:cNvSpPr>
+          <p:nvPr>
+            <p:ph type="sldNum" sz="quarter" idx="5"/>
+          </p:nvPr>
+        </p:nvSpPr>
+        <p:spPr>
+          <a:xfrm>
+            <a:off x="3884613" y="8685213"/>
+            <a:ext cx="2971800" cy="458787"/>
+          </a:xfrm>
+          <a:prstGeom prst="rect">
+            <a:avLst/>
+          </a:prstGeom>
+        </p:spPr>
+        <p:txBody>
+          <a:bodyPr vert="horz" lIns="91440" tIns="45720" rIns="91440" bIns="45720" rtlCol="0" anchor="b"/>
+          <a:lstStyle>
+            <a:lvl1pPr algn="r">
+              <a:defRPr sz="1200"/>
+            </a:lvl1pPr>
+          </a:lstStyle>
+          <a:p>
+            <a:fld id="{AEC0BEEF-DF6E-47F5-BB9D-5FE86A5A18C3}" type="slidenum">
+              <a:rPr lang="en-US" smtClean="0"/>
+              <a:t>‹#›</a:t>
+            </a:fld>
+            <a:endParaRPr lang="en-US"/>
+          </a:p>
+        </p:txBody>
+      </p:sp>
+    </p:spTree>
+    <p:extLst>
+      <p:ext uri="{BB962C8B-B14F-4D97-AF65-F5344CB8AC3E}">
+        <p14:creationId xmlns:p14="http://schemas.microsoft.com/office/powerpoint/2010/main" val="367486275"/>
+      </p:ext>
+    </p:extLst>
+  </p:cSld>
+  <p:clrMap bg1="lt1" tx1="dk1" bg2="lt2" tx2="dk2" accent1="accent1" accent2="accent2" accent3="accent3" accent4="accent4" accent5="accent5" accent6="accent6" hlink="hlink" folHlink="folHlink"/>
+  <p:notesStyle>
+    <a:lvl1pPr marL="0" algn="l" defTabSz="914400" rtl="0" eaLnBrk="1" latinLnBrk="0" hangingPunct="1">
+      <a:defRPr sz="1200" kern="1200">
+        <a:solidFill>
+          <a:schemeClr val="tx1"/>
+        </a:solidFill>
+        <a:latin typeface="+mn-lt"/>
+        <a:ea typeface="+mn-ea"/>
+        <a:cs typeface="+mn-cs"/>
+      </a:defRPr>
+    </a:lvl1pPr>
+    <a:lvl2pPr marL="457200" algn="l" defTabSz="914400" rtl="0" eaLnBrk="1" latinLnBrk="0" hangingPunct="1">
+      <a:defRPr sz="1200" kern="1200">
+        <a:solidFill>
+          <a:schemeClr val="tx1"/>
+        </a:solidFill>
+        <a:latin typeface="+mn-lt"/>
+        <a:ea typeface="+mn-ea"/>
+        <a:cs typeface="+mn-cs"/>
+      </a:defRPr>
+    </a:lvl2pPr>
+    <a:lvl3pPr marL="914400" algn="l" defTabSz="914400" rtl="0" eaLnBrk="1" latinLnBrk="0" hangingPunct="1">
+      <a:defRPr sz="1200" kern="1200">
+        <a:solidFill>
+          <a:schemeClr val="tx1"/>
+        </a:solidFill>
+        <a:latin typeface="+mn-lt"/>
+        <a:ea typeface="+mn-ea"/>
+        <a:cs typeface="+mn-cs"/>
+      </a:defRPr>
+    </a:lvl3pPr>
+    <a:lvl4pPr marL="1371600" algn="l" defTabSz="914400" rtl="0" eaLnBrk="1" latinLnBrk="0" hangingPunct="1">
+      <a:defRPr sz="1200" kern="1200">
+        <a:solidFill>
+          <a:schemeClr val="tx1"/>
+        </a:solidFill>
+        <a:latin typeface="+mn-lt"/>
+        <a:ea typeface="+mn-ea"/>
+        <a:cs typeface="+mn-cs"/>
+      </a:defRPr>
+    </a:lvl4pPr>
+    <a:lvl5pPr marL="1828800" algn="l" defTabSz="914400" rtl="0" eaLnBrk="1" latinLnBrk="0" hangingPunct="1">
+      <a:defRPr sz="1200" kern="1200">
+        <a:solidFill>
+          <a:schemeClr val="tx1"/>
+        </a:solidFill>
+        <a:latin typeface="+mn-lt"/>
+        <a:ea typeface="+mn-ea"/>
+        <a:cs typeface="+mn-cs"/>
+      </a:defRPr>
+    </a:lvl5pPr>
+    <a:lvl6pPr marL="2286000" algn="l" defTabSz="914400" rtl="0" eaLnBrk="1" latinLnBrk="0" hangingPunct="1">
+      <a:defRPr sz="1200" kern="1200">
+        <a:solidFill>
+          <a:schemeClr val="tx1"/>
+        </a:solidFill>
+        <a:latin typeface="+mn-lt"/>
+        <a:ea typeface="+mn-ea"/>
+        <a:cs typeface="+mn-cs"/>
+      </a:defRPr>
+    </a:lvl6pPr>
+    <a:lvl7pPr marL="2743200" algn="l" defTabSz="914400" rtl="0" eaLnBrk="1" latinLnBrk="0" hangingPunct="1">
+      <a:defRPr sz="1200" kern="1200">
+        <a:solidFill>
+          <a:schemeClr val="tx1"/>
+        </a:solidFill>
+        <a:latin typeface="+mn-lt"/>
+        <a:ea typeface="+mn-ea"/>
+        <a:cs typeface="+mn-cs"/>
+      </a:defRPr>
+    </a:lvl7pPr>
+    <a:lvl8pPr marL="3200400" algn="l" defTabSz="914400" rtl="0" eaLnBrk="1" latinLnBrk="0" hangingPunct="1">
+      <a:defRPr sz="1200" kern="1200">
+        <a:solidFill>
+          <a:schemeClr val="tx1"/>
+        </a:solidFill>
+        <a:latin typeface="+mn-lt"/>
+        <a:ea typeface="+mn-ea"/>
+        <a:cs typeface="+mn-cs"/>
+      </a:defRPr>
+    </a:lvl8pPr>
+    <a:lvl9pPr marL="3657600" algn="l" defTabSz="914400" rtl="0" eaLnBrk="1" latinLnBrk="0" hangingPunct="1">
+      <a:defRPr sz="1200" kern="1200">
+        <a:solidFill>
+          <a:schemeClr val="tx1"/>
+        </a:solidFill>
+        <a:latin typeface="+mn-lt"/>
+        <a:ea typeface="+mn-ea"/>
+        <a:cs typeface="+mn-cs"/>
+      </a:defRPr>
+    </a:lvl9pPr>
+  </p:notesStyle>
+</p:notesMaster>
+</file>
+
+<file path=ppt/notesSlides/notesSlide1.xml><?xml version="1.0" encoding="utf-8"?>
+<p:notes xmlns:a="http://schemas.openxmlformats.org/drawingml/2006/main" xmlns:r="http://schemas.openxmlformats.org/officeDocument/2006/relationships" xmlns:p="http://schemas.openxmlformats.org/presentationml/2006/main">
+  <p:cSld>
+    <p:spTree>
+      <p:nvGrpSpPr>
+        <p:cNvPr id="1" name=""/>
+        <p:cNvGrpSpPr/>
+        <p:nvPr/>
+      </p:nvGrpSpPr>
+      <p:grpSpPr>
+        <a:xfrm>
+          <a:off x="0" y="0"/>
+          <a:ext cx="0" cy="0"/>
+          <a:chOff x="0" y="0"/>
+          <a:chExt cx="0" cy="0"/>
+        </a:xfrm>
+      </p:grpSpPr>
+      <p:sp>
+        <p:nvSpPr>
+          <p:cNvPr id="2" name="Slide Image Placeholder 1"/>
+          <p:cNvSpPr>
+            <a:spLocks noGrp="1" noRot="1" noChangeAspect="1"/>
+          </p:cNvSpPr>
+          <p:nvPr>
+            <p:ph type="sldImg"/>
+          </p:nvPr>
+        </p:nvSpPr>
+        <p:spPr/>
+      </p:sp>
+      <p:sp>
+        <p:nvSpPr>
+          <p:cNvPr id="3" name="Notes Placeholder 2"/>
+          <p:cNvSpPr>
+            <a:spLocks noGrp="1"/>
+          </p:cNvSpPr>
+          <p:nvPr>
+            <p:ph type="body" idx="1"/>
+          </p:nvPr>
+        </p:nvSpPr>
+        <p:spPr/>
+        <p:txBody>
+          <a:bodyPr/>
+          <a:lstStyle/>
+          <a:p>
+            <a:r>
+              <a:rPr lang="en-US" dirty="0"/>
+              <a:t>Harmonic Mean: H = n/(1/x_1 + 1/x_2 + 1/x_3 + … + 1/</a:t>
+            </a:r>
+            <a:r>
+              <a:rPr lang="en-US" dirty="0" err="1"/>
+              <a:t>x_n</a:t>
+            </a:r>
+            <a:r>
+              <a:rPr lang="en-US" dirty="0"/>
+              <a:t>)</a:t>
+            </a:r>
+          </a:p>
+        </p:txBody>
+      </p:sp>
+      <p:sp>
+        <p:nvSpPr>
+          <p:cNvPr id="4" name="Slide Number Placeholder 3"/>
+          <p:cNvSpPr>
+            <a:spLocks noGrp="1"/>
+          </p:cNvSpPr>
+          <p:nvPr>
+            <p:ph type="sldNum" sz="quarter" idx="5"/>
+          </p:nvPr>
+        </p:nvSpPr>
+        <p:spPr/>
+        <p:txBody>
+          <a:bodyPr/>
+          <a:lstStyle/>
+          <a:p>
+            <a:fld id="{AEC0BEEF-DF6E-47F5-BB9D-5FE86A5A18C3}" type="slidenum">
+              <a:rPr lang="en-US" smtClean="0"/>
+              <a:t>12</a:t>
+            </a:fld>
+            <a:endParaRPr lang="en-US"/>
+          </a:p>
+        </p:txBody>
+      </p:sp>
+    </p:spTree>
+    <p:extLst>
+      <p:ext uri="{BB962C8B-B14F-4D97-AF65-F5344CB8AC3E}">
+        <p14:creationId xmlns:p14="http://schemas.microsoft.com/office/powerpoint/2010/main" val="3171428390"/>
+      </p:ext>
+    </p:extLst>
+  </p:cSld>
+  <p:clrMapOvr>
+    <a:masterClrMapping/>
+  </p:clrMapOvr>
+</p:notes>
 </file>
 
 <file path=ppt/slideLayouts/slideLayout1.xml><?xml version="1.0" encoding="utf-8"?>
@@ -3463,7 +3912,7 @@
           <a:p>
             <a:r>
               <a:rPr lang="en-US" dirty="0"/>
-              <a:t>Data Augmentation: Audio</a:t>
+              <a:t>Data Augmentation: Text</a:t>
             </a:r>
           </a:p>
         </p:txBody>
@@ -3493,33 +3942,24 @@
           <a:p>
             <a:r>
               <a:rPr lang="en-US" dirty="0"/>
-              <a:t>Add white noise</a:t>
+              <a:t>Synonym substitute</a:t>
             </a:r>
           </a:p>
           <a:p>
             <a:r>
               <a:rPr lang="en-US" dirty="0"/>
-              <a:t>Shifting tone</a:t>
-            </a:r>
-          </a:p>
-          <a:p>
-            <a:r>
-              <a:rPr lang="en-US" dirty="0"/>
-              <a:t>Vary speed</a:t>
-            </a:r>
-          </a:p>
-          <a:p>
-            <a:r>
-              <a:rPr lang="en-US" dirty="0"/>
-              <a:t>Filter frequencies (drop/add low/high frequencies)</a:t>
-            </a:r>
+              <a:t>Random insertion</a:t>
+            </a:r>
+          </a:p>
+          <a:p>
+            <a:endParaRPr lang="en-US" dirty="0"/>
           </a:p>
         </p:txBody>
       </p:sp>
     </p:spTree>
     <p:extLst>
       <p:ext uri="{BB962C8B-B14F-4D97-AF65-F5344CB8AC3E}">
-        <p14:creationId xmlns:p14="http://schemas.microsoft.com/office/powerpoint/2010/main" val="4070658688"/>
+        <p14:creationId xmlns:p14="http://schemas.microsoft.com/office/powerpoint/2010/main" val="3274120912"/>
       </p:ext>
     </p:extLst>
   </p:cSld>
@@ -3551,7 +3991,7 @@
           <p:cNvPr id="2" name="Title 1">
             <a:extLst>
               <a:ext uri="{FF2B5EF4-FFF2-40B4-BE49-F238E27FC236}">
-                <a16:creationId xmlns:a16="http://schemas.microsoft.com/office/drawing/2014/main" id="{2A0042A4-3BC4-5DB9-A063-CE81FC74B039}"/>
+                <a16:creationId xmlns:a16="http://schemas.microsoft.com/office/drawing/2014/main" id="{8BF46923-FEA6-3DCE-3534-51087F7A444F}"/>
               </a:ext>
             </a:extLst>
           </p:cNvPr>
@@ -3569,46 +4009,113 @@
           <a:p>
             <a:r>
               <a:rPr lang="en-US" dirty="0"/>
-              <a:t>Data Augmentation: Text</a:t>
-            </a:r>
-          </a:p>
-        </p:txBody>
-      </p:sp>
-      <p:sp>
-        <p:nvSpPr>
-          <p:cNvPr id="3" name="Content Placeholder 2">
-            <a:extLst>
-              <a:ext uri="{FF2B5EF4-FFF2-40B4-BE49-F238E27FC236}">
-                <a16:creationId xmlns:a16="http://schemas.microsoft.com/office/drawing/2014/main" id="{65998CC8-6297-0262-86BE-0CCA329C18CB}"/>
-              </a:ext>
-            </a:extLst>
-          </p:cNvPr>
-          <p:cNvSpPr>
-            <a:spLocks noGrp="1"/>
-          </p:cNvSpPr>
-          <p:nvPr>
-            <p:ph idx="1"/>
+              <a:t>Imbalanced Data: Definition</a:t>
+            </a:r>
+          </a:p>
+        </p:txBody>
+      </p:sp>
+      <p:pic>
+        <p:nvPicPr>
+          <p:cNvPr id="5" name="Content Placeholder 4">
+            <a:extLst>
+              <a:ext uri="{FF2B5EF4-FFF2-40B4-BE49-F238E27FC236}">
+                <a16:creationId xmlns:a16="http://schemas.microsoft.com/office/drawing/2014/main" id="{8520206D-EE03-7A5A-85A7-BB1EA249ED57}"/>
+              </a:ext>
+            </a:extLst>
+          </p:cNvPr>
+          <p:cNvPicPr>
+            <a:picLocks noGrp="1" noChangeAspect="1"/>
+          </p:cNvPicPr>
+          <p:nvPr>
+            <p:ph sz="half" idx="1"/>
+          </p:nvPr>
+        </p:nvPicPr>
+        <p:blipFill>
+          <a:blip r:embed="rId2">
+            <a:extLst>
+              <a:ext uri="{28A0092B-C50C-407E-A947-70E740481C1C}">
+                <a14:useLocalDpi xmlns:a14="http://schemas.microsoft.com/office/drawing/2010/main" val="0"/>
+              </a:ext>
+              <a:ext uri="{96DAC541-7B7A-43D3-8B79-37D633B846F1}">
+                <asvg:svgBlip xmlns:asvg="http://schemas.microsoft.com/office/drawing/2016/SVG/main" r:embed="rId3"/>
+              </a:ext>
+            </a:extLst>
+          </a:blip>
+          <a:stretch>
+            <a:fillRect/>
+          </a:stretch>
+        </p:blipFill>
+        <p:spPr>
+          <a:xfrm>
+            <a:off x="838200" y="2266950"/>
+            <a:ext cx="4840110" cy="3000374"/>
+          </a:xfrm>
+        </p:spPr>
+      </p:pic>
+      <p:sp>
+        <p:nvSpPr>
+          <p:cNvPr id="6" name="Content Placeholder 5">
+            <a:extLst>
+              <a:ext uri="{FF2B5EF4-FFF2-40B4-BE49-F238E27FC236}">
+                <a16:creationId xmlns:a16="http://schemas.microsoft.com/office/drawing/2014/main" id="{DDA802A5-D5EC-06A0-460D-57536E4DEF2F}"/>
+              </a:ext>
+            </a:extLst>
+          </p:cNvPr>
+          <p:cNvSpPr>
+            <a:spLocks noGrp="1"/>
+          </p:cNvSpPr>
+          <p:nvPr>
+            <p:ph sz="half" idx="2"/>
           </p:nvPr>
         </p:nvSpPr>
         <p:spPr/>
         <p:txBody>
-          <a:bodyPr>
-            <a:normAutofit/>
-          </a:bodyPr>
+          <a:bodyPr/>
           <a:lstStyle/>
           <a:p>
+            <a:pPr marL="0" indent="0">
+              <a:buNone/>
+            </a:pPr>
             <a:r>
               <a:rPr lang="en-US" dirty="0"/>
-              <a:t>Synonym substitute</a:t>
+              <a:t>Data-level:</a:t>
             </a:r>
           </a:p>
           <a:p>
             <a:r>
               <a:rPr lang="en-US" dirty="0"/>
-              <a:t>Random insertion</a:t>
-            </a:r>
-          </a:p>
-          <a:p>
+              <a:t>Over sampling / Under sampling</a:t>
+            </a:r>
+          </a:p>
+          <a:p>
+            <a:r>
+              <a:rPr lang="en-US" dirty="0"/>
+              <a:t>Synthetic data generation</a:t>
+            </a:r>
+          </a:p>
+          <a:p>
+            <a:pPr marL="0" indent="0">
+              <a:buNone/>
+            </a:pPr>
+            <a:endParaRPr lang="en-US" dirty="0"/>
+          </a:p>
+          <a:p>
+            <a:pPr marL="0" indent="0">
+              <a:buNone/>
+            </a:pPr>
+            <a:r>
+              <a:rPr lang="en-US" dirty="0"/>
+              <a:t>Algorithm-level</a:t>
+            </a:r>
+          </a:p>
+          <a:p>
+            <a:r>
+              <a:rPr lang="en-US" dirty="0"/>
+              <a:t>Cost-sensitive learning / Class weight adjustment</a:t>
+            </a:r>
+          </a:p>
+          <a:p>
+            <a:pPr lvl="1"/>
             <a:endParaRPr lang="en-US" dirty="0"/>
           </a:p>
         </p:txBody>
@@ -3616,7 +4123,274 @@
     </p:spTree>
     <p:extLst>
       <p:ext uri="{BB962C8B-B14F-4D97-AF65-F5344CB8AC3E}">
-        <p14:creationId xmlns:p14="http://schemas.microsoft.com/office/powerpoint/2010/main" val="3274120912"/>
+        <p14:creationId xmlns:p14="http://schemas.microsoft.com/office/powerpoint/2010/main" val="3844657640"/>
+      </p:ext>
+    </p:extLst>
+  </p:cSld>
+  <p:clrMapOvr>
+    <a:masterClrMapping/>
+  </p:clrMapOvr>
+</p:sld>
+</file>
+
+<file path=ppt/slides/slide12.xml><?xml version="1.0" encoding="utf-8"?>
+<p:sld xmlns:a="http://schemas.openxmlformats.org/drawingml/2006/main" xmlns:r="http://schemas.openxmlformats.org/officeDocument/2006/relationships" xmlns:p="http://schemas.openxmlformats.org/presentationml/2006/main">
+  <p:cSld>
+    <p:spTree>
+      <p:nvGrpSpPr>
+        <p:cNvPr id="1" name=""/>
+        <p:cNvGrpSpPr/>
+        <p:nvPr/>
+      </p:nvGrpSpPr>
+      <p:grpSpPr>
+        <a:xfrm>
+          <a:off x="0" y="0"/>
+          <a:ext cx="0" cy="0"/>
+          <a:chOff x="0" y="0"/>
+          <a:chExt cx="0" cy="0"/>
+        </a:xfrm>
+      </p:grpSpPr>
+      <p:sp>
+        <p:nvSpPr>
+          <p:cNvPr id="2" name="Title 1">
+            <a:extLst>
+              <a:ext uri="{FF2B5EF4-FFF2-40B4-BE49-F238E27FC236}">
+                <a16:creationId xmlns:a16="http://schemas.microsoft.com/office/drawing/2014/main" id="{F5E78724-7213-77EC-2D43-207B2AD96386}"/>
+              </a:ext>
+            </a:extLst>
+          </p:cNvPr>
+          <p:cNvSpPr>
+            <a:spLocks noGrp="1"/>
+          </p:cNvSpPr>
+          <p:nvPr>
+            <p:ph type="title"/>
+          </p:nvPr>
+        </p:nvSpPr>
+        <p:spPr/>
+        <p:txBody>
+          <a:bodyPr/>
+          <a:lstStyle/>
+          <a:p>
+            <a:r>
+              <a:rPr lang="en-US" dirty="0"/>
+              <a:t>Imbalanced Data: Metrics</a:t>
+            </a:r>
+          </a:p>
+        </p:txBody>
+      </p:sp>
+      <p:sp>
+        <p:nvSpPr>
+          <p:cNvPr id="3" name="Content Placeholder 2">
+            <a:extLst>
+              <a:ext uri="{FF2B5EF4-FFF2-40B4-BE49-F238E27FC236}">
+                <a16:creationId xmlns:a16="http://schemas.microsoft.com/office/drawing/2014/main" id="{378A9AF7-AC3B-799E-4181-49A9F999A7B4}"/>
+              </a:ext>
+            </a:extLst>
+          </p:cNvPr>
+          <p:cNvSpPr>
+            <a:spLocks noGrp="1"/>
+          </p:cNvSpPr>
+          <p:nvPr>
+            <p:ph idx="1"/>
+          </p:nvPr>
+        </p:nvSpPr>
+        <p:spPr/>
+        <p:txBody>
+          <a:bodyPr>
+            <a:normAutofit fontScale="92500" lnSpcReduction="10000"/>
+          </a:bodyPr>
+          <a:lstStyle/>
+          <a:p>
+            <a:r>
+              <a:rPr lang="en-US" b="1" dirty="0"/>
+              <a:t>Precision:</a:t>
+            </a:r>
+            <a:r>
+              <a:rPr lang="en-US" dirty="0"/>
+              <a:t> Number of true positive predictions divided by the sum of true positive and false positive predictions.</a:t>
+            </a:r>
+          </a:p>
+          <a:p>
+            <a:r>
+              <a:rPr lang="en-US" b="1" dirty="0"/>
+              <a:t>Recall (or Sensitivity): </a:t>
+            </a:r>
+            <a:r>
+              <a:rPr lang="en-US" dirty="0"/>
+              <a:t>Number of true positive predictions divided by the sum of true positive predictions and false negative predictions.</a:t>
+            </a:r>
+          </a:p>
+          <a:p>
+            <a:r>
+              <a:rPr lang="en-US" b="1" dirty="0"/>
+              <a:t>F1 Score:</a:t>
+            </a:r>
+            <a:r>
+              <a:rPr lang="en-US" dirty="0"/>
+              <a:t> Harmonic mean of precision and recall.</a:t>
+            </a:r>
+          </a:p>
+          <a:p>
+            <a:r>
+              <a:rPr lang="en-US" b="1" dirty="0"/>
+              <a:t>ROC (Receiver Operating Characteristic): </a:t>
+            </a:r>
+            <a:r>
+              <a:rPr lang="en-US" dirty="0"/>
+              <a:t>ROC curve plots the true positive rate (TPR) against the false positive rate (FPR).</a:t>
+            </a:r>
+          </a:p>
+          <a:p>
+            <a:r>
+              <a:rPr lang="en-US" b="1" dirty="0"/>
+              <a:t>AUC-ROC (Area Under the ROC Curve): </a:t>
+            </a:r>
+            <a:r>
+              <a:rPr lang="en-US" dirty="0"/>
+              <a:t>AUC-ROC summarizes the ROC curve as a single metric by computing the area under the curve.</a:t>
+            </a:r>
+          </a:p>
+          <a:p>
+            <a:r>
+              <a:rPr lang="en-US" b="1" dirty="0"/>
+              <a:t>G-mean: </a:t>
+            </a:r>
+            <a:r>
+              <a:rPr lang="en-US" dirty="0"/>
+              <a:t>Geometric mean of the recall for the positive class and the recall for the negative class.</a:t>
+            </a:r>
+          </a:p>
+          <a:p>
+            <a:endParaRPr lang="en-US" dirty="0"/>
+          </a:p>
+        </p:txBody>
+      </p:sp>
+    </p:spTree>
+    <p:extLst>
+      <p:ext uri="{BB962C8B-B14F-4D97-AF65-F5344CB8AC3E}">
+        <p14:creationId xmlns:p14="http://schemas.microsoft.com/office/powerpoint/2010/main" val="1444272737"/>
+      </p:ext>
+    </p:extLst>
+  </p:cSld>
+  <p:clrMapOvr>
+    <a:masterClrMapping/>
+  </p:clrMapOvr>
+</p:sld>
+</file>
+
+<file path=ppt/slides/slide13.xml><?xml version="1.0" encoding="utf-8"?>
+<p:sld xmlns:a="http://schemas.openxmlformats.org/drawingml/2006/main" xmlns:r="http://schemas.openxmlformats.org/officeDocument/2006/relationships" xmlns:p="http://schemas.openxmlformats.org/presentationml/2006/main">
+  <p:cSld>
+    <p:spTree>
+      <p:nvGrpSpPr>
+        <p:cNvPr id="1" name=""/>
+        <p:cNvGrpSpPr/>
+        <p:nvPr/>
+      </p:nvGrpSpPr>
+      <p:grpSpPr>
+        <a:xfrm>
+          <a:off x="0" y="0"/>
+          <a:ext cx="0" cy="0"/>
+          <a:chOff x="0" y="0"/>
+          <a:chExt cx="0" cy="0"/>
+        </a:xfrm>
+      </p:grpSpPr>
+      <p:sp>
+        <p:nvSpPr>
+          <p:cNvPr id="2" name="Title 1">
+            <a:extLst>
+              <a:ext uri="{FF2B5EF4-FFF2-40B4-BE49-F238E27FC236}">
+                <a16:creationId xmlns:a16="http://schemas.microsoft.com/office/drawing/2014/main" id="{8BF46923-FEA6-3DCE-3534-51087F7A444F}"/>
+              </a:ext>
+            </a:extLst>
+          </p:cNvPr>
+          <p:cNvSpPr>
+            <a:spLocks noGrp="1"/>
+          </p:cNvSpPr>
+          <p:nvPr>
+            <p:ph type="title"/>
+          </p:nvPr>
+        </p:nvSpPr>
+        <p:spPr/>
+        <p:txBody>
+          <a:bodyPr/>
+          <a:lstStyle/>
+          <a:p>
+            <a:r>
+              <a:rPr lang="en-US" dirty="0"/>
+              <a:t>Imbalanced Data: Compensation Techniques</a:t>
+            </a:r>
+          </a:p>
+        </p:txBody>
+      </p:sp>
+      <p:sp>
+        <p:nvSpPr>
+          <p:cNvPr id="6" name="Content Placeholder 5">
+            <a:extLst>
+              <a:ext uri="{FF2B5EF4-FFF2-40B4-BE49-F238E27FC236}">
+                <a16:creationId xmlns:a16="http://schemas.microsoft.com/office/drawing/2014/main" id="{DDA802A5-D5EC-06A0-460D-57536E4DEF2F}"/>
+              </a:ext>
+            </a:extLst>
+          </p:cNvPr>
+          <p:cNvSpPr>
+            <a:spLocks noGrp="1"/>
+          </p:cNvSpPr>
+          <p:nvPr>
+            <p:ph idx="1"/>
+          </p:nvPr>
+        </p:nvSpPr>
+        <p:spPr/>
+        <p:txBody>
+          <a:bodyPr/>
+          <a:lstStyle/>
+          <a:p>
+            <a:pPr marL="0" indent="0">
+              <a:buNone/>
+            </a:pPr>
+            <a:r>
+              <a:rPr lang="en-US" dirty="0"/>
+              <a:t>Data-level:</a:t>
+            </a:r>
+          </a:p>
+          <a:p>
+            <a:r>
+              <a:rPr lang="en-US" dirty="0"/>
+              <a:t>Over sampling / Under sampling</a:t>
+            </a:r>
+          </a:p>
+          <a:p>
+            <a:r>
+              <a:rPr lang="en-US" dirty="0"/>
+              <a:t>Synthetic data generation</a:t>
+            </a:r>
+          </a:p>
+          <a:p>
+            <a:pPr marL="0" indent="0">
+              <a:buNone/>
+            </a:pPr>
+            <a:endParaRPr lang="en-US" dirty="0"/>
+          </a:p>
+          <a:p>
+            <a:pPr marL="0" indent="0">
+              <a:buNone/>
+            </a:pPr>
+            <a:r>
+              <a:rPr lang="en-US" dirty="0"/>
+              <a:t>Algorithm-level</a:t>
+            </a:r>
+          </a:p>
+          <a:p>
+            <a:r>
+              <a:rPr lang="en-US" dirty="0"/>
+              <a:t>Cost-sensitive learning / Class weight adjustment</a:t>
+            </a:r>
+          </a:p>
+        </p:txBody>
+      </p:sp>
+    </p:spTree>
+    <p:extLst>
+      <p:ext uri="{BB962C8B-B14F-4D97-AF65-F5344CB8AC3E}">
+        <p14:creationId xmlns:p14="http://schemas.microsoft.com/office/powerpoint/2010/main" val="3502573295"/>
       </p:ext>
     </p:extLst>
   </p:cSld>
@@ -6179,7 +6953,7 @@
           <p:cNvPr id="2" name="Title 1">
             <a:extLst>
               <a:ext uri="{FF2B5EF4-FFF2-40B4-BE49-F238E27FC236}">
-                <a16:creationId xmlns:a16="http://schemas.microsoft.com/office/drawing/2014/main" id="{8BF46923-FEA6-3DCE-3534-51087F7A444F}"/>
+                <a16:creationId xmlns:a16="http://schemas.microsoft.com/office/drawing/2014/main" id="{2A0042A4-3BC4-5DB9-A063-CE81FC74B039}"/>
               </a:ext>
             </a:extLst>
           </p:cNvPr>
@@ -6197,121 +6971,98 @@
           <a:p>
             <a:r>
               <a:rPr lang="en-US" dirty="0"/>
-              <a:t>Imbalanced Data</a:t>
-            </a:r>
-          </a:p>
-        </p:txBody>
-      </p:sp>
-      <p:pic>
-        <p:nvPicPr>
-          <p:cNvPr id="5" name="Content Placeholder 4">
-            <a:extLst>
-              <a:ext uri="{FF2B5EF4-FFF2-40B4-BE49-F238E27FC236}">
-                <a16:creationId xmlns:a16="http://schemas.microsoft.com/office/drawing/2014/main" id="{8520206D-EE03-7A5A-85A7-BB1EA249ED57}"/>
-              </a:ext>
-            </a:extLst>
-          </p:cNvPr>
-          <p:cNvPicPr>
-            <a:picLocks noGrp="1" noChangeAspect="1"/>
-          </p:cNvPicPr>
-          <p:nvPr>
-            <p:ph sz="half" idx="1"/>
-          </p:nvPr>
-        </p:nvPicPr>
-        <p:blipFill>
-          <a:blip r:embed="rId2">
-            <a:extLst>
-              <a:ext uri="{28A0092B-C50C-407E-A947-70E740481C1C}">
-                <a14:useLocalDpi xmlns:a14="http://schemas.microsoft.com/office/drawing/2010/main" val="0"/>
-              </a:ext>
-              <a:ext uri="{96DAC541-7B7A-43D3-8B79-37D633B846F1}">
-                <asvg:svgBlip xmlns:asvg="http://schemas.microsoft.com/office/drawing/2016/SVG/main" r:embed="rId3"/>
-              </a:ext>
-            </a:extLst>
-          </a:blip>
-          <a:stretch>
-            <a:fillRect/>
-          </a:stretch>
-        </p:blipFill>
+              <a:t>Data Augmentation: Images</a:t>
+            </a:r>
+          </a:p>
+        </p:txBody>
+      </p:sp>
+      <p:sp>
+        <p:nvSpPr>
+          <p:cNvPr id="3" name="Content Placeholder 2">
+            <a:extLst>
+              <a:ext uri="{FF2B5EF4-FFF2-40B4-BE49-F238E27FC236}">
+                <a16:creationId xmlns:a16="http://schemas.microsoft.com/office/drawing/2014/main" id="{65998CC8-6297-0262-86BE-0CCA329C18CB}"/>
+              </a:ext>
+            </a:extLst>
+          </p:cNvPr>
+          <p:cNvSpPr>
+            <a:spLocks noGrp="1"/>
+          </p:cNvSpPr>
+          <p:nvPr>
+            <p:ph idx="1"/>
+          </p:nvPr>
+        </p:nvSpPr>
         <p:spPr>
           <a:xfrm>
-            <a:off x="838200" y="2266950"/>
-            <a:ext cx="4840110" cy="3000374"/>
+            <a:off x="838200" y="1825624"/>
+            <a:ext cx="10515600" cy="5032376"/>
           </a:xfrm>
         </p:spPr>
-      </p:pic>
-      <p:sp>
-        <p:nvSpPr>
-          <p:cNvPr id="6" name="Content Placeholder 5">
-            <a:extLst>
-              <a:ext uri="{FF2B5EF4-FFF2-40B4-BE49-F238E27FC236}">
-                <a16:creationId xmlns:a16="http://schemas.microsoft.com/office/drawing/2014/main" id="{DDA802A5-D5EC-06A0-460D-57536E4DEF2F}"/>
-              </a:ext>
-            </a:extLst>
-          </p:cNvPr>
-          <p:cNvSpPr>
-            <a:spLocks noGrp="1"/>
-          </p:cNvSpPr>
-          <p:nvPr>
-            <p:ph sz="half" idx="2"/>
-          </p:nvPr>
-        </p:nvSpPr>
-        <p:spPr/>
-        <p:txBody>
-          <a:bodyPr/>
+        <p:txBody>
+          <a:bodyPr>
+            <a:normAutofit/>
+          </a:bodyPr>
           <a:lstStyle/>
           <a:p>
-            <a:pPr marL="0" indent="0">
-              <a:buNone/>
-            </a:pPr>
             <a:r>
               <a:rPr lang="en-US" dirty="0"/>
-              <a:t>Data-level:</a:t>
+              <a:t>Flip horizontal / vertical</a:t>
             </a:r>
           </a:p>
           <a:p>
             <a:r>
               <a:rPr lang="en-US" dirty="0"/>
-              <a:t>Over sampling / Under sampling</a:t>
+              <a:t>Rotate</a:t>
             </a:r>
           </a:p>
           <a:p>
             <a:r>
               <a:rPr lang="en-US" dirty="0"/>
-              <a:t>Synthetic data generation</a:t>
-            </a:r>
-          </a:p>
-          <a:p>
-            <a:pPr marL="0" indent="0">
-              <a:buNone/>
-            </a:pPr>
-            <a:endParaRPr lang="en-US" dirty="0"/>
-          </a:p>
-          <a:p>
-            <a:pPr marL="0" indent="0">
-              <a:buNone/>
-            </a:pPr>
+              <a:t>Rescale</a:t>
+            </a:r>
+          </a:p>
+          <a:p>
             <a:r>
               <a:rPr lang="en-US" dirty="0"/>
-              <a:t>Algorithm-level</a:t>
+              <a:t>Crop</a:t>
             </a:r>
           </a:p>
           <a:p>
             <a:r>
               <a:rPr lang="en-US" dirty="0"/>
-              <a:t>Cost-sensitive learning / Class weight adjustment</a:t>
-            </a:r>
-          </a:p>
-          <a:p>
-            <a:pPr lvl="1"/>
-            <a:endParaRPr lang="en-US" dirty="0"/>
+              <a:t>Dilate/shrink</a:t>
+            </a:r>
+          </a:p>
+          <a:p>
+            <a:r>
+              <a:rPr lang="en-US" dirty="0"/>
+              <a:t>Add white noise</a:t>
+            </a:r>
+          </a:p>
+          <a:p>
+            <a:r>
+              <a:rPr lang="en-US" dirty="0"/>
+              <a:t>Add salt/pepper noise</a:t>
+            </a:r>
+          </a:p>
+          <a:p>
+            <a:r>
+              <a:rPr lang="en-US" dirty="0"/>
+              <a:t>Add white/black boxes</a:t>
+            </a:r>
+          </a:p>
+          <a:p>
+            <a:r>
+              <a:rPr lang="en-US" dirty="0"/>
+              <a:t>+ anything that you can think of!</a:t>
+            </a:r>
           </a:p>
         </p:txBody>
       </p:sp>
     </p:spTree>
     <p:extLst>
       <p:ext uri="{BB962C8B-B14F-4D97-AF65-F5344CB8AC3E}">
-        <p14:creationId xmlns:p14="http://schemas.microsoft.com/office/powerpoint/2010/main" val="3844657640"/>
+        <p14:creationId xmlns:p14="http://schemas.microsoft.com/office/powerpoint/2010/main" val="3314343235"/>
       </p:ext>
     </p:extLst>
   </p:cSld>
@@ -6361,7 +7112,7 @@
           <a:p>
             <a:r>
               <a:rPr lang="en-US" dirty="0"/>
-              <a:t>Data Augmentation: Images</a:t>
+              <a:t>Data Augmentation: Audio</a:t>
             </a:r>
           </a:p>
         </p:txBody>
@@ -6382,12 +7133,7 @@
             <p:ph idx="1"/>
           </p:nvPr>
         </p:nvSpPr>
-        <p:spPr>
-          <a:xfrm>
-            <a:off x="838200" y="1825624"/>
-            <a:ext cx="10515600" cy="5032376"/>
-          </a:xfrm>
-        </p:spPr>
+        <p:spPr/>
         <p:txBody>
           <a:bodyPr>
             <a:normAutofit/>
@@ -6396,55 +7142,25 @@
           <a:p>
             <a:r>
               <a:rPr lang="en-US" dirty="0"/>
-              <a:t>Flip horizontal / vertical</a:t>
+              <a:t>Add white noise</a:t>
             </a:r>
           </a:p>
           <a:p>
             <a:r>
               <a:rPr lang="en-US" dirty="0"/>
-              <a:t>Rotate</a:t>
+              <a:t>Shifting tone</a:t>
             </a:r>
           </a:p>
           <a:p>
             <a:r>
               <a:rPr lang="en-US" dirty="0"/>
-              <a:t>Rescale</a:t>
+              <a:t>Vary speed</a:t>
             </a:r>
           </a:p>
           <a:p>
             <a:r>
               <a:rPr lang="en-US" dirty="0"/>
-              <a:t>Crop</a:t>
-            </a:r>
-          </a:p>
-          <a:p>
-            <a:r>
-              <a:rPr lang="en-US" dirty="0"/>
-              <a:t>Dilate/shrink</a:t>
-            </a:r>
-          </a:p>
-          <a:p>
-            <a:r>
-              <a:rPr lang="en-US" dirty="0"/>
-              <a:t>Add white noise</a:t>
-            </a:r>
-          </a:p>
-          <a:p>
-            <a:r>
-              <a:rPr lang="en-US" dirty="0"/>
-              <a:t>Add salt/pepper noise</a:t>
-            </a:r>
-          </a:p>
-          <a:p>
-            <a:r>
-              <a:rPr lang="en-US" dirty="0"/>
-              <a:t>Add white/black boxes</a:t>
-            </a:r>
-          </a:p>
-          <a:p>
-            <a:r>
-              <a:rPr lang="en-US" dirty="0"/>
-              <a:t>+ anything that you can think of!</a:t>
+              <a:t>Filter frequencies (drop/add low/high frequencies)</a:t>
             </a:r>
           </a:p>
         </p:txBody>
@@ -6452,7 +7168,7 @@
     </p:spTree>
     <p:extLst>
       <p:ext uri="{BB962C8B-B14F-4D97-AF65-F5344CB8AC3E}">
-        <p14:creationId xmlns:p14="http://schemas.microsoft.com/office/powerpoint/2010/main" val="3314343235"/>
+        <p14:creationId xmlns:p14="http://schemas.microsoft.com/office/powerpoint/2010/main" val="4070658688"/>
       </p:ext>
     </p:extLst>
   </p:cSld>
@@ -6755,4 +7471,299 @@
     </a:ext>
   </a:extLst>
 </a:theme>
+</file>
+
+<file path=ppt/theme/theme2.xml><?xml version="1.0" encoding="utf-8"?>
+<a:theme xmlns:a="http://schemas.openxmlformats.org/drawingml/2006/main" name="Office Theme">
+  <a:themeElements>
+    <a:clrScheme name="Office">
+      <a:dk1>
+        <a:sysClr val="windowText" lastClr="000000"/>
+      </a:dk1>
+      <a:lt1>
+        <a:sysClr val="window" lastClr="FFFFFF"/>
+      </a:lt1>
+      <a:dk2>
+        <a:srgbClr val="44546A"/>
+      </a:dk2>
+      <a:lt2>
+        <a:srgbClr val="E7E6E6"/>
+      </a:lt2>
+      <a:accent1>
+        <a:srgbClr val="4472C4"/>
+      </a:accent1>
+      <a:accent2>
+        <a:srgbClr val="ED7D31"/>
+      </a:accent2>
+      <a:accent3>
+        <a:srgbClr val="A5A5A5"/>
+      </a:accent3>
+      <a:accent4>
+        <a:srgbClr val="FFC000"/>
+      </a:accent4>
+      <a:accent5>
+        <a:srgbClr val="5B9BD5"/>
+      </a:accent5>
+      <a:accent6>
+        <a:srgbClr val="70AD47"/>
+      </a:accent6>
+      <a:hlink>
+        <a:srgbClr val="0563C1"/>
+      </a:hlink>
+      <a:folHlink>
+        <a:srgbClr val="954F72"/>
+      </a:folHlink>
+    </a:clrScheme>
+    <a:fontScheme name="Office">
+      <a:majorFont>
+        <a:latin typeface="Calibri Light" panose="020F0302020204030204"/>
+        <a:ea typeface=""/>
+        <a:cs typeface=""/>
+        <a:font script="Jpan" typeface="游ゴシック Light"/>
+        <a:font script="Hang" typeface="맑은 고딕"/>
+        <a:font script="Hans" typeface="等线 Light"/>
+        <a:font script="Hant" typeface="新細明體"/>
+        <a:font script="Arab" typeface="Times New Roman"/>
+        <a:font script="Hebr" typeface="Times New Roman"/>
+        <a:font script="Thai" typeface="Angsana New"/>
+        <a:font script="Ethi" typeface="Nyala"/>
+        <a:font script="Beng" typeface="Vrinda"/>
+        <a:font script="Gujr" typeface="Shruti"/>
+        <a:font script="Khmr" typeface="MoolBoran"/>
+        <a:font script="Knda" typeface="Tunga"/>
+        <a:font script="Guru" typeface="Raavi"/>
+        <a:font script="Cans" typeface="Euphemia"/>
+        <a:font script="Cher" typeface="Plantagenet Cherokee"/>
+        <a:font script="Yiii" typeface="Microsoft Yi Baiti"/>
+        <a:font script="Tibt" typeface="Microsoft Himalaya"/>
+        <a:font script="Thaa" typeface="MV Boli"/>
+        <a:font script="Deva" typeface="Mangal"/>
+        <a:font script="Telu" typeface="Gautami"/>
+        <a:font script="Taml" typeface="Latha"/>
+        <a:font script="Syrc" typeface="Estrangelo Edessa"/>
+        <a:font script="Orya" typeface="Kalinga"/>
+        <a:font script="Mlym" typeface="Kartika"/>
+        <a:font script="Laoo" typeface="DokChampa"/>
+        <a:font script="Sinh" typeface="Iskoola Pota"/>
+        <a:font script="Mong" typeface="Mongolian Baiti"/>
+        <a:font script="Viet" typeface="Times New Roman"/>
+        <a:font script="Uigh" typeface="Microsoft Uighur"/>
+        <a:font script="Geor" typeface="Sylfaen"/>
+        <a:font script="Armn" typeface="Arial"/>
+        <a:font script="Bugi" typeface="Leelawadee UI"/>
+        <a:font script="Bopo" typeface="Microsoft JhengHei"/>
+        <a:font script="Java" typeface="Javanese Text"/>
+        <a:font script="Lisu" typeface="Segoe UI"/>
+        <a:font script="Mymr" typeface="Myanmar Text"/>
+        <a:font script="Nkoo" typeface="Ebrima"/>
+        <a:font script="Olck" typeface="Nirmala UI"/>
+        <a:font script="Osma" typeface="Ebrima"/>
+        <a:font script="Phag" typeface="Phagspa"/>
+        <a:font script="Syrn" typeface="Estrangelo Edessa"/>
+        <a:font script="Syrj" typeface="Estrangelo Edessa"/>
+        <a:font script="Syre" typeface="Estrangelo Edessa"/>
+        <a:font script="Sora" typeface="Nirmala UI"/>
+        <a:font script="Tale" typeface="Microsoft Tai Le"/>
+        <a:font script="Talu" typeface="Microsoft New Tai Lue"/>
+        <a:font script="Tfng" typeface="Ebrima"/>
+      </a:majorFont>
+      <a:minorFont>
+        <a:latin typeface="Calibri" panose="020F0502020204030204"/>
+        <a:ea typeface=""/>
+        <a:cs typeface=""/>
+        <a:font script="Jpan" typeface="游ゴシック"/>
+        <a:font script="Hang" typeface="맑은 고딕"/>
+        <a:font script="Hans" typeface="等线"/>
+        <a:font script="Hant" typeface="新細明體"/>
+        <a:font script="Arab" typeface="Arial"/>
+        <a:font script="Hebr" typeface="Arial"/>
+        <a:font script="Thai" typeface="Cordia New"/>
+        <a:font script="Ethi" typeface="Nyala"/>
+        <a:font script="Beng" typeface="Vrinda"/>
+        <a:font script="Gujr" typeface="Shruti"/>
+        <a:font script="Khmr" typeface="DaunPenh"/>
+        <a:font script="Knda" typeface="Tunga"/>
+        <a:font script="Guru" typeface="Raavi"/>
+        <a:font script="Cans" typeface="Euphemia"/>
+        <a:font script="Cher" typeface="Plantagenet Cherokee"/>
+        <a:font script="Yiii" typeface="Microsoft Yi Baiti"/>
+        <a:font script="Tibt" typeface="Microsoft Himalaya"/>
+        <a:font script="Thaa" typeface="MV Boli"/>
+        <a:font script="Deva" typeface="Mangal"/>
+        <a:font script="Telu" typeface="Gautami"/>
+        <a:font script="Taml" typeface="Latha"/>
+        <a:font script="Syrc" typeface="Estrangelo Edessa"/>
+        <a:font script="Orya" typeface="Kalinga"/>
+        <a:font script="Mlym" typeface="Kartika"/>
+        <a:font script="Laoo" typeface="DokChampa"/>
+        <a:font script="Sinh" typeface="Iskoola Pota"/>
+        <a:font script="Mong" typeface="Mongolian Baiti"/>
+        <a:font script="Viet" typeface="Arial"/>
+        <a:font script="Uigh" typeface="Microsoft Uighur"/>
+        <a:font script="Geor" typeface="Sylfaen"/>
+        <a:font script="Armn" typeface="Arial"/>
+        <a:font script="Bugi" typeface="Leelawadee UI"/>
+        <a:font script="Bopo" typeface="Microsoft JhengHei"/>
+        <a:font script="Java" typeface="Javanese Text"/>
+        <a:font script="Lisu" typeface="Segoe UI"/>
+        <a:font script="Mymr" typeface="Myanmar Text"/>
+        <a:font script="Nkoo" typeface="Ebrima"/>
+        <a:font script="Olck" typeface="Nirmala UI"/>
+        <a:font script="Osma" typeface="Ebrima"/>
+        <a:font script="Phag" typeface="Phagspa"/>
+        <a:font script="Syrn" typeface="Estrangelo Edessa"/>
+        <a:font script="Syrj" typeface="Estrangelo Edessa"/>
+        <a:font script="Syre" typeface="Estrangelo Edessa"/>
+        <a:font script="Sora" typeface="Nirmala UI"/>
+        <a:font script="Tale" typeface="Microsoft Tai Le"/>
+        <a:font script="Talu" typeface="Microsoft New Tai Lue"/>
+        <a:font script="Tfng" typeface="Ebrima"/>
+      </a:minorFont>
+    </a:fontScheme>
+    <a:fmtScheme name="Office">
+      <a:fillStyleLst>
+        <a:solidFill>
+          <a:schemeClr val="phClr"/>
+        </a:solidFill>
+        <a:gradFill rotWithShape="1">
+          <a:gsLst>
+            <a:gs pos="0">
+              <a:schemeClr val="phClr">
+                <a:lumMod val="110000"/>
+                <a:satMod val="105000"/>
+                <a:tint val="67000"/>
+              </a:schemeClr>
+            </a:gs>
+            <a:gs pos="50000">
+              <a:schemeClr val="phClr">
+                <a:lumMod val="105000"/>
+                <a:satMod val="103000"/>
+                <a:tint val="73000"/>
+              </a:schemeClr>
+            </a:gs>
+            <a:gs pos="100000">
+              <a:schemeClr val="phClr">
+                <a:lumMod val="105000"/>
+                <a:satMod val="109000"/>
+                <a:tint val="81000"/>
+              </a:schemeClr>
+            </a:gs>
+          </a:gsLst>
+          <a:lin ang="5400000" scaled="0"/>
+        </a:gradFill>
+        <a:gradFill rotWithShape="1">
+          <a:gsLst>
+            <a:gs pos="0">
+              <a:schemeClr val="phClr">
+                <a:satMod val="103000"/>
+                <a:lumMod val="102000"/>
+                <a:tint val="94000"/>
+              </a:schemeClr>
+            </a:gs>
+            <a:gs pos="50000">
+              <a:schemeClr val="phClr">
+                <a:satMod val="110000"/>
+                <a:lumMod val="100000"/>
+                <a:shade val="100000"/>
+              </a:schemeClr>
+            </a:gs>
+            <a:gs pos="100000">
+              <a:schemeClr val="phClr">
+                <a:lumMod val="99000"/>
+                <a:satMod val="120000"/>
+                <a:shade val="78000"/>
+              </a:schemeClr>
+            </a:gs>
+          </a:gsLst>
+          <a:lin ang="5400000" scaled="0"/>
+        </a:gradFill>
+      </a:fillStyleLst>
+      <a:lnStyleLst>
+        <a:ln w="6350" cap="flat" cmpd="sng" algn="ctr">
+          <a:solidFill>
+            <a:schemeClr val="phClr"/>
+          </a:solidFill>
+          <a:prstDash val="solid"/>
+          <a:miter lim="800000"/>
+        </a:ln>
+        <a:ln w="12700" cap="flat" cmpd="sng" algn="ctr">
+          <a:solidFill>
+            <a:schemeClr val="phClr"/>
+          </a:solidFill>
+          <a:prstDash val="solid"/>
+          <a:miter lim="800000"/>
+        </a:ln>
+        <a:ln w="19050" cap="flat" cmpd="sng" algn="ctr">
+          <a:solidFill>
+            <a:schemeClr val="phClr"/>
+          </a:solidFill>
+          <a:prstDash val="solid"/>
+          <a:miter lim="800000"/>
+        </a:ln>
+      </a:lnStyleLst>
+      <a:effectStyleLst>
+        <a:effectStyle>
+          <a:effectLst/>
+        </a:effectStyle>
+        <a:effectStyle>
+          <a:effectLst/>
+        </a:effectStyle>
+        <a:effectStyle>
+          <a:effectLst>
+            <a:outerShdw blurRad="57150" dist="19050" dir="5400000" algn="ctr" rotWithShape="0">
+              <a:srgbClr val="000000">
+                <a:alpha val="63000"/>
+              </a:srgbClr>
+            </a:outerShdw>
+          </a:effectLst>
+        </a:effectStyle>
+      </a:effectStyleLst>
+      <a:bgFillStyleLst>
+        <a:solidFill>
+          <a:schemeClr val="phClr"/>
+        </a:solidFill>
+        <a:solidFill>
+          <a:schemeClr val="phClr">
+            <a:tint val="95000"/>
+            <a:satMod val="170000"/>
+          </a:schemeClr>
+        </a:solidFill>
+        <a:gradFill rotWithShape="1">
+          <a:gsLst>
+            <a:gs pos="0">
+              <a:schemeClr val="phClr">
+                <a:tint val="93000"/>
+                <a:satMod val="150000"/>
+                <a:shade val="98000"/>
+                <a:lumMod val="102000"/>
+              </a:schemeClr>
+            </a:gs>
+            <a:gs pos="50000">
+              <a:schemeClr val="phClr">
+                <a:tint val="98000"/>
+                <a:satMod val="130000"/>
+                <a:shade val="90000"/>
+                <a:lumMod val="103000"/>
+              </a:schemeClr>
+            </a:gs>
+            <a:gs pos="100000">
+              <a:schemeClr val="phClr">
+                <a:shade val="63000"/>
+                <a:satMod val="120000"/>
+              </a:schemeClr>
+            </a:gs>
+          </a:gsLst>
+          <a:lin ang="5400000" scaled="0"/>
+        </a:gradFill>
+      </a:bgFillStyleLst>
+    </a:fmtScheme>
+  </a:themeElements>
+  <a:objectDefaults/>
+  <a:extraClrSchemeLst/>
+  <a:extLst>
+    <a:ext uri="{05A4C25C-085E-4340-85A3-A5531E510DB2}">
+      <thm15:themeFamily xmlns:thm15="http://schemas.microsoft.com/office/thememl/2012/main" name="Office Theme 2013 - 2022" id="{62F939B6-93AF-4DB8-9C6B-D6C7DFDC589F}" vid="{4A3C46E8-61CC-4603-A589-7422A47A8E4A}"/>
+    </a:ext>
+  </a:extLst>
+</a:theme>
 </file>
--- a/Slides_6.pptx
+++ b/Slides_6.pptx
@@ -4014,12 +4014,40 @@
           </a:p>
         </p:txBody>
       </p:sp>
+      <p:sp>
+        <p:nvSpPr>
+          <p:cNvPr id="9" name="Text Placeholder 8">
+            <a:extLst>
+              <a:ext uri="{FF2B5EF4-FFF2-40B4-BE49-F238E27FC236}">
+                <a16:creationId xmlns:a16="http://schemas.microsoft.com/office/drawing/2014/main" id="{3FD00515-5CBA-624C-430E-00C5B1534EF4}"/>
+              </a:ext>
+            </a:extLst>
+          </p:cNvPr>
+          <p:cNvSpPr>
+            <a:spLocks noGrp="1"/>
+          </p:cNvSpPr>
+          <p:nvPr>
+            <p:ph type="body" idx="1"/>
+          </p:nvPr>
+        </p:nvSpPr>
+        <p:spPr/>
+        <p:txBody>
+          <a:bodyPr/>
+          <a:lstStyle/>
+          <a:p>
+            <a:r>
+              <a:rPr lang="en-US" dirty="0"/>
+              <a:t>Binary</a:t>
+            </a:r>
+          </a:p>
+        </p:txBody>
+      </p:sp>
       <p:pic>
         <p:nvPicPr>
-          <p:cNvPr id="5" name="Content Placeholder 4">
-            <a:extLst>
-              <a:ext uri="{FF2B5EF4-FFF2-40B4-BE49-F238E27FC236}">
-                <a16:creationId xmlns:a16="http://schemas.microsoft.com/office/drawing/2014/main" id="{8520206D-EE03-7A5A-85A7-BB1EA249ED57}"/>
+          <p:cNvPr id="14" name="Content Placeholder 13">
+            <a:extLst>
+              <a:ext uri="{FF2B5EF4-FFF2-40B4-BE49-F238E27FC236}">
+                <a16:creationId xmlns:a16="http://schemas.microsoft.com/office/drawing/2014/main" id="{72A1C494-F1C1-54A9-CE13-AB51DC212163}"/>
               </a:ext>
             </a:extLst>
           </p:cNvPr>
@@ -4027,7 +4055,7 @@
             <a:picLocks noGrp="1" noChangeAspect="1"/>
           </p:cNvPicPr>
           <p:nvPr>
-            <p:ph sz="half" idx="1"/>
+            <p:ph sz="half" idx="2"/>
           </p:nvPr>
         </p:nvPicPr>
         <p:blipFill>
@@ -4047,25 +4075,25 @@
         </p:blipFill>
         <p:spPr>
           <a:xfrm>
-            <a:off x="838200" y="2266950"/>
-            <a:ext cx="4840110" cy="3000374"/>
+            <a:off x="839788" y="2798161"/>
+            <a:ext cx="5157787" cy="3098416"/>
           </a:xfrm>
         </p:spPr>
       </p:pic>
       <p:sp>
         <p:nvSpPr>
-          <p:cNvPr id="6" name="Content Placeholder 5">
-            <a:extLst>
-              <a:ext uri="{FF2B5EF4-FFF2-40B4-BE49-F238E27FC236}">
-                <a16:creationId xmlns:a16="http://schemas.microsoft.com/office/drawing/2014/main" id="{DDA802A5-D5EC-06A0-460D-57536E4DEF2F}"/>
-              </a:ext>
-            </a:extLst>
-          </p:cNvPr>
-          <p:cNvSpPr>
-            <a:spLocks noGrp="1"/>
-          </p:cNvSpPr>
-          <p:nvPr>
-            <p:ph sz="half" idx="2"/>
+          <p:cNvPr id="11" name="Text Placeholder 10">
+            <a:extLst>
+              <a:ext uri="{FF2B5EF4-FFF2-40B4-BE49-F238E27FC236}">
+                <a16:creationId xmlns:a16="http://schemas.microsoft.com/office/drawing/2014/main" id="{D3706D7C-265B-5F49-D1C2-C4D58C4A7BC6}"/>
+              </a:ext>
+            </a:extLst>
+          </p:cNvPr>
+          <p:cNvSpPr>
+            <a:spLocks noGrp="1"/>
+          </p:cNvSpPr>
+          <p:nvPr>
+            <p:ph type="body" sz="quarter" idx="3"/>
           </p:nvPr>
         </p:nvSpPr>
         <p:spPr/>
@@ -4073,53 +4101,51 @@
           <a:bodyPr/>
           <a:lstStyle/>
           <a:p>
-            <a:pPr marL="0" indent="0">
-              <a:buNone/>
-            </a:pPr>
             <a:r>
               <a:rPr lang="en-US" dirty="0"/>
-              <a:t>Data-level:</a:t>
-            </a:r>
-          </a:p>
-          <a:p>
-            <a:r>
-              <a:rPr lang="en-US" dirty="0"/>
-              <a:t>Over sampling / Under sampling</a:t>
-            </a:r>
-          </a:p>
-          <a:p>
-            <a:r>
-              <a:rPr lang="en-US" dirty="0"/>
-              <a:t>Synthetic data generation</a:t>
-            </a:r>
-          </a:p>
-          <a:p>
-            <a:pPr marL="0" indent="0">
-              <a:buNone/>
-            </a:pPr>
-            <a:endParaRPr lang="en-US" dirty="0"/>
-          </a:p>
-          <a:p>
-            <a:pPr marL="0" indent="0">
-              <a:buNone/>
-            </a:pPr>
-            <a:r>
-              <a:rPr lang="en-US" dirty="0"/>
-              <a:t>Algorithm-level</a:t>
-            </a:r>
-          </a:p>
-          <a:p>
-            <a:r>
-              <a:rPr lang="en-US" dirty="0"/>
-              <a:t>Cost-sensitive learning / Class weight adjustment</a:t>
-            </a:r>
-          </a:p>
-          <a:p>
-            <a:pPr lvl="1"/>
-            <a:endParaRPr lang="en-US" dirty="0"/>
-          </a:p>
-        </p:txBody>
-      </p:sp>
+              <a:t>Non-Binary</a:t>
+            </a:r>
+          </a:p>
+        </p:txBody>
+      </p:sp>
+      <p:pic>
+        <p:nvPicPr>
+          <p:cNvPr id="16" name="Content Placeholder 15">
+            <a:extLst>
+              <a:ext uri="{FF2B5EF4-FFF2-40B4-BE49-F238E27FC236}">
+                <a16:creationId xmlns:a16="http://schemas.microsoft.com/office/drawing/2014/main" id="{CE0CCB1B-25AE-B0A7-C5DE-0B0F68E8375B}"/>
+              </a:ext>
+            </a:extLst>
+          </p:cNvPr>
+          <p:cNvPicPr>
+            <a:picLocks noGrp="1" noChangeAspect="1"/>
+          </p:cNvPicPr>
+          <p:nvPr>
+            <p:ph sz="quarter" idx="4"/>
+          </p:nvPr>
+        </p:nvPicPr>
+        <p:blipFill>
+          <a:blip r:embed="rId4">
+            <a:extLst>
+              <a:ext uri="{28A0092B-C50C-407E-A947-70E740481C1C}">
+                <a14:useLocalDpi xmlns:a14="http://schemas.microsoft.com/office/drawing/2010/main" val="0"/>
+              </a:ext>
+              <a:ext uri="{96DAC541-7B7A-43D3-8B79-37D633B846F1}">
+                <asvg:svgBlip xmlns:asvg="http://schemas.microsoft.com/office/drawing/2016/SVG/main" r:embed="rId5"/>
+              </a:ext>
+            </a:extLst>
+          </a:blip>
+          <a:stretch>
+            <a:fillRect/>
+          </a:stretch>
+        </p:blipFill>
+        <p:spPr>
+          <a:xfrm>
+            <a:off x="6172200" y="2789589"/>
+            <a:ext cx="5183188" cy="3115560"/>
+          </a:xfrm>
+        </p:spPr>
+      </p:pic>
     </p:spTree>
     <p:extLst>
       <p:ext uri="{BB962C8B-B14F-4D97-AF65-F5344CB8AC3E}">
@@ -4173,7 +4199,7 @@
           <a:p>
             <a:r>
               <a:rPr lang="en-US" dirty="0"/>
-              <a:t>Imbalanced Data: Metrics</a:t>
+              <a:t>Imbalanced Data: Binary Metrics</a:t>
             </a:r>
           </a:p>
         </p:txBody>

--- a/Slides_6.pptx
+++ b/Slides_6.pptx
@@ -120,6 +120,35 @@
     </a:lvl9pPr>
   </p:defaultTextStyle>
   <p:extLst>
+    <p:ext uri="{521415D9-36F7-43E2-AB2F-B90AF26B5E84}">
+      <p14:sectionLst xmlns:p14="http://schemas.microsoft.com/office/powerpoint/2010/main">
+        <p14:section name="Default Section" id="{3E19393B-F2B3-4F60-9439-FE7867D98BF5}">
+          <p14:sldIdLst>
+            <p14:sldId id="257"/>
+          </p14:sldIdLst>
+        </p14:section>
+        <p14:section name="Gradient" id="{E11D3289-6F7A-42B5-BAA3-D7D637A6FF54}">
+          <p14:sldIdLst>
+            <p14:sldId id="262"/>
+          </p14:sldIdLst>
+        </p14:section>
+        <p14:section name="Data" id="{8607F6A5-12B9-4C53-A352-5F78A0541508}">
+          <p14:sldIdLst>
+            <p14:sldId id="263"/>
+            <p14:sldId id="258"/>
+            <p14:sldId id="259"/>
+            <p14:sldId id="260"/>
+            <p14:sldId id="261"/>
+            <p14:sldId id="265"/>
+            <p14:sldId id="266"/>
+            <p14:sldId id="267"/>
+            <p14:sldId id="264"/>
+            <p14:sldId id="268"/>
+            <p14:sldId id="269"/>
+          </p14:sldIdLst>
+        </p14:section>
+      </p14:sectionLst>
+    </p:ext>
     <p:ext uri="{EFAFB233-063F-42B5-8137-9DF3F51BA10A}">
       <p15:sldGuideLst xmlns:p15="http://schemas.microsoft.com/office/powerpoint/2012/main"/>
     </p:ext>
@@ -209,7 +238,7 @@
           <a:p>
             <a:fld id="{924B292F-D4E4-48C8-B145-158F74B45F38}" type="datetimeFigureOut">
               <a:rPr lang="en-US" smtClean="0"/>
-              <a:t>1/31/2023</a:t>
+              <a:t>2/2/2023</a:t>
             </a:fld>
             <a:endParaRPr lang="en-US"/>
           </a:p>
@@ -718,7 +747,7 @@
           <a:p>
             <a:fld id="{304CBF68-AF7A-4CF6-B1FB-7BFF4689EE92}" type="datetimeFigureOut">
               <a:rPr lang="en-US" smtClean="0"/>
-              <a:t>1/31/2023</a:t>
+              <a:t>2/2/2023</a:t>
             </a:fld>
             <a:endParaRPr lang="en-US"/>
           </a:p>
@@ -916,7 +945,7 @@
           <a:p>
             <a:fld id="{304CBF68-AF7A-4CF6-B1FB-7BFF4689EE92}" type="datetimeFigureOut">
               <a:rPr lang="en-US" smtClean="0"/>
-              <a:t>1/31/2023</a:t>
+              <a:t>2/2/2023</a:t>
             </a:fld>
             <a:endParaRPr lang="en-US"/>
           </a:p>
@@ -1124,7 +1153,7 @@
           <a:p>
             <a:fld id="{304CBF68-AF7A-4CF6-B1FB-7BFF4689EE92}" type="datetimeFigureOut">
               <a:rPr lang="en-US" smtClean="0"/>
-              <a:t>1/31/2023</a:t>
+              <a:t>2/2/2023</a:t>
             </a:fld>
             <a:endParaRPr lang="en-US"/>
           </a:p>
@@ -1322,7 +1351,7 @@
           <a:p>
             <a:fld id="{304CBF68-AF7A-4CF6-B1FB-7BFF4689EE92}" type="datetimeFigureOut">
               <a:rPr lang="en-US" smtClean="0"/>
-              <a:t>1/31/2023</a:t>
+              <a:t>2/2/2023</a:t>
             </a:fld>
             <a:endParaRPr lang="en-US"/>
           </a:p>
@@ -1597,7 +1626,7 @@
           <a:p>
             <a:fld id="{304CBF68-AF7A-4CF6-B1FB-7BFF4689EE92}" type="datetimeFigureOut">
               <a:rPr lang="en-US" smtClean="0"/>
-              <a:t>1/31/2023</a:t>
+              <a:t>2/2/2023</a:t>
             </a:fld>
             <a:endParaRPr lang="en-US"/>
           </a:p>
@@ -1862,7 +1891,7 @@
           <a:p>
             <a:fld id="{304CBF68-AF7A-4CF6-B1FB-7BFF4689EE92}" type="datetimeFigureOut">
               <a:rPr lang="en-US" smtClean="0"/>
-              <a:t>1/31/2023</a:t>
+              <a:t>2/2/2023</a:t>
             </a:fld>
             <a:endParaRPr lang="en-US"/>
           </a:p>
@@ -2274,7 +2303,7 @@
           <a:p>
             <a:fld id="{304CBF68-AF7A-4CF6-B1FB-7BFF4689EE92}" type="datetimeFigureOut">
               <a:rPr lang="en-US" smtClean="0"/>
-              <a:t>1/31/2023</a:t>
+              <a:t>2/2/2023</a:t>
             </a:fld>
             <a:endParaRPr lang="en-US"/>
           </a:p>
@@ -2415,7 +2444,7 @@
           <a:p>
             <a:fld id="{304CBF68-AF7A-4CF6-B1FB-7BFF4689EE92}" type="datetimeFigureOut">
               <a:rPr lang="en-US" smtClean="0"/>
-              <a:t>1/31/2023</a:t>
+              <a:t>2/2/2023</a:t>
             </a:fld>
             <a:endParaRPr lang="en-US"/>
           </a:p>
@@ -2528,7 +2557,7 @@
           <a:p>
             <a:fld id="{304CBF68-AF7A-4CF6-B1FB-7BFF4689EE92}" type="datetimeFigureOut">
               <a:rPr lang="en-US" smtClean="0"/>
-              <a:t>1/31/2023</a:t>
+              <a:t>2/2/2023</a:t>
             </a:fld>
             <a:endParaRPr lang="en-US"/>
           </a:p>
@@ -2839,7 +2868,7 @@
           <a:p>
             <a:fld id="{304CBF68-AF7A-4CF6-B1FB-7BFF4689EE92}" type="datetimeFigureOut">
               <a:rPr lang="en-US" smtClean="0"/>
-              <a:t>1/31/2023</a:t>
+              <a:t>2/2/2023</a:t>
             </a:fld>
             <a:endParaRPr lang="en-US"/>
           </a:p>
@@ -3127,7 +3156,7 @@
           <a:p>
             <a:fld id="{304CBF68-AF7A-4CF6-B1FB-7BFF4689EE92}" type="datetimeFigureOut">
               <a:rPr lang="en-US" smtClean="0"/>
-              <a:t>1/31/2023</a:t>
+              <a:t>2/2/2023</a:t>
             </a:fld>
             <a:endParaRPr lang="en-US"/>
           </a:p>
@@ -3368,7 +3397,7 @@
           <a:p>
             <a:fld id="{304CBF68-AF7A-4CF6-B1FB-7BFF4689EE92}" type="datetimeFigureOut">
               <a:rPr lang="en-US" smtClean="0"/>
-              <a:t>1/31/2023</a:t>
+              <a:t>2/2/2023</a:t>
             </a:fld>
             <a:endParaRPr lang="en-US"/>
           </a:p>

--- a/Slides_6.pptx
+++ b/Slides_6.pptx
@@ -5,22 +5,25 @@
     <p:sldMasterId id="2147483648" r:id="rId1"/>
   </p:sldMasterIdLst>
   <p:notesMasterIdLst>
-    <p:notesMasterId r:id="rId15"/>
+    <p:notesMasterId r:id="rId18"/>
   </p:notesMasterIdLst>
   <p:sldIdLst>
     <p:sldId id="257" r:id="rId2"/>
     <p:sldId id="262" r:id="rId3"/>
-    <p:sldId id="263" r:id="rId4"/>
-    <p:sldId id="258" r:id="rId5"/>
-    <p:sldId id="259" r:id="rId6"/>
-    <p:sldId id="260" r:id="rId7"/>
-    <p:sldId id="261" r:id="rId8"/>
-    <p:sldId id="265" r:id="rId9"/>
-    <p:sldId id="266" r:id="rId10"/>
-    <p:sldId id="267" r:id="rId11"/>
-    <p:sldId id="264" r:id="rId12"/>
-    <p:sldId id="268" r:id="rId13"/>
-    <p:sldId id="269" r:id="rId14"/>
+    <p:sldId id="341" r:id="rId4"/>
+    <p:sldId id="270" r:id="rId5"/>
+    <p:sldId id="271" r:id="rId6"/>
+    <p:sldId id="263" r:id="rId7"/>
+    <p:sldId id="258" r:id="rId8"/>
+    <p:sldId id="259" r:id="rId9"/>
+    <p:sldId id="260" r:id="rId10"/>
+    <p:sldId id="261" r:id="rId11"/>
+    <p:sldId id="265" r:id="rId12"/>
+    <p:sldId id="266" r:id="rId13"/>
+    <p:sldId id="267" r:id="rId14"/>
+    <p:sldId id="264" r:id="rId15"/>
+    <p:sldId id="268" r:id="rId16"/>
+    <p:sldId id="269" r:id="rId17"/>
   </p:sldIdLst>
   <p:sldSz cx="12192000" cy="6858000"/>
   <p:notesSz cx="6858000" cy="9144000"/>
@@ -130,6 +133,9 @@
         <p14:section name="Gradient" id="{E11D3289-6F7A-42B5-BAA3-D7D637A6FF54}">
           <p14:sldIdLst>
             <p14:sldId id="262"/>
+            <p14:sldId id="341"/>
+            <p14:sldId id="270"/>
+            <p14:sldId id="271"/>
           </p14:sldIdLst>
         </p14:section>
         <p14:section name="Data" id="{8607F6A5-12B9-4C53-A352-5F78A0541508}">
@@ -238,7 +244,7 @@
           <a:p>
             <a:fld id="{924B292F-D4E4-48C8-B145-158F74B45F38}" type="datetimeFigureOut">
               <a:rPr lang="en-US" smtClean="0"/>
-              <a:t>2/2/2023</a:t>
+              <a:t>2/3/2023</a:t>
             </a:fld>
             <a:endParaRPr lang="en-US"/>
           </a:p>
@@ -550,6 +556,365 @@
           <a:lstStyle/>
           <a:p>
             <a:r>
+              <a:rPr lang="fr-FR" dirty="0"/>
+              <a:t>Rappel, le graphe c’est la </a:t>
+            </a:r>
+            <a:r>
+              <a:rPr lang="fr-FR" dirty="0" err="1"/>
+              <a:t>loss</a:t>
+            </a:r>
+            <a:r>
+              <a:rPr lang="fr-FR" dirty="0"/>
+              <a:t> en fonction des paramètres.</a:t>
+            </a:r>
+          </a:p>
+        </p:txBody>
+      </p:sp>
+      <p:sp>
+        <p:nvSpPr>
+          <p:cNvPr id="4" name="Slide Number Placeholder 3"/>
+          <p:cNvSpPr>
+            <a:spLocks noGrp="1"/>
+          </p:cNvSpPr>
+          <p:nvPr>
+            <p:ph type="sldNum" sz="quarter" idx="5"/>
+          </p:nvPr>
+        </p:nvSpPr>
+        <p:spPr/>
+        <p:txBody>
+          <a:bodyPr/>
+          <a:lstStyle/>
+          <a:p>
+            <a:fld id="{B2732108-1823-42F2-979D-D6CF9D74D210}" type="slidenum">
+              <a:rPr lang="en-US" smtClean="0"/>
+              <a:t>3</a:t>
+            </a:fld>
+            <a:endParaRPr lang="en-US"/>
+          </a:p>
+        </p:txBody>
+      </p:sp>
+    </p:spTree>
+    <p:extLst>
+      <p:ext uri="{BB962C8B-B14F-4D97-AF65-F5344CB8AC3E}">
+        <p14:creationId xmlns:p14="http://schemas.microsoft.com/office/powerpoint/2010/main" val="733670393"/>
+      </p:ext>
+    </p:extLst>
+  </p:cSld>
+  <p:clrMapOvr>
+    <a:masterClrMapping/>
+  </p:clrMapOvr>
+</p:notes>
+</file>
+
+<file path=ppt/notesSlides/notesSlide2.xml><?xml version="1.0" encoding="utf-8"?>
+<p:notes xmlns:a="http://schemas.openxmlformats.org/drawingml/2006/main" xmlns:r="http://schemas.openxmlformats.org/officeDocument/2006/relationships" xmlns:p="http://schemas.openxmlformats.org/presentationml/2006/main">
+  <p:cSld>
+    <p:spTree>
+      <p:nvGrpSpPr>
+        <p:cNvPr id="1" name=""/>
+        <p:cNvGrpSpPr/>
+        <p:nvPr/>
+      </p:nvGrpSpPr>
+      <p:grpSpPr>
+        <a:xfrm>
+          <a:off x="0" y="0"/>
+          <a:ext cx="0" cy="0"/>
+          <a:chOff x="0" y="0"/>
+          <a:chExt cx="0" cy="0"/>
+        </a:xfrm>
+      </p:grpSpPr>
+      <p:sp>
+        <p:nvSpPr>
+          <p:cNvPr id="2" name="Slide Image Placeholder 1"/>
+          <p:cNvSpPr>
+            <a:spLocks noGrp="1" noRot="1" noChangeAspect="1"/>
+          </p:cNvSpPr>
+          <p:nvPr>
+            <p:ph type="sldImg"/>
+          </p:nvPr>
+        </p:nvSpPr>
+        <p:spPr/>
+      </p:sp>
+      <p:sp>
+        <p:nvSpPr>
+          <p:cNvPr id="3" name="Notes Placeholder 2"/>
+          <p:cNvSpPr>
+            <a:spLocks noGrp="1"/>
+          </p:cNvSpPr>
+          <p:nvPr>
+            <p:ph type="body" idx="1"/>
+          </p:nvPr>
+        </p:nvSpPr>
+        <p:spPr/>
+        <p:txBody>
+          <a:bodyPr/>
+          <a:lstStyle/>
+          <a:p>
+            <a:r>
+              <a:rPr lang="fr-FR" dirty="0"/>
+              <a:t>Figure </a:t>
+            </a:r>
+            <a:r>
+              <a:rPr lang="fr-FR" dirty="0" err="1"/>
+              <a:t>from</a:t>
+            </a:r>
+            <a:r>
+              <a:rPr lang="fr-FR" dirty="0"/>
+              <a:t> </a:t>
+            </a:r>
+            <a:r>
+              <a:rPr lang="fr-FR" dirty="0" err="1"/>
+              <a:t>DeepLearningAI</a:t>
+            </a:r>
+            <a:r>
+              <a:rPr lang="fr-FR" dirty="0"/>
+              <a:t> C2W1L10</a:t>
+            </a:r>
+          </a:p>
+          <a:p>
+            <a:endParaRPr lang="fr-FR" dirty="0"/>
+          </a:p>
+          <a:p>
+            <a:r>
+              <a:rPr lang="fr-FR" dirty="0"/>
+              <a:t>Ne prenons pas en compte les biais ni les fonctions d’activation et faisons l’hypothèse que seules les diagonales des matrices sont non nulles par simplicité.</a:t>
+            </a:r>
+          </a:p>
+          <a:p>
+            <a:endParaRPr lang="fr-FR" dirty="0"/>
+          </a:p>
+          <a:p>
+            <a:r>
+              <a:rPr lang="fr-FR" dirty="0"/>
+              <a:t>Si la matrice est diagonalisable et que toutes ses valeurs propres sont &lt; 1 ou &gt; 1 alors on retrouve ça … mais en soit … le but c’est pas de montrer que ça arrive toujours mais que ça peut arriver à cause de trop de multiplications d’affilées.</a:t>
+            </a:r>
+          </a:p>
+        </p:txBody>
+      </p:sp>
+      <p:sp>
+        <p:nvSpPr>
+          <p:cNvPr id="4" name="Slide Number Placeholder 3"/>
+          <p:cNvSpPr>
+            <a:spLocks noGrp="1"/>
+          </p:cNvSpPr>
+          <p:nvPr>
+            <p:ph type="sldNum" sz="quarter" idx="5"/>
+          </p:nvPr>
+        </p:nvSpPr>
+        <p:spPr/>
+        <p:txBody>
+          <a:bodyPr/>
+          <a:lstStyle/>
+          <a:p>
+            <a:fld id="{AEC0BEEF-DF6E-47F5-BB9D-5FE86A5A18C3}" type="slidenum">
+              <a:rPr lang="en-US" smtClean="0"/>
+              <a:t>4</a:t>
+            </a:fld>
+            <a:endParaRPr lang="en-US"/>
+          </a:p>
+        </p:txBody>
+      </p:sp>
+    </p:spTree>
+    <p:extLst>
+      <p:ext uri="{BB962C8B-B14F-4D97-AF65-F5344CB8AC3E}">
+        <p14:creationId xmlns:p14="http://schemas.microsoft.com/office/powerpoint/2010/main" val="943524153"/>
+      </p:ext>
+    </p:extLst>
+  </p:cSld>
+  <p:clrMapOvr>
+    <a:masterClrMapping/>
+  </p:clrMapOvr>
+</p:notes>
+</file>
+
+<file path=ppt/notesSlides/notesSlide3.xml><?xml version="1.0" encoding="utf-8"?>
+<p:notes xmlns:a="http://schemas.openxmlformats.org/drawingml/2006/main" xmlns:r="http://schemas.openxmlformats.org/officeDocument/2006/relationships" xmlns:p="http://schemas.openxmlformats.org/presentationml/2006/main">
+  <p:cSld>
+    <p:spTree>
+      <p:nvGrpSpPr>
+        <p:cNvPr id="1" name=""/>
+        <p:cNvGrpSpPr/>
+        <p:nvPr/>
+      </p:nvGrpSpPr>
+      <p:grpSpPr>
+        <a:xfrm>
+          <a:off x="0" y="0"/>
+          <a:ext cx="0" cy="0"/>
+          <a:chOff x="0" y="0"/>
+          <a:chExt cx="0" cy="0"/>
+        </a:xfrm>
+      </p:grpSpPr>
+      <p:sp>
+        <p:nvSpPr>
+          <p:cNvPr id="2" name="Slide Image Placeholder 1"/>
+          <p:cNvSpPr>
+            <a:spLocks noGrp="1" noRot="1" noChangeAspect="1"/>
+          </p:cNvSpPr>
+          <p:nvPr>
+            <p:ph type="sldImg"/>
+          </p:nvPr>
+        </p:nvSpPr>
+        <p:spPr/>
+      </p:sp>
+      <p:sp>
+        <p:nvSpPr>
+          <p:cNvPr id="3" name="Notes Placeholder 2"/>
+          <p:cNvSpPr>
+            <a:spLocks noGrp="1"/>
+          </p:cNvSpPr>
+          <p:nvPr>
+            <p:ph type="body" idx="1"/>
+          </p:nvPr>
+        </p:nvSpPr>
+        <p:spPr/>
+        <p:txBody>
+          <a:bodyPr/>
+          <a:lstStyle/>
+          <a:p>
+            <a:r>
+              <a:rPr lang="fr-FR" dirty="0"/>
+              <a:t>Pour le deuxième point, voir la fin du TD 1</a:t>
+            </a:r>
+          </a:p>
+          <a:p>
+            <a:r>
+              <a:rPr lang="fr-FR" dirty="0"/>
+              <a:t>Pour le troisième point, voir le TD 6a mais d’abord expliquer pourquoi ça </a:t>
+            </a:r>
+            <a:r>
+              <a:rPr lang="fr-FR"/>
+              <a:t>marcherait potentiellement</a:t>
+            </a:r>
+            <a:endParaRPr lang="fr-FR" dirty="0"/>
+          </a:p>
+          <a:p>
+            <a:endParaRPr lang="fr-FR" dirty="0"/>
+          </a:p>
+          <a:p>
+            <a:pPr algn="l"/>
+            <a:r>
+              <a:rPr lang="fr-FR" dirty="0"/>
+              <a:t>Image </a:t>
+            </a:r>
+            <a:r>
+              <a:rPr lang="fr-FR" dirty="0" err="1"/>
+              <a:t>from</a:t>
+            </a:r>
+            <a:r>
+              <a:rPr lang="fr-FR" dirty="0"/>
+              <a:t>: https://arxiv.org/abs/1512.03385 (</a:t>
+            </a:r>
+            <a:r>
+              <a:rPr lang="en-US" b="0" i="0" dirty="0">
+                <a:solidFill>
+                  <a:srgbClr val="000000"/>
+                </a:solidFill>
+                <a:effectLst/>
+                <a:latin typeface="Lucida Grande"/>
+              </a:rPr>
+              <a:t>Deep Residual Learning for Image Recognition</a:t>
+            </a:r>
+            <a:r>
+              <a:rPr lang="fr-FR" b="0" i="0" dirty="0">
+                <a:solidFill>
+                  <a:srgbClr val="000000"/>
+                </a:solidFill>
+                <a:effectLst/>
+                <a:latin typeface="Lucida Grande"/>
+              </a:rPr>
+              <a:t>)</a:t>
+            </a:r>
+            <a:endParaRPr lang="en-US" b="0" i="0" dirty="0">
+              <a:solidFill>
+                <a:srgbClr val="000000"/>
+              </a:solidFill>
+              <a:effectLst/>
+              <a:latin typeface="Lucida Grande"/>
+            </a:endParaRPr>
+          </a:p>
+        </p:txBody>
+      </p:sp>
+      <p:sp>
+        <p:nvSpPr>
+          <p:cNvPr id="4" name="Slide Number Placeholder 3"/>
+          <p:cNvSpPr>
+            <a:spLocks noGrp="1"/>
+          </p:cNvSpPr>
+          <p:nvPr>
+            <p:ph type="sldNum" sz="quarter" idx="5"/>
+          </p:nvPr>
+        </p:nvSpPr>
+        <p:spPr/>
+        <p:txBody>
+          <a:bodyPr/>
+          <a:lstStyle/>
+          <a:p>
+            <a:fld id="{AEC0BEEF-DF6E-47F5-BB9D-5FE86A5A18C3}" type="slidenum">
+              <a:rPr lang="en-US" smtClean="0"/>
+              <a:t>5</a:t>
+            </a:fld>
+            <a:endParaRPr lang="en-US"/>
+          </a:p>
+        </p:txBody>
+      </p:sp>
+    </p:spTree>
+    <p:extLst>
+      <p:ext uri="{BB962C8B-B14F-4D97-AF65-F5344CB8AC3E}">
+        <p14:creationId xmlns:p14="http://schemas.microsoft.com/office/powerpoint/2010/main" val="2036906682"/>
+      </p:ext>
+    </p:extLst>
+  </p:cSld>
+  <p:clrMapOvr>
+    <a:masterClrMapping/>
+  </p:clrMapOvr>
+</p:notes>
+</file>
+
+<file path=ppt/notesSlides/notesSlide4.xml><?xml version="1.0" encoding="utf-8"?>
+<p:notes xmlns:a="http://schemas.openxmlformats.org/drawingml/2006/main" xmlns:r="http://schemas.openxmlformats.org/officeDocument/2006/relationships" xmlns:p="http://schemas.openxmlformats.org/presentationml/2006/main">
+  <p:cSld>
+    <p:spTree>
+      <p:nvGrpSpPr>
+        <p:cNvPr id="1" name=""/>
+        <p:cNvGrpSpPr/>
+        <p:nvPr/>
+      </p:nvGrpSpPr>
+      <p:grpSpPr>
+        <a:xfrm>
+          <a:off x="0" y="0"/>
+          <a:ext cx="0" cy="0"/>
+          <a:chOff x="0" y="0"/>
+          <a:chExt cx="0" cy="0"/>
+        </a:xfrm>
+      </p:grpSpPr>
+      <p:sp>
+        <p:nvSpPr>
+          <p:cNvPr id="2" name="Slide Image Placeholder 1"/>
+          <p:cNvSpPr>
+            <a:spLocks noGrp="1" noRot="1" noChangeAspect="1"/>
+          </p:cNvSpPr>
+          <p:nvPr>
+            <p:ph type="sldImg"/>
+          </p:nvPr>
+        </p:nvSpPr>
+        <p:spPr/>
+      </p:sp>
+      <p:sp>
+        <p:nvSpPr>
+          <p:cNvPr id="3" name="Notes Placeholder 2"/>
+          <p:cNvSpPr>
+            <a:spLocks noGrp="1"/>
+          </p:cNvSpPr>
+          <p:nvPr>
+            <p:ph type="body" idx="1"/>
+          </p:nvPr>
+        </p:nvSpPr>
+        <p:spPr/>
+        <p:txBody>
+          <a:bodyPr/>
+          <a:lstStyle/>
+          <a:p>
+            <a:r>
               <a:rPr lang="en-US" dirty="0"/>
               <a:t>Harmonic Mean: H = n/(1/x_1 + 1/x_2 + 1/x_3 + … + 1/</a:t>
             </a:r>
@@ -581,7 +946,7 @@
           <a:p>
             <a:fld id="{AEC0BEEF-DF6E-47F5-BB9D-5FE86A5A18C3}" type="slidenum">
               <a:rPr lang="en-US" smtClean="0"/>
-              <a:t>12</a:t>
+              <a:t>15</a:t>
             </a:fld>
             <a:endParaRPr lang="en-US"/>
           </a:p>
@@ -747,7 +1112,7 @@
           <a:p>
             <a:fld id="{304CBF68-AF7A-4CF6-B1FB-7BFF4689EE92}" type="datetimeFigureOut">
               <a:rPr lang="en-US" smtClean="0"/>
-              <a:t>2/2/2023</a:t>
+              <a:t>2/3/2023</a:t>
             </a:fld>
             <a:endParaRPr lang="en-US"/>
           </a:p>
@@ -945,7 +1310,7 @@
           <a:p>
             <a:fld id="{304CBF68-AF7A-4CF6-B1FB-7BFF4689EE92}" type="datetimeFigureOut">
               <a:rPr lang="en-US" smtClean="0"/>
-              <a:t>2/2/2023</a:t>
+              <a:t>2/3/2023</a:t>
             </a:fld>
             <a:endParaRPr lang="en-US"/>
           </a:p>
@@ -1153,7 +1518,7 @@
           <a:p>
             <a:fld id="{304CBF68-AF7A-4CF6-B1FB-7BFF4689EE92}" type="datetimeFigureOut">
               <a:rPr lang="en-US" smtClean="0"/>
-              <a:t>2/2/2023</a:t>
+              <a:t>2/3/2023</a:t>
             </a:fld>
             <a:endParaRPr lang="en-US"/>
           </a:p>
@@ -1351,7 +1716,7 @@
           <a:p>
             <a:fld id="{304CBF68-AF7A-4CF6-B1FB-7BFF4689EE92}" type="datetimeFigureOut">
               <a:rPr lang="en-US" smtClean="0"/>
-              <a:t>2/2/2023</a:t>
+              <a:t>2/3/2023</a:t>
             </a:fld>
             <a:endParaRPr lang="en-US"/>
           </a:p>
@@ -1626,7 +1991,7 @@
           <a:p>
             <a:fld id="{304CBF68-AF7A-4CF6-B1FB-7BFF4689EE92}" type="datetimeFigureOut">
               <a:rPr lang="en-US" smtClean="0"/>
-              <a:t>2/2/2023</a:t>
+              <a:t>2/3/2023</a:t>
             </a:fld>
             <a:endParaRPr lang="en-US"/>
           </a:p>
@@ -1891,7 +2256,7 @@
           <a:p>
             <a:fld id="{304CBF68-AF7A-4CF6-B1FB-7BFF4689EE92}" type="datetimeFigureOut">
               <a:rPr lang="en-US" smtClean="0"/>
-              <a:t>2/2/2023</a:t>
+              <a:t>2/3/2023</a:t>
             </a:fld>
             <a:endParaRPr lang="en-US"/>
           </a:p>
@@ -2303,7 +2668,7 @@
           <a:p>
             <a:fld id="{304CBF68-AF7A-4CF6-B1FB-7BFF4689EE92}" type="datetimeFigureOut">
               <a:rPr lang="en-US" smtClean="0"/>
-              <a:t>2/2/2023</a:t>
+              <a:t>2/3/2023</a:t>
             </a:fld>
             <a:endParaRPr lang="en-US"/>
           </a:p>
@@ -2444,7 +2809,7 @@
           <a:p>
             <a:fld id="{304CBF68-AF7A-4CF6-B1FB-7BFF4689EE92}" type="datetimeFigureOut">
               <a:rPr lang="en-US" smtClean="0"/>
-              <a:t>2/2/2023</a:t>
+              <a:t>2/3/2023</a:t>
             </a:fld>
             <a:endParaRPr lang="en-US"/>
           </a:p>
@@ -2557,7 +2922,7 @@
           <a:p>
             <a:fld id="{304CBF68-AF7A-4CF6-B1FB-7BFF4689EE92}" type="datetimeFigureOut">
               <a:rPr lang="en-US" smtClean="0"/>
-              <a:t>2/2/2023</a:t>
+              <a:t>2/3/2023</a:t>
             </a:fld>
             <a:endParaRPr lang="en-US"/>
           </a:p>
@@ -2868,7 +3233,7 @@
           <a:p>
             <a:fld id="{304CBF68-AF7A-4CF6-B1FB-7BFF4689EE92}" type="datetimeFigureOut">
               <a:rPr lang="en-US" smtClean="0"/>
-              <a:t>2/2/2023</a:t>
+              <a:t>2/3/2023</a:t>
             </a:fld>
             <a:endParaRPr lang="en-US"/>
           </a:p>
@@ -3156,7 +3521,7 @@
           <a:p>
             <a:fld id="{304CBF68-AF7A-4CF6-B1FB-7BFF4689EE92}" type="datetimeFigureOut">
               <a:rPr lang="en-US" smtClean="0"/>
-              <a:t>2/2/2023</a:t>
+              <a:t>2/3/2023</a:t>
             </a:fld>
             <a:endParaRPr lang="en-US"/>
           </a:p>
@@ -3397,7 +3762,7 @@
           <a:p>
             <a:fld id="{304CBF68-AF7A-4CF6-B1FB-7BFF4689EE92}" type="datetimeFigureOut">
               <a:rPr lang="en-US" smtClean="0"/>
-              <a:t>2/2/2023</a:t>
+              <a:t>2/3/2023</a:t>
             </a:fld>
             <a:endParaRPr lang="en-US"/>
           </a:p>
@@ -3923,2835 +4288,6 @@
           <p:cNvPr id="2" name="Title 1">
             <a:extLst>
               <a:ext uri="{FF2B5EF4-FFF2-40B4-BE49-F238E27FC236}">
-                <a16:creationId xmlns:a16="http://schemas.microsoft.com/office/drawing/2014/main" id="{2A0042A4-3BC4-5DB9-A063-CE81FC74B039}"/>
-              </a:ext>
-            </a:extLst>
-          </p:cNvPr>
-          <p:cNvSpPr>
-            <a:spLocks noGrp="1"/>
-          </p:cNvSpPr>
-          <p:nvPr>
-            <p:ph type="title"/>
-          </p:nvPr>
-        </p:nvSpPr>
-        <p:spPr/>
-        <p:txBody>
-          <a:bodyPr/>
-          <a:lstStyle/>
-          <a:p>
-            <a:r>
-              <a:rPr lang="en-US" dirty="0"/>
-              <a:t>Data Augmentation: Text</a:t>
-            </a:r>
-          </a:p>
-        </p:txBody>
-      </p:sp>
-      <p:sp>
-        <p:nvSpPr>
-          <p:cNvPr id="3" name="Content Placeholder 2">
-            <a:extLst>
-              <a:ext uri="{FF2B5EF4-FFF2-40B4-BE49-F238E27FC236}">
-                <a16:creationId xmlns:a16="http://schemas.microsoft.com/office/drawing/2014/main" id="{65998CC8-6297-0262-86BE-0CCA329C18CB}"/>
-              </a:ext>
-            </a:extLst>
-          </p:cNvPr>
-          <p:cNvSpPr>
-            <a:spLocks noGrp="1"/>
-          </p:cNvSpPr>
-          <p:nvPr>
-            <p:ph idx="1"/>
-          </p:nvPr>
-        </p:nvSpPr>
-        <p:spPr/>
-        <p:txBody>
-          <a:bodyPr>
-            <a:normAutofit/>
-          </a:bodyPr>
-          <a:lstStyle/>
-          <a:p>
-            <a:r>
-              <a:rPr lang="en-US" dirty="0"/>
-              <a:t>Synonym substitute</a:t>
-            </a:r>
-          </a:p>
-          <a:p>
-            <a:r>
-              <a:rPr lang="en-US" dirty="0"/>
-              <a:t>Random insertion</a:t>
-            </a:r>
-          </a:p>
-          <a:p>
-            <a:endParaRPr lang="en-US" dirty="0"/>
-          </a:p>
-        </p:txBody>
-      </p:sp>
-    </p:spTree>
-    <p:extLst>
-      <p:ext uri="{BB962C8B-B14F-4D97-AF65-F5344CB8AC3E}">
-        <p14:creationId xmlns:p14="http://schemas.microsoft.com/office/powerpoint/2010/main" val="3274120912"/>
-      </p:ext>
-    </p:extLst>
-  </p:cSld>
-  <p:clrMapOvr>
-    <a:masterClrMapping/>
-  </p:clrMapOvr>
-</p:sld>
-</file>
-
-<file path=ppt/slides/slide11.xml><?xml version="1.0" encoding="utf-8"?>
-<p:sld xmlns:a="http://schemas.openxmlformats.org/drawingml/2006/main" xmlns:r="http://schemas.openxmlformats.org/officeDocument/2006/relationships" xmlns:p="http://schemas.openxmlformats.org/presentationml/2006/main">
-  <p:cSld>
-    <p:spTree>
-      <p:nvGrpSpPr>
-        <p:cNvPr id="1" name=""/>
-        <p:cNvGrpSpPr/>
-        <p:nvPr/>
-      </p:nvGrpSpPr>
-      <p:grpSpPr>
-        <a:xfrm>
-          <a:off x="0" y="0"/>
-          <a:ext cx="0" cy="0"/>
-          <a:chOff x="0" y="0"/>
-          <a:chExt cx="0" cy="0"/>
-        </a:xfrm>
-      </p:grpSpPr>
-      <p:sp>
-        <p:nvSpPr>
-          <p:cNvPr id="2" name="Title 1">
-            <a:extLst>
-              <a:ext uri="{FF2B5EF4-FFF2-40B4-BE49-F238E27FC236}">
-                <a16:creationId xmlns:a16="http://schemas.microsoft.com/office/drawing/2014/main" id="{8BF46923-FEA6-3DCE-3534-51087F7A444F}"/>
-              </a:ext>
-            </a:extLst>
-          </p:cNvPr>
-          <p:cNvSpPr>
-            <a:spLocks noGrp="1"/>
-          </p:cNvSpPr>
-          <p:nvPr>
-            <p:ph type="title"/>
-          </p:nvPr>
-        </p:nvSpPr>
-        <p:spPr/>
-        <p:txBody>
-          <a:bodyPr/>
-          <a:lstStyle/>
-          <a:p>
-            <a:r>
-              <a:rPr lang="en-US" dirty="0"/>
-              <a:t>Imbalanced Data: Definition</a:t>
-            </a:r>
-          </a:p>
-        </p:txBody>
-      </p:sp>
-      <p:sp>
-        <p:nvSpPr>
-          <p:cNvPr id="9" name="Text Placeholder 8">
-            <a:extLst>
-              <a:ext uri="{FF2B5EF4-FFF2-40B4-BE49-F238E27FC236}">
-                <a16:creationId xmlns:a16="http://schemas.microsoft.com/office/drawing/2014/main" id="{3FD00515-5CBA-624C-430E-00C5B1534EF4}"/>
-              </a:ext>
-            </a:extLst>
-          </p:cNvPr>
-          <p:cNvSpPr>
-            <a:spLocks noGrp="1"/>
-          </p:cNvSpPr>
-          <p:nvPr>
-            <p:ph type="body" idx="1"/>
-          </p:nvPr>
-        </p:nvSpPr>
-        <p:spPr/>
-        <p:txBody>
-          <a:bodyPr/>
-          <a:lstStyle/>
-          <a:p>
-            <a:r>
-              <a:rPr lang="en-US" dirty="0"/>
-              <a:t>Binary</a:t>
-            </a:r>
-          </a:p>
-        </p:txBody>
-      </p:sp>
-      <p:pic>
-        <p:nvPicPr>
-          <p:cNvPr id="14" name="Content Placeholder 13">
-            <a:extLst>
-              <a:ext uri="{FF2B5EF4-FFF2-40B4-BE49-F238E27FC236}">
-                <a16:creationId xmlns:a16="http://schemas.microsoft.com/office/drawing/2014/main" id="{72A1C494-F1C1-54A9-CE13-AB51DC212163}"/>
-              </a:ext>
-            </a:extLst>
-          </p:cNvPr>
-          <p:cNvPicPr>
-            <a:picLocks noGrp="1" noChangeAspect="1"/>
-          </p:cNvPicPr>
-          <p:nvPr>
-            <p:ph sz="half" idx="2"/>
-          </p:nvPr>
-        </p:nvPicPr>
-        <p:blipFill>
-          <a:blip r:embed="rId2">
-            <a:extLst>
-              <a:ext uri="{28A0092B-C50C-407E-A947-70E740481C1C}">
-                <a14:useLocalDpi xmlns:a14="http://schemas.microsoft.com/office/drawing/2010/main" val="0"/>
-              </a:ext>
-              <a:ext uri="{96DAC541-7B7A-43D3-8B79-37D633B846F1}">
-                <asvg:svgBlip xmlns:asvg="http://schemas.microsoft.com/office/drawing/2016/SVG/main" r:embed="rId3"/>
-              </a:ext>
-            </a:extLst>
-          </a:blip>
-          <a:stretch>
-            <a:fillRect/>
-          </a:stretch>
-        </p:blipFill>
-        <p:spPr>
-          <a:xfrm>
-            <a:off x="839788" y="2798161"/>
-            <a:ext cx="5157787" cy="3098416"/>
-          </a:xfrm>
-        </p:spPr>
-      </p:pic>
-      <p:sp>
-        <p:nvSpPr>
-          <p:cNvPr id="11" name="Text Placeholder 10">
-            <a:extLst>
-              <a:ext uri="{FF2B5EF4-FFF2-40B4-BE49-F238E27FC236}">
-                <a16:creationId xmlns:a16="http://schemas.microsoft.com/office/drawing/2014/main" id="{D3706D7C-265B-5F49-D1C2-C4D58C4A7BC6}"/>
-              </a:ext>
-            </a:extLst>
-          </p:cNvPr>
-          <p:cNvSpPr>
-            <a:spLocks noGrp="1"/>
-          </p:cNvSpPr>
-          <p:nvPr>
-            <p:ph type="body" sz="quarter" idx="3"/>
-          </p:nvPr>
-        </p:nvSpPr>
-        <p:spPr/>
-        <p:txBody>
-          <a:bodyPr/>
-          <a:lstStyle/>
-          <a:p>
-            <a:r>
-              <a:rPr lang="en-US" dirty="0"/>
-              <a:t>Non-Binary</a:t>
-            </a:r>
-          </a:p>
-        </p:txBody>
-      </p:sp>
-      <p:pic>
-        <p:nvPicPr>
-          <p:cNvPr id="16" name="Content Placeholder 15">
-            <a:extLst>
-              <a:ext uri="{FF2B5EF4-FFF2-40B4-BE49-F238E27FC236}">
-                <a16:creationId xmlns:a16="http://schemas.microsoft.com/office/drawing/2014/main" id="{CE0CCB1B-25AE-B0A7-C5DE-0B0F68E8375B}"/>
-              </a:ext>
-            </a:extLst>
-          </p:cNvPr>
-          <p:cNvPicPr>
-            <a:picLocks noGrp="1" noChangeAspect="1"/>
-          </p:cNvPicPr>
-          <p:nvPr>
-            <p:ph sz="quarter" idx="4"/>
-          </p:nvPr>
-        </p:nvPicPr>
-        <p:blipFill>
-          <a:blip r:embed="rId4">
-            <a:extLst>
-              <a:ext uri="{28A0092B-C50C-407E-A947-70E740481C1C}">
-                <a14:useLocalDpi xmlns:a14="http://schemas.microsoft.com/office/drawing/2010/main" val="0"/>
-              </a:ext>
-              <a:ext uri="{96DAC541-7B7A-43D3-8B79-37D633B846F1}">
-                <asvg:svgBlip xmlns:asvg="http://schemas.microsoft.com/office/drawing/2016/SVG/main" r:embed="rId5"/>
-              </a:ext>
-            </a:extLst>
-          </a:blip>
-          <a:stretch>
-            <a:fillRect/>
-          </a:stretch>
-        </p:blipFill>
-        <p:spPr>
-          <a:xfrm>
-            <a:off x="6172200" y="2789589"/>
-            <a:ext cx="5183188" cy="3115560"/>
-          </a:xfrm>
-        </p:spPr>
-      </p:pic>
-    </p:spTree>
-    <p:extLst>
-      <p:ext uri="{BB962C8B-B14F-4D97-AF65-F5344CB8AC3E}">
-        <p14:creationId xmlns:p14="http://schemas.microsoft.com/office/powerpoint/2010/main" val="3844657640"/>
-      </p:ext>
-    </p:extLst>
-  </p:cSld>
-  <p:clrMapOvr>
-    <a:masterClrMapping/>
-  </p:clrMapOvr>
-</p:sld>
-</file>
-
-<file path=ppt/slides/slide12.xml><?xml version="1.0" encoding="utf-8"?>
-<p:sld xmlns:a="http://schemas.openxmlformats.org/drawingml/2006/main" xmlns:r="http://schemas.openxmlformats.org/officeDocument/2006/relationships" xmlns:p="http://schemas.openxmlformats.org/presentationml/2006/main">
-  <p:cSld>
-    <p:spTree>
-      <p:nvGrpSpPr>
-        <p:cNvPr id="1" name=""/>
-        <p:cNvGrpSpPr/>
-        <p:nvPr/>
-      </p:nvGrpSpPr>
-      <p:grpSpPr>
-        <a:xfrm>
-          <a:off x="0" y="0"/>
-          <a:ext cx="0" cy="0"/>
-          <a:chOff x="0" y="0"/>
-          <a:chExt cx="0" cy="0"/>
-        </a:xfrm>
-      </p:grpSpPr>
-      <p:sp>
-        <p:nvSpPr>
-          <p:cNvPr id="2" name="Title 1">
-            <a:extLst>
-              <a:ext uri="{FF2B5EF4-FFF2-40B4-BE49-F238E27FC236}">
-                <a16:creationId xmlns:a16="http://schemas.microsoft.com/office/drawing/2014/main" id="{F5E78724-7213-77EC-2D43-207B2AD96386}"/>
-              </a:ext>
-            </a:extLst>
-          </p:cNvPr>
-          <p:cNvSpPr>
-            <a:spLocks noGrp="1"/>
-          </p:cNvSpPr>
-          <p:nvPr>
-            <p:ph type="title"/>
-          </p:nvPr>
-        </p:nvSpPr>
-        <p:spPr/>
-        <p:txBody>
-          <a:bodyPr/>
-          <a:lstStyle/>
-          <a:p>
-            <a:r>
-              <a:rPr lang="en-US" dirty="0"/>
-              <a:t>Imbalanced Data: Binary Metrics</a:t>
-            </a:r>
-          </a:p>
-        </p:txBody>
-      </p:sp>
-      <p:sp>
-        <p:nvSpPr>
-          <p:cNvPr id="3" name="Content Placeholder 2">
-            <a:extLst>
-              <a:ext uri="{FF2B5EF4-FFF2-40B4-BE49-F238E27FC236}">
-                <a16:creationId xmlns:a16="http://schemas.microsoft.com/office/drawing/2014/main" id="{378A9AF7-AC3B-799E-4181-49A9F999A7B4}"/>
-              </a:ext>
-            </a:extLst>
-          </p:cNvPr>
-          <p:cNvSpPr>
-            <a:spLocks noGrp="1"/>
-          </p:cNvSpPr>
-          <p:nvPr>
-            <p:ph idx="1"/>
-          </p:nvPr>
-        </p:nvSpPr>
-        <p:spPr/>
-        <p:txBody>
-          <a:bodyPr>
-            <a:normAutofit fontScale="92500" lnSpcReduction="10000"/>
-          </a:bodyPr>
-          <a:lstStyle/>
-          <a:p>
-            <a:r>
-              <a:rPr lang="en-US" b="1" dirty="0"/>
-              <a:t>Precision:</a:t>
-            </a:r>
-            <a:r>
-              <a:rPr lang="en-US" dirty="0"/>
-              <a:t> Number of true positive predictions divided by the sum of true positive and false positive predictions.</a:t>
-            </a:r>
-          </a:p>
-          <a:p>
-            <a:r>
-              <a:rPr lang="en-US" b="1" dirty="0"/>
-              <a:t>Recall (or Sensitivity): </a:t>
-            </a:r>
-            <a:r>
-              <a:rPr lang="en-US" dirty="0"/>
-              <a:t>Number of true positive predictions divided by the sum of true positive predictions and false negative predictions.</a:t>
-            </a:r>
-          </a:p>
-          <a:p>
-            <a:r>
-              <a:rPr lang="en-US" b="1" dirty="0"/>
-              <a:t>F1 Score:</a:t>
-            </a:r>
-            <a:r>
-              <a:rPr lang="en-US" dirty="0"/>
-              <a:t> Harmonic mean of precision and recall.</a:t>
-            </a:r>
-          </a:p>
-          <a:p>
-            <a:r>
-              <a:rPr lang="en-US" b="1" dirty="0"/>
-              <a:t>ROC (Receiver Operating Characteristic): </a:t>
-            </a:r>
-            <a:r>
-              <a:rPr lang="en-US" dirty="0"/>
-              <a:t>ROC curve plots the true positive rate (TPR) against the false positive rate (FPR).</a:t>
-            </a:r>
-          </a:p>
-          <a:p>
-            <a:r>
-              <a:rPr lang="en-US" b="1" dirty="0"/>
-              <a:t>AUC-ROC (Area Under the ROC Curve): </a:t>
-            </a:r>
-            <a:r>
-              <a:rPr lang="en-US" dirty="0"/>
-              <a:t>AUC-ROC summarizes the ROC curve as a single metric by computing the area under the curve.</a:t>
-            </a:r>
-          </a:p>
-          <a:p>
-            <a:r>
-              <a:rPr lang="en-US" b="1" dirty="0"/>
-              <a:t>G-mean: </a:t>
-            </a:r>
-            <a:r>
-              <a:rPr lang="en-US" dirty="0"/>
-              <a:t>Geometric mean of the recall for the positive class and the recall for the negative class.</a:t>
-            </a:r>
-          </a:p>
-          <a:p>
-            <a:endParaRPr lang="en-US" dirty="0"/>
-          </a:p>
-        </p:txBody>
-      </p:sp>
-    </p:spTree>
-    <p:extLst>
-      <p:ext uri="{BB962C8B-B14F-4D97-AF65-F5344CB8AC3E}">
-        <p14:creationId xmlns:p14="http://schemas.microsoft.com/office/powerpoint/2010/main" val="1444272737"/>
-      </p:ext>
-    </p:extLst>
-  </p:cSld>
-  <p:clrMapOvr>
-    <a:masterClrMapping/>
-  </p:clrMapOvr>
-</p:sld>
-</file>
-
-<file path=ppt/slides/slide13.xml><?xml version="1.0" encoding="utf-8"?>
-<p:sld xmlns:a="http://schemas.openxmlformats.org/drawingml/2006/main" xmlns:r="http://schemas.openxmlformats.org/officeDocument/2006/relationships" xmlns:p="http://schemas.openxmlformats.org/presentationml/2006/main">
-  <p:cSld>
-    <p:spTree>
-      <p:nvGrpSpPr>
-        <p:cNvPr id="1" name=""/>
-        <p:cNvGrpSpPr/>
-        <p:nvPr/>
-      </p:nvGrpSpPr>
-      <p:grpSpPr>
-        <a:xfrm>
-          <a:off x="0" y="0"/>
-          <a:ext cx="0" cy="0"/>
-          <a:chOff x="0" y="0"/>
-          <a:chExt cx="0" cy="0"/>
-        </a:xfrm>
-      </p:grpSpPr>
-      <p:sp>
-        <p:nvSpPr>
-          <p:cNvPr id="2" name="Title 1">
-            <a:extLst>
-              <a:ext uri="{FF2B5EF4-FFF2-40B4-BE49-F238E27FC236}">
-                <a16:creationId xmlns:a16="http://schemas.microsoft.com/office/drawing/2014/main" id="{8BF46923-FEA6-3DCE-3534-51087F7A444F}"/>
-              </a:ext>
-            </a:extLst>
-          </p:cNvPr>
-          <p:cNvSpPr>
-            <a:spLocks noGrp="1"/>
-          </p:cNvSpPr>
-          <p:nvPr>
-            <p:ph type="title"/>
-          </p:nvPr>
-        </p:nvSpPr>
-        <p:spPr/>
-        <p:txBody>
-          <a:bodyPr/>
-          <a:lstStyle/>
-          <a:p>
-            <a:r>
-              <a:rPr lang="en-US" dirty="0"/>
-              <a:t>Imbalanced Data: Compensation Techniques</a:t>
-            </a:r>
-          </a:p>
-        </p:txBody>
-      </p:sp>
-      <p:sp>
-        <p:nvSpPr>
-          <p:cNvPr id="6" name="Content Placeholder 5">
-            <a:extLst>
-              <a:ext uri="{FF2B5EF4-FFF2-40B4-BE49-F238E27FC236}">
-                <a16:creationId xmlns:a16="http://schemas.microsoft.com/office/drawing/2014/main" id="{DDA802A5-D5EC-06A0-460D-57536E4DEF2F}"/>
-              </a:ext>
-            </a:extLst>
-          </p:cNvPr>
-          <p:cNvSpPr>
-            <a:spLocks noGrp="1"/>
-          </p:cNvSpPr>
-          <p:nvPr>
-            <p:ph idx="1"/>
-          </p:nvPr>
-        </p:nvSpPr>
-        <p:spPr/>
-        <p:txBody>
-          <a:bodyPr/>
-          <a:lstStyle/>
-          <a:p>
-            <a:pPr marL="0" indent="0">
-              <a:buNone/>
-            </a:pPr>
-            <a:r>
-              <a:rPr lang="en-US" dirty="0"/>
-              <a:t>Data-level:</a:t>
-            </a:r>
-          </a:p>
-          <a:p>
-            <a:r>
-              <a:rPr lang="en-US" dirty="0"/>
-              <a:t>Over sampling / Under sampling</a:t>
-            </a:r>
-          </a:p>
-          <a:p>
-            <a:r>
-              <a:rPr lang="en-US" dirty="0"/>
-              <a:t>Synthetic data generation</a:t>
-            </a:r>
-          </a:p>
-          <a:p>
-            <a:pPr marL="0" indent="0">
-              <a:buNone/>
-            </a:pPr>
-            <a:endParaRPr lang="en-US" dirty="0"/>
-          </a:p>
-          <a:p>
-            <a:pPr marL="0" indent="0">
-              <a:buNone/>
-            </a:pPr>
-            <a:r>
-              <a:rPr lang="en-US" dirty="0"/>
-              <a:t>Algorithm-level</a:t>
-            </a:r>
-          </a:p>
-          <a:p>
-            <a:r>
-              <a:rPr lang="en-US" dirty="0"/>
-              <a:t>Cost-sensitive learning / Class weight adjustment</a:t>
-            </a:r>
-          </a:p>
-        </p:txBody>
-      </p:sp>
-    </p:spTree>
-    <p:extLst>
-      <p:ext uri="{BB962C8B-B14F-4D97-AF65-F5344CB8AC3E}">
-        <p14:creationId xmlns:p14="http://schemas.microsoft.com/office/powerpoint/2010/main" val="3502573295"/>
-      </p:ext>
-    </p:extLst>
-  </p:cSld>
-  <p:clrMapOvr>
-    <a:masterClrMapping/>
-  </p:clrMapOvr>
-</p:sld>
-</file>
-
-<file path=ppt/slides/slide2.xml><?xml version="1.0" encoding="utf-8"?>
-<p:sld xmlns:a="http://schemas.openxmlformats.org/drawingml/2006/main" xmlns:r="http://schemas.openxmlformats.org/officeDocument/2006/relationships" xmlns:p="http://schemas.openxmlformats.org/presentationml/2006/main">
-  <p:cSld>
-    <p:bg>
-      <p:bgPr>
-        <a:solidFill>
-          <a:schemeClr val="bg1"/>
-        </a:solidFill>
-        <a:effectLst/>
-      </p:bgPr>
-    </p:bg>
-    <p:spTree>
-      <p:nvGrpSpPr>
-        <p:cNvPr id="1" name=""/>
-        <p:cNvGrpSpPr/>
-        <p:nvPr/>
-      </p:nvGrpSpPr>
-      <p:grpSpPr>
-        <a:xfrm>
-          <a:off x="0" y="0"/>
-          <a:ext cx="0" cy="0"/>
-          <a:chOff x="0" y="0"/>
-          <a:chExt cx="0" cy="0"/>
-        </a:xfrm>
-      </p:grpSpPr>
-      <p:sp useBgFill="1">
-        <p:nvSpPr>
-          <p:cNvPr id="10" name="Rectangle 9">
-            <a:extLst>
-              <a:ext uri="{FF2B5EF4-FFF2-40B4-BE49-F238E27FC236}">
-                <a16:creationId xmlns:a16="http://schemas.microsoft.com/office/drawing/2014/main" id="{3E443FD7-A66B-4AA0-872D-B088B9BC5F17}"/>
-              </a:ext>
-              <a:ext uri="{C183D7F6-B498-43B3-948B-1728B52AA6E4}">
-                <adec:decorative xmlns:adec="http://schemas.microsoft.com/office/drawing/2017/decorative" val="1"/>
-              </a:ext>
-            </a:extLst>
-          </p:cNvPr>
-          <p:cNvSpPr>
-            <a:spLocks noGrp="1" noRot="1" noChangeAspect="1" noMove="1" noResize="1" noEditPoints="1" noAdjustHandles="1" noChangeArrowheads="1" noChangeShapeType="1" noTextEdit="1"/>
-          </p:cNvSpPr>
-          <p:nvPr>
-            <p:extLst>
-              <p:ext uri="{386F3935-93C4-4BCD-93E2-E3B085C9AB24}">
-                <p16:designElem xmlns:p16="http://schemas.microsoft.com/office/powerpoint/2015/main" val="1"/>
-              </p:ext>
-            </p:extLst>
-          </p:nvPr>
-        </p:nvSpPr>
-        <p:spPr>
-          <a:xfrm>
-            <a:off x="0" y="0"/>
-            <a:ext cx="12192000" cy="6858000"/>
-          </a:xfrm>
-          <a:prstGeom prst="rect">
-            <a:avLst/>
-          </a:prstGeom>
-          <a:ln>
-            <a:noFill/>
-          </a:ln>
-        </p:spPr>
-        <p:style>
-          <a:lnRef idx="2">
-            <a:schemeClr val="accent1">
-              <a:shade val="50000"/>
-            </a:schemeClr>
-          </a:lnRef>
-          <a:fillRef idx="1">
-            <a:schemeClr val="accent1"/>
-          </a:fillRef>
-          <a:effectRef idx="0">
-            <a:schemeClr val="accent1"/>
-          </a:effectRef>
-          <a:fontRef idx="minor">
-            <a:schemeClr val="lt1"/>
-          </a:fontRef>
-        </p:style>
-        <p:txBody>
-          <a:bodyPr rtlCol="0" anchor="ctr"/>
-          <a:lstStyle/>
-          <a:p>
-            <a:pPr algn="ctr"/>
-            <a:endParaRPr lang="en-US"/>
-          </a:p>
-        </p:txBody>
-      </p:sp>
-      <p:sp>
-        <p:nvSpPr>
-          <p:cNvPr id="2" name="Title 1">
-            <a:extLst>
-              <a:ext uri="{FF2B5EF4-FFF2-40B4-BE49-F238E27FC236}">
-                <a16:creationId xmlns:a16="http://schemas.microsoft.com/office/drawing/2014/main" id="{4BEE1493-3EF8-FC24-2A1D-FFA204BE3B83}"/>
-              </a:ext>
-            </a:extLst>
-          </p:cNvPr>
-          <p:cNvSpPr>
-            <a:spLocks noGrp="1"/>
-          </p:cNvSpPr>
-          <p:nvPr>
-            <p:ph type="title"/>
-          </p:nvPr>
-        </p:nvSpPr>
-        <p:spPr>
-          <a:xfrm>
-            <a:off x="1094095" y="851517"/>
-            <a:ext cx="5238466" cy="2991416"/>
-          </a:xfrm>
-        </p:spPr>
-        <p:txBody>
-          <a:bodyPr vert="horz" lIns="91440" tIns="45720" rIns="91440" bIns="45720" rtlCol="0" anchor="b">
-            <a:normAutofit/>
-          </a:bodyPr>
-          <a:lstStyle/>
-          <a:p>
-            <a:r>
-              <a:rPr lang="en-US" kern="1200">
-                <a:solidFill>
-                  <a:schemeClr val="tx1"/>
-                </a:solidFill>
-                <a:latin typeface="+mj-lt"/>
-                <a:ea typeface="+mj-ea"/>
-                <a:cs typeface="+mj-cs"/>
-              </a:rPr>
-              <a:t>Gradient</a:t>
-            </a:r>
-          </a:p>
-        </p:txBody>
-      </p:sp>
-      <p:sp>
-        <p:nvSpPr>
-          <p:cNvPr id="3" name="Text Placeholder 2">
-            <a:extLst>
-              <a:ext uri="{FF2B5EF4-FFF2-40B4-BE49-F238E27FC236}">
-                <a16:creationId xmlns:a16="http://schemas.microsoft.com/office/drawing/2014/main" id="{8467D103-46EB-AF59-D018-C094A30A5313}"/>
-              </a:ext>
-            </a:extLst>
-          </p:cNvPr>
-          <p:cNvSpPr>
-            <a:spLocks noGrp="1"/>
-          </p:cNvSpPr>
-          <p:nvPr>
-            <p:ph type="body" idx="1"/>
-          </p:nvPr>
-        </p:nvSpPr>
-        <p:spPr>
-          <a:xfrm>
-            <a:off x="1094096" y="3842932"/>
-            <a:ext cx="4167115" cy="2163551"/>
-          </a:xfrm>
-        </p:spPr>
-        <p:txBody>
-          <a:bodyPr vert="horz" lIns="91440" tIns="45720" rIns="91440" bIns="45720" rtlCol="0" anchor="t">
-            <a:normAutofit/>
-          </a:bodyPr>
-          <a:lstStyle/>
-          <a:p>
-            <a:endParaRPr lang="en-US" sz="2400" kern="1200">
-              <a:solidFill>
-                <a:schemeClr val="tx1"/>
-              </a:solidFill>
-              <a:latin typeface="+mn-lt"/>
-              <a:ea typeface="+mn-ea"/>
-              <a:cs typeface="+mn-cs"/>
-            </a:endParaRPr>
-          </a:p>
-        </p:txBody>
-      </p:sp>
-      <p:sp>
-        <p:nvSpPr>
-          <p:cNvPr id="12" name="Freeform: Shape 11">
-            <a:extLst>
-              <a:ext uri="{FF2B5EF4-FFF2-40B4-BE49-F238E27FC236}">
-                <a16:creationId xmlns:a16="http://schemas.microsoft.com/office/drawing/2014/main" id="{C04BE0EF-3561-49B4-9A29-F283168A91C7}"/>
-              </a:ext>
-              <a:ext uri="{C183D7F6-B498-43B3-948B-1728B52AA6E4}">
-                <adec:decorative xmlns:adec="http://schemas.microsoft.com/office/drawing/2017/decorative" val="1"/>
-              </a:ext>
-            </a:extLst>
-          </p:cNvPr>
-          <p:cNvSpPr>
-            <a:spLocks noGrp="1" noRot="1" noChangeAspect="1" noMove="1" noResize="1" noEditPoints="1" noAdjustHandles="1" noChangeArrowheads="1" noChangeShapeType="1" noTextEdit="1"/>
-          </p:cNvSpPr>
-          <p:nvPr>
-            <p:extLst>
-              <p:ext uri="{386F3935-93C4-4BCD-93E2-E3B085C9AB24}">
-                <p16:designElem xmlns:p16="http://schemas.microsoft.com/office/powerpoint/2015/main" val="1"/>
-              </p:ext>
-            </p:extLst>
-          </p:nvPr>
-        </p:nvSpPr>
-        <p:spPr>
-          <a:xfrm>
-            <a:off x="5510370" y="851518"/>
-            <a:ext cx="6184806" cy="5154967"/>
-          </a:xfrm>
-          <a:custGeom>
-            <a:avLst/>
-            <a:gdLst>
-              <a:gd name="connsiteX0" fmla="*/ 363179 w 6184806"/>
-              <a:gd name="connsiteY0" fmla="*/ 3125191 h 5154967"/>
-              <a:gd name="connsiteX1" fmla="*/ 898270 w 6184806"/>
-              <a:gd name="connsiteY1" fmla="*/ 3125191 h 5154967"/>
-              <a:gd name="connsiteX2" fmla="*/ 980326 w 6184806"/>
-              <a:gd name="connsiteY2" fmla="*/ 3173551 h 5154967"/>
-              <a:gd name="connsiteX3" fmla="*/ 1248448 w 6184806"/>
-              <a:gd name="connsiteY3" fmla="*/ 3635277 h 5154967"/>
-              <a:gd name="connsiteX4" fmla="*/ 1248448 w 6184806"/>
-              <a:gd name="connsiteY4" fmla="*/ 3729695 h 5154967"/>
-              <a:gd name="connsiteX5" fmla="*/ 980326 w 6184806"/>
-              <a:gd name="connsiteY5" fmla="*/ 4191421 h 5154967"/>
-              <a:gd name="connsiteX6" fmla="*/ 898270 w 6184806"/>
-              <a:gd name="connsiteY6" fmla="*/ 4239781 h 5154967"/>
-              <a:gd name="connsiteX7" fmla="*/ 363179 w 6184806"/>
-              <a:gd name="connsiteY7" fmla="*/ 4239781 h 5154967"/>
-              <a:gd name="connsiteX8" fmla="*/ 279969 w 6184806"/>
-              <a:gd name="connsiteY8" fmla="*/ 4191421 h 5154967"/>
-              <a:gd name="connsiteX9" fmla="*/ 13002 w 6184806"/>
-              <a:gd name="connsiteY9" fmla="*/ 3729695 h 5154967"/>
-              <a:gd name="connsiteX10" fmla="*/ 13002 w 6184806"/>
-              <a:gd name="connsiteY10" fmla="*/ 3635277 h 5154967"/>
-              <a:gd name="connsiteX11" fmla="*/ 279969 w 6184806"/>
-              <a:gd name="connsiteY11" fmla="*/ 3173551 h 5154967"/>
-              <a:gd name="connsiteX12" fmla="*/ 363179 w 6184806"/>
-              <a:gd name="connsiteY12" fmla="*/ 3125191 h 5154967"/>
-              <a:gd name="connsiteX13" fmla="*/ 2489721 w 6184806"/>
-              <a:gd name="connsiteY13" fmla="*/ 570035 h 5154967"/>
-              <a:gd name="connsiteX14" fmla="*/ 2764862 w 6184806"/>
-              <a:gd name="connsiteY14" fmla="*/ 570035 h 5154967"/>
-              <a:gd name="connsiteX15" fmla="*/ 2796959 w 6184806"/>
-              <a:gd name="connsiteY15" fmla="*/ 570035 h 5154967"/>
-              <a:gd name="connsiteX16" fmla="*/ 2827587 w 6184806"/>
-              <a:gd name="connsiteY16" fmla="*/ 622777 h 5154967"/>
-              <a:gd name="connsiteX17" fmla="*/ 2977604 w 6184806"/>
-              <a:gd name="connsiteY17" fmla="*/ 881117 h 5154967"/>
-              <a:gd name="connsiteX18" fmla="*/ 2977604 w 6184806"/>
-              <a:gd name="connsiteY18" fmla="*/ 1025720 h 5154967"/>
-              <a:gd name="connsiteX19" fmla="*/ 2566968 w 6184806"/>
-              <a:gd name="connsiteY19" fmla="*/ 1732863 h 5154967"/>
-              <a:gd name="connsiteX20" fmla="*/ 2441299 w 6184806"/>
-              <a:gd name="connsiteY20" fmla="*/ 1806927 h 5154967"/>
-              <a:gd name="connsiteX21" fmla="*/ 1621798 w 6184806"/>
-              <a:gd name="connsiteY21" fmla="*/ 1806927 h 5154967"/>
-              <a:gd name="connsiteX22" fmla="*/ 1583218 w 6184806"/>
-              <a:gd name="connsiteY22" fmla="*/ 1801802 h 5154967"/>
-              <a:gd name="connsiteX23" fmla="*/ 1556683 w 6184806"/>
-              <a:gd name="connsiteY23" fmla="*/ 1790677 h 5154967"/>
-              <a:gd name="connsiteX24" fmla="*/ 1572899 w 6184806"/>
-              <a:gd name="connsiteY24" fmla="*/ 1762630 h 5154967"/>
-              <a:gd name="connsiteX25" fmla="*/ 2147429 w 6184806"/>
-              <a:gd name="connsiteY25" fmla="*/ 768968 h 5154967"/>
-              <a:gd name="connsiteX26" fmla="*/ 2489721 w 6184806"/>
-              <a:gd name="connsiteY26" fmla="*/ 570035 h 5154967"/>
-              <a:gd name="connsiteX27" fmla="*/ 1573268 w 6184806"/>
-              <a:gd name="connsiteY27" fmla="*/ 0 h 5154967"/>
-              <a:gd name="connsiteX28" fmla="*/ 2497662 w 6184806"/>
-              <a:gd name="connsiteY28" fmla="*/ 0 h 5154967"/>
-              <a:gd name="connsiteX29" fmla="*/ 2639415 w 6184806"/>
-              <a:gd name="connsiteY29" fmla="*/ 83546 h 5154967"/>
-              <a:gd name="connsiteX30" fmla="*/ 2887862 w 6184806"/>
-              <a:gd name="connsiteY30" fmla="*/ 511387 h 5154967"/>
-              <a:gd name="connsiteX31" fmla="*/ 2915928 w 6184806"/>
-              <a:gd name="connsiteY31" fmla="*/ 559720 h 5154967"/>
-              <a:gd name="connsiteX32" fmla="*/ 2893844 w 6184806"/>
-              <a:gd name="connsiteY32" fmla="*/ 559720 h 5154967"/>
-              <a:gd name="connsiteX33" fmla="*/ 2789466 w 6184806"/>
-              <a:gd name="connsiteY33" fmla="*/ 559720 h 5154967"/>
-              <a:gd name="connsiteX34" fmla="*/ 2744122 w 6184806"/>
-              <a:gd name="connsiteY34" fmla="*/ 481634 h 5154967"/>
-              <a:gd name="connsiteX35" fmla="*/ 2570885 w 6184806"/>
-              <a:gd name="connsiteY35" fmla="*/ 183309 h 5154967"/>
-              <a:gd name="connsiteX36" fmla="*/ 2445216 w 6184806"/>
-              <a:gd name="connsiteY36" fmla="*/ 109243 h 5154967"/>
-              <a:gd name="connsiteX37" fmla="*/ 1625714 w 6184806"/>
-              <a:gd name="connsiteY37" fmla="*/ 109243 h 5154967"/>
-              <a:gd name="connsiteX38" fmla="*/ 1498276 w 6184806"/>
-              <a:gd name="connsiteY38" fmla="*/ 183309 h 5154967"/>
-              <a:gd name="connsiteX39" fmla="*/ 1089410 w 6184806"/>
-              <a:gd name="connsiteY39" fmla="*/ 890450 h 5154967"/>
-              <a:gd name="connsiteX40" fmla="*/ 1089410 w 6184806"/>
-              <a:gd name="connsiteY40" fmla="*/ 1035054 h 5154967"/>
-              <a:gd name="connsiteX41" fmla="*/ 1498276 w 6184806"/>
-              <a:gd name="connsiteY41" fmla="*/ 1742196 h 5154967"/>
-              <a:gd name="connsiteX42" fmla="*/ 1552039 w 6184806"/>
-              <a:gd name="connsiteY42" fmla="*/ 1796422 h 5154967"/>
-              <a:gd name="connsiteX43" fmla="*/ 1558260 w 6184806"/>
-              <a:gd name="connsiteY43" fmla="*/ 1799029 h 5154967"/>
-              <a:gd name="connsiteX44" fmla="*/ 1524911 w 6184806"/>
-              <a:gd name="connsiteY44" fmla="*/ 1856707 h 5154967"/>
-              <a:gd name="connsiteX45" fmla="*/ 1500108 w 6184806"/>
-              <a:gd name="connsiteY45" fmla="*/ 1899604 h 5154967"/>
-              <a:gd name="connsiteX46" fmla="*/ 1525834 w 6184806"/>
-              <a:gd name="connsiteY46" fmla="*/ 1910390 h 5154967"/>
-              <a:gd name="connsiteX47" fmla="*/ 1569352 w 6184806"/>
-              <a:gd name="connsiteY47" fmla="*/ 1916170 h 5154967"/>
-              <a:gd name="connsiteX48" fmla="*/ 2493745 w 6184806"/>
-              <a:gd name="connsiteY48" fmla="*/ 1916170 h 5154967"/>
-              <a:gd name="connsiteX49" fmla="*/ 2635498 w 6184806"/>
-              <a:gd name="connsiteY49" fmla="*/ 1832627 h 5154967"/>
-              <a:gd name="connsiteX50" fmla="*/ 3098693 w 6184806"/>
-              <a:gd name="connsiteY50" fmla="*/ 1034974 h 5154967"/>
-              <a:gd name="connsiteX51" fmla="*/ 3098693 w 6184806"/>
-              <a:gd name="connsiteY51" fmla="*/ 871863 h 5154967"/>
-              <a:gd name="connsiteX52" fmla="*/ 2945803 w 6184806"/>
-              <a:gd name="connsiteY52" fmla="*/ 608576 h 5154967"/>
-              <a:gd name="connsiteX53" fmla="*/ 2923422 w 6184806"/>
-              <a:gd name="connsiteY53" fmla="*/ 570035 h 5154967"/>
-              <a:gd name="connsiteX54" fmla="*/ 3027104 w 6184806"/>
-              <a:gd name="connsiteY54" fmla="*/ 570035 h 5154967"/>
-              <a:gd name="connsiteX55" fmla="*/ 4690846 w 6184806"/>
-              <a:gd name="connsiteY55" fmla="*/ 570035 h 5154967"/>
-              <a:gd name="connsiteX56" fmla="*/ 5028384 w 6184806"/>
-              <a:gd name="connsiteY56" fmla="*/ 768968 h 5154967"/>
-              <a:gd name="connsiteX57" fmla="*/ 6131323 w 6184806"/>
-              <a:gd name="connsiteY57" fmla="*/ 2668304 h 5154967"/>
-              <a:gd name="connsiteX58" fmla="*/ 6131323 w 6184806"/>
-              <a:gd name="connsiteY58" fmla="*/ 3056698 h 5154967"/>
-              <a:gd name="connsiteX59" fmla="*/ 5028384 w 6184806"/>
-              <a:gd name="connsiteY59" fmla="*/ 4956035 h 5154967"/>
-              <a:gd name="connsiteX60" fmla="*/ 4690846 w 6184806"/>
-              <a:gd name="connsiteY60" fmla="*/ 5154967 h 5154967"/>
-              <a:gd name="connsiteX61" fmla="*/ 2489721 w 6184806"/>
-              <a:gd name="connsiteY61" fmla="*/ 5154967 h 5154967"/>
-              <a:gd name="connsiteX62" fmla="*/ 2147429 w 6184806"/>
-              <a:gd name="connsiteY62" fmla="*/ 4956035 h 5154967"/>
-              <a:gd name="connsiteX63" fmla="*/ 1049243 w 6184806"/>
-              <a:gd name="connsiteY63" fmla="*/ 3056698 h 5154967"/>
-              <a:gd name="connsiteX64" fmla="*/ 1049243 w 6184806"/>
-              <a:gd name="connsiteY64" fmla="*/ 2668304 h 5154967"/>
-              <a:gd name="connsiteX65" fmla="*/ 1457007 w 6184806"/>
-              <a:gd name="connsiteY65" fmla="*/ 1963067 h 5154967"/>
-              <a:gd name="connsiteX66" fmla="*/ 1491373 w 6184806"/>
-              <a:gd name="connsiteY66" fmla="*/ 1903634 h 5154967"/>
-              <a:gd name="connsiteX67" fmla="*/ 1490164 w 6184806"/>
-              <a:gd name="connsiteY67" fmla="*/ 1903127 h 5154967"/>
-              <a:gd name="connsiteX68" fmla="*/ 1429519 w 6184806"/>
-              <a:gd name="connsiteY68" fmla="*/ 1841960 h 5154967"/>
-              <a:gd name="connsiteX69" fmla="*/ 968320 w 6184806"/>
-              <a:gd name="connsiteY69" fmla="*/ 1044307 h 5154967"/>
-              <a:gd name="connsiteX70" fmla="*/ 968320 w 6184806"/>
-              <a:gd name="connsiteY70" fmla="*/ 881196 h 5154967"/>
-              <a:gd name="connsiteX71" fmla="*/ 1429519 w 6184806"/>
-              <a:gd name="connsiteY71" fmla="*/ 83546 h 5154967"/>
-              <a:gd name="connsiteX72" fmla="*/ 1573268 w 6184806"/>
-              <a:gd name="connsiteY72" fmla="*/ 0 h 5154967"/>
-            </a:gdLst>
-            <a:ahLst/>
-            <a:cxnLst>
-              <a:cxn ang="0">
-                <a:pos x="connsiteX0" y="connsiteY0"/>
-              </a:cxn>
-              <a:cxn ang="0">
-                <a:pos x="connsiteX1" y="connsiteY1"/>
-              </a:cxn>
-              <a:cxn ang="0">
-                <a:pos x="connsiteX2" y="connsiteY2"/>
-              </a:cxn>
-              <a:cxn ang="0">
-                <a:pos x="connsiteX3" y="connsiteY3"/>
-              </a:cxn>
-              <a:cxn ang="0">
-                <a:pos x="connsiteX4" y="connsiteY4"/>
-              </a:cxn>
-              <a:cxn ang="0">
-                <a:pos x="connsiteX5" y="connsiteY5"/>
-              </a:cxn>
-              <a:cxn ang="0">
-                <a:pos x="connsiteX6" y="connsiteY6"/>
-              </a:cxn>
-              <a:cxn ang="0">
-                <a:pos x="connsiteX7" y="connsiteY7"/>
-              </a:cxn>
-              <a:cxn ang="0">
-                <a:pos x="connsiteX8" y="connsiteY8"/>
-              </a:cxn>
-              <a:cxn ang="0">
-                <a:pos x="connsiteX9" y="connsiteY9"/>
-              </a:cxn>
-              <a:cxn ang="0">
-                <a:pos x="connsiteX10" y="connsiteY10"/>
-              </a:cxn>
-              <a:cxn ang="0">
-                <a:pos x="connsiteX11" y="connsiteY11"/>
-              </a:cxn>
-              <a:cxn ang="0">
-                <a:pos x="connsiteX12" y="connsiteY12"/>
-              </a:cxn>
-              <a:cxn ang="0">
-                <a:pos x="connsiteX13" y="connsiteY13"/>
-              </a:cxn>
-              <a:cxn ang="0">
-                <a:pos x="connsiteX14" y="connsiteY14"/>
-              </a:cxn>
-              <a:cxn ang="0">
-                <a:pos x="connsiteX15" y="connsiteY15"/>
-              </a:cxn>
-              <a:cxn ang="0">
-                <a:pos x="connsiteX16" y="connsiteY16"/>
-              </a:cxn>
-              <a:cxn ang="0">
-                <a:pos x="connsiteX17" y="connsiteY17"/>
-              </a:cxn>
-              <a:cxn ang="0">
-                <a:pos x="connsiteX18" y="connsiteY18"/>
-              </a:cxn>
-              <a:cxn ang="0">
-                <a:pos x="connsiteX19" y="connsiteY19"/>
-              </a:cxn>
-              <a:cxn ang="0">
-                <a:pos x="connsiteX20" y="connsiteY20"/>
-              </a:cxn>
-              <a:cxn ang="0">
-                <a:pos x="connsiteX21" y="connsiteY21"/>
-              </a:cxn>
-              <a:cxn ang="0">
-                <a:pos x="connsiteX22" y="connsiteY22"/>
-              </a:cxn>
-              <a:cxn ang="0">
-                <a:pos x="connsiteX23" y="connsiteY23"/>
-              </a:cxn>
-              <a:cxn ang="0">
-                <a:pos x="connsiteX24" y="connsiteY24"/>
-              </a:cxn>
-              <a:cxn ang="0">
-                <a:pos x="connsiteX25" y="connsiteY25"/>
-              </a:cxn>
-              <a:cxn ang="0">
-                <a:pos x="connsiteX26" y="connsiteY26"/>
-              </a:cxn>
-              <a:cxn ang="0">
-                <a:pos x="connsiteX27" y="connsiteY27"/>
-              </a:cxn>
-              <a:cxn ang="0">
-                <a:pos x="connsiteX28" y="connsiteY28"/>
-              </a:cxn>
-              <a:cxn ang="0">
-                <a:pos x="connsiteX29" y="connsiteY29"/>
-              </a:cxn>
-              <a:cxn ang="0">
-                <a:pos x="connsiteX30" y="connsiteY30"/>
-              </a:cxn>
-              <a:cxn ang="0">
-                <a:pos x="connsiteX31" y="connsiteY31"/>
-              </a:cxn>
-              <a:cxn ang="0">
-                <a:pos x="connsiteX32" y="connsiteY32"/>
-              </a:cxn>
-              <a:cxn ang="0">
-                <a:pos x="connsiteX33" y="connsiteY33"/>
-              </a:cxn>
-              <a:cxn ang="0">
-                <a:pos x="connsiteX34" y="connsiteY34"/>
-              </a:cxn>
-              <a:cxn ang="0">
-                <a:pos x="connsiteX35" y="connsiteY35"/>
-              </a:cxn>
-              <a:cxn ang="0">
-                <a:pos x="connsiteX36" y="connsiteY36"/>
-              </a:cxn>
-              <a:cxn ang="0">
-                <a:pos x="connsiteX37" y="connsiteY37"/>
-              </a:cxn>
-              <a:cxn ang="0">
-                <a:pos x="connsiteX38" y="connsiteY38"/>
-              </a:cxn>
-              <a:cxn ang="0">
-                <a:pos x="connsiteX39" y="connsiteY39"/>
-              </a:cxn>
-              <a:cxn ang="0">
-                <a:pos x="connsiteX40" y="connsiteY40"/>
-              </a:cxn>
-              <a:cxn ang="0">
-                <a:pos x="connsiteX41" y="connsiteY41"/>
-              </a:cxn>
-              <a:cxn ang="0">
-                <a:pos x="connsiteX42" y="connsiteY42"/>
-              </a:cxn>
-              <a:cxn ang="0">
-                <a:pos x="connsiteX43" y="connsiteY43"/>
-              </a:cxn>
-              <a:cxn ang="0">
-                <a:pos x="connsiteX44" y="connsiteY44"/>
-              </a:cxn>
-              <a:cxn ang="0">
-                <a:pos x="connsiteX45" y="connsiteY45"/>
-              </a:cxn>
-              <a:cxn ang="0">
-                <a:pos x="connsiteX46" y="connsiteY46"/>
-              </a:cxn>
-              <a:cxn ang="0">
-                <a:pos x="connsiteX47" y="connsiteY47"/>
-              </a:cxn>
-              <a:cxn ang="0">
-                <a:pos x="connsiteX48" y="connsiteY48"/>
-              </a:cxn>
-              <a:cxn ang="0">
-                <a:pos x="connsiteX49" y="connsiteY49"/>
-              </a:cxn>
-              <a:cxn ang="0">
-                <a:pos x="connsiteX50" y="connsiteY50"/>
-              </a:cxn>
-              <a:cxn ang="0">
-                <a:pos x="connsiteX51" y="connsiteY51"/>
-              </a:cxn>
-              <a:cxn ang="0">
-                <a:pos x="connsiteX52" y="connsiteY52"/>
-              </a:cxn>
-              <a:cxn ang="0">
-                <a:pos x="connsiteX53" y="connsiteY53"/>
-              </a:cxn>
-              <a:cxn ang="0">
-                <a:pos x="connsiteX54" y="connsiteY54"/>
-              </a:cxn>
-              <a:cxn ang="0">
-                <a:pos x="connsiteX55" y="connsiteY55"/>
-              </a:cxn>
-              <a:cxn ang="0">
-                <a:pos x="connsiteX56" y="connsiteY56"/>
-              </a:cxn>
-              <a:cxn ang="0">
-                <a:pos x="connsiteX57" y="connsiteY57"/>
-              </a:cxn>
-              <a:cxn ang="0">
-                <a:pos x="connsiteX58" y="connsiteY58"/>
-              </a:cxn>
-              <a:cxn ang="0">
-                <a:pos x="connsiteX59" y="connsiteY59"/>
-              </a:cxn>
-              <a:cxn ang="0">
-                <a:pos x="connsiteX60" y="connsiteY60"/>
-              </a:cxn>
-              <a:cxn ang="0">
-                <a:pos x="connsiteX61" y="connsiteY61"/>
-              </a:cxn>
-              <a:cxn ang="0">
-                <a:pos x="connsiteX62" y="connsiteY62"/>
-              </a:cxn>
-              <a:cxn ang="0">
-                <a:pos x="connsiteX63" y="connsiteY63"/>
-              </a:cxn>
-              <a:cxn ang="0">
-                <a:pos x="connsiteX64" y="connsiteY64"/>
-              </a:cxn>
-              <a:cxn ang="0">
-                <a:pos x="connsiteX65" y="connsiteY65"/>
-              </a:cxn>
-              <a:cxn ang="0">
-                <a:pos x="connsiteX66" y="connsiteY66"/>
-              </a:cxn>
-              <a:cxn ang="0">
-                <a:pos x="connsiteX67" y="connsiteY67"/>
-              </a:cxn>
-              <a:cxn ang="0">
-                <a:pos x="connsiteX68" y="connsiteY68"/>
-              </a:cxn>
-              <a:cxn ang="0">
-                <a:pos x="connsiteX69" y="connsiteY69"/>
-              </a:cxn>
-              <a:cxn ang="0">
-                <a:pos x="connsiteX70" y="connsiteY70"/>
-              </a:cxn>
-              <a:cxn ang="0">
-                <a:pos x="connsiteX71" y="connsiteY71"/>
-              </a:cxn>
-              <a:cxn ang="0">
-                <a:pos x="connsiteX72" y="connsiteY72"/>
-              </a:cxn>
-            </a:cxnLst>
-            <a:rect l="l" t="t" r="r" b="b"/>
-            <a:pathLst>
-              <a:path w="6184806" h="5154967">
-                <a:moveTo>
-                  <a:pt x="363179" y="3125191"/>
-                </a:moveTo>
-                <a:cubicBezTo>
-                  <a:pt x="363179" y="3125191"/>
-                  <a:pt x="363179" y="3125191"/>
-                  <a:pt x="898270" y="3125191"/>
-                </a:cubicBezTo>
-                <a:cubicBezTo>
-                  <a:pt x="931786" y="3125191"/>
-                  <a:pt x="964145" y="3143614"/>
-                  <a:pt x="980326" y="3173551"/>
-                </a:cubicBezTo>
-                <a:cubicBezTo>
-                  <a:pt x="980326" y="3173551"/>
-                  <a:pt x="980326" y="3173551"/>
-                  <a:pt x="1248448" y="3635277"/>
-                </a:cubicBezTo>
-                <a:cubicBezTo>
-                  <a:pt x="1265784" y="3664063"/>
-                  <a:pt x="1265784" y="3700909"/>
-                  <a:pt x="1248448" y="3729695"/>
-                </a:cubicBezTo>
-                <a:cubicBezTo>
-                  <a:pt x="1248448" y="3729695"/>
-                  <a:pt x="1248448" y="3729695"/>
-                  <a:pt x="980326" y="4191421"/>
-                </a:cubicBezTo>
-                <a:cubicBezTo>
-                  <a:pt x="964145" y="4221358"/>
-                  <a:pt x="931786" y="4239781"/>
-                  <a:pt x="898270" y="4239781"/>
-                </a:cubicBezTo>
-                <a:cubicBezTo>
-                  <a:pt x="898270" y="4239781"/>
-                  <a:pt x="898270" y="4239781"/>
-                  <a:pt x="363179" y="4239781"/>
-                </a:cubicBezTo>
-                <a:cubicBezTo>
-                  <a:pt x="328508" y="4239781"/>
-                  <a:pt x="297305" y="4221358"/>
-                  <a:pt x="279969" y="4191421"/>
-                </a:cubicBezTo>
-                <a:cubicBezTo>
-                  <a:pt x="279969" y="4191421"/>
-                  <a:pt x="279969" y="4191421"/>
-                  <a:pt x="13002" y="3729695"/>
-                </a:cubicBezTo>
-                <a:cubicBezTo>
-                  <a:pt x="-4334" y="3700909"/>
-                  <a:pt x="-4334" y="3664063"/>
-                  <a:pt x="13002" y="3635277"/>
-                </a:cubicBezTo>
-                <a:cubicBezTo>
-                  <a:pt x="13002" y="3635277"/>
-                  <a:pt x="13002" y="3635277"/>
-                  <a:pt x="279969" y="3173551"/>
-                </a:cubicBezTo>
-                <a:cubicBezTo>
-                  <a:pt x="297305" y="3143614"/>
-                  <a:pt x="328508" y="3125191"/>
-                  <a:pt x="363179" y="3125191"/>
-                </a:cubicBezTo>
-                <a:close/>
-                <a:moveTo>
-                  <a:pt x="2489721" y="570035"/>
-                </a:moveTo>
-                <a:cubicBezTo>
-                  <a:pt x="2489721" y="570035"/>
-                  <a:pt x="2489721" y="570035"/>
-                  <a:pt x="2764862" y="570035"/>
-                </a:cubicBezTo>
-                <a:lnTo>
-                  <a:pt x="2796959" y="570035"/>
-                </a:lnTo>
-                <a:lnTo>
-                  <a:pt x="2827587" y="622777"/>
-                </a:lnTo>
-                <a:cubicBezTo>
-                  <a:pt x="2870233" y="696217"/>
-                  <a:pt x="2919858" y="781675"/>
-                  <a:pt x="2977604" y="881117"/>
-                </a:cubicBezTo>
-                <a:cubicBezTo>
-                  <a:pt x="3004153" y="925204"/>
-                  <a:pt x="3004153" y="981634"/>
-                  <a:pt x="2977604" y="1025720"/>
-                </a:cubicBezTo>
-                <a:cubicBezTo>
-                  <a:pt x="2977604" y="1025720"/>
-                  <a:pt x="2977604" y="1025720"/>
-                  <a:pt x="2566968" y="1732863"/>
-                </a:cubicBezTo>
-                <a:cubicBezTo>
-                  <a:pt x="2542188" y="1778712"/>
-                  <a:pt x="2492629" y="1806927"/>
-                  <a:pt x="2441299" y="1806927"/>
-                </a:cubicBezTo>
-                <a:cubicBezTo>
-                  <a:pt x="2441299" y="1806927"/>
-                  <a:pt x="2441299" y="1806927"/>
-                  <a:pt x="1621798" y="1806927"/>
-                </a:cubicBezTo>
-                <a:cubicBezTo>
-                  <a:pt x="1608523" y="1806927"/>
-                  <a:pt x="1595580" y="1805163"/>
-                  <a:pt x="1583218" y="1801802"/>
-                </a:cubicBezTo>
-                <a:lnTo>
-                  <a:pt x="1556683" y="1790677"/>
-                </a:lnTo>
-                <a:lnTo>
-                  <a:pt x="1572899" y="1762630"/>
-                </a:lnTo>
-                <a:cubicBezTo>
-                  <a:pt x="1719523" y="1509042"/>
-                  <a:pt x="1907201" y="1184448"/>
-                  <a:pt x="2147429" y="768968"/>
-                </a:cubicBezTo>
-                <a:cubicBezTo>
-                  <a:pt x="2218739" y="645819"/>
-                  <a:pt x="2347099" y="570035"/>
-                  <a:pt x="2489721" y="570035"/>
-                </a:cubicBezTo>
-                <a:close/>
-                <a:moveTo>
-                  <a:pt x="1573268" y="0"/>
-                </a:moveTo>
-                <a:cubicBezTo>
-                  <a:pt x="1573268" y="0"/>
-                  <a:pt x="1573268" y="0"/>
-                  <a:pt x="2497662" y="0"/>
-                </a:cubicBezTo>
-                <a:cubicBezTo>
-                  <a:pt x="2555561" y="0"/>
-                  <a:pt x="2611463" y="31828"/>
-                  <a:pt x="2639415" y="83546"/>
-                </a:cubicBezTo>
-                <a:cubicBezTo>
-                  <a:pt x="2639415" y="83546"/>
-                  <a:pt x="2639415" y="83546"/>
-                  <a:pt x="2887862" y="511387"/>
-                </a:cubicBezTo>
-                <a:lnTo>
-                  <a:pt x="2915928" y="559720"/>
-                </a:lnTo>
-                <a:lnTo>
-                  <a:pt x="2893844" y="559720"/>
-                </a:lnTo>
-                <a:lnTo>
-                  <a:pt x="2789466" y="559720"/>
-                </a:lnTo>
-                <a:lnTo>
-                  <a:pt x="2744122" y="481634"/>
-                </a:lnTo>
-                <a:cubicBezTo>
-                  <a:pt x="2570885" y="183309"/>
-                  <a:pt x="2570885" y="183309"/>
-                  <a:pt x="2570885" y="183309"/>
-                </a:cubicBezTo>
-                <a:cubicBezTo>
-                  <a:pt x="2546104" y="137459"/>
-                  <a:pt x="2496545" y="109243"/>
-                  <a:pt x="2445216" y="109243"/>
-                </a:cubicBezTo>
-                <a:cubicBezTo>
-                  <a:pt x="1625714" y="109243"/>
-                  <a:pt x="1625714" y="109243"/>
-                  <a:pt x="1625714" y="109243"/>
-                </a:cubicBezTo>
-                <a:cubicBezTo>
-                  <a:pt x="1572615" y="109243"/>
-                  <a:pt x="1524825" y="137459"/>
-                  <a:pt x="1498276" y="183309"/>
-                </a:cubicBezTo>
-                <a:cubicBezTo>
-                  <a:pt x="1089410" y="890450"/>
-                  <a:pt x="1089410" y="890450"/>
-                  <a:pt x="1089410" y="890450"/>
-                </a:cubicBezTo>
-                <a:cubicBezTo>
-                  <a:pt x="1062860" y="934537"/>
-                  <a:pt x="1062860" y="990967"/>
-                  <a:pt x="1089410" y="1035054"/>
-                </a:cubicBezTo>
-                <a:cubicBezTo>
-                  <a:pt x="1498276" y="1742196"/>
-                  <a:pt x="1498276" y="1742196"/>
-                  <a:pt x="1498276" y="1742196"/>
-                </a:cubicBezTo>
-                <a:cubicBezTo>
-                  <a:pt x="1511551" y="1765121"/>
-                  <a:pt x="1530135" y="1783637"/>
-                  <a:pt x="1552039" y="1796422"/>
-                </a:cubicBezTo>
-                <a:lnTo>
-                  <a:pt x="1558260" y="1799029"/>
-                </a:lnTo>
-                <a:lnTo>
-                  <a:pt x="1524911" y="1856707"/>
-                </a:lnTo>
-                <a:lnTo>
-                  <a:pt x="1500108" y="1899604"/>
-                </a:lnTo>
-                <a:lnTo>
-                  <a:pt x="1525834" y="1910390"/>
-                </a:lnTo>
-                <a:cubicBezTo>
-                  <a:pt x="1539779" y="1914181"/>
-                  <a:pt x="1554378" y="1916170"/>
-                  <a:pt x="1569352" y="1916170"/>
-                </a:cubicBezTo>
-                <a:cubicBezTo>
-                  <a:pt x="2493745" y="1916170"/>
-                  <a:pt x="2493745" y="1916170"/>
-                  <a:pt x="2493745" y="1916170"/>
-                </a:cubicBezTo>
-                <a:cubicBezTo>
-                  <a:pt x="2551645" y="1916170"/>
-                  <a:pt x="2607546" y="1884345"/>
-                  <a:pt x="2635498" y="1832627"/>
-                </a:cubicBezTo>
-                <a:cubicBezTo>
-                  <a:pt x="3098693" y="1034974"/>
-                  <a:pt x="3098693" y="1034974"/>
-                  <a:pt x="3098693" y="1034974"/>
-                </a:cubicBezTo>
-                <a:cubicBezTo>
-                  <a:pt x="3128641" y="985246"/>
-                  <a:pt x="3128641" y="921593"/>
-                  <a:pt x="3098693" y="871863"/>
-                </a:cubicBezTo>
-                <a:cubicBezTo>
-                  <a:pt x="3040794" y="772157"/>
-                  <a:pt x="2990132" y="684914"/>
-                  <a:pt x="2945803" y="608576"/>
-                </a:cubicBezTo>
-                <a:lnTo>
-                  <a:pt x="2923422" y="570035"/>
-                </a:lnTo>
-                <a:lnTo>
-                  <a:pt x="3027104" y="570035"/>
-                </a:lnTo>
-                <a:cubicBezTo>
-                  <a:pt x="3349535" y="570035"/>
-                  <a:pt x="3865424" y="570035"/>
-                  <a:pt x="4690846" y="570035"/>
-                </a:cubicBezTo>
-                <a:cubicBezTo>
-                  <a:pt x="4828714" y="570035"/>
-                  <a:pt x="4961827" y="645819"/>
-                  <a:pt x="5028384" y="768968"/>
-                </a:cubicBezTo>
-                <a:cubicBezTo>
-                  <a:pt x="5028384" y="768968"/>
-                  <a:pt x="5028384" y="768968"/>
-                  <a:pt x="6131323" y="2668304"/>
-                </a:cubicBezTo>
-                <a:cubicBezTo>
-                  <a:pt x="6202634" y="2786717"/>
-                  <a:pt x="6202634" y="2938285"/>
-                  <a:pt x="6131323" y="3056698"/>
-                </a:cubicBezTo>
-                <a:cubicBezTo>
-                  <a:pt x="6131323" y="3056698"/>
-                  <a:pt x="6131323" y="3056698"/>
-                  <a:pt x="5028384" y="4956035"/>
-                </a:cubicBezTo>
-                <a:cubicBezTo>
-                  <a:pt x="4961827" y="5079184"/>
-                  <a:pt x="4828714" y="5154967"/>
-                  <a:pt x="4690846" y="5154967"/>
-                </a:cubicBezTo>
-                <a:cubicBezTo>
-                  <a:pt x="4690846" y="5154967"/>
-                  <a:pt x="4690846" y="5154967"/>
-                  <a:pt x="2489721" y="5154967"/>
-                </a:cubicBezTo>
-                <a:cubicBezTo>
-                  <a:pt x="2347099" y="5154967"/>
-                  <a:pt x="2218739" y="5079184"/>
-                  <a:pt x="2147429" y="4956035"/>
-                </a:cubicBezTo>
-                <a:cubicBezTo>
-                  <a:pt x="2147429" y="4956035"/>
-                  <a:pt x="2147429" y="4956035"/>
-                  <a:pt x="1049243" y="3056698"/>
-                </a:cubicBezTo>
-                <a:cubicBezTo>
-                  <a:pt x="977932" y="2938285"/>
-                  <a:pt x="977932" y="2786717"/>
-                  <a:pt x="1049243" y="2668304"/>
-                </a:cubicBezTo>
-                <a:cubicBezTo>
-                  <a:pt x="1049243" y="2668304"/>
-                  <a:pt x="1049243" y="2668304"/>
-                  <a:pt x="1457007" y="1963067"/>
-                </a:cubicBezTo>
-                <a:lnTo>
-                  <a:pt x="1491373" y="1903634"/>
-                </a:lnTo>
-                <a:lnTo>
-                  <a:pt x="1490164" y="1903127"/>
-                </a:lnTo>
-                <a:cubicBezTo>
-                  <a:pt x="1465456" y="1888705"/>
-                  <a:pt x="1444493" y="1867820"/>
-                  <a:pt x="1429519" y="1841960"/>
-                </a:cubicBezTo>
-                <a:cubicBezTo>
-                  <a:pt x="1429519" y="1841960"/>
-                  <a:pt x="1429519" y="1841960"/>
-                  <a:pt x="968320" y="1044307"/>
-                </a:cubicBezTo>
-                <a:cubicBezTo>
-                  <a:pt x="938371" y="994579"/>
-                  <a:pt x="938371" y="930926"/>
-                  <a:pt x="968320" y="881196"/>
-                </a:cubicBezTo>
-                <a:cubicBezTo>
-                  <a:pt x="968320" y="881196"/>
-                  <a:pt x="968320" y="881196"/>
-                  <a:pt x="1429519" y="83546"/>
-                </a:cubicBezTo>
-                <a:cubicBezTo>
-                  <a:pt x="1459466" y="31828"/>
-                  <a:pt x="1513373" y="0"/>
-                  <a:pt x="1573268" y="0"/>
-                </a:cubicBezTo>
-                <a:close/>
-              </a:path>
-            </a:pathLst>
-          </a:custGeom>
-          <a:solidFill>
-            <a:schemeClr val="tx1">
-              <a:lumMod val="50000"/>
-              <a:lumOff val="50000"/>
-              <a:alpha val="15000"/>
-            </a:schemeClr>
-          </a:solidFill>
-          <a:ln>
-            <a:noFill/>
-          </a:ln>
-        </p:spPr>
-        <p:style>
-          <a:lnRef idx="2">
-            <a:schemeClr val="accent1">
-              <a:shade val="50000"/>
-            </a:schemeClr>
-          </a:lnRef>
-          <a:fillRef idx="1">
-            <a:schemeClr val="accent1"/>
-          </a:fillRef>
-          <a:effectRef idx="0">
-            <a:schemeClr val="accent1"/>
-          </a:effectRef>
-          <a:fontRef idx="minor">
-            <a:schemeClr val="lt1"/>
-          </a:fontRef>
-        </p:style>
-        <p:txBody>
-          <a:bodyPr wrap="square" rtlCol="0" anchor="ctr">
-            <a:noAutofit/>
-          </a:bodyPr>
-          <a:lstStyle/>
-          <a:p>
-            <a:pPr algn="ctr"/>
-            <a:endParaRPr lang="en-US"/>
-          </a:p>
-        </p:txBody>
-      </p:sp>
-      <p:pic>
-        <p:nvPicPr>
-          <p:cNvPr id="5" name="Graphic 4">
-            <a:extLst>
-              <a:ext uri="{FF2B5EF4-FFF2-40B4-BE49-F238E27FC236}">
-                <a16:creationId xmlns:a16="http://schemas.microsoft.com/office/drawing/2014/main" id="{7ED1E467-E3DE-33E4-14FF-3B92F18C2FFD}"/>
-              </a:ext>
-            </a:extLst>
-          </p:cNvPr>
-          <p:cNvPicPr>
-            <a:picLocks noChangeAspect="1"/>
-          </p:cNvPicPr>
-          <p:nvPr/>
-        </p:nvPicPr>
-        <p:blipFill>
-          <a:blip r:embed="rId2">
-            <a:extLst>
-              <a:ext uri="{28A0092B-C50C-407E-A947-70E740481C1C}">
-                <a14:useLocalDpi xmlns:a14="http://schemas.microsoft.com/office/drawing/2010/main" val="0"/>
-              </a:ext>
-              <a:ext uri="{96DAC541-7B7A-43D3-8B79-37D633B846F1}">
-                <asvg:svgBlip xmlns:asvg="http://schemas.microsoft.com/office/drawing/2016/SVG/main" r:embed="rId3"/>
-              </a:ext>
-            </a:extLst>
-          </a:blip>
-          <a:stretch>
-            <a:fillRect/>
-          </a:stretch>
-        </p:blipFill>
-        <p:spPr>
-          <a:xfrm>
-            <a:off x="7744060" y="2129307"/>
-            <a:ext cx="2792219" cy="3217333"/>
-          </a:xfrm>
-          <a:prstGeom prst="rect">
-            <a:avLst/>
-          </a:prstGeom>
-        </p:spPr>
-      </p:pic>
-    </p:spTree>
-    <p:extLst>
-      <p:ext uri="{BB962C8B-B14F-4D97-AF65-F5344CB8AC3E}">
-        <p14:creationId xmlns:p14="http://schemas.microsoft.com/office/powerpoint/2010/main" val="320067197"/>
-      </p:ext>
-    </p:extLst>
-  </p:cSld>
-  <p:clrMapOvr>
-    <a:masterClrMapping/>
-  </p:clrMapOvr>
-</p:sld>
-</file>
-
-<file path=ppt/slides/slide3.xml><?xml version="1.0" encoding="utf-8"?>
-<p:sld xmlns:a="http://schemas.openxmlformats.org/drawingml/2006/main" xmlns:r="http://schemas.openxmlformats.org/officeDocument/2006/relationships" xmlns:p="http://schemas.openxmlformats.org/presentationml/2006/main">
-  <p:cSld>
-    <p:bg>
-      <p:bgPr>
-        <a:solidFill>
-          <a:schemeClr val="bg1"/>
-        </a:solidFill>
-        <a:effectLst/>
-      </p:bgPr>
-    </p:bg>
-    <p:spTree>
-      <p:nvGrpSpPr>
-        <p:cNvPr id="1" name=""/>
-        <p:cNvGrpSpPr/>
-        <p:nvPr/>
-      </p:nvGrpSpPr>
-      <p:grpSpPr>
-        <a:xfrm>
-          <a:off x="0" y="0"/>
-          <a:ext cx="0" cy="0"/>
-          <a:chOff x="0" y="0"/>
-          <a:chExt cx="0" cy="0"/>
-        </a:xfrm>
-      </p:grpSpPr>
-      <p:sp useBgFill="1">
-        <p:nvSpPr>
-          <p:cNvPr id="24" name="Rectangle 23">
-            <a:extLst>
-              <a:ext uri="{FF2B5EF4-FFF2-40B4-BE49-F238E27FC236}">
-                <a16:creationId xmlns:a16="http://schemas.microsoft.com/office/drawing/2014/main" id="{3E443FD7-A66B-4AA0-872D-B088B9BC5F17}"/>
-              </a:ext>
-              <a:ext uri="{C183D7F6-B498-43B3-948B-1728B52AA6E4}">
-                <adec:decorative xmlns:adec="http://schemas.microsoft.com/office/drawing/2017/decorative" val="1"/>
-              </a:ext>
-            </a:extLst>
-          </p:cNvPr>
-          <p:cNvSpPr>
-            <a:spLocks noGrp="1" noRot="1" noChangeAspect="1" noMove="1" noResize="1" noEditPoints="1" noAdjustHandles="1" noChangeArrowheads="1" noChangeShapeType="1" noTextEdit="1"/>
-          </p:cNvSpPr>
-          <p:nvPr>
-            <p:extLst>
-              <p:ext uri="{386F3935-93C4-4BCD-93E2-E3B085C9AB24}">
-                <p16:designElem xmlns:p16="http://schemas.microsoft.com/office/powerpoint/2015/main" val="1"/>
-              </p:ext>
-            </p:extLst>
-          </p:nvPr>
-        </p:nvSpPr>
-        <p:spPr>
-          <a:xfrm>
-            <a:off x="0" y="0"/>
-            <a:ext cx="12192000" cy="6858000"/>
-          </a:xfrm>
-          <a:prstGeom prst="rect">
-            <a:avLst/>
-          </a:prstGeom>
-          <a:ln>
-            <a:noFill/>
-          </a:ln>
-        </p:spPr>
-        <p:style>
-          <a:lnRef idx="2">
-            <a:schemeClr val="accent1">
-              <a:shade val="50000"/>
-            </a:schemeClr>
-          </a:lnRef>
-          <a:fillRef idx="1">
-            <a:schemeClr val="accent1"/>
-          </a:fillRef>
-          <a:effectRef idx="0">
-            <a:schemeClr val="accent1"/>
-          </a:effectRef>
-          <a:fontRef idx="minor">
-            <a:schemeClr val="lt1"/>
-          </a:fontRef>
-        </p:style>
-        <p:txBody>
-          <a:bodyPr rtlCol="0" anchor="ctr"/>
-          <a:lstStyle/>
-          <a:p>
-            <a:pPr algn="ctr"/>
-            <a:endParaRPr lang="en-US"/>
-          </a:p>
-        </p:txBody>
-      </p:sp>
-      <p:sp>
-        <p:nvSpPr>
-          <p:cNvPr id="2" name="Title 1">
-            <a:extLst>
-              <a:ext uri="{FF2B5EF4-FFF2-40B4-BE49-F238E27FC236}">
-                <a16:creationId xmlns:a16="http://schemas.microsoft.com/office/drawing/2014/main" id="{E990CDA1-3788-7874-AD2E-E3713B0B131F}"/>
-              </a:ext>
-            </a:extLst>
-          </p:cNvPr>
-          <p:cNvSpPr>
-            <a:spLocks noGrp="1"/>
-          </p:cNvSpPr>
-          <p:nvPr>
-            <p:ph type="title"/>
-          </p:nvPr>
-        </p:nvSpPr>
-        <p:spPr>
-          <a:xfrm>
-            <a:off x="1094095" y="851517"/>
-            <a:ext cx="5238466" cy="2991416"/>
-          </a:xfrm>
-        </p:spPr>
-        <p:txBody>
-          <a:bodyPr vert="horz" lIns="91440" tIns="45720" rIns="91440" bIns="45720" rtlCol="0" anchor="b">
-            <a:normAutofit/>
-          </a:bodyPr>
-          <a:lstStyle/>
-          <a:p>
-            <a:r>
-              <a:rPr lang="en-US" kern="1200">
-                <a:solidFill>
-                  <a:schemeClr val="tx1"/>
-                </a:solidFill>
-                <a:latin typeface="+mj-lt"/>
-                <a:ea typeface="+mj-ea"/>
-                <a:cs typeface="+mj-cs"/>
-              </a:rPr>
-              <a:t>Data</a:t>
-            </a:r>
-          </a:p>
-        </p:txBody>
-      </p:sp>
-      <p:sp>
-        <p:nvSpPr>
-          <p:cNvPr id="3" name="Text Placeholder 2">
-            <a:extLst>
-              <a:ext uri="{FF2B5EF4-FFF2-40B4-BE49-F238E27FC236}">
-                <a16:creationId xmlns:a16="http://schemas.microsoft.com/office/drawing/2014/main" id="{E07827D9-7001-5C62-C1DA-EBB845B21255}"/>
-              </a:ext>
-            </a:extLst>
-          </p:cNvPr>
-          <p:cNvSpPr>
-            <a:spLocks noGrp="1"/>
-          </p:cNvSpPr>
-          <p:nvPr>
-            <p:ph type="body" idx="1"/>
-          </p:nvPr>
-        </p:nvSpPr>
-        <p:spPr>
-          <a:xfrm>
-            <a:off x="1094096" y="3842932"/>
-            <a:ext cx="4167115" cy="2163551"/>
-          </a:xfrm>
-        </p:spPr>
-        <p:txBody>
-          <a:bodyPr vert="horz" lIns="91440" tIns="45720" rIns="91440" bIns="45720" rtlCol="0" anchor="t">
-            <a:normAutofit/>
-          </a:bodyPr>
-          <a:lstStyle/>
-          <a:p>
-            <a:endParaRPr lang="en-US" sz="2400" kern="1200">
-              <a:solidFill>
-                <a:schemeClr val="tx1"/>
-              </a:solidFill>
-              <a:latin typeface="+mn-lt"/>
-              <a:ea typeface="+mn-ea"/>
-              <a:cs typeface="+mn-cs"/>
-            </a:endParaRPr>
-          </a:p>
-        </p:txBody>
-      </p:sp>
-      <p:sp>
-        <p:nvSpPr>
-          <p:cNvPr id="26" name="Freeform: Shape 25">
-            <a:extLst>
-              <a:ext uri="{FF2B5EF4-FFF2-40B4-BE49-F238E27FC236}">
-                <a16:creationId xmlns:a16="http://schemas.microsoft.com/office/drawing/2014/main" id="{C04BE0EF-3561-49B4-9A29-F283168A91C7}"/>
-              </a:ext>
-              <a:ext uri="{C183D7F6-B498-43B3-948B-1728B52AA6E4}">
-                <adec:decorative xmlns:adec="http://schemas.microsoft.com/office/drawing/2017/decorative" val="1"/>
-              </a:ext>
-            </a:extLst>
-          </p:cNvPr>
-          <p:cNvSpPr>
-            <a:spLocks noGrp="1" noRot="1" noChangeAspect="1" noMove="1" noResize="1" noEditPoints="1" noAdjustHandles="1" noChangeArrowheads="1" noChangeShapeType="1" noTextEdit="1"/>
-          </p:cNvSpPr>
-          <p:nvPr>
-            <p:extLst>
-              <p:ext uri="{386F3935-93C4-4BCD-93E2-E3B085C9AB24}">
-                <p16:designElem xmlns:p16="http://schemas.microsoft.com/office/powerpoint/2015/main" val="1"/>
-              </p:ext>
-            </p:extLst>
-          </p:nvPr>
-        </p:nvSpPr>
-        <p:spPr>
-          <a:xfrm>
-            <a:off x="5510370" y="851518"/>
-            <a:ext cx="6184806" cy="5154967"/>
-          </a:xfrm>
-          <a:custGeom>
-            <a:avLst/>
-            <a:gdLst>
-              <a:gd name="connsiteX0" fmla="*/ 363179 w 6184806"/>
-              <a:gd name="connsiteY0" fmla="*/ 3125191 h 5154967"/>
-              <a:gd name="connsiteX1" fmla="*/ 898270 w 6184806"/>
-              <a:gd name="connsiteY1" fmla="*/ 3125191 h 5154967"/>
-              <a:gd name="connsiteX2" fmla="*/ 980326 w 6184806"/>
-              <a:gd name="connsiteY2" fmla="*/ 3173551 h 5154967"/>
-              <a:gd name="connsiteX3" fmla="*/ 1248448 w 6184806"/>
-              <a:gd name="connsiteY3" fmla="*/ 3635277 h 5154967"/>
-              <a:gd name="connsiteX4" fmla="*/ 1248448 w 6184806"/>
-              <a:gd name="connsiteY4" fmla="*/ 3729695 h 5154967"/>
-              <a:gd name="connsiteX5" fmla="*/ 980326 w 6184806"/>
-              <a:gd name="connsiteY5" fmla="*/ 4191421 h 5154967"/>
-              <a:gd name="connsiteX6" fmla="*/ 898270 w 6184806"/>
-              <a:gd name="connsiteY6" fmla="*/ 4239781 h 5154967"/>
-              <a:gd name="connsiteX7" fmla="*/ 363179 w 6184806"/>
-              <a:gd name="connsiteY7" fmla="*/ 4239781 h 5154967"/>
-              <a:gd name="connsiteX8" fmla="*/ 279969 w 6184806"/>
-              <a:gd name="connsiteY8" fmla="*/ 4191421 h 5154967"/>
-              <a:gd name="connsiteX9" fmla="*/ 13002 w 6184806"/>
-              <a:gd name="connsiteY9" fmla="*/ 3729695 h 5154967"/>
-              <a:gd name="connsiteX10" fmla="*/ 13002 w 6184806"/>
-              <a:gd name="connsiteY10" fmla="*/ 3635277 h 5154967"/>
-              <a:gd name="connsiteX11" fmla="*/ 279969 w 6184806"/>
-              <a:gd name="connsiteY11" fmla="*/ 3173551 h 5154967"/>
-              <a:gd name="connsiteX12" fmla="*/ 363179 w 6184806"/>
-              <a:gd name="connsiteY12" fmla="*/ 3125191 h 5154967"/>
-              <a:gd name="connsiteX13" fmla="*/ 2489721 w 6184806"/>
-              <a:gd name="connsiteY13" fmla="*/ 570035 h 5154967"/>
-              <a:gd name="connsiteX14" fmla="*/ 2764862 w 6184806"/>
-              <a:gd name="connsiteY14" fmla="*/ 570035 h 5154967"/>
-              <a:gd name="connsiteX15" fmla="*/ 2796959 w 6184806"/>
-              <a:gd name="connsiteY15" fmla="*/ 570035 h 5154967"/>
-              <a:gd name="connsiteX16" fmla="*/ 2827587 w 6184806"/>
-              <a:gd name="connsiteY16" fmla="*/ 622777 h 5154967"/>
-              <a:gd name="connsiteX17" fmla="*/ 2977604 w 6184806"/>
-              <a:gd name="connsiteY17" fmla="*/ 881117 h 5154967"/>
-              <a:gd name="connsiteX18" fmla="*/ 2977604 w 6184806"/>
-              <a:gd name="connsiteY18" fmla="*/ 1025720 h 5154967"/>
-              <a:gd name="connsiteX19" fmla="*/ 2566968 w 6184806"/>
-              <a:gd name="connsiteY19" fmla="*/ 1732863 h 5154967"/>
-              <a:gd name="connsiteX20" fmla="*/ 2441299 w 6184806"/>
-              <a:gd name="connsiteY20" fmla="*/ 1806927 h 5154967"/>
-              <a:gd name="connsiteX21" fmla="*/ 1621798 w 6184806"/>
-              <a:gd name="connsiteY21" fmla="*/ 1806927 h 5154967"/>
-              <a:gd name="connsiteX22" fmla="*/ 1583218 w 6184806"/>
-              <a:gd name="connsiteY22" fmla="*/ 1801802 h 5154967"/>
-              <a:gd name="connsiteX23" fmla="*/ 1556683 w 6184806"/>
-              <a:gd name="connsiteY23" fmla="*/ 1790677 h 5154967"/>
-              <a:gd name="connsiteX24" fmla="*/ 1572899 w 6184806"/>
-              <a:gd name="connsiteY24" fmla="*/ 1762630 h 5154967"/>
-              <a:gd name="connsiteX25" fmla="*/ 2147429 w 6184806"/>
-              <a:gd name="connsiteY25" fmla="*/ 768968 h 5154967"/>
-              <a:gd name="connsiteX26" fmla="*/ 2489721 w 6184806"/>
-              <a:gd name="connsiteY26" fmla="*/ 570035 h 5154967"/>
-              <a:gd name="connsiteX27" fmla="*/ 1573268 w 6184806"/>
-              <a:gd name="connsiteY27" fmla="*/ 0 h 5154967"/>
-              <a:gd name="connsiteX28" fmla="*/ 2497662 w 6184806"/>
-              <a:gd name="connsiteY28" fmla="*/ 0 h 5154967"/>
-              <a:gd name="connsiteX29" fmla="*/ 2639415 w 6184806"/>
-              <a:gd name="connsiteY29" fmla="*/ 83546 h 5154967"/>
-              <a:gd name="connsiteX30" fmla="*/ 2887862 w 6184806"/>
-              <a:gd name="connsiteY30" fmla="*/ 511387 h 5154967"/>
-              <a:gd name="connsiteX31" fmla="*/ 2915928 w 6184806"/>
-              <a:gd name="connsiteY31" fmla="*/ 559720 h 5154967"/>
-              <a:gd name="connsiteX32" fmla="*/ 2893844 w 6184806"/>
-              <a:gd name="connsiteY32" fmla="*/ 559720 h 5154967"/>
-              <a:gd name="connsiteX33" fmla="*/ 2789466 w 6184806"/>
-              <a:gd name="connsiteY33" fmla="*/ 559720 h 5154967"/>
-              <a:gd name="connsiteX34" fmla="*/ 2744122 w 6184806"/>
-              <a:gd name="connsiteY34" fmla="*/ 481634 h 5154967"/>
-              <a:gd name="connsiteX35" fmla="*/ 2570885 w 6184806"/>
-              <a:gd name="connsiteY35" fmla="*/ 183309 h 5154967"/>
-              <a:gd name="connsiteX36" fmla="*/ 2445216 w 6184806"/>
-              <a:gd name="connsiteY36" fmla="*/ 109243 h 5154967"/>
-              <a:gd name="connsiteX37" fmla="*/ 1625714 w 6184806"/>
-              <a:gd name="connsiteY37" fmla="*/ 109243 h 5154967"/>
-              <a:gd name="connsiteX38" fmla="*/ 1498276 w 6184806"/>
-              <a:gd name="connsiteY38" fmla="*/ 183309 h 5154967"/>
-              <a:gd name="connsiteX39" fmla="*/ 1089410 w 6184806"/>
-              <a:gd name="connsiteY39" fmla="*/ 890450 h 5154967"/>
-              <a:gd name="connsiteX40" fmla="*/ 1089410 w 6184806"/>
-              <a:gd name="connsiteY40" fmla="*/ 1035054 h 5154967"/>
-              <a:gd name="connsiteX41" fmla="*/ 1498276 w 6184806"/>
-              <a:gd name="connsiteY41" fmla="*/ 1742196 h 5154967"/>
-              <a:gd name="connsiteX42" fmla="*/ 1552039 w 6184806"/>
-              <a:gd name="connsiteY42" fmla="*/ 1796422 h 5154967"/>
-              <a:gd name="connsiteX43" fmla="*/ 1558260 w 6184806"/>
-              <a:gd name="connsiteY43" fmla="*/ 1799029 h 5154967"/>
-              <a:gd name="connsiteX44" fmla="*/ 1524911 w 6184806"/>
-              <a:gd name="connsiteY44" fmla="*/ 1856707 h 5154967"/>
-              <a:gd name="connsiteX45" fmla="*/ 1500108 w 6184806"/>
-              <a:gd name="connsiteY45" fmla="*/ 1899604 h 5154967"/>
-              <a:gd name="connsiteX46" fmla="*/ 1525834 w 6184806"/>
-              <a:gd name="connsiteY46" fmla="*/ 1910390 h 5154967"/>
-              <a:gd name="connsiteX47" fmla="*/ 1569352 w 6184806"/>
-              <a:gd name="connsiteY47" fmla="*/ 1916170 h 5154967"/>
-              <a:gd name="connsiteX48" fmla="*/ 2493745 w 6184806"/>
-              <a:gd name="connsiteY48" fmla="*/ 1916170 h 5154967"/>
-              <a:gd name="connsiteX49" fmla="*/ 2635498 w 6184806"/>
-              <a:gd name="connsiteY49" fmla="*/ 1832627 h 5154967"/>
-              <a:gd name="connsiteX50" fmla="*/ 3098693 w 6184806"/>
-              <a:gd name="connsiteY50" fmla="*/ 1034974 h 5154967"/>
-              <a:gd name="connsiteX51" fmla="*/ 3098693 w 6184806"/>
-              <a:gd name="connsiteY51" fmla="*/ 871863 h 5154967"/>
-              <a:gd name="connsiteX52" fmla="*/ 2945803 w 6184806"/>
-              <a:gd name="connsiteY52" fmla="*/ 608576 h 5154967"/>
-              <a:gd name="connsiteX53" fmla="*/ 2923422 w 6184806"/>
-              <a:gd name="connsiteY53" fmla="*/ 570035 h 5154967"/>
-              <a:gd name="connsiteX54" fmla="*/ 3027104 w 6184806"/>
-              <a:gd name="connsiteY54" fmla="*/ 570035 h 5154967"/>
-              <a:gd name="connsiteX55" fmla="*/ 4690846 w 6184806"/>
-              <a:gd name="connsiteY55" fmla="*/ 570035 h 5154967"/>
-              <a:gd name="connsiteX56" fmla="*/ 5028384 w 6184806"/>
-              <a:gd name="connsiteY56" fmla="*/ 768968 h 5154967"/>
-              <a:gd name="connsiteX57" fmla="*/ 6131323 w 6184806"/>
-              <a:gd name="connsiteY57" fmla="*/ 2668304 h 5154967"/>
-              <a:gd name="connsiteX58" fmla="*/ 6131323 w 6184806"/>
-              <a:gd name="connsiteY58" fmla="*/ 3056698 h 5154967"/>
-              <a:gd name="connsiteX59" fmla="*/ 5028384 w 6184806"/>
-              <a:gd name="connsiteY59" fmla="*/ 4956035 h 5154967"/>
-              <a:gd name="connsiteX60" fmla="*/ 4690846 w 6184806"/>
-              <a:gd name="connsiteY60" fmla="*/ 5154967 h 5154967"/>
-              <a:gd name="connsiteX61" fmla="*/ 2489721 w 6184806"/>
-              <a:gd name="connsiteY61" fmla="*/ 5154967 h 5154967"/>
-              <a:gd name="connsiteX62" fmla="*/ 2147429 w 6184806"/>
-              <a:gd name="connsiteY62" fmla="*/ 4956035 h 5154967"/>
-              <a:gd name="connsiteX63" fmla="*/ 1049243 w 6184806"/>
-              <a:gd name="connsiteY63" fmla="*/ 3056698 h 5154967"/>
-              <a:gd name="connsiteX64" fmla="*/ 1049243 w 6184806"/>
-              <a:gd name="connsiteY64" fmla="*/ 2668304 h 5154967"/>
-              <a:gd name="connsiteX65" fmla="*/ 1457007 w 6184806"/>
-              <a:gd name="connsiteY65" fmla="*/ 1963067 h 5154967"/>
-              <a:gd name="connsiteX66" fmla="*/ 1491373 w 6184806"/>
-              <a:gd name="connsiteY66" fmla="*/ 1903634 h 5154967"/>
-              <a:gd name="connsiteX67" fmla="*/ 1490164 w 6184806"/>
-              <a:gd name="connsiteY67" fmla="*/ 1903127 h 5154967"/>
-              <a:gd name="connsiteX68" fmla="*/ 1429519 w 6184806"/>
-              <a:gd name="connsiteY68" fmla="*/ 1841960 h 5154967"/>
-              <a:gd name="connsiteX69" fmla="*/ 968320 w 6184806"/>
-              <a:gd name="connsiteY69" fmla="*/ 1044307 h 5154967"/>
-              <a:gd name="connsiteX70" fmla="*/ 968320 w 6184806"/>
-              <a:gd name="connsiteY70" fmla="*/ 881196 h 5154967"/>
-              <a:gd name="connsiteX71" fmla="*/ 1429519 w 6184806"/>
-              <a:gd name="connsiteY71" fmla="*/ 83546 h 5154967"/>
-              <a:gd name="connsiteX72" fmla="*/ 1573268 w 6184806"/>
-              <a:gd name="connsiteY72" fmla="*/ 0 h 5154967"/>
-            </a:gdLst>
-            <a:ahLst/>
-            <a:cxnLst>
-              <a:cxn ang="0">
-                <a:pos x="connsiteX0" y="connsiteY0"/>
-              </a:cxn>
-              <a:cxn ang="0">
-                <a:pos x="connsiteX1" y="connsiteY1"/>
-              </a:cxn>
-              <a:cxn ang="0">
-                <a:pos x="connsiteX2" y="connsiteY2"/>
-              </a:cxn>
-              <a:cxn ang="0">
-                <a:pos x="connsiteX3" y="connsiteY3"/>
-              </a:cxn>
-              <a:cxn ang="0">
-                <a:pos x="connsiteX4" y="connsiteY4"/>
-              </a:cxn>
-              <a:cxn ang="0">
-                <a:pos x="connsiteX5" y="connsiteY5"/>
-              </a:cxn>
-              <a:cxn ang="0">
-                <a:pos x="connsiteX6" y="connsiteY6"/>
-              </a:cxn>
-              <a:cxn ang="0">
-                <a:pos x="connsiteX7" y="connsiteY7"/>
-              </a:cxn>
-              <a:cxn ang="0">
-                <a:pos x="connsiteX8" y="connsiteY8"/>
-              </a:cxn>
-              <a:cxn ang="0">
-                <a:pos x="connsiteX9" y="connsiteY9"/>
-              </a:cxn>
-              <a:cxn ang="0">
-                <a:pos x="connsiteX10" y="connsiteY10"/>
-              </a:cxn>
-              <a:cxn ang="0">
-                <a:pos x="connsiteX11" y="connsiteY11"/>
-              </a:cxn>
-              <a:cxn ang="0">
-                <a:pos x="connsiteX12" y="connsiteY12"/>
-              </a:cxn>
-              <a:cxn ang="0">
-                <a:pos x="connsiteX13" y="connsiteY13"/>
-              </a:cxn>
-              <a:cxn ang="0">
-                <a:pos x="connsiteX14" y="connsiteY14"/>
-              </a:cxn>
-              <a:cxn ang="0">
-                <a:pos x="connsiteX15" y="connsiteY15"/>
-              </a:cxn>
-              <a:cxn ang="0">
-                <a:pos x="connsiteX16" y="connsiteY16"/>
-              </a:cxn>
-              <a:cxn ang="0">
-                <a:pos x="connsiteX17" y="connsiteY17"/>
-              </a:cxn>
-              <a:cxn ang="0">
-                <a:pos x="connsiteX18" y="connsiteY18"/>
-              </a:cxn>
-              <a:cxn ang="0">
-                <a:pos x="connsiteX19" y="connsiteY19"/>
-              </a:cxn>
-              <a:cxn ang="0">
-                <a:pos x="connsiteX20" y="connsiteY20"/>
-              </a:cxn>
-              <a:cxn ang="0">
-                <a:pos x="connsiteX21" y="connsiteY21"/>
-              </a:cxn>
-              <a:cxn ang="0">
-                <a:pos x="connsiteX22" y="connsiteY22"/>
-              </a:cxn>
-              <a:cxn ang="0">
-                <a:pos x="connsiteX23" y="connsiteY23"/>
-              </a:cxn>
-              <a:cxn ang="0">
-                <a:pos x="connsiteX24" y="connsiteY24"/>
-              </a:cxn>
-              <a:cxn ang="0">
-                <a:pos x="connsiteX25" y="connsiteY25"/>
-              </a:cxn>
-              <a:cxn ang="0">
-                <a:pos x="connsiteX26" y="connsiteY26"/>
-              </a:cxn>
-              <a:cxn ang="0">
-                <a:pos x="connsiteX27" y="connsiteY27"/>
-              </a:cxn>
-              <a:cxn ang="0">
-                <a:pos x="connsiteX28" y="connsiteY28"/>
-              </a:cxn>
-              <a:cxn ang="0">
-                <a:pos x="connsiteX29" y="connsiteY29"/>
-              </a:cxn>
-              <a:cxn ang="0">
-                <a:pos x="connsiteX30" y="connsiteY30"/>
-              </a:cxn>
-              <a:cxn ang="0">
-                <a:pos x="connsiteX31" y="connsiteY31"/>
-              </a:cxn>
-              <a:cxn ang="0">
-                <a:pos x="connsiteX32" y="connsiteY32"/>
-              </a:cxn>
-              <a:cxn ang="0">
-                <a:pos x="connsiteX33" y="connsiteY33"/>
-              </a:cxn>
-              <a:cxn ang="0">
-                <a:pos x="connsiteX34" y="connsiteY34"/>
-              </a:cxn>
-              <a:cxn ang="0">
-                <a:pos x="connsiteX35" y="connsiteY35"/>
-              </a:cxn>
-              <a:cxn ang="0">
-                <a:pos x="connsiteX36" y="connsiteY36"/>
-              </a:cxn>
-              <a:cxn ang="0">
-                <a:pos x="connsiteX37" y="connsiteY37"/>
-              </a:cxn>
-              <a:cxn ang="0">
-                <a:pos x="connsiteX38" y="connsiteY38"/>
-              </a:cxn>
-              <a:cxn ang="0">
-                <a:pos x="connsiteX39" y="connsiteY39"/>
-              </a:cxn>
-              <a:cxn ang="0">
-                <a:pos x="connsiteX40" y="connsiteY40"/>
-              </a:cxn>
-              <a:cxn ang="0">
-                <a:pos x="connsiteX41" y="connsiteY41"/>
-              </a:cxn>
-              <a:cxn ang="0">
-                <a:pos x="connsiteX42" y="connsiteY42"/>
-              </a:cxn>
-              <a:cxn ang="0">
-                <a:pos x="connsiteX43" y="connsiteY43"/>
-              </a:cxn>
-              <a:cxn ang="0">
-                <a:pos x="connsiteX44" y="connsiteY44"/>
-              </a:cxn>
-              <a:cxn ang="0">
-                <a:pos x="connsiteX45" y="connsiteY45"/>
-              </a:cxn>
-              <a:cxn ang="0">
-                <a:pos x="connsiteX46" y="connsiteY46"/>
-              </a:cxn>
-              <a:cxn ang="0">
-                <a:pos x="connsiteX47" y="connsiteY47"/>
-              </a:cxn>
-              <a:cxn ang="0">
-                <a:pos x="connsiteX48" y="connsiteY48"/>
-              </a:cxn>
-              <a:cxn ang="0">
-                <a:pos x="connsiteX49" y="connsiteY49"/>
-              </a:cxn>
-              <a:cxn ang="0">
-                <a:pos x="connsiteX50" y="connsiteY50"/>
-              </a:cxn>
-              <a:cxn ang="0">
-                <a:pos x="connsiteX51" y="connsiteY51"/>
-              </a:cxn>
-              <a:cxn ang="0">
-                <a:pos x="connsiteX52" y="connsiteY52"/>
-              </a:cxn>
-              <a:cxn ang="0">
-                <a:pos x="connsiteX53" y="connsiteY53"/>
-              </a:cxn>
-              <a:cxn ang="0">
-                <a:pos x="connsiteX54" y="connsiteY54"/>
-              </a:cxn>
-              <a:cxn ang="0">
-                <a:pos x="connsiteX55" y="connsiteY55"/>
-              </a:cxn>
-              <a:cxn ang="0">
-                <a:pos x="connsiteX56" y="connsiteY56"/>
-              </a:cxn>
-              <a:cxn ang="0">
-                <a:pos x="connsiteX57" y="connsiteY57"/>
-              </a:cxn>
-              <a:cxn ang="0">
-                <a:pos x="connsiteX58" y="connsiteY58"/>
-              </a:cxn>
-              <a:cxn ang="0">
-                <a:pos x="connsiteX59" y="connsiteY59"/>
-              </a:cxn>
-              <a:cxn ang="0">
-                <a:pos x="connsiteX60" y="connsiteY60"/>
-              </a:cxn>
-              <a:cxn ang="0">
-                <a:pos x="connsiteX61" y="connsiteY61"/>
-              </a:cxn>
-              <a:cxn ang="0">
-                <a:pos x="connsiteX62" y="connsiteY62"/>
-              </a:cxn>
-              <a:cxn ang="0">
-                <a:pos x="connsiteX63" y="connsiteY63"/>
-              </a:cxn>
-              <a:cxn ang="0">
-                <a:pos x="connsiteX64" y="connsiteY64"/>
-              </a:cxn>
-              <a:cxn ang="0">
-                <a:pos x="connsiteX65" y="connsiteY65"/>
-              </a:cxn>
-              <a:cxn ang="0">
-                <a:pos x="connsiteX66" y="connsiteY66"/>
-              </a:cxn>
-              <a:cxn ang="0">
-                <a:pos x="connsiteX67" y="connsiteY67"/>
-              </a:cxn>
-              <a:cxn ang="0">
-                <a:pos x="connsiteX68" y="connsiteY68"/>
-              </a:cxn>
-              <a:cxn ang="0">
-                <a:pos x="connsiteX69" y="connsiteY69"/>
-              </a:cxn>
-              <a:cxn ang="0">
-                <a:pos x="connsiteX70" y="connsiteY70"/>
-              </a:cxn>
-              <a:cxn ang="0">
-                <a:pos x="connsiteX71" y="connsiteY71"/>
-              </a:cxn>
-              <a:cxn ang="0">
-                <a:pos x="connsiteX72" y="connsiteY72"/>
-              </a:cxn>
-            </a:cxnLst>
-            <a:rect l="l" t="t" r="r" b="b"/>
-            <a:pathLst>
-              <a:path w="6184806" h="5154967">
-                <a:moveTo>
-                  <a:pt x="363179" y="3125191"/>
-                </a:moveTo>
-                <a:cubicBezTo>
-                  <a:pt x="363179" y="3125191"/>
-                  <a:pt x="363179" y="3125191"/>
-                  <a:pt x="898270" y="3125191"/>
-                </a:cubicBezTo>
-                <a:cubicBezTo>
-                  <a:pt x="931786" y="3125191"/>
-                  <a:pt x="964145" y="3143614"/>
-                  <a:pt x="980326" y="3173551"/>
-                </a:cubicBezTo>
-                <a:cubicBezTo>
-                  <a:pt x="980326" y="3173551"/>
-                  <a:pt x="980326" y="3173551"/>
-                  <a:pt x="1248448" y="3635277"/>
-                </a:cubicBezTo>
-                <a:cubicBezTo>
-                  <a:pt x="1265784" y="3664063"/>
-                  <a:pt x="1265784" y="3700909"/>
-                  <a:pt x="1248448" y="3729695"/>
-                </a:cubicBezTo>
-                <a:cubicBezTo>
-                  <a:pt x="1248448" y="3729695"/>
-                  <a:pt x="1248448" y="3729695"/>
-                  <a:pt x="980326" y="4191421"/>
-                </a:cubicBezTo>
-                <a:cubicBezTo>
-                  <a:pt x="964145" y="4221358"/>
-                  <a:pt x="931786" y="4239781"/>
-                  <a:pt x="898270" y="4239781"/>
-                </a:cubicBezTo>
-                <a:cubicBezTo>
-                  <a:pt x="898270" y="4239781"/>
-                  <a:pt x="898270" y="4239781"/>
-                  <a:pt x="363179" y="4239781"/>
-                </a:cubicBezTo>
-                <a:cubicBezTo>
-                  <a:pt x="328508" y="4239781"/>
-                  <a:pt x="297305" y="4221358"/>
-                  <a:pt x="279969" y="4191421"/>
-                </a:cubicBezTo>
-                <a:cubicBezTo>
-                  <a:pt x="279969" y="4191421"/>
-                  <a:pt x="279969" y="4191421"/>
-                  <a:pt x="13002" y="3729695"/>
-                </a:cubicBezTo>
-                <a:cubicBezTo>
-                  <a:pt x="-4334" y="3700909"/>
-                  <a:pt x="-4334" y="3664063"/>
-                  <a:pt x="13002" y="3635277"/>
-                </a:cubicBezTo>
-                <a:cubicBezTo>
-                  <a:pt x="13002" y="3635277"/>
-                  <a:pt x="13002" y="3635277"/>
-                  <a:pt x="279969" y="3173551"/>
-                </a:cubicBezTo>
-                <a:cubicBezTo>
-                  <a:pt x="297305" y="3143614"/>
-                  <a:pt x="328508" y="3125191"/>
-                  <a:pt x="363179" y="3125191"/>
-                </a:cubicBezTo>
-                <a:close/>
-                <a:moveTo>
-                  <a:pt x="2489721" y="570035"/>
-                </a:moveTo>
-                <a:cubicBezTo>
-                  <a:pt x="2489721" y="570035"/>
-                  <a:pt x="2489721" y="570035"/>
-                  <a:pt x="2764862" y="570035"/>
-                </a:cubicBezTo>
-                <a:lnTo>
-                  <a:pt x="2796959" y="570035"/>
-                </a:lnTo>
-                <a:lnTo>
-                  <a:pt x="2827587" y="622777"/>
-                </a:lnTo>
-                <a:cubicBezTo>
-                  <a:pt x="2870233" y="696217"/>
-                  <a:pt x="2919858" y="781675"/>
-                  <a:pt x="2977604" y="881117"/>
-                </a:cubicBezTo>
-                <a:cubicBezTo>
-                  <a:pt x="3004153" y="925204"/>
-                  <a:pt x="3004153" y="981634"/>
-                  <a:pt x="2977604" y="1025720"/>
-                </a:cubicBezTo>
-                <a:cubicBezTo>
-                  <a:pt x="2977604" y="1025720"/>
-                  <a:pt x="2977604" y="1025720"/>
-                  <a:pt x="2566968" y="1732863"/>
-                </a:cubicBezTo>
-                <a:cubicBezTo>
-                  <a:pt x="2542188" y="1778712"/>
-                  <a:pt x="2492629" y="1806927"/>
-                  <a:pt x="2441299" y="1806927"/>
-                </a:cubicBezTo>
-                <a:cubicBezTo>
-                  <a:pt x="2441299" y="1806927"/>
-                  <a:pt x="2441299" y="1806927"/>
-                  <a:pt x="1621798" y="1806927"/>
-                </a:cubicBezTo>
-                <a:cubicBezTo>
-                  <a:pt x="1608523" y="1806927"/>
-                  <a:pt x="1595580" y="1805163"/>
-                  <a:pt x="1583218" y="1801802"/>
-                </a:cubicBezTo>
-                <a:lnTo>
-                  <a:pt x="1556683" y="1790677"/>
-                </a:lnTo>
-                <a:lnTo>
-                  <a:pt x="1572899" y="1762630"/>
-                </a:lnTo>
-                <a:cubicBezTo>
-                  <a:pt x="1719523" y="1509042"/>
-                  <a:pt x="1907201" y="1184448"/>
-                  <a:pt x="2147429" y="768968"/>
-                </a:cubicBezTo>
-                <a:cubicBezTo>
-                  <a:pt x="2218739" y="645819"/>
-                  <a:pt x="2347099" y="570035"/>
-                  <a:pt x="2489721" y="570035"/>
-                </a:cubicBezTo>
-                <a:close/>
-                <a:moveTo>
-                  <a:pt x="1573268" y="0"/>
-                </a:moveTo>
-                <a:cubicBezTo>
-                  <a:pt x="1573268" y="0"/>
-                  <a:pt x="1573268" y="0"/>
-                  <a:pt x="2497662" y="0"/>
-                </a:cubicBezTo>
-                <a:cubicBezTo>
-                  <a:pt x="2555561" y="0"/>
-                  <a:pt x="2611463" y="31828"/>
-                  <a:pt x="2639415" y="83546"/>
-                </a:cubicBezTo>
-                <a:cubicBezTo>
-                  <a:pt x="2639415" y="83546"/>
-                  <a:pt x="2639415" y="83546"/>
-                  <a:pt x="2887862" y="511387"/>
-                </a:cubicBezTo>
-                <a:lnTo>
-                  <a:pt x="2915928" y="559720"/>
-                </a:lnTo>
-                <a:lnTo>
-                  <a:pt x="2893844" y="559720"/>
-                </a:lnTo>
-                <a:lnTo>
-                  <a:pt x="2789466" y="559720"/>
-                </a:lnTo>
-                <a:lnTo>
-                  <a:pt x="2744122" y="481634"/>
-                </a:lnTo>
-                <a:cubicBezTo>
-                  <a:pt x="2570885" y="183309"/>
-                  <a:pt x="2570885" y="183309"/>
-                  <a:pt x="2570885" y="183309"/>
-                </a:cubicBezTo>
-                <a:cubicBezTo>
-                  <a:pt x="2546104" y="137459"/>
-                  <a:pt x="2496545" y="109243"/>
-                  <a:pt x="2445216" y="109243"/>
-                </a:cubicBezTo>
-                <a:cubicBezTo>
-                  <a:pt x="1625714" y="109243"/>
-                  <a:pt x="1625714" y="109243"/>
-                  <a:pt x="1625714" y="109243"/>
-                </a:cubicBezTo>
-                <a:cubicBezTo>
-                  <a:pt x="1572615" y="109243"/>
-                  <a:pt x="1524825" y="137459"/>
-                  <a:pt x="1498276" y="183309"/>
-                </a:cubicBezTo>
-                <a:cubicBezTo>
-                  <a:pt x="1089410" y="890450"/>
-                  <a:pt x="1089410" y="890450"/>
-                  <a:pt x="1089410" y="890450"/>
-                </a:cubicBezTo>
-                <a:cubicBezTo>
-                  <a:pt x="1062860" y="934537"/>
-                  <a:pt x="1062860" y="990967"/>
-                  <a:pt x="1089410" y="1035054"/>
-                </a:cubicBezTo>
-                <a:cubicBezTo>
-                  <a:pt x="1498276" y="1742196"/>
-                  <a:pt x="1498276" y="1742196"/>
-                  <a:pt x="1498276" y="1742196"/>
-                </a:cubicBezTo>
-                <a:cubicBezTo>
-                  <a:pt x="1511551" y="1765121"/>
-                  <a:pt x="1530135" y="1783637"/>
-                  <a:pt x="1552039" y="1796422"/>
-                </a:cubicBezTo>
-                <a:lnTo>
-                  <a:pt x="1558260" y="1799029"/>
-                </a:lnTo>
-                <a:lnTo>
-                  <a:pt x="1524911" y="1856707"/>
-                </a:lnTo>
-                <a:lnTo>
-                  <a:pt x="1500108" y="1899604"/>
-                </a:lnTo>
-                <a:lnTo>
-                  <a:pt x="1525834" y="1910390"/>
-                </a:lnTo>
-                <a:cubicBezTo>
-                  <a:pt x="1539779" y="1914181"/>
-                  <a:pt x="1554378" y="1916170"/>
-                  <a:pt x="1569352" y="1916170"/>
-                </a:cubicBezTo>
-                <a:cubicBezTo>
-                  <a:pt x="2493745" y="1916170"/>
-                  <a:pt x="2493745" y="1916170"/>
-                  <a:pt x="2493745" y="1916170"/>
-                </a:cubicBezTo>
-                <a:cubicBezTo>
-                  <a:pt x="2551645" y="1916170"/>
-                  <a:pt x="2607546" y="1884345"/>
-                  <a:pt x="2635498" y="1832627"/>
-                </a:cubicBezTo>
-                <a:cubicBezTo>
-                  <a:pt x="3098693" y="1034974"/>
-                  <a:pt x="3098693" y="1034974"/>
-                  <a:pt x="3098693" y="1034974"/>
-                </a:cubicBezTo>
-                <a:cubicBezTo>
-                  <a:pt x="3128641" y="985246"/>
-                  <a:pt x="3128641" y="921593"/>
-                  <a:pt x="3098693" y="871863"/>
-                </a:cubicBezTo>
-                <a:cubicBezTo>
-                  <a:pt x="3040794" y="772157"/>
-                  <a:pt x="2990132" y="684914"/>
-                  <a:pt x="2945803" y="608576"/>
-                </a:cubicBezTo>
-                <a:lnTo>
-                  <a:pt x="2923422" y="570035"/>
-                </a:lnTo>
-                <a:lnTo>
-                  <a:pt x="3027104" y="570035"/>
-                </a:lnTo>
-                <a:cubicBezTo>
-                  <a:pt x="3349535" y="570035"/>
-                  <a:pt x="3865424" y="570035"/>
-                  <a:pt x="4690846" y="570035"/>
-                </a:cubicBezTo>
-                <a:cubicBezTo>
-                  <a:pt x="4828714" y="570035"/>
-                  <a:pt x="4961827" y="645819"/>
-                  <a:pt x="5028384" y="768968"/>
-                </a:cubicBezTo>
-                <a:cubicBezTo>
-                  <a:pt x="5028384" y="768968"/>
-                  <a:pt x="5028384" y="768968"/>
-                  <a:pt x="6131323" y="2668304"/>
-                </a:cubicBezTo>
-                <a:cubicBezTo>
-                  <a:pt x="6202634" y="2786717"/>
-                  <a:pt x="6202634" y="2938285"/>
-                  <a:pt x="6131323" y="3056698"/>
-                </a:cubicBezTo>
-                <a:cubicBezTo>
-                  <a:pt x="6131323" y="3056698"/>
-                  <a:pt x="6131323" y="3056698"/>
-                  <a:pt x="5028384" y="4956035"/>
-                </a:cubicBezTo>
-                <a:cubicBezTo>
-                  <a:pt x="4961827" y="5079184"/>
-                  <a:pt x="4828714" y="5154967"/>
-                  <a:pt x="4690846" y="5154967"/>
-                </a:cubicBezTo>
-                <a:cubicBezTo>
-                  <a:pt x="4690846" y="5154967"/>
-                  <a:pt x="4690846" y="5154967"/>
-                  <a:pt x="2489721" y="5154967"/>
-                </a:cubicBezTo>
-                <a:cubicBezTo>
-                  <a:pt x="2347099" y="5154967"/>
-                  <a:pt x="2218739" y="5079184"/>
-                  <a:pt x="2147429" y="4956035"/>
-                </a:cubicBezTo>
-                <a:cubicBezTo>
-                  <a:pt x="2147429" y="4956035"/>
-                  <a:pt x="2147429" y="4956035"/>
-                  <a:pt x="1049243" y="3056698"/>
-                </a:cubicBezTo>
-                <a:cubicBezTo>
-                  <a:pt x="977932" y="2938285"/>
-                  <a:pt x="977932" y="2786717"/>
-                  <a:pt x="1049243" y="2668304"/>
-                </a:cubicBezTo>
-                <a:cubicBezTo>
-                  <a:pt x="1049243" y="2668304"/>
-                  <a:pt x="1049243" y="2668304"/>
-                  <a:pt x="1457007" y="1963067"/>
-                </a:cubicBezTo>
-                <a:lnTo>
-                  <a:pt x="1491373" y="1903634"/>
-                </a:lnTo>
-                <a:lnTo>
-                  <a:pt x="1490164" y="1903127"/>
-                </a:lnTo>
-                <a:cubicBezTo>
-                  <a:pt x="1465456" y="1888705"/>
-                  <a:pt x="1444493" y="1867820"/>
-                  <a:pt x="1429519" y="1841960"/>
-                </a:cubicBezTo>
-                <a:cubicBezTo>
-                  <a:pt x="1429519" y="1841960"/>
-                  <a:pt x="1429519" y="1841960"/>
-                  <a:pt x="968320" y="1044307"/>
-                </a:cubicBezTo>
-                <a:cubicBezTo>
-                  <a:pt x="938371" y="994579"/>
-                  <a:pt x="938371" y="930926"/>
-                  <a:pt x="968320" y="881196"/>
-                </a:cubicBezTo>
-                <a:cubicBezTo>
-                  <a:pt x="968320" y="881196"/>
-                  <a:pt x="968320" y="881196"/>
-                  <a:pt x="1429519" y="83546"/>
-                </a:cubicBezTo>
-                <a:cubicBezTo>
-                  <a:pt x="1459466" y="31828"/>
-                  <a:pt x="1513373" y="0"/>
-                  <a:pt x="1573268" y="0"/>
-                </a:cubicBezTo>
-                <a:close/>
-              </a:path>
-            </a:pathLst>
-          </a:custGeom>
-          <a:solidFill>
-            <a:schemeClr val="tx1">
-              <a:lumMod val="50000"/>
-              <a:lumOff val="50000"/>
-              <a:alpha val="15000"/>
-            </a:schemeClr>
-          </a:solidFill>
-          <a:ln>
-            <a:noFill/>
-          </a:ln>
-        </p:spPr>
-        <p:style>
-          <a:lnRef idx="2">
-            <a:schemeClr val="accent1">
-              <a:shade val="50000"/>
-            </a:schemeClr>
-          </a:lnRef>
-          <a:fillRef idx="1">
-            <a:schemeClr val="accent1"/>
-          </a:fillRef>
-          <a:effectRef idx="0">
-            <a:schemeClr val="accent1"/>
-          </a:effectRef>
-          <a:fontRef idx="minor">
-            <a:schemeClr val="lt1"/>
-          </a:fontRef>
-        </p:style>
-        <p:txBody>
-          <a:bodyPr wrap="square" rtlCol="0" anchor="ctr">
-            <a:noAutofit/>
-          </a:bodyPr>
-          <a:lstStyle/>
-          <a:p>
-            <a:pPr algn="ctr"/>
-            <a:endParaRPr lang="en-US"/>
-          </a:p>
-        </p:txBody>
-      </p:sp>
-      <p:pic>
-        <p:nvPicPr>
-          <p:cNvPr id="5" name="Graphic 4">
-            <a:extLst>
-              <a:ext uri="{FF2B5EF4-FFF2-40B4-BE49-F238E27FC236}">
-                <a16:creationId xmlns:a16="http://schemas.microsoft.com/office/drawing/2014/main" id="{10BBF93C-E307-D89C-71AF-DCD9F29BB853}"/>
-              </a:ext>
-            </a:extLst>
-          </p:cNvPr>
-          <p:cNvPicPr>
-            <a:picLocks noChangeAspect="1"/>
-          </p:cNvPicPr>
-          <p:nvPr/>
-        </p:nvPicPr>
-        <p:blipFill>
-          <a:blip r:embed="rId2">
-            <a:extLst>
-              <a:ext uri="{28A0092B-C50C-407E-A947-70E740481C1C}">
-                <a14:useLocalDpi xmlns:a14="http://schemas.microsoft.com/office/drawing/2010/main" val="0"/>
-              </a:ext>
-              <a:ext uri="{96DAC541-7B7A-43D3-8B79-37D633B846F1}">
-                <asvg:svgBlip xmlns:asvg="http://schemas.microsoft.com/office/drawing/2016/SVG/main" r:embed="rId3"/>
-              </a:ext>
-            </a:extLst>
-          </a:blip>
-          <a:stretch>
-            <a:fillRect/>
-          </a:stretch>
-        </p:blipFill>
-        <p:spPr>
-          <a:xfrm>
-            <a:off x="7806153" y="2129307"/>
-            <a:ext cx="2668032" cy="3217333"/>
-          </a:xfrm>
-          <a:prstGeom prst="rect">
-            <a:avLst/>
-          </a:prstGeom>
-        </p:spPr>
-      </p:pic>
-    </p:spTree>
-    <p:extLst>
-      <p:ext uri="{BB962C8B-B14F-4D97-AF65-F5344CB8AC3E}">
-        <p14:creationId xmlns:p14="http://schemas.microsoft.com/office/powerpoint/2010/main" val="1626406594"/>
-      </p:ext>
-    </p:extLst>
-  </p:cSld>
-  <p:clrMapOvr>
-    <a:masterClrMapping/>
-  </p:clrMapOvr>
-</p:sld>
-</file>
-
-<file path=ppt/slides/slide4.xml><?xml version="1.0" encoding="utf-8"?>
-<p:sld xmlns:a="http://schemas.openxmlformats.org/drawingml/2006/main" xmlns:r="http://schemas.openxmlformats.org/officeDocument/2006/relationships" xmlns:p="http://schemas.openxmlformats.org/presentationml/2006/main">
-  <p:cSld>
-    <p:spTree>
-      <p:nvGrpSpPr>
-        <p:cNvPr id="1" name=""/>
-        <p:cNvGrpSpPr/>
-        <p:nvPr/>
-      </p:nvGrpSpPr>
-      <p:grpSpPr>
-        <a:xfrm>
-          <a:off x="0" y="0"/>
-          <a:ext cx="0" cy="0"/>
-          <a:chOff x="0" y="0"/>
-          <a:chExt cx="0" cy="0"/>
-        </a:xfrm>
-      </p:grpSpPr>
-      <p:sp>
-        <p:nvSpPr>
-          <p:cNvPr id="2" name="Title 1">
-            <a:extLst>
-              <a:ext uri="{FF2B5EF4-FFF2-40B4-BE49-F238E27FC236}">
-                <a16:creationId xmlns:a16="http://schemas.microsoft.com/office/drawing/2014/main" id="{7A40177F-BCCD-7BE2-DBFD-188813EADB13}"/>
-              </a:ext>
-            </a:extLst>
-          </p:cNvPr>
-          <p:cNvSpPr>
-            <a:spLocks noGrp="1"/>
-          </p:cNvSpPr>
-          <p:nvPr>
-            <p:ph type="title"/>
-          </p:nvPr>
-        </p:nvSpPr>
-        <p:spPr/>
-        <p:txBody>
-          <a:bodyPr/>
-          <a:lstStyle/>
-          <a:p>
-            <a:r>
-              <a:rPr lang="en-US" dirty="0"/>
-              <a:t>Simpson’s Paradox</a:t>
-            </a:r>
-          </a:p>
-        </p:txBody>
-      </p:sp>
-      <p:pic>
-        <p:nvPicPr>
-          <p:cNvPr id="13" name="Graphic 12">
-            <a:extLst>
-              <a:ext uri="{FF2B5EF4-FFF2-40B4-BE49-F238E27FC236}">
-                <a16:creationId xmlns:a16="http://schemas.microsoft.com/office/drawing/2014/main" id="{294D540C-B721-CD7B-337E-EF6259EA489D}"/>
-              </a:ext>
-            </a:extLst>
-          </p:cNvPr>
-          <p:cNvPicPr>
-            <a:picLocks noChangeAspect="1"/>
-          </p:cNvPicPr>
-          <p:nvPr/>
-        </p:nvPicPr>
-        <p:blipFill>
-          <a:blip r:embed="rId2">
-            <a:extLst>
-              <a:ext uri="{28A0092B-C50C-407E-A947-70E740481C1C}">
-                <a14:useLocalDpi xmlns:a14="http://schemas.microsoft.com/office/drawing/2010/main" val="0"/>
-              </a:ext>
-              <a:ext uri="{96DAC541-7B7A-43D3-8B79-37D633B846F1}">
-                <asvg:svgBlip xmlns:asvg="http://schemas.microsoft.com/office/drawing/2016/SVG/main" r:embed="rId3"/>
-              </a:ext>
-            </a:extLst>
-          </a:blip>
-          <a:stretch>
-            <a:fillRect/>
-          </a:stretch>
-        </p:blipFill>
-        <p:spPr>
-          <a:xfrm>
-            <a:off x="3171825" y="1690688"/>
-            <a:ext cx="5848350" cy="4391025"/>
-          </a:xfrm>
-          <a:prstGeom prst="rect">
-            <a:avLst/>
-          </a:prstGeom>
-        </p:spPr>
-      </p:pic>
-    </p:spTree>
-    <p:extLst>
-      <p:ext uri="{BB962C8B-B14F-4D97-AF65-F5344CB8AC3E}">
-        <p14:creationId xmlns:p14="http://schemas.microsoft.com/office/powerpoint/2010/main" val="3493813268"/>
-      </p:ext>
-    </p:extLst>
-  </p:cSld>
-  <p:clrMapOvr>
-    <a:masterClrMapping/>
-  </p:clrMapOvr>
-</p:sld>
-</file>
-
-<file path=ppt/slides/slide5.xml><?xml version="1.0" encoding="utf-8"?>
-<p:sld xmlns:a="http://schemas.openxmlformats.org/drawingml/2006/main" xmlns:r="http://schemas.openxmlformats.org/officeDocument/2006/relationships" xmlns:p="http://schemas.openxmlformats.org/presentationml/2006/main">
-  <p:cSld>
-    <p:spTree>
-      <p:nvGrpSpPr>
-        <p:cNvPr id="1" name=""/>
-        <p:cNvGrpSpPr/>
-        <p:nvPr/>
-      </p:nvGrpSpPr>
-      <p:grpSpPr>
-        <a:xfrm>
-          <a:off x="0" y="0"/>
-          <a:ext cx="0" cy="0"/>
-          <a:chOff x="0" y="0"/>
-          <a:chExt cx="0" cy="0"/>
-        </a:xfrm>
-      </p:grpSpPr>
-      <p:sp>
-        <p:nvSpPr>
-          <p:cNvPr id="2" name="Title 1">
-            <a:extLst>
-              <a:ext uri="{FF2B5EF4-FFF2-40B4-BE49-F238E27FC236}">
-                <a16:creationId xmlns:a16="http://schemas.microsoft.com/office/drawing/2014/main" id="{7A40177F-BCCD-7BE2-DBFD-188813EADB13}"/>
-              </a:ext>
-            </a:extLst>
-          </p:cNvPr>
-          <p:cNvSpPr>
-            <a:spLocks noGrp="1"/>
-          </p:cNvSpPr>
-          <p:nvPr>
-            <p:ph type="title"/>
-          </p:nvPr>
-        </p:nvSpPr>
-        <p:spPr/>
-        <p:txBody>
-          <a:bodyPr/>
-          <a:lstStyle/>
-          <a:p>
-            <a:r>
-              <a:rPr lang="en-US" dirty="0"/>
-              <a:t>Simpson’s Paradox</a:t>
-            </a:r>
-          </a:p>
-        </p:txBody>
-      </p:sp>
-      <p:pic>
-        <p:nvPicPr>
-          <p:cNvPr id="4" name="Graphic 3">
-            <a:extLst>
-              <a:ext uri="{FF2B5EF4-FFF2-40B4-BE49-F238E27FC236}">
-                <a16:creationId xmlns:a16="http://schemas.microsoft.com/office/drawing/2014/main" id="{3A2B0B33-5AE1-0A11-A92B-1910013B3859}"/>
-              </a:ext>
-            </a:extLst>
-          </p:cNvPr>
-          <p:cNvPicPr>
-            <a:picLocks noChangeAspect="1"/>
-          </p:cNvPicPr>
-          <p:nvPr/>
-        </p:nvPicPr>
-        <p:blipFill>
-          <a:blip r:embed="rId2">
-            <a:extLst>
-              <a:ext uri="{28A0092B-C50C-407E-A947-70E740481C1C}">
-                <a14:useLocalDpi xmlns:a14="http://schemas.microsoft.com/office/drawing/2010/main" val="0"/>
-              </a:ext>
-              <a:ext uri="{96DAC541-7B7A-43D3-8B79-37D633B846F1}">
-                <asvg:svgBlip xmlns:asvg="http://schemas.microsoft.com/office/drawing/2016/SVG/main" r:embed="rId3"/>
-              </a:ext>
-            </a:extLst>
-          </a:blip>
-          <a:stretch>
-            <a:fillRect/>
-          </a:stretch>
-        </p:blipFill>
-        <p:spPr>
-          <a:xfrm>
-            <a:off x="3171825" y="1690688"/>
-            <a:ext cx="5848350" cy="4391025"/>
-          </a:xfrm>
-          <a:prstGeom prst="rect">
-            <a:avLst/>
-          </a:prstGeom>
-        </p:spPr>
-      </p:pic>
-    </p:spTree>
-    <p:extLst>
-      <p:ext uri="{BB962C8B-B14F-4D97-AF65-F5344CB8AC3E}">
-        <p14:creationId xmlns:p14="http://schemas.microsoft.com/office/powerpoint/2010/main" val="3490033838"/>
-      </p:ext>
-    </p:extLst>
-  </p:cSld>
-  <p:clrMapOvr>
-    <a:masterClrMapping/>
-  </p:clrMapOvr>
-</p:sld>
-</file>
-
-<file path=ppt/slides/slide6.xml><?xml version="1.0" encoding="utf-8"?>
-<p:sld xmlns:a="http://schemas.openxmlformats.org/drawingml/2006/main" xmlns:r="http://schemas.openxmlformats.org/officeDocument/2006/relationships" xmlns:p="http://schemas.openxmlformats.org/presentationml/2006/main">
-  <p:cSld>
-    <p:spTree>
-      <p:nvGrpSpPr>
-        <p:cNvPr id="1" name=""/>
-        <p:cNvGrpSpPr/>
-        <p:nvPr/>
-      </p:nvGrpSpPr>
-      <p:grpSpPr>
-        <a:xfrm>
-          <a:off x="0" y="0"/>
-          <a:ext cx="0" cy="0"/>
-          <a:chOff x="0" y="0"/>
-          <a:chExt cx="0" cy="0"/>
-        </a:xfrm>
-      </p:grpSpPr>
-      <p:sp>
-        <p:nvSpPr>
-          <p:cNvPr id="2" name="Title 1">
-            <a:extLst>
-              <a:ext uri="{FF2B5EF4-FFF2-40B4-BE49-F238E27FC236}">
-                <a16:creationId xmlns:a16="http://schemas.microsoft.com/office/drawing/2014/main" id="{7A40177F-BCCD-7BE2-DBFD-188813EADB13}"/>
-              </a:ext>
-            </a:extLst>
-          </p:cNvPr>
-          <p:cNvSpPr>
-            <a:spLocks noGrp="1"/>
-          </p:cNvSpPr>
-          <p:nvPr>
-            <p:ph type="title"/>
-          </p:nvPr>
-        </p:nvSpPr>
-        <p:spPr/>
-        <p:txBody>
-          <a:bodyPr/>
-          <a:lstStyle/>
-          <a:p>
-            <a:r>
-              <a:rPr lang="en-US" dirty="0"/>
-              <a:t>Simpson’s Paradox</a:t>
-            </a:r>
-          </a:p>
-        </p:txBody>
-      </p:sp>
-      <p:pic>
-        <p:nvPicPr>
-          <p:cNvPr id="4" name="Graphic 3">
-            <a:extLst>
-              <a:ext uri="{FF2B5EF4-FFF2-40B4-BE49-F238E27FC236}">
-                <a16:creationId xmlns:a16="http://schemas.microsoft.com/office/drawing/2014/main" id="{0C59102A-F857-96FE-9AC8-C0E1F6EAB088}"/>
-              </a:ext>
-            </a:extLst>
-          </p:cNvPr>
-          <p:cNvPicPr>
-            <a:picLocks noChangeAspect="1"/>
-          </p:cNvPicPr>
-          <p:nvPr/>
-        </p:nvPicPr>
-        <p:blipFill>
-          <a:blip r:embed="rId2">
-            <a:extLst>
-              <a:ext uri="{28A0092B-C50C-407E-A947-70E740481C1C}">
-                <a14:useLocalDpi xmlns:a14="http://schemas.microsoft.com/office/drawing/2010/main" val="0"/>
-              </a:ext>
-              <a:ext uri="{96DAC541-7B7A-43D3-8B79-37D633B846F1}">
-                <asvg:svgBlip xmlns:asvg="http://schemas.microsoft.com/office/drawing/2016/SVG/main" r:embed="rId3"/>
-              </a:ext>
-            </a:extLst>
-          </a:blip>
-          <a:stretch>
-            <a:fillRect/>
-          </a:stretch>
-        </p:blipFill>
-        <p:spPr>
-          <a:xfrm>
-            <a:off x="3171825" y="1690688"/>
-            <a:ext cx="5848350" cy="4391025"/>
-          </a:xfrm>
-          <a:prstGeom prst="rect">
-            <a:avLst/>
-          </a:prstGeom>
-        </p:spPr>
-      </p:pic>
-    </p:spTree>
-    <p:extLst>
-      <p:ext uri="{BB962C8B-B14F-4D97-AF65-F5344CB8AC3E}">
-        <p14:creationId xmlns:p14="http://schemas.microsoft.com/office/powerpoint/2010/main" val="3372273435"/>
-      </p:ext>
-    </p:extLst>
-  </p:cSld>
-  <p:clrMapOvr>
-    <a:masterClrMapping/>
-  </p:clrMapOvr>
-</p:sld>
-</file>
-
-<file path=ppt/slides/slide7.xml><?xml version="1.0" encoding="utf-8"?>
-<p:sld xmlns:a="http://schemas.openxmlformats.org/drawingml/2006/main" xmlns:r="http://schemas.openxmlformats.org/officeDocument/2006/relationships" xmlns:p="http://schemas.openxmlformats.org/presentationml/2006/main">
-  <p:cSld>
-    <p:spTree>
-      <p:nvGrpSpPr>
-        <p:cNvPr id="1" name=""/>
-        <p:cNvGrpSpPr/>
-        <p:nvPr/>
-      </p:nvGrpSpPr>
-      <p:grpSpPr>
-        <a:xfrm>
-          <a:off x="0" y="0"/>
-          <a:ext cx="0" cy="0"/>
-          <a:chOff x="0" y="0"/>
-          <a:chExt cx="0" cy="0"/>
-        </a:xfrm>
-      </p:grpSpPr>
-      <p:sp>
-        <p:nvSpPr>
-          <p:cNvPr id="2" name="Title 1">
-            <a:extLst>
-              <a:ext uri="{FF2B5EF4-FFF2-40B4-BE49-F238E27FC236}">
                 <a16:creationId xmlns:a16="http://schemas.microsoft.com/office/drawing/2014/main" id="{7A40177F-BCCD-7BE2-DBFD-188813EADB13}"/>
               </a:ext>
             </a:extLst>
@@ -6986,6 +4522,3662 @@
 </p:sld>
 </file>
 
+<file path=ppt/slides/slide11.xml><?xml version="1.0" encoding="utf-8"?>
+<p:sld xmlns:a="http://schemas.openxmlformats.org/drawingml/2006/main" xmlns:r="http://schemas.openxmlformats.org/officeDocument/2006/relationships" xmlns:p="http://schemas.openxmlformats.org/presentationml/2006/main">
+  <p:cSld>
+    <p:spTree>
+      <p:nvGrpSpPr>
+        <p:cNvPr id="1" name=""/>
+        <p:cNvGrpSpPr/>
+        <p:nvPr/>
+      </p:nvGrpSpPr>
+      <p:grpSpPr>
+        <a:xfrm>
+          <a:off x="0" y="0"/>
+          <a:ext cx="0" cy="0"/>
+          <a:chOff x="0" y="0"/>
+          <a:chExt cx="0" cy="0"/>
+        </a:xfrm>
+      </p:grpSpPr>
+      <p:sp>
+        <p:nvSpPr>
+          <p:cNvPr id="2" name="Title 1">
+            <a:extLst>
+              <a:ext uri="{FF2B5EF4-FFF2-40B4-BE49-F238E27FC236}">
+                <a16:creationId xmlns:a16="http://schemas.microsoft.com/office/drawing/2014/main" id="{2A0042A4-3BC4-5DB9-A063-CE81FC74B039}"/>
+              </a:ext>
+            </a:extLst>
+          </p:cNvPr>
+          <p:cNvSpPr>
+            <a:spLocks noGrp="1"/>
+          </p:cNvSpPr>
+          <p:nvPr>
+            <p:ph type="title"/>
+          </p:nvPr>
+        </p:nvSpPr>
+        <p:spPr/>
+        <p:txBody>
+          <a:bodyPr/>
+          <a:lstStyle/>
+          <a:p>
+            <a:r>
+              <a:rPr lang="en-US" dirty="0"/>
+              <a:t>Data Augmentation: Images</a:t>
+            </a:r>
+          </a:p>
+        </p:txBody>
+      </p:sp>
+      <p:sp>
+        <p:nvSpPr>
+          <p:cNvPr id="3" name="Content Placeholder 2">
+            <a:extLst>
+              <a:ext uri="{FF2B5EF4-FFF2-40B4-BE49-F238E27FC236}">
+                <a16:creationId xmlns:a16="http://schemas.microsoft.com/office/drawing/2014/main" id="{65998CC8-6297-0262-86BE-0CCA329C18CB}"/>
+              </a:ext>
+            </a:extLst>
+          </p:cNvPr>
+          <p:cNvSpPr>
+            <a:spLocks noGrp="1"/>
+          </p:cNvSpPr>
+          <p:nvPr>
+            <p:ph idx="1"/>
+          </p:nvPr>
+        </p:nvSpPr>
+        <p:spPr>
+          <a:xfrm>
+            <a:off x="838200" y="1825624"/>
+            <a:ext cx="10515600" cy="5032376"/>
+          </a:xfrm>
+        </p:spPr>
+        <p:txBody>
+          <a:bodyPr>
+            <a:normAutofit/>
+          </a:bodyPr>
+          <a:lstStyle/>
+          <a:p>
+            <a:r>
+              <a:rPr lang="en-US" dirty="0"/>
+              <a:t>Flip horizontal / vertical</a:t>
+            </a:r>
+          </a:p>
+          <a:p>
+            <a:r>
+              <a:rPr lang="en-US" dirty="0"/>
+              <a:t>Rotate</a:t>
+            </a:r>
+          </a:p>
+          <a:p>
+            <a:r>
+              <a:rPr lang="en-US" dirty="0"/>
+              <a:t>Rescale</a:t>
+            </a:r>
+          </a:p>
+          <a:p>
+            <a:r>
+              <a:rPr lang="en-US" dirty="0"/>
+              <a:t>Crop</a:t>
+            </a:r>
+          </a:p>
+          <a:p>
+            <a:r>
+              <a:rPr lang="en-US" dirty="0"/>
+              <a:t>Dilate/shrink</a:t>
+            </a:r>
+          </a:p>
+          <a:p>
+            <a:r>
+              <a:rPr lang="en-US" dirty="0"/>
+              <a:t>Add white noise</a:t>
+            </a:r>
+          </a:p>
+          <a:p>
+            <a:r>
+              <a:rPr lang="en-US" dirty="0"/>
+              <a:t>Add salt/pepper noise</a:t>
+            </a:r>
+          </a:p>
+          <a:p>
+            <a:r>
+              <a:rPr lang="en-US" dirty="0"/>
+              <a:t>Add white/black boxes</a:t>
+            </a:r>
+          </a:p>
+          <a:p>
+            <a:r>
+              <a:rPr lang="en-US" dirty="0"/>
+              <a:t>+ anything that you can think of!</a:t>
+            </a:r>
+          </a:p>
+        </p:txBody>
+      </p:sp>
+    </p:spTree>
+    <p:extLst>
+      <p:ext uri="{BB962C8B-B14F-4D97-AF65-F5344CB8AC3E}">
+        <p14:creationId xmlns:p14="http://schemas.microsoft.com/office/powerpoint/2010/main" val="3314343235"/>
+      </p:ext>
+    </p:extLst>
+  </p:cSld>
+  <p:clrMapOvr>
+    <a:masterClrMapping/>
+  </p:clrMapOvr>
+</p:sld>
+</file>
+
+<file path=ppt/slides/slide12.xml><?xml version="1.0" encoding="utf-8"?>
+<p:sld xmlns:a="http://schemas.openxmlformats.org/drawingml/2006/main" xmlns:r="http://schemas.openxmlformats.org/officeDocument/2006/relationships" xmlns:p="http://schemas.openxmlformats.org/presentationml/2006/main">
+  <p:cSld>
+    <p:spTree>
+      <p:nvGrpSpPr>
+        <p:cNvPr id="1" name=""/>
+        <p:cNvGrpSpPr/>
+        <p:nvPr/>
+      </p:nvGrpSpPr>
+      <p:grpSpPr>
+        <a:xfrm>
+          <a:off x="0" y="0"/>
+          <a:ext cx="0" cy="0"/>
+          <a:chOff x="0" y="0"/>
+          <a:chExt cx="0" cy="0"/>
+        </a:xfrm>
+      </p:grpSpPr>
+      <p:sp>
+        <p:nvSpPr>
+          <p:cNvPr id="2" name="Title 1">
+            <a:extLst>
+              <a:ext uri="{FF2B5EF4-FFF2-40B4-BE49-F238E27FC236}">
+                <a16:creationId xmlns:a16="http://schemas.microsoft.com/office/drawing/2014/main" id="{2A0042A4-3BC4-5DB9-A063-CE81FC74B039}"/>
+              </a:ext>
+            </a:extLst>
+          </p:cNvPr>
+          <p:cNvSpPr>
+            <a:spLocks noGrp="1"/>
+          </p:cNvSpPr>
+          <p:nvPr>
+            <p:ph type="title"/>
+          </p:nvPr>
+        </p:nvSpPr>
+        <p:spPr/>
+        <p:txBody>
+          <a:bodyPr/>
+          <a:lstStyle/>
+          <a:p>
+            <a:r>
+              <a:rPr lang="en-US" dirty="0"/>
+              <a:t>Data Augmentation: Audio</a:t>
+            </a:r>
+          </a:p>
+        </p:txBody>
+      </p:sp>
+      <p:sp>
+        <p:nvSpPr>
+          <p:cNvPr id="3" name="Content Placeholder 2">
+            <a:extLst>
+              <a:ext uri="{FF2B5EF4-FFF2-40B4-BE49-F238E27FC236}">
+                <a16:creationId xmlns:a16="http://schemas.microsoft.com/office/drawing/2014/main" id="{65998CC8-6297-0262-86BE-0CCA329C18CB}"/>
+              </a:ext>
+            </a:extLst>
+          </p:cNvPr>
+          <p:cNvSpPr>
+            <a:spLocks noGrp="1"/>
+          </p:cNvSpPr>
+          <p:nvPr>
+            <p:ph idx="1"/>
+          </p:nvPr>
+        </p:nvSpPr>
+        <p:spPr/>
+        <p:txBody>
+          <a:bodyPr>
+            <a:normAutofit/>
+          </a:bodyPr>
+          <a:lstStyle/>
+          <a:p>
+            <a:r>
+              <a:rPr lang="en-US" dirty="0"/>
+              <a:t>Add white noise</a:t>
+            </a:r>
+          </a:p>
+          <a:p>
+            <a:r>
+              <a:rPr lang="en-US" dirty="0"/>
+              <a:t>Shifting tone</a:t>
+            </a:r>
+          </a:p>
+          <a:p>
+            <a:r>
+              <a:rPr lang="en-US" dirty="0"/>
+              <a:t>Vary speed</a:t>
+            </a:r>
+          </a:p>
+          <a:p>
+            <a:r>
+              <a:rPr lang="en-US" dirty="0"/>
+              <a:t>Filter frequencies (drop/add low/high frequencies)</a:t>
+            </a:r>
+          </a:p>
+        </p:txBody>
+      </p:sp>
+    </p:spTree>
+    <p:extLst>
+      <p:ext uri="{BB962C8B-B14F-4D97-AF65-F5344CB8AC3E}">
+        <p14:creationId xmlns:p14="http://schemas.microsoft.com/office/powerpoint/2010/main" val="4070658688"/>
+      </p:ext>
+    </p:extLst>
+  </p:cSld>
+  <p:clrMapOvr>
+    <a:masterClrMapping/>
+  </p:clrMapOvr>
+</p:sld>
+</file>
+
+<file path=ppt/slides/slide13.xml><?xml version="1.0" encoding="utf-8"?>
+<p:sld xmlns:a="http://schemas.openxmlformats.org/drawingml/2006/main" xmlns:r="http://schemas.openxmlformats.org/officeDocument/2006/relationships" xmlns:p="http://schemas.openxmlformats.org/presentationml/2006/main">
+  <p:cSld>
+    <p:spTree>
+      <p:nvGrpSpPr>
+        <p:cNvPr id="1" name=""/>
+        <p:cNvGrpSpPr/>
+        <p:nvPr/>
+      </p:nvGrpSpPr>
+      <p:grpSpPr>
+        <a:xfrm>
+          <a:off x="0" y="0"/>
+          <a:ext cx="0" cy="0"/>
+          <a:chOff x="0" y="0"/>
+          <a:chExt cx="0" cy="0"/>
+        </a:xfrm>
+      </p:grpSpPr>
+      <p:sp>
+        <p:nvSpPr>
+          <p:cNvPr id="2" name="Title 1">
+            <a:extLst>
+              <a:ext uri="{FF2B5EF4-FFF2-40B4-BE49-F238E27FC236}">
+                <a16:creationId xmlns:a16="http://schemas.microsoft.com/office/drawing/2014/main" id="{2A0042A4-3BC4-5DB9-A063-CE81FC74B039}"/>
+              </a:ext>
+            </a:extLst>
+          </p:cNvPr>
+          <p:cNvSpPr>
+            <a:spLocks noGrp="1"/>
+          </p:cNvSpPr>
+          <p:nvPr>
+            <p:ph type="title"/>
+          </p:nvPr>
+        </p:nvSpPr>
+        <p:spPr/>
+        <p:txBody>
+          <a:bodyPr/>
+          <a:lstStyle/>
+          <a:p>
+            <a:r>
+              <a:rPr lang="en-US" dirty="0"/>
+              <a:t>Data Augmentation: Text</a:t>
+            </a:r>
+          </a:p>
+        </p:txBody>
+      </p:sp>
+      <p:sp>
+        <p:nvSpPr>
+          <p:cNvPr id="3" name="Content Placeholder 2">
+            <a:extLst>
+              <a:ext uri="{FF2B5EF4-FFF2-40B4-BE49-F238E27FC236}">
+                <a16:creationId xmlns:a16="http://schemas.microsoft.com/office/drawing/2014/main" id="{65998CC8-6297-0262-86BE-0CCA329C18CB}"/>
+              </a:ext>
+            </a:extLst>
+          </p:cNvPr>
+          <p:cNvSpPr>
+            <a:spLocks noGrp="1"/>
+          </p:cNvSpPr>
+          <p:nvPr>
+            <p:ph idx="1"/>
+          </p:nvPr>
+        </p:nvSpPr>
+        <p:spPr/>
+        <p:txBody>
+          <a:bodyPr>
+            <a:normAutofit/>
+          </a:bodyPr>
+          <a:lstStyle/>
+          <a:p>
+            <a:r>
+              <a:rPr lang="en-US" dirty="0"/>
+              <a:t>Synonym substitute</a:t>
+            </a:r>
+          </a:p>
+          <a:p>
+            <a:r>
+              <a:rPr lang="en-US" dirty="0"/>
+              <a:t>Random insertion</a:t>
+            </a:r>
+          </a:p>
+          <a:p>
+            <a:endParaRPr lang="en-US" dirty="0"/>
+          </a:p>
+        </p:txBody>
+      </p:sp>
+    </p:spTree>
+    <p:extLst>
+      <p:ext uri="{BB962C8B-B14F-4D97-AF65-F5344CB8AC3E}">
+        <p14:creationId xmlns:p14="http://schemas.microsoft.com/office/powerpoint/2010/main" val="3274120912"/>
+      </p:ext>
+    </p:extLst>
+  </p:cSld>
+  <p:clrMapOvr>
+    <a:masterClrMapping/>
+  </p:clrMapOvr>
+</p:sld>
+</file>
+
+<file path=ppt/slides/slide14.xml><?xml version="1.0" encoding="utf-8"?>
+<p:sld xmlns:a="http://schemas.openxmlformats.org/drawingml/2006/main" xmlns:r="http://schemas.openxmlformats.org/officeDocument/2006/relationships" xmlns:p="http://schemas.openxmlformats.org/presentationml/2006/main">
+  <p:cSld>
+    <p:spTree>
+      <p:nvGrpSpPr>
+        <p:cNvPr id="1" name=""/>
+        <p:cNvGrpSpPr/>
+        <p:nvPr/>
+      </p:nvGrpSpPr>
+      <p:grpSpPr>
+        <a:xfrm>
+          <a:off x="0" y="0"/>
+          <a:ext cx="0" cy="0"/>
+          <a:chOff x="0" y="0"/>
+          <a:chExt cx="0" cy="0"/>
+        </a:xfrm>
+      </p:grpSpPr>
+      <p:sp>
+        <p:nvSpPr>
+          <p:cNvPr id="2" name="Title 1">
+            <a:extLst>
+              <a:ext uri="{FF2B5EF4-FFF2-40B4-BE49-F238E27FC236}">
+                <a16:creationId xmlns:a16="http://schemas.microsoft.com/office/drawing/2014/main" id="{8BF46923-FEA6-3DCE-3534-51087F7A444F}"/>
+              </a:ext>
+            </a:extLst>
+          </p:cNvPr>
+          <p:cNvSpPr>
+            <a:spLocks noGrp="1"/>
+          </p:cNvSpPr>
+          <p:nvPr>
+            <p:ph type="title"/>
+          </p:nvPr>
+        </p:nvSpPr>
+        <p:spPr/>
+        <p:txBody>
+          <a:bodyPr/>
+          <a:lstStyle/>
+          <a:p>
+            <a:r>
+              <a:rPr lang="en-US" dirty="0"/>
+              <a:t>Imbalanced Data: Definition</a:t>
+            </a:r>
+          </a:p>
+        </p:txBody>
+      </p:sp>
+      <p:sp>
+        <p:nvSpPr>
+          <p:cNvPr id="9" name="Text Placeholder 8">
+            <a:extLst>
+              <a:ext uri="{FF2B5EF4-FFF2-40B4-BE49-F238E27FC236}">
+                <a16:creationId xmlns:a16="http://schemas.microsoft.com/office/drawing/2014/main" id="{3FD00515-5CBA-624C-430E-00C5B1534EF4}"/>
+              </a:ext>
+            </a:extLst>
+          </p:cNvPr>
+          <p:cNvSpPr>
+            <a:spLocks noGrp="1"/>
+          </p:cNvSpPr>
+          <p:nvPr>
+            <p:ph type="body" idx="1"/>
+          </p:nvPr>
+        </p:nvSpPr>
+        <p:spPr/>
+        <p:txBody>
+          <a:bodyPr/>
+          <a:lstStyle/>
+          <a:p>
+            <a:r>
+              <a:rPr lang="en-US" dirty="0"/>
+              <a:t>Binary</a:t>
+            </a:r>
+          </a:p>
+        </p:txBody>
+      </p:sp>
+      <p:pic>
+        <p:nvPicPr>
+          <p:cNvPr id="14" name="Content Placeholder 13">
+            <a:extLst>
+              <a:ext uri="{FF2B5EF4-FFF2-40B4-BE49-F238E27FC236}">
+                <a16:creationId xmlns:a16="http://schemas.microsoft.com/office/drawing/2014/main" id="{72A1C494-F1C1-54A9-CE13-AB51DC212163}"/>
+              </a:ext>
+            </a:extLst>
+          </p:cNvPr>
+          <p:cNvPicPr>
+            <a:picLocks noGrp="1" noChangeAspect="1"/>
+          </p:cNvPicPr>
+          <p:nvPr>
+            <p:ph sz="half" idx="2"/>
+          </p:nvPr>
+        </p:nvPicPr>
+        <p:blipFill>
+          <a:blip r:embed="rId2">
+            <a:extLst>
+              <a:ext uri="{28A0092B-C50C-407E-A947-70E740481C1C}">
+                <a14:useLocalDpi xmlns:a14="http://schemas.microsoft.com/office/drawing/2010/main" val="0"/>
+              </a:ext>
+              <a:ext uri="{96DAC541-7B7A-43D3-8B79-37D633B846F1}">
+                <asvg:svgBlip xmlns:asvg="http://schemas.microsoft.com/office/drawing/2016/SVG/main" r:embed="rId3"/>
+              </a:ext>
+            </a:extLst>
+          </a:blip>
+          <a:stretch>
+            <a:fillRect/>
+          </a:stretch>
+        </p:blipFill>
+        <p:spPr>
+          <a:xfrm>
+            <a:off x="839788" y="2798161"/>
+            <a:ext cx="5157787" cy="3098416"/>
+          </a:xfrm>
+        </p:spPr>
+      </p:pic>
+      <p:sp>
+        <p:nvSpPr>
+          <p:cNvPr id="11" name="Text Placeholder 10">
+            <a:extLst>
+              <a:ext uri="{FF2B5EF4-FFF2-40B4-BE49-F238E27FC236}">
+                <a16:creationId xmlns:a16="http://schemas.microsoft.com/office/drawing/2014/main" id="{D3706D7C-265B-5F49-D1C2-C4D58C4A7BC6}"/>
+              </a:ext>
+            </a:extLst>
+          </p:cNvPr>
+          <p:cNvSpPr>
+            <a:spLocks noGrp="1"/>
+          </p:cNvSpPr>
+          <p:nvPr>
+            <p:ph type="body" sz="quarter" idx="3"/>
+          </p:nvPr>
+        </p:nvSpPr>
+        <p:spPr/>
+        <p:txBody>
+          <a:bodyPr/>
+          <a:lstStyle/>
+          <a:p>
+            <a:r>
+              <a:rPr lang="en-US" dirty="0"/>
+              <a:t>Non-Binary</a:t>
+            </a:r>
+          </a:p>
+        </p:txBody>
+      </p:sp>
+      <p:pic>
+        <p:nvPicPr>
+          <p:cNvPr id="16" name="Content Placeholder 15">
+            <a:extLst>
+              <a:ext uri="{FF2B5EF4-FFF2-40B4-BE49-F238E27FC236}">
+                <a16:creationId xmlns:a16="http://schemas.microsoft.com/office/drawing/2014/main" id="{CE0CCB1B-25AE-B0A7-C5DE-0B0F68E8375B}"/>
+              </a:ext>
+            </a:extLst>
+          </p:cNvPr>
+          <p:cNvPicPr>
+            <a:picLocks noGrp="1" noChangeAspect="1"/>
+          </p:cNvPicPr>
+          <p:nvPr>
+            <p:ph sz="quarter" idx="4"/>
+          </p:nvPr>
+        </p:nvPicPr>
+        <p:blipFill>
+          <a:blip r:embed="rId4">
+            <a:extLst>
+              <a:ext uri="{28A0092B-C50C-407E-A947-70E740481C1C}">
+                <a14:useLocalDpi xmlns:a14="http://schemas.microsoft.com/office/drawing/2010/main" val="0"/>
+              </a:ext>
+              <a:ext uri="{96DAC541-7B7A-43D3-8B79-37D633B846F1}">
+                <asvg:svgBlip xmlns:asvg="http://schemas.microsoft.com/office/drawing/2016/SVG/main" r:embed="rId5"/>
+              </a:ext>
+            </a:extLst>
+          </a:blip>
+          <a:stretch>
+            <a:fillRect/>
+          </a:stretch>
+        </p:blipFill>
+        <p:spPr>
+          <a:xfrm>
+            <a:off x="6172200" y="2789589"/>
+            <a:ext cx="5183188" cy="3115560"/>
+          </a:xfrm>
+        </p:spPr>
+      </p:pic>
+    </p:spTree>
+    <p:extLst>
+      <p:ext uri="{BB962C8B-B14F-4D97-AF65-F5344CB8AC3E}">
+        <p14:creationId xmlns:p14="http://schemas.microsoft.com/office/powerpoint/2010/main" val="3844657640"/>
+      </p:ext>
+    </p:extLst>
+  </p:cSld>
+  <p:clrMapOvr>
+    <a:masterClrMapping/>
+  </p:clrMapOvr>
+</p:sld>
+</file>
+
+<file path=ppt/slides/slide15.xml><?xml version="1.0" encoding="utf-8"?>
+<p:sld xmlns:a="http://schemas.openxmlformats.org/drawingml/2006/main" xmlns:r="http://schemas.openxmlformats.org/officeDocument/2006/relationships" xmlns:p="http://schemas.openxmlformats.org/presentationml/2006/main">
+  <p:cSld>
+    <p:spTree>
+      <p:nvGrpSpPr>
+        <p:cNvPr id="1" name=""/>
+        <p:cNvGrpSpPr/>
+        <p:nvPr/>
+      </p:nvGrpSpPr>
+      <p:grpSpPr>
+        <a:xfrm>
+          <a:off x="0" y="0"/>
+          <a:ext cx="0" cy="0"/>
+          <a:chOff x="0" y="0"/>
+          <a:chExt cx="0" cy="0"/>
+        </a:xfrm>
+      </p:grpSpPr>
+      <p:sp>
+        <p:nvSpPr>
+          <p:cNvPr id="2" name="Title 1">
+            <a:extLst>
+              <a:ext uri="{FF2B5EF4-FFF2-40B4-BE49-F238E27FC236}">
+                <a16:creationId xmlns:a16="http://schemas.microsoft.com/office/drawing/2014/main" id="{F5E78724-7213-77EC-2D43-207B2AD96386}"/>
+              </a:ext>
+            </a:extLst>
+          </p:cNvPr>
+          <p:cNvSpPr>
+            <a:spLocks noGrp="1"/>
+          </p:cNvSpPr>
+          <p:nvPr>
+            <p:ph type="title"/>
+          </p:nvPr>
+        </p:nvSpPr>
+        <p:spPr/>
+        <p:txBody>
+          <a:bodyPr/>
+          <a:lstStyle/>
+          <a:p>
+            <a:r>
+              <a:rPr lang="en-US" dirty="0"/>
+              <a:t>Imbalanced Data: Binary Metrics</a:t>
+            </a:r>
+          </a:p>
+        </p:txBody>
+      </p:sp>
+      <p:sp>
+        <p:nvSpPr>
+          <p:cNvPr id="3" name="Content Placeholder 2">
+            <a:extLst>
+              <a:ext uri="{FF2B5EF4-FFF2-40B4-BE49-F238E27FC236}">
+                <a16:creationId xmlns:a16="http://schemas.microsoft.com/office/drawing/2014/main" id="{378A9AF7-AC3B-799E-4181-49A9F999A7B4}"/>
+              </a:ext>
+            </a:extLst>
+          </p:cNvPr>
+          <p:cNvSpPr>
+            <a:spLocks noGrp="1"/>
+          </p:cNvSpPr>
+          <p:nvPr>
+            <p:ph idx="1"/>
+          </p:nvPr>
+        </p:nvSpPr>
+        <p:spPr/>
+        <p:txBody>
+          <a:bodyPr>
+            <a:normAutofit fontScale="92500" lnSpcReduction="10000"/>
+          </a:bodyPr>
+          <a:lstStyle/>
+          <a:p>
+            <a:r>
+              <a:rPr lang="en-US" b="1" dirty="0"/>
+              <a:t>Precision:</a:t>
+            </a:r>
+            <a:r>
+              <a:rPr lang="en-US" dirty="0"/>
+              <a:t> Number of true positive predictions divided by the sum of true positive and false positive predictions.</a:t>
+            </a:r>
+          </a:p>
+          <a:p>
+            <a:r>
+              <a:rPr lang="en-US" b="1" dirty="0"/>
+              <a:t>Recall (or Sensitivity): </a:t>
+            </a:r>
+            <a:r>
+              <a:rPr lang="en-US" dirty="0"/>
+              <a:t>Number of true positive predictions divided by the sum of true positive predictions and false negative predictions.</a:t>
+            </a:r>
+          </a:p>
+          <a:p>
+            <a:r>
+              <a:rPr lang="en-US" b="1" dirty="0"/>
+              <a:t>F1 Score:</a:t>
+            </a:r>
+            <a:r>
+              <a:rPr lang="en-US" dirty="0"/>
+              <a:t> Harmonic mean of precision and recall.</a:t>
+            </a:r>
+          </a:p>
+          <a:p>
+            <a:r>
+              <a:rPr lang="en-US" b="1" dirty="0"/>
+              <a:t>ROC (Receiver Operating Characteristic): </a:t>
+            </a:r>
+            <a:r>
+              <a:rPr lang="en-US" dirty="0"/>
+              <a:t>ROC curve plots the true positive rate (TPR) against the false positive rate (FPR).</a:t>
+            </a:r>
+          </a:p>
+          <a:p>
+            <a:r>
+              <a:rPr lang="en-US" b="1" dirty="0"/>
+              <a:t>AUC-ROC (Area Under the ROC Curve): </a:t>
+            </a:r>
+            <a:r>
+              <a:rPr lang="en-US" dirty="0"/>
+              <a:t>AUC-ROC summarizes the ROC curve as a single metric by computing the area under the curve.</a:t>
+            </a:r>
+          </a:p>
+          <a:p>
+            <a:r>
+              <a:rPr lang="en-US" b="1" dirty="0"/>
+              <a:t>G-mean: </a:t>
+            </a:r>
+            <a:r>
+              <a:rPr lang="en-US" dirty="0"/>
+              <a:t>Geometric mean of the recall for the positive class and the recall for the negative class.</a:t>
+            </a:r>
+          </a:p>
+          <a:p>
+            <a:endParaRPr lang="en-US" dirty="0"/>
+          </a:p>
+        </p:txBody>
+      </p:sp>
+    </p:spTree>
+    <p:extLst>
+      <p:ext uri="{BB962C8B-B14F-4D97-AF65-F5344CB8AC3E}">
+        <p14:creationId xmlns:p14="http://schemas.microsoft.com/office/powerpoint/2010/main" val="1444272737"/>
+      </p:ext>
+    </p:extLst>
+  </p:cSld>
+  <p:clrMapOvr>
+    <a:masterClrMapping/>
+  </p:clrMapOvr>
+</p:sld>
+</file>
+
+<file path=ppt/slides/slide16.xml><?xml version="1.0" encoding="utf-8"?>
+<p:sld xmlns:a="http://schemas.openxmlformats.org/drawingml/2006/main" xmlns:r="http://schemas.openxmlformats.org/officeDocument/2006/relationships" xmlns:p="http://schemas.openxmlformats.org/presentationml/2006/main">
+  <p:cSld>
+    <p:spTree>
+      <p:nvGrpSpPr>
+        <p:cNvPr id="1" name=""/>
+        <p:cNvGrpSpPr/>
+        <p:nvPr/>
+      </p:nvGrpSpPr>
+      <p:grpSpPr>
+        <a:xfrm>
+          <a:off x="0" y="0"/>
+          <a:ext cx="0" cy="0"/>
+          <a:chOff x="0" y="0"/>
+          <a:chExt cx="0" cy="0"/>
+        </a:xfrm>
+      </p:grpSpPr>
+      <p:sp>
+        <p:nvSpPr>
+          <p:cNvPr id="2" name="Title 1">
+            <a:extLst>
+              <a:ext uri="{FF2B5EF4-FFF2-40B4-BE49-F238E27FC236}">
+                <a16:creationId xmlns:a16="http://schemas.microsoft.com/office/drawing/2014/main" id="{8BF46923-FEA6-3DCE-3534-51087F7A444F}"/>
+              </a:ext>
+            </a:extLst>
+          </p:cNvPr>
+          <p:cNvSpPr>
+            <a:spLocks noGrp="1"/>
+          </p:cNvSpPr>
+          <p:nvPr>
+            <p:ph type="title"/>
+          </p:nvPr>
+        </p:nvSpPr>
+        <p:spPr/>
+        <p:txBody>
+          <a:bodyPr/>
+          <a:lstStyle/>
+          <a:p>
+            <a:r>
+              <a:rPr lang="en-US" dirty="0"/>
+              <a:t>Imbalanced Data: Compensation Techniques</a:t>
+            </a:r>
+          </a:p>
+        </p:txBody>
+      </p:sp>
+      <p:sp>
+        <p:nvSpPr>
+          <p:cNvPr id="6" name="Content Placeholder 5">
+            <a:extLst>
+              <a:ext uri="{FF2B5EF4-FFF2-40B4-BE49-F238E27FC236}">
+                <a16:creationId xmlns:a16="http://schemas.microsoft.com/office/drawing/2014/main" id="{DDA802A5-D5EC-06A0-460D-57536E4DEF2F}"/>
+              </a:ext>
+            </a:extLst>
+          </p:cNvPr>
+          <p:cNvSpPr>
+            <a:spLocks noGrp="1"/>
+          </p:cNvSpPr>
+          <p:nvPr>
+            <p:ph idx="1"/>
+          </p:nvPr>
+        </p:nvSpPr>
+        <p:spPr/>
+        <p:txBody>
+          <a:bodyPr/>
+          <a:lstStyle/>
+          <a:p>
+            <a:pPr marL="0" indent="0">
+              <a:buNone/>
+            </a:pPr>
+            <a:r>
+              <a:rPr lang="en-US" dirty="0"/>
+              <a:t>Data-level:</a:t>
+            </a:r>
+          </a:p>
+          <a:p>
+            <a:r>
+              <a:rPr lang="en-US" dirty="0"/>
+              <a:t>Over sampling / Under sampling</a:t>
+            </a:r>
+          </a:p>
+          <a:p>
+            <a:r>
+              <a:rPr lang="en-US" dirty="0"/>
+              <a:t>Synthetic data generation</a:t>
+            </a:r>
+          </a:p>
+          <a:p>
+            <a:pPr marL="0" indent="0">
+              <a:buNone/>
+            </a:pPr>
+            <a:endParaRPr lang="en-US" dirty="0"/>
+          </a:p>
+          <a:p>
+            <a:pPr marL="0" indent="0">
+              <a:buNone/>
+            </a:pPr>
+            <a:r>
+              <a:rPr lang="en-US" dirty="0"/>
+              <a:t>Algorithm-level</a:t>
+            </a:r>
+          </a:p>
+          <a:p>
+            <a:r>
+              <a:rPr lang="en-US" dirty="0"/>
+              <a:t>Cost-sensitive learning / Class weight adjustment</a:t>
+            </a:r>
+          </a:p>
+        </p:txBody>
+      </p:sp>
+    </p:spTree>
+    <p:extLst>
+      <p:ext uri="{BB962C8B-B14F-4D97-AF65-F5344CB8AC3E}">
+        <p14:creationId xmlns:p14="http://schemas.microsoft.com/office/powerpoint/2010/main" val="3502573295"/>
+      </p:ext>
+    </p:extLst>
+  </p:cSld>
+  <p:clrMapOvr>
+    <a:masterClrMapping/>
+  </p:clrMapOvr>
+</p:sld>
+</file>
+
+<file path=ppt/slides/slide2.xml><?xml version="1.0" encoding="utf-8"?>
+<p:sld xmlns:a="http://schemas.openxmlformats.org/drawingml/2006/main" xmlns:r="http://schemas.openxmlformats.org/officeDocument/2006/relationships" xmlns:p="http://schemas.openxmlformats.org/presentationml/2006/main">
+  <p:cSld>
+    <p:bg>
+      <p:bgPr>
+        <a:solidFill>
+          <a:schemeClr val="bg1"/>
+        </a:solidFill>
+        <a:effectLst/>
+      </p:bgPr>
+    </p:bg>
+    <p:spTree>
+      <p:nvGrpSpPr>
+        <p:cNvPr id="1" name=""/>
+        <p:cNvGrpSpPr/>
+        <p:nvPr/>
+      </p:nvGrpSpPr>
+      <p:grpSpPr>
+        <a:xfrm>
+          <a:off x="0" y="0"/>
+          <a:ext cx="0" cy="0"/>
+          <a:chOff x="0" y="0"/>
+          <a:chExt cx="0" cy="0"/>
+        </a:xfrm>
+      </p:grpSpPr>
+      <p:sp useBgFill="1">
+        <p:nvSpPr>
+          <p:cNvPr id="10" name="Rectangle 9">
+            <a:extLst>
+              <a:ext uri="{FF2B5EF4-FFF2-40B4-BE49-F238E27FC236}">
+                <a16:creationId xmlns:a16="http://schemas.microsoft.com/office/drawing/2014/main" id="{3E443FD7-A66B-4AA0-872D-B088B9BC5F17}"/>
+              </a:ext>
+              <a:ext uri="{C183D7F6-B498-43B3-948B-1728B52AA6E4}">
+                <adec:decorative xmlns:adec="http://schemas.microsoft.com/office/drawing/2017/decorative" val="1"/>
+              </a:ext>
+            </a:extLst>
+          </p:cNvPr>
+          <p:cNvSpPr>
+            <a:spLocks noGrp="1" noRot="1" noChangeAspect="1" noMove="1" noResize="1" noEditPoints="1" noAdjustHandles="1" noChangeArrowheads="1" noChangeShapeType="1" noTextEdit="1"/>
+          </p:cNvSpPr>
+          <p:nvPr>
+            <p:extLst>
+              <p:ext uri="{386F3935-93C4-4BCD-93E2-E3B085C9AB24}">
+                <p16:designElem xmlns:p16="http://schemas.microsoft.com/office/powerpoint/2015/main" val="1"/>
+              </p:ext>
+            </p:extLst>
+          </p:nvPr>
+        </p:nvSpPr>
+        <p:spPr>
+          <a:xfrm>
+            <a:off x="0" y="0"/>
+            <a:ext cx="12192000" cy="6858000"/>
+          </a:xfrm>
+          <a:prstGeom prst="rect">
+            <a:avLst/>
+          </a:prstGeom>
+          <a:ln>
+            <a:noFill/>
+          </a:ln>
+        </p:spPr>
+        <p:style>
+          <a:lnRef idx="2">
+            <a:schemeClr val="accent1">
+              <a:shade val="50000"/>
+            </a:schemeClr>
+          </a:lnRef>
+          <a:fillRef idx="1">
+            <a:schemeClr val="accent1"/>
+          </a:fillRef>
+          <a:effectRef idx="0">
+            <a:schemeClr val="accent1"/>
+          </a:effectRef>
+          <a:fontRef idx="minor">
+            <a:schemeClr val="lt1"/>
+          </a:fontRef>
+        </p:style>
+        <p:txBody>
+          <a:bodyPr rtlCol="0" anchor="ctr"/>
+          <a:lstStyle/>
+          <a:p>
+            <a:pPr algn="ctr"/>
+            <a:endParaRPr lang="en-US"/>
+          </a:p>
+        </p:txBody>
+      </p:sp>
+      <p:sp>
+        <p:nvSpPr>
+          <p:cNvPr id="2" name="Title 1">
+            <a:extLst>
+              <a:ext uri="{FF2B5EF4-FFF2-40B4-BE49-F238E27FC236}">
+                <a16:creationId xmlns:a16="http://schemas.microsoft.com/office/drawing/2014/main" id="{4BEE1493-3EF8-FC24-2A1D-FFA204BE3B83}"/>
+              </a:ext>
+            </a:extLst>
+          </p:cNvPr>
+          <p:cNvSpPr>
+            <a:spLocks noGrp="1"/>
+          </p:cNvSpPr>
+          <p:nvPr>
+            <p:ph type="title"/>
+          </p:nvPr>
+        </p:nvSpPr>
+        <p:spPr>
+          <a:xfrm>
+            <a:off x="1094095" y="851517"/>
+            <a:ext cx="5238466" cy="2991416"/>
+          </a:xfrm>
+        </p:spPr>
+        <p:txBody>
+          <a:bodyPr vert="horz" lIns="91440" tIns="45720" rIns="91440" bIns="45720" rtlCol="0" anchor="b">
+            <a:normAutofit/>
+          </a:bodyPr>
+          <a:lstStyle/>
+          <a:p>
+            <a:r>
+              <a:rPr lang="en-US" kern="1200">
+                <a:solidFill>
+                  <a:schemeClr val="tx1"/>
+                </a:solidFill>
+                <a:latin typeface="+mj-lt"/>
+                <a:ea typeface="+mj-ea"/>
+                <a:cs typeface="+mj-cs"/>
+              </a:rPr>
+              <a:t>Gradient</a:t>
+            </a:r>
+          </a:p>
+        </p:txBody>
+      </p:sp>
+      <p:sp>
+        <p:nvSpPr>
+          <p:cNvPr id="12" name="Freeform: Shape 11">
+            <a:extLst>
+              <a:ext uri="{FF2B5EF4-FFF2-40B4-BE49-F238E27FC236}">
+                <a16:creationId xmlns:a16="http://schemas.microsoft.com/office/drawing/2014/main" id="{C04BE0EF-3561-49B4-9A29-F283168A91C7}"/>
+              </a:ext>
+              <a:ext uri="{C183D7F6-B498-43B3-948B-1728B52AA6E4}">
+                <adec:decorative xmlns:adec="http://schemas.microsoft.com/office/drawing/2017/decorative" val="1"/>
+              </a:ext>
+            </a:extLst>
+          </p:cNvPr>
+          <p:cNvSpPr>
+            <a:spLocks noGrp="1" noRot="1" noChangeAspect="1" noMove="1" noResize="1" noEditPoints="1" noAdjustHandles="1" noChangeArrowheads="1" noChangeShapeType="1" noTextEdit="1"/>
+          </p:cNvSpPr>
+          <p:nvPr>
+            <p:extLst>
+              <p:ext uri="{386F3935-93C4-4BCD-93E2-E3B085C9AB24}">
+                <p16:designElem xmlns:p16="http://schemas.microsoft.com/office/powerpoint/2015/main" val="1"/>
+              </p:ext>
+            </p:extLst>
+          </p:nvPr>
+        </p:nvSpPr>
+        <p:spPr>
+          <a:xfrm>
+            <a:off x="5510370" y="851518"/>
+            <a:ext cx="6184806" cy="5154967"/>
+          </a:xfrm>
+          <a:custGeom>
+            <a:avLst/>
+            <a:gdLst>
+              <a:gd name="connsiteX0" fmla="*/ 363179 w 6184806"/>
+              <a:gd name="connsiteY0" fmla="*/ 3125191 h 5154967"/>
+              <a:gd name="connsiteX1" fmla="*/ 898270 w 6184806"/>
+              <a:gd name="connsiteY1" fmla="*/ 3125191 h 5154967"/>
+              <a:gd name="connsiteX2" fmla="*/ 980326 w 6184806"/>
+              <a:gd name="connsiteY2" fmla="*/ 3173551 h 5154967"/>
+              <a:gd name="connsiteX3" fmla="*/ 1248448 w 6184806"/>
+              <a:gd name="connsiteY3" fmla="*/ 3635277 h 5154967"/>
+              <a:gd name="connsiteX4" fmla="*/ 1248448 w 6184806"/>
+              <a:gd name="connsiteY4" fmla="*/ 3729695 h 5154967"/>
+              <a:gd name="connsiteX5" fmla="*/ 980326 w 6184806"/>
+              <a:gd name="connsiteY5" fmla="*/ 4191421 h 5154967"/>
+              <a:gd name="connsiteX6" fmla="*/ 898270 w 6184806"/>
+              <a:gd name="connsiteY6" fmla="*/ 4239781 h 5154967"/>
+              <a:gd name="connsiteX7" fmla="*/ 363179 w 6184806"/>
+              <a:gd name="connsiteY7" fmla="*/ 4239781 h 5154967"/>
+              <a:gd name="connsiteX8" fmla="*/ 279969 w 6184806"/>
+              <a:gd name="connsiteY8" fmla="*/ 4191421 h 5154967"/>
+              <a:gd name="connsiteX9" fmla="*/ 13002 w 6184806"/>
+              <a:gd name="connsiteY9" fmla="*/ 3729695 h 5154967"/>
+              <a:gd name="connsiteX10" fmla="*/ 13002 w 6184806"/>
+              <a:gd name="connsiteY10" fmla="*/ 3635277 h 5154967"/>
+              <a:gd name="connsiteX11" fmla="*/ 279969 w 6184806"/>
+              <a:gd name="connsiteY11" fmla="*/ 3173551 h 5154967"/>
+              <a:gd name="connsiteX12" fmla="*/ 363179 w 6184806"/>
+              <a:gd name="connsiteY12" fmla="*/ 3125191 h 5154967"/>
+              <a:gd name="connsiteX13" fmla="*/ 2489721 w 6184806"/>
+              <a:gd name="connsiteY13" fmla="*/ 570035 h 5154967"/>
+              <a:gd name="connsiteX14" fmla="*/ 2764862 w 6184806"/>
+              <a:gd name="connsiteY14" fmla="*/ 570035 h 5154967"/>
+              <a:gd name="connsiteX15" fmla="*/ 2796959 w 6184806"/>
+              <a:gd name="connsiteY15" fmla="*/ 570035 h 5154967"/>
+              <a:gd name="connsiteX16" fmla="*/ 2827587 w 6184806"/>
+              <a:gd name="connsiteY16" fmla="*/ 622777 h 5154967"/>
+              <a:gd name="connsiteX17" fmla="*/ 2977604 w 6184806"/>
+              <a:gd name="connsiteY17" fmla="*/ 881117 h 5154967"/>
+              <a:gd name="connsiteX18" fmla="*/ 2977604 w 6184806"/>
+              <a:gd name="connsiteY18" fmla="*/ 1025720 h 5154967"/>
+              <a:gd name="connsiteX19" fmla="*/ 2566968 w 6184806"/>
+              <a:gd name="connsiteY19" fmla="*/ 1732863 h 5154967"/>
+              <a:gd name="connsiteX20" fmla="*/ 2441299 w 6184806"/>
+              <a:gd name="connsiteY20" fmla="*/ 1806927 h 5154967"/>
+              <a:gd name="connsiteX21" fmla="*/ 1621798 w 6184806"/>
+              <a:gd name="connsiteY21" fmla="*/ 1806927 h 5154967"/>
+              <a:gd name="connsiteX22" fmla="*/ 1583218 w 6184806"/>
+              <a:gd name="connsiteY22" fmla="*/ 1801802 h 5154967"/>
+              <a:gd name="connsiteX23" fmla="*/ 1556683 w 6184806"/>
+              <a:gd name="connsiteY23" fmla="*/ 1790677 h 5154967"/>
+              <a:gd name="connsiteX24" fmla="*/ 1572899 w 6184806"/>
+              <a:gd name="connsiteY24" fmla="*/ 1762630 h 5154967"/>
+              <a:gd name="connsiteX25" fmla="*/ 2147429 w 6184806"/>
+              <a:gd name="connsiteY25" fmla="*/ 768968 h 5154967"/>
+              <a:gd name="connsiteX26" fmla="*/ 2489721 w 6184806"/>
+              <a:gd name="connsiteY26" fmla="*/ 570035 h 5154967"/>
+              <a:gd name="connsiteX27" fmla="*/ 1573268 w 6184806"/>
+              <a:gd name="connsiteY27" fmla="*/ 0 h 5154967"/>
+              <a:gd name="connsiteX28" fmla="*/ 2497662 w 6184806"/>
+              <a:gd name="connsiteY28" fmla="*/ 0 h 5154967"/>
+              <a:gd name="connsiteX29" fmla="*/ 2639415 w 6184806"/>
+              <a:gd name="connsiteY29" fmla="*/ 83546 h 5154967"/>
+              <a:gd name="connsiteX30" fmla="*/ 2887862 w 6184806"/>
+              <a:gd name="connsiteY30" fmla="*/ 511387 h 5154967"/>
+              <a:gd name="connsiteX31" fmla="*/ 2915928 w 6184806"/>
+              <a:gd name="connsiteY31" fmla="*/ 559720 h 5154967"/>
+              <a:gd name="connsiteX32" fmla="*/ 2893844 w 6184806"/>
+              <a:gd name="connsiteY32" fmla="*/ 559720 h 5154967"/>
+              <a:gd name="connsiteX33" fmla="*/ 2789466 w 6184806"/>
+              <a:gd name="connsiteY33" fmla="*/ 559720 h 5154967"/>
+              <a:gd name="connsiteX34" fmla="*/ 2744122 w 6184806"/>
+              <a:gd name="connsiteY34" fmla="*/ 481634 h 5154967"/>
+              <a:gd name="connsiteX35" fmla="*/ 2570885 w 6184806"/>
+              <a:gd name="connsiteY35" fmla="*/ 183309 h 5154967"/>
+              <a:gd name="connsiteX36" fmla="*/ 2445216 w 6184806"/>
+              <a:gd name="connsiteY36" fmla="*/ 109243 h 5154967"/>
+              <a:gd name="connsiteX37" fmla="*/ 1625714 w 6184806"/>
+              <a:gd name="connsiteY37" fmla="*/ 109243 h 5154967"/>
+              <a:gd name="connsiteX38" fmla="*/ 1498276 w 6184806"/>
+              <a:gd name="connsiteY38" fmla="*/ 183309 h 5154967"/>
+              <a:gd name="connsiteX39" fmla="*/ 1089410 w 6184806"/>
+              <a:gd name="connsiteY39" fmla="*/ 890450 h 5154967"/>
+              <a:gd name="connsiteX40" fmla="*/ 1089410 w 6184806"/>
+              <a:gd name="connsiteY40" fmla="*/ 1035054 h 5154967"/>
+              <a:gd name="connsiteX41" fmla="*/ 1498276 w 6184806"/>
+              <a:gd name="connsiteY41" fmla="*/ 1742196 h 5154967"/>
+              <a:gd name="connsiteX42" fmla="*/ 1552039 w 6184806"/>
+              <a:gd name="connsiteY42" fmla="*/ 1796422 h 5154967"/>
+              <a:gd name="connsiteX43" fmla="*/ 1558260 w 6184806"/>
+              <a:gd name="connsiteY43" fmla="*/ 1799029 h 5154967"/>
+              <a:gd name="connsiteX44" fmla="*/ 1524911 w 6184806"/>
+              <a:gd name="connsiteY44" fmla="*/ 1856707 h 5154967"/>
+              <a:gd name="connsiteX45" fmla="*/ 1500108 w 6184806"/>
+              <a:gd name="connsiteY45" fmla="*/ 1899604 h 5154967"/>
+              <a:gd name="connsiteX46" fmla="*/ 1525834 w 6184806"/>
+              <a:gd name="connsiteY46" fmla="*/ 1910390 h 5154967"/>
+              <a:gd name="connsiteX47" fmla="*/ 1569352 w 6184806"/>
+              <a:gd name="connsiteY47" fmla="*/ 1916170 h 5154967"/>
+              <a:gd name="connsiteX48" fmla="*/ 2493745 w 6184806"/>
+              <a:gd name="connsiteY48" fmla="*/ 1916170 h 5154967"/>
+              <a:gd name="connsiteX49" fmla="*/ 2635498 w 6184806"/>
+              <a:gd name="connsiteY49" fmla="*/ 1832627 h 5154967"/>
+              <a:gd name="connsiteX50" fmla="*/ 3098693 w 6184806"/>
+              <a:gd name="connsiteY50" fmla="*/ 1034974 h 5154967"/>
+              <a:gd name="connsiteX51" fmla="*/ 3098693 w 6184806"/>
+              <a:gd name="connsiteY51" fmla="*/ 871863 h 5154967"/>
+              <a:gd name="connsiteX52" fmla="*/ 2945803 w 6184806"/>
+              <a:gd name="connsiteY52" fmla="*/ 608576 h 5154967"/>
+              <a:gd name="connsiteX53" fmla="*/ 2923422 w 6184806"/>
+              <a:gd name="connsiteY53" fmla="*/ 570035 h 5154967"/>
+              <a:gd name="connsiteX54" fmla="*/ 3027104 w 6184806"/>
+              <a:gd name="connsiteY54" fmla="*/ 570035 h 5154967"/>
+              <a:gd name="connsiteX55" fmla="*/ 4690846 w 6184806"/>
+              <a:gd name="connsiteY55" fmla="*/ 570035 h 5154967"/>
+              <a:gd name="connsiteX56" fmla="*/ 5028384 w 6184806"/>
+              <a:gd name="connsiteY56" fmla="*/ 768968 h 5154967"/>
+              <a:gd name="connsiteX57" fmla="*/ 6131323 w 6184806"/>
+              <a:gd name="connsiteY57" fmla="*/ 2668304 h 5154967"/>
+              <a:gd name="connsiteX58" fmla="*/ 6131323 w 6184806"/>
+              <a:gd name="connsiteY58" fmla="*/ 3056698 h 5154967"/>
+              <a:gd name="connsiteX59" fmla="*/ 5028384 w 6184806"/>
+              <a:gd name="connsiteY59" fmla="*/ 4956035 h 5154967"/>
+              <a:gd name="connsiteX60" fmla="*/ 4690846 w 6184806"/>
+              <a:gd name="connsiteY60" fmla="*/ 5154967 h 5154967"/>
+              <a:gd name="connsiteX61" fmla="*/ 2489721 w 6184806"/>
+              <a:gd name="connsiteY61" fmla="*/ 5154967 h 5154967"/>
+              <a:gd name="connsiteX62" fmla="*/ 2147429 w 6184806"/>
+              <a:gd name="connsiteY62" fmla="*/ 4956035 h 5154967"/>
+              <a:gd name="connsiteX63" fmla="*/ 1049243 w 6184806"/>
+              <a:gd name="connsiteY63" fmla="*/ 3056698 h 5154967"/>
+              <a:gd name="connsiteX64" fmla="*/ 1049243 w 6184806"/>
+              <a:gd name="connsiteY64" fmla="*/ 2668304 h 5154967"/>
+              <a:gd name="connsiteX65" fmla="*/ 1457007 w 6184806"/>
+              <a:gd name="connsiteY65" fmla="*/ 1963067 h 5154967"/>
+              <a:gd name="connsiteX66" fmla="*/ 1491373 w 6184806"/>
+              <a:gd name="connsiteY66" fmla="*/ 1903634 h 5154967"/>
+              <a:gd name="connsiteX67" fmla="*/ 1490164 w 6184806"/>
+              <a:gd name="connsiteY67" fmla="*/ 1903127 h 5154967"/>
+              <a:gd name="connsiteX68" fmla="*/ 1429519 w 6184806"/>
+              <a:gd name="connsiteY68" fmla="*/ 1841960 h 5154967"/>
+              <a:gd name="connsiteX69" fmla="*/ 968320 w 6184806"/>
+              <a:gd name="connsiteY69" fmla="*/ 1044307 h 5154967"/>
+              <a:gd name="connsiteX70" fmla="*/ 968320 w 6184806"/>
+              <a:gd name="connsiteY70" fmla="*/ 881196 h 5154967"/>
+              <a:gd name="connsiteX71" fmla="*/ 1429519 w 6184806"/>
+              <a:gd name="connsiteY71" fmla="*/ 83546 h 5154967"/>
+              <a:gd name="connsiteX72" fmla="*/ 1573268 w 6184806"/>
+              <a:gd name="connsiteY72" fmla="*/ 0 h 5154967"/>
+            </a:gdLst>
+            <a:ahLst/>
+            <a:cxnLst>
+              <a:cxn ang="0">
+                <a:pos x="connsiteX0" y="connsiteY0"/>
+              </a:cxn>
+              <a:cxn ang="0">
+                <a:pos x="connsiteX1" y="connsiteY1"/>
+              </a:cxn>
+              <a:cxn ang="0">
+                <a:pos x="connsiteX2" y="connsiteY2"/>
+              </a:cxn>
+              <a:cxn ang="0">
+                <a:pos x="connsiteX3" y="connsiteY3"/>
+              </a:cxn>
+              <a:cxn ang="0">
+                <a:pos x="connsiteX4" y="connsiteY4"/>
+              </a:cxn>
+              <a:cxn ang="0">
+                <a:pos x="connsiteX5" y="connsiteY5"/>
+              </a:cxn>
+              <a:cxn ang="0">
+                <a:pos x="connsiteX6" y="connsiteY6"/>
+              </a:cxn>
+              <a:cxn ang="0">
+                <a:pos x="connsiteX7" y="connsiteY7"/>
+              </a:cxn>
+              <a:cxn ang="0">
+                <a:pos x="connsiteX8" y="connsiteY8"/>
+              </a:cxn>
+              <a:cxn ang="0">
+                <a:pos x="connsiteX9" y="connsiteY9"/>
+              </a:cxn>
+              <a:cxn ang="0">
+                <a:pos x="connsiteX10" y="connsiteY10"/>
+              </a:cxn>
+              <a:cxn ang="0">
+                <a:pos x="connsiteX11" y="connsiteY11"/>
+              </a:cxn>
+              <a:cxn ang="0">
+                <a:pos x="connsiteX12" y="connsiteY12"/>
+              </a:cxn>
+              <a:cxn ang="0">
+                <a:pos x="connsiteX13" y="connsiteY13"/>
+              </a:cxn>
+              <a:cxn ang="0">
+                <a:pos x="connsiteX14" y="connsiteY14"/>
+              </a:cxn>
+              <a:cxn ang="0">
+                <a:pos x="connsiteX15" y="connsiteY15"/>
+              </a:cxn>
+              <a:cxn ang="0">
+                <a:pos x="connsiteX16" y="connsiteY16"/>
+              </a:cxn>
+              <a:cxn ang="0">
+                <a:pos x="connsiteX17" y="connsiteY17"/>
+              </a:cxn>
+              <a:cxn ang="0">
+                <a:pos x="connsiteX18" y="connsiteY18"/>
+              </a:cxn>
+              <a:cxn ang="0">
+                <a:pos x="connsiteX19" y="connsiteY19"/>
+              </a:cxn>
+              <a:cxn ang="0">
+                <a:pos x="connsiteX20" y="connsiteY20"/>
+              </a:cxn>
+              <a:cxn ang="0">
+                <a:pos x="connsiteX21" y="connsiteY21"/>
+              </a:cxn>
+              <a:cxn ang="0">
+                <a:pos x="connsiteX22" y="connsiteY22"/>
+              </a:cxn>
+              <a:cxn ang="0">
+                <a:pos x="connsiteX23" y="connsiteY23"/>
+              </a:cxn>
+              <a:cxn ang="0">
+                <a:pos x="connsiteX24" y="connsiteY24"/>
+              </a:cxn>
+              <a:cxn ang="0">
+                <a:pos x="connsiteX25" y="connsiteY25"/>
+              </a:cxn>
+              <a:cxn ang="0">
+                <a:pos x="connsiteX26" y="connsiteY26"/>
+              </a:cxn>
+              <a:cxn ang="0">
+                <a:pos x="connsiteX27" y="connsiteY27"/>
+              </a:cxn>
+              <a:cxn ang="0">
+                <a:pos x="connsiteX28" y="connsiteY28"/>
+              </a:cxn>
+              <a:cxn ang="0">
+                <a:pos x="connsiteX29" y="connsiteY29"/>
+              </a:cxn>
+              <a:cxn ang="0">
+                <a:pos x="connsiteX30" y="connsiteY30"/>
+              </a:cxn>
+              <a:cxn ang="0">
+                <a:pos x="connsiteX31" y="connsiteY31"/>
+              </a:cxn>
+              <a:cxn ang="0">
+                <a:pos x="connsiteX32" y="connsiteY32"/>
+              </a:cxn>
+              <a:cxn ang="0">
+                <a:pos x="connsiteX33" y="connsiteY33"/>
+              </a:cxn>
+              <a:cxn ang="0">
+                <a:pos x="connsiteX34" y="connsiteY34"/>
+              </a:cxn>
+              <a:cxn ang="0">
+                <a:pos x="connsiteX35" y="connsiteY35"/>
+              </a:cxn>
+              <a:cxn ang="0">
+                <a:pos x="connsiteX36" y="connsiteY36"/>
+              </a:cxn>
+              <a:cxn ang="0">
+                <a:pos x="connsiteX37" y="connsiteY37"/>
+              </a:cxn>
+              <a:cxn ang="0">
+                <a:pos x="connsiteX38" y="connsiteY38"/>
+              </a:cxn>
+              <a:cxn ang="0">
+                <a:pos x="connsiteX39" y="connsiteY39"/>
+              </a:cxn>
+              <a:cxn ang="0">
+                <a:pos x="connsiteX40" y="connsiteY40"/>
+              </a:cxn>
+              <a:cxn ang="0">
+                <a:pos x="connsiteX41" y="connsiteY41"/>
+              </a:cxn>
+              <a:cxn ang="0">
+                <a:pos x="connsiteX42" y="connsiteY42"/>
+              </a:cxn>
+              <a:cxn ang="0">
+                <a:pos x="connsiteX43" y="connsiteY43"/>
+              </a:cxn>
+              <a:cxn ang="0">
+                <a:pos x="connsiteX44" y="connsiteY44"/>
+              </a:cxn>
+              <a:cxn ang="0">
+                <a:pos x="connsiteX45" y="connsiteY45"/>
+              </a:cxn>
+              <a:cxn ang="0">
+                <a:pos x="connsiteX46" y="connsiteY46"/>
+              </a:cxn>
+              <a:cxn ang="0">
+                <a:pos x="connsiteX47" y="connsiteY47"/>
+              </a:cxn>
+              <a:cxn ang="0">
+                <a:pos x="connsiteX48" y="connsiteY48"/>
+              </a:cxn>
+              <a:cxn ang="0">
+                <a:pos x="connsiteX49" y="connsiteY49"/>
+              </a:cxn>
+              <a:cxn ang="0">
+                <a:pos x="connsiteX50" y="connsiteY50"/>
+              </a:cxn>
+              <a:cxn ang="0">
+                <a:pos x="connsiteX51" y="connsiteY51"/>
+              </a:cxn>
+              <a:cxn ang="0">
+                <a:pos x="connsiteX52" y="connsiteY52"/>
+              </a:cxn>
+              <a:cxn ang="0">
+                <a:pos x="connsiteX53" y="connsiteY53"/>
+              </a:cxn>
+              <a:cxn ang="0">
+                <a:pos x="connsiteX54" y="connsiteY54"/>
+              </a:cxn>
+              <a:cxn ang="0">
+                <a:pos x="connsiteX55" y="connsiteY55"/>
+              </a:cxn>
+              <a:cxn ang="0">
+                <a:pos x="connsiteX56" y="connsiteY56"/>
+              </a:cxn>
+              <a:cxn ang="0">
+                <a:pos x="connsiteX57" y="connsiteY57"/>
+              </a:cxn>
+              <a:cxn ang="0">
+                <a:pos x="connsiteX58" y="connsiteY58"/>
+              </a:cxn>
+              <a:cxn ang="0">
+                <a:pos x="connsiteX59" y="connsiteY59"/>
+              </a:cxn>
+              <a:cxn ang="0">
+                <a:pos x="connsiteX60" y="connsiteY60"/>
+              </a:cxn>
+              <a:cxn ang="0">
+                <a:pos x="connsiteX61" y="connsiteY61"/>
+              </a:cxn>
+              <a:cxn ang="0">
+                <a:pos x="connsiteX62" y="connsiteY62"/>
+              </a:cxn>
+              <a:cxn ang="0">
+                <a:pos x="connsiteX63" y="connsiteY63"/>
+              </a:cxn>
+              <a:cxn ang="0">
+                <a:pos x="connsiteX64" y="connsiteY64"/>
+              </a:cxn>
+              <a:cxn ang="0">
+                <a:pos x="connsiteX65" y="connsiteY65"/>
+              </a:cxn>
+              <a:cxn ang="0">
+                <a:pos x="connsiteX66" y="connsiteY66"/>
+              </a:cxn>
+              <a:cxn ang="0">
+                <a:pos x="connsiteX67" y="connsiteY67"/>
+              </a:cxn>
+              <a:cxn ang="0">
+                <a:pos x="connsiteX68" y="connsiteY68"/>
+              </a:cxn>
+              <a:cxn ang="0">
+                <a:pos x="connsiteX69" y="connsiteY69"/>
+              </a:cxn>
+              <a:cxn ang="0">
+                <a:pos x="connsiteX70" y="connsiteY70"/>
+              </a:cxn>
+              <a:cxn ang="0">
+                <a:pos x="connsiteX71" y="connsiteY71"/>
+              </a:cxn>
+              <a:cxn ang="0">
+                <a:pos x="connsiteX72" y="connsiteY72"/>
+              </a:cxn>
+            </a:cxnLst>
+            <a:rect l="l" t="t" r="r" b="b"/>
+            <a:pathLst>
+              <a:path w="6184806" h="5154967">
+                <a:moveTo>
+                  <a:pt x="363179" y="3125191"/>
+                </a:moveTo>
+                <a:cubicBezTo>
+                  <a:pt x="363179" y="3125191"/>
+                  <a:pt x="363179" y="3125191"/>
+                  <a:pt x="898270" y="3125191"/>
+                </a:cubicBezTo>
+                <a:cubicBezTo>
+                  <a:pt x="931786" y="3125191"/>
+                  <a:pt x="964145" y="3143614"/>
+                  <a:pt x="980326" y="3173551"/>
+                </a:cubicBezTo>
+                <a:cubicBezTo>
+                  <a:pt x="980326" y="3173551"/>
+                  <a:pt x="980326" y="3173551"/>
+                  <a:pt x="1248448" y="3635277"/>
+                </a:cubicBezTo>
+                <a:cubicBezTo>
+                  <a:pt x="1265784" y="3664063"/>
+                  <a:pt x="1265784" y="3700909"/>
+                  <a:pt x="1248448" y="3729695"/>
+                </a:cubicBezTo>
+                <a:cubicBezTo>
+                  <a:pt x="1248448" y="3729695"/>
+                  <a:pt x="1248448" y="3729695"/>
+                  <a:pt x="980326" y="4191421"/>
+                </a:cubicBezTo>
+                <a:cubicBezTo>
+                  <a:pt x="964145" y="4221358"/>
+                  <a:pt x="931786" y="4239781"/>
+                  <a:pt x="898270" y="4239781"/>
+                </a:cubicBezTo>
+                <a:cubicBezTo>
+                  <a:pt x="898270" y="4239781"/>
+                  <a:pt x="898270" y="4239781"/>
+                  <a:pt x="363179" y="4239781"/>
+                </a:cubicBezTo>
+                <a:cubicBezTo>
+                  <a:pt x="328508" y="4239781"/>
+                  <a:pt x="297305" y="4221358"/>
+                  <a:pt x="279969" y="4191421"/>
+                </a:cubicBezTo>
+                <a:cubicBezTo>
+                  <a:pt x="279969" y="4191421"/>
+                  <a:pt x="279969" y="4191421"/>
+                  <a:pt x="13002" y="3729695"/>
+                </a:cubicBezTo>
+                <a:cubicBezTo>
+                  <a:pt x="-4334" y="3700909"/>
+                  <a:pt x="-4334" y="3664063"/>
+                  <a:pt x="13002" y="3635277"/>
+                </a:cubicBezTo>
+                <a:cubicBezTo>
+                  <a:pt x="13002" y="3635277"/>
+                  <a:pt x="13002" y="3635277"/>
+                  <a:pt x="279969" y="3173551"/>
+                </a:cubicBezTo>
+                <a:cubicBezTo>
+                  <a:pt x="297305" y="3143614"/>
+                  <a:pt x="328508" y="3125191"/>
+                  <a:pt x="363179" y="3125191"/>
+                </a:cubicBezTo>
+                <a:close/>
+                <a:moveTo>
+                  <a:pt x="2489721" y="570035"/>
+                </a:moveTo>
+                <a:cubicBezTo>
+                  <a:pt x="2489721" y="570035"/>
+                  <a:pt x="2489721" y="570035"/>
+                  <a:pt x="2764862" y="570035"/>
+                </a:cubicBezTo>
+                <a:lnTo>
+                  <a:pt x="2796959" y="570035"/>
+                </a:lnTo>
+                <a:lnTo>
+                  <a:pt x="2827587" y="622777"/>
+                </a:lnTo>
+                <a:cubicBezTo>
+                  <a:pt x="2870233" y="696217"/>
+                  <a:pt x="2919858" y="781675"/>
+                  <a:pt x="2977604" y="881117"/>
+                </a:cubicBezTo>
+                <a:cubicBezTo>
+                  <a:pt x="3004153" y="925204"/>
+                  <a:pt x="3004153" y="981634"/>
+                  <a:pt x="2977604" y="1025720"/>
+                </a:cubicBezTo>
+                <a:cubicBezTo>
+                  <a:pt x="2977604" y="1025720"/>
+                  <a:pt x="2977604" y="1025720"/>
+                  <a:pt x="2566968" y="1732863"/>
+                </a:cubicBezTo>
+                <a:cubicBezTo>
+                  <a:pt x="2542188" y="1778712"/>
+                  <a:pt x="2492629" y="1806927"/>
+                  <a:pt x="2441299" y="1806927"/>
+                </a:cubicBezTo>
+                <a:cubicBezTo>
+                  <a:pt x="2441299" y="1806927"/>
+                  <a:pt x="2441299" y="1806927"/>
+                  <a:pt x="1621798" y="1806927"/>
+                </a:cubicBezTo>
+                <a:cubicBezTo>
+                  <a:pt x="1608523" y="1806927"/>
+                  <a:pt x="1595580" y="1805163"/>
+                  <a:pt x="1583218" y="1801802"/>
+                </a:cubicBezTo>
+                <a:lnTo>
+                  <a:pt x="1556683" y="1790677"/>
+                </a:lnTo>
+                <a:lnTo>
+                  <a:pt x="1572899" y="1762630"/>
+                </a:lnTo>
+                <a:cubicBezTo>
+                  <a:pt x="1719523" y="1509042"/>
+                  <a:pt x="1907201" y="1184448"/>
+                  <a:pt x="2147429" y="768968"/>
+                </a:cubicBezTo>
+                <a:cubicBezTo>
+                  <a:pt x="2218739" y="645819"/>
+                  <a:pt x="2347099" y="570035"/>
+                  <a:pt x="2489721" y="570035"/>
+                </a:cubicBezTo>
+                <a:close/>
+                <a:moveTo>
+                  <a:pt x="1573268" y="0"/>
+                </a:moveTo>
+                <a:cubicBezTo>
+                  <a:pt x="1573268" y="0"/>
+                  <a:pt x="1573268" y="0"/>
+                  <a:pt x="2497662" y="0"/>
+                </a:cubicBezTo>
+                <a:cubicBezTo>
+                  <a:pt x="2555561" y="0"/>
+                  <a:pt x="2611463" y="31828"/>
+                  <a:pt x="2639415" y="83546"/>
+                </a:cubicBezTo>
+                <a:cubicBezTo>
+                  <a:pt x="2639415" y="83546"/>
+                  <a:pt x="2639415" y="83546"/>
+                  <a:pt x="2887862" y="511387"/>
+                </a:cubicBezTo>
+                <a:lnTo>
+                  <a:pt x="2915928" y="559720"/>
+                </a:lnTo>
+                <a:lnTo>
+                  <a:pt x="2893844" y="559720"/>
+                </a:lnTo>
+                <a:lnTo>
+                  <a:pt x="2789466" y="559720"/>
+                </a:lnTo>
+                <a:lnTo>
+                  <a:pt x="2744122" y="481634"/>
+                </a:lnTo>
+                <a:cubicBezTo>
+                  <a:pt x="2570885" y="183309"/>
+                  <a:pt x="2570885" y="183309"/>
+                  <a:pt x="2570885" y="183309"/>
+                </a:cubicBezTo>
+                <a:cubicBezTo>
+                  <a:pt x="2546104" y="137459"/>
+                  <a:pt x="2496545" y="109243"/>
+                  <a:pt x="2445216" y="109243"/>
+                </a:cubicBezTo>
+                <a:cubicBezTo>
+                  <a:pt x="1625714" y="109243"/>
+                  <a:pt x="1625714" y="109243"/>
+                  <a:pt x="1625714" y="109243"/>
+                </a:cubicBezTo>
+                <a:cubicBezTo>
+                  <a:pt x="1572615" y="109243"/>
+                  <a:pt x="1524825" y="137459"/>
+                  <a:pt x="1498276" y="183309"/>
+                </a:cubicBezTo>
+                <a:cubicBezTo>
+                  <a:pt x="1089410" y="890450"/>
+                  <a:pt x="1089410" y="890450"/>
+                  <a:pt x="1089410" y="890450"/>
+                </a:cubicBezTo>
+                <a:cubicBezTo>
+                  <a:pt x="1062860" y="934537"/>
+                  <a:pt x="1062860" y="990967"/>
+                  <a:pt x="1089410" y="1035054"/>
+                </a:cubicBezTo>
+                <a:cubicBezTo>
+                  <a:pt x="1498276" y="1742196"/>
+                  <a:pt x="1498276" y="1742196"/>
+                  <a:pt x="1498276" y="1742196"/>
+                </a:cubicBezTo>
+                <a:cubicBezTo>
+                  <a:pt x="1511551" y="1765121"/>
+                  <a:pt x="1530135" y="1783637"/>
+                  <a:pt x="1552039" y="1796422"/>
+                </a:cubicBezTo>
+                <a:lnTo>
+                  <a:pt x="1558260" y="1799029"/>
+                </a:lnTo>
+                <a:lnTo>
+                  <a:pt x="1524911" y="1856707"/>
+                </a:lnTo>
+                <a:lnTo>
+                  <a:pt x="1500108" y="1899604"/>
+                </a:lnTo>
+                <a:lnTo>
+                  <a:pt x="1525834" y="1910390"/>
+                </a:lnTo>
+                <a:cubicBezTo>
+                  <a:pt x="1539779" y="1914181"/>
+                  <a:pt x="1554378" y="1916170"/>
+                  <a:pt x="1569352" y="1916170"/>
+                </a:cubicBezTo>
+                <a:cubicBezTo>
+                  <a:pt x="2493745" y="1916170"/>
+                  <a:pt x="2493745" y="1916170"/>
+                  <a:pt x="2493745" y="1916170"/>
+                </a:cubicBezTo>
+                <a:cubicBezTo>
+                  <a:pt x="2551645" y="1916170"/>
+                  <a:pt x="2607546" y="1884345"/>
+                  <a:pt x="2635498" y="1832627"/>
+                </a:cubicBezTo>
+                <a:cubicBezTo>
+                  <a:pt x="3098693" y="1034974"/>
+                  <a:pt x="3098693" y="1034974"/>
+                  <a:pt x="3098693" y="1034974"/>
+                </a:cubicBezTo>
+                <a:cubicBezTo>
+                  <a:pt x="3128641" y="985246"/>
+                  <a:pt x="3128641" y="921593"/>
+                  <a:pt x="3098693" y="871863"/>
+                </a:cubicBezTo>
+                <a:cubicBezTo>
+                  <a:pt x="3040794" y="772157"/>
+                  <a:pt x="2990132" y="684914"/>
+                  <a:pt x="2945803" y="608576"/>
+                </a:cubicBezTo>
+                <a:lnTo>
+                  <a:pt x="2923422" y="570035"/>
+                </a:lnTo>
+                <a:lnTo>
+                  <a:pt x="3027104" y="570035"/>
+                </a:lnTo>
+                <a:cubicBezTo>
+                  <a:pt x="3349535" y="570035"/>
+                  <a:pt x="3865424" y="570035"/>
+                  <a:pt x="4690846" y="570035"/>
+                </a:cubicBezTo>
+                <a:cubicBezTo>
+                  <a:pt x="4828714" y="570035"/>
+                  <a:pt x="4961827" y="645819"/>
+                  <a:pt x="5028384" y="768968"/>
+                </a:cubicBezTo>
+                <a:cubicBezTo>
+                  <a:pt x="5028384" y="768968"/>
+                  <a:pt x="5028384" y="768968"/>
+                  <a:pt x="6131323" y="2668304"/>
+                </a:cubicBezTo>
+                <a:cubicBezTo>
+                  <a:pt x="6202634" y="2786717"/>
+                  <a:pt x="6202634" y="2938285"/>
+                  <a:pt x="6131323" y="3056698"/>
+                </a:cubicBezTo>
+                <a:cubicBezTo>
+                  <a:pt x="6131323" y="3056698"/>
+                  <a:pt x="6131323" y="3056698"/>
+                  <a:pt x="5028384" y="4956035"/>
+                </a:cubicBezTo>
+                <a:cubicBezTo>
+                  <a:pt x="4961827" y="5079184"/>
+                  <a:pt x="4828714" y="5154967"/>
+                  <a:pt x="4690846" y="5154967"/>
+                </a:cubicBezTo>
+                <a:cubicBezTo>
+                  <a:pt x="4690846" y="5154967"/>
+                  <a:pt x="4690846" y="5154967"/>
+                  <a:pt x="2489721" y="5154967"/>
+                </a:cubicBezTo>
+                <a:cubicBezTo>
+                  <a:pt x="2347099" y="5154967"/>
+                  <a:pt x="2218739" y="5079184"/>
+                  <a:pt x="2147429" y="4956035"/>
+                </a:cubicBezTo>
+                <a:cubicBezTo>
+                  <a:pt x="2147429" y="4956035"/>
+                  <a:pt x="2147429" y="4956035"/>
+                  <a:pt x="1049243" y="3056698"/>
+                </a:cubicBezTo>
+                <a:cubicBezTo>
+                  <a:pt x="977932" y="2938285"/>
+                  <a:pt x="977932" y="2786717"/>
+                  <a:pt x="1049243" y="2668304"/>
+                </a:cubicBezTo>
+                <a:cubicBezTo>
+                  <a:pt x="1049243" y="2668304"/>
+                  <a:pt x="1049243" y="2668304"/>
+                  <a:pt x="1457007" y="1963067"/>
+                </a:cubicBezTo>
+                <a:lnTo>
+                  <a:pt x="1491373" y="1903634"/>
+                </a:lnTo>
+                <a:lnTo>
+                  <a:pt x="1490164" y="1903127"/>
+                </a:lnTo>
+                <a:cubicBezTo>
+                  <a:pt x="1465456" y="1888705"/>
+                  <a:pt x="1444493" y="1867820"/>
+                  <a:pt x="1429519" y="1841960"/>
+                </a:cubicBezTo>
+                <a:cubicBezTo>
+                  <a:pt x="1429519" y="1841960"/>
+                  <a:pt x="1429519" y="1841960"/>
+                  <a:pt x="968320" y="1044307"/>
+                </a:cubicBezTo>
+                <a:cubicBezTo>
+                  <a:pt x="938371" y="994579"/>
+                  <a:pt x="938371" y="930926"/>
+                  <a:pt x="968320" y="881196"/>
+                </a:cubicBezTo>
+                <a:cubicBezTo>
+                  <a:pt x="968320" y="881196"/>
+                  <a:pt x="968320" y="881196"/>
+                  <a:pt x="1429519" y="83546"/>
+                </a:cubicBezTo>
+                <a:cubicBezTo>
+                  <a:pt x="1459466" y="31828"/>
+                  <a:pt x="1513373" y="0"/>
+                  <a:pt x="1573268" y="0"/>
+                </a:cubicBezTo>
+                <a:close/>
+              </a:path>
+            </a:pathLst>
+          </a:custGeom>
+          <a:solidFill>
+            <a:schemeClr val="tx1">
+              <a:lumMod val="50000"/>
+              <a:lumOff val="50000"/>
+              <a:alpha val="15000"/>
+            </a:schemeClr>
+          </a:solidFill>
+          <a:ln>
+            <a:noFill/>
+          </a:ln>
+        </p:spPr>
+        <p:style>
+          <a:lnRef idx="2">
+            <a:schemeClr val="accent1">
+              <a:shade val="50000"/>
+            </a:schemeClr>
+          </a:lnRef>
+          <a:fillRef idx="1">
+            <a:schemeClr val="accent1"/>
+          </a:fillRef>
+          <a:effectRef idx="0">
+            <a:schemeClr val="accent1"/>
+          </a:effectRef>
+          <a:fontRef idx="minor">
+            <a:schemeClr val="lt1"/>
+          </a:fontRef>
+        </p:style>
+        <p:txBody>
+          <a:bodyPr wrap="square" rtlCol="0" anchor="ctr">
+            <a:noAutofit/>
+          </a:bodyPr>
+          <a:lstStyle/>
+          <a:p>
+            <a:pPr algn="ctr"/>
+            <a:endParaRPr lang="en-US"/>
+          </a:p>
+        </p:txBody>
+      </p:sp>
+      <p:pic>
+        <p:nvPicPr>
+          <p:cNvPr id="5" name="Graphic 4">
+            <a:extLst>
+              <a:ext uri="{FF2B5EF4-FFF2-40B4-BE49-F238E27FC236}">
+                <a16:creationId xmlns:a16="http://schemas.microsoft.com/office/drawing/2014/main" id="{7ED1E467-E3DE-33E4-14FF-3B92F18C2FFD}"/>
+              </a:ext>
+            </a:extLst>
+          </p:cNvPr>
+          <p:cNvPicPr>
+            <a:picLocks noChangeAspect="1"/>
+          </p:cNvPicPr>
+          <p:nvPr/>
+        </p:nvPicPr>
+        <p:blipFill>
+          <a:blip r:embed="rId2">
+            <a:extLst>
+              <a:ext uri="{28A0092B-C50C-407E-A947-70E740481C1C}">
+                <a14:useLocalDpi xmlns:a14="http://schemas.microsoft.com/office/drawing/2010/main" val="0"/>
+              </a:ext>
+              <a:ext uri="{96DAC541-7B7A-43D3-8B79-37D633B846F1}">
+                <asvg:svgBlip xmlns:asvg="http://schemas.microsoft.com/office/drawing/2016/SVG/main" r:embed="rId3"/>
+              </a:ext>
+            </a:extLst>
+          </a:blip>
+          <a:stretch>
+            <a:fillRect/>
+          </a:stretch>
+        </p:blipFill>
+        <p:spPr>
+          <a:xfrm>
+            <a:off x="7744060" y="2129307"/>
+            <a:ext cx="2792219" cy="3217333"/>
+          </a:xfrm>
+          <a:prstGeom prst="rect">
+            <a:avLst/>
+          </a:prstGeom>
+        </p:spPr>
+      </p:pic>
+    </p:spTree>
+    <p:extLst>
+      <p:ext uri="{BB962C8B-B14F-4D97-AF65-F5344CB8AC3E}">
+        <p14:creationId xmlns:p14="http://schemas.microsoft.com/office/powerpoint/2010/main" val="320067197"/>
+      </p:ext>
+    </p:extLst>
+  </p:cSld>
+  <p:clrMapOvr>
+    <a:masterClrMapping/>
+  </p:clrMapOvr>
+</p:sld>
+</file>
+
+<file path=ppt/slides/slide3.xml><?xml version="1.0" encoding="utf-8"?>
+<p:sld xmlns:a="http://schemas.openxmlformats.org/drawingml/2006/main" xmlns:r="http://schemas.openxmlformats.org/officeDocument/2006/relationships" xmlns:p="http://schemas.openxmlformats.org/presentationml/2006/main">
+  <p:cSld>
+    <p:spTree>
+      <p:nvGrpSpPr>
+        <p:cNvPr id="1" name=""/>
+        <p:cNvGrpSpPr/>
+        <p:nvPr/>
+      </p:nvGrpSpPr>
+      <p:grpSpPr>
+        <a:xfrm>
+          <a:off x="0" y="0"/>
+          <a:ext cx="0" cy="0"/>
+          <a:chOff x="0" y="0"/>
+          <a:chExt cx="0" cy="0"/>
+        </a:xfrm>
+      </p:grpSpPr>
+      <p:sp>
+        <p:nvSpPr>
+          <p:cNvPr id="5" name="Title 4">
+            <a:extLst>
+              <a:ext uri="{FF2B5EF4-FFF2-40B4-BE49-F238E27FC236}">
+                <a16:creationId xmlns:a16="http://schemas.microsoft.com/office/drawing/2014/main" id="{64213D2F-A106-3319-AA98-37F0C11F906C}"/>
+              </a:ext>
+            </a:extLst>
+          </p:cNvPr>
+          <p:cNvSpPr>
+            <a:spLocks noGrp="1"/>
+          </p:cNvSpPr>
+          <p:nvPr>
+            <p:ph type="title"/>
+          </p:nvPr>
+        </p:nvSpPr>
+        <p:spPr/>
+        <p:txBody>
+          <a:bodyPr/>
+          <a:lstStyle/>
+          <a:p>
+            <a:r>
+              <a:rPr lang="en-US" dirty="0"/>
+              <a:t>Exploding -&gt; gradient clipping</a:t>
+            </a:r>
+          </a:p>
+        </p:txBody>
+      </p:sp>
+      <p:pic>
+        <p:nvPicPr>
+          <p:cNvPr id="6" name="Picture 5">
+            <a:extLst>
+              <a:ext uri="{FF2B5EF4-FFF2-40B4-BE49-F238E27FC236}">
+                <a16:creationId xmlns:a16="http://schemas.microsoft.com/office/drawing/2014/main" id="{CDE4B2F0-F9B2-4AD7-222E-0E3C4392E1CF}"/>
+              </a:ext>
+            </a:extLst>
+          </p:cNvPr>
+          <p:cNvPicPr>
+            <a:picLocks noChangeAspect="1"/>
+          </p:cNvPicPr>
+          <p:nvPr/>
+        </p:nvPicPr>
+        <p:blipFill>
+          <a:blip r:embed="rId3"/>
+          <a:stretch>
+            <a:fillRect/>
+          </a:stretch>
+        </p:blipFill>
+        <p:spPr>
+          <a:xfrm>
+            <a:off x="3510651" y="1690688"/>
+            <a:ext cx="5170698" cy="2537174"/>
+          </a:xfrm>
+          <a:prstGeom prst="rect">
+            <a:avLst/>
+          </a:prstGeom>
+        </p:spPr>
+      </p:pic>
+      <p:pic>
+        <p:nvPicPr>
+          <p:cNvPr id="9" name="Picture 8">
+            <a:extLst>
+              <a:ext uri="{FF2B5EF4-FFF2-40B4-BE49-F238E27FC236}">
+                <a16:creationId xmlns:a16="http://schemas.microsoft.com/office/drawing/2014/main" id="{1C8C3BFC-5F01-650E-22B0-C6A1FE3E087C}"/>
+              </a:ext>
+            </a:extLst>
+          </p:cNvPr>
+          <p:cNvPicPr>
+            <a:picLocks noChangeAspect="1"/>
+          </p:cNvPicPr>
+          <p:nvPr/>
+        </p:nvPicPr>
+        <p:blipFill>
+          <a:blip r:embed="rId4"/>
+          <a:stretch>
+            <a:fillRect/>
+          </a:stretch>
+        </p:blipFill>
+        <p:spPr>
+          <a:xfrm>
+            <a:off x="3216019" y="4557645"/>
+            <a:ext cx="5759961" cy="1731565"/>
+          </a:xfrm>
+          <a:prstGeom prst="rect">
+            <a:avLst/>
+          </a:prstGeom>
+        </p:spPr>
+      </p:pic>
+    </p:spTree>
+    <p:extLst>
+      <p:ext uri="{BB962C8B-B14F-4D97-AF65-F5344CB8AC3E}">
+        <p14:creationId xmlns:p14="http://schemas.microsoft.com/office/powerpoint/2010/main" val="3556231572"/>
+      </p:ext>
+    </p:extLst>
+  </p:cSld>
+  <p:clrMapOvr>
+    <a:masterClrMapping/>
+  </p:clrMapOvr>
+  <mc:AlternateContent xmlns:mc="http://schemas.openxmlformats.org/markup-compatibility/2006" xmlns:p14="http://schemas.microsoft.com/office/powerpoint/2010/main">
+    <mc:Choice Requires="p14">
+      <p:transition spd="med" p14:dur="700">
+        <p:fade/>
+      </p:transition>
+    </mc:Choice>
+    <mc:Fallback xmlns="">
+      <p:transition spd="med">
+        <p:fade/>
+      </p:transition>
+    </mc:Fallback>
+  </mc:AlternateContent>
+  <p:timing>
+    <p:tnLst>
+      <p:par>
+        <p:cTn id="1" dur="indefinite" restart="never" nodeType="tmRoot">
+          <p:childTnLst>
+            <p:seq concurrent="1" nextAc="seek">
+              <p:cTn id="2" dur="indefinite" nodeType="mainSeq">
+                <p:childTnLst>
+                  <p:par>
+                    <p:cTn id="3" fill="hold">
+                      <p:stCondLst>
+                        <p:cond delay="indefinite"/>
+                      </p:stCondLst>
+                      <p:childTnLst>
+                        <p:par>
+                          <p:cTn id="4" fill="hold">
+                            <p:stCondLst>
+                              <p:cond delay="0"/>
+                            </p:stCondLst>
+                            <p:childTnLst>
+                              <p:par>
+                                <p:cTn id="5" presetID="10" presetClass="entr" presetSubtype="0" fill="hold" nodeType="clickEffect">
+                                  <p:stCondLst>
+                                    <p:cond delay="0"/>
+                                  </p:stCondLst>
+                                  <p:childTnLst>
+                                    <p:set>
+                                      <p:cBhvr>
+                                        <p:cTn id="6" dur="1" fill="hold">
+                                          <p:stCondLst>
+                                            <p:cond delay="0"/>
+                                          </p:stCondLst>
+                                        </p:cTn>
+                                        <p:tgtEl>
+                                          <p:spTgt spid="6"/>
+                                        </p:tgtEl>
+                                        <p:attrNameLst>
+                                          <p:attrName>style.visibility</p:attrName>
+                                        </p:attrNameLst>
+                                      </p:cBhvr>
+                                      <p:to>
+                                        <p:strVal val="visible"/>
+                                      </p:to>
+                                    </p:set>
+                                    <p:animEffect transition="in" filter="fade">
+                                      <p:cBhvr>
+                                        <p:cTn id="7" dur="500"/>
+                                        <p:tgtEl>
+                                          <p:spTgt spid="6"/>
+                                        </p:tgtEl>
+                                      </p:cBhvr>
+                                    </p:animEffect>
+                                  </p:childTnLst>
+                                </p:cTn>
+                              </p:par>
+                            </p:childTnLst>
+                          </p:cTn>
+                        </p:par>
+                      </p:childTnLst>
+                    </p:cTn>
+                  </p:par>
+                  <p:par>
+                    <p:cTn id="8" fill="hold">
+                      <p:stCondLst>
+                        <p:cond delay="indefinite"/>
+                      </p:stCondLst>
+                      <p:childTnLst>
+                        <p:par>
+                          <p:cTn id="9" fill="hold">
+                            <p:stCondLst>
+                              <p:cond delay="0"/>
+                            </p:stCondLst>
+                            <p:childTnLst>
+                              <p:par>
+                                <p:cTn id="10" presetID="10" presetClass="entr" presetSubtype="0" fill="hold" nodeType="clickEffect">
+                                  <p:stCondLst>
+                                    <p:cond delay="0"/>
+                                  </p:stCondLst>
+                                  <p:childTnLst>
+                                    <p:set>
+                                      <p:cBhvr>
+                                        <p:cTn id="11" dur="1" fill="hold">
+                                          <p:stCondLst>
+                                            <p:cond delay="0"/>
+                                          </p:stCondLst>
+                                        </p:cTn>
+                                        <p:tgtEl>
+                                          <p:spTgt spid="9"/>
+                                        </p:tgtEl>
+                                        <p:attrNameLst>
+                                          <p:attrName>style.visibility</p:attrName>
+                                        </p:attrNameLst>
+                                      </p:cBhvr>
+                                      <p:to>
+                                        <p:strVal val="visible"/>
+                                      </p:to>
+                                    </p:set>
+                                    <p:animEffect transition="in" filter="fade">
+                                      <p:cBhvr>
+                                        <p:cTn id="12" dur="500"/>
+                                        <p:tgtEl>
+                                          <p:spTgt spid="9"/>
+                                        </p:tgtEl>
+                                      </p:cBhvr>
+                                    </p:animEffect>
+                                  </p:childTnLst>
+                                </p:cTn>
+                              </p:par>
+                            </p:childTnLst>
+                          </p:cTn>
+                        </p:par>
+                      </p:childTnLst>
+                    </p:cTn>
+                  </p:par>
+                </p:childTnLst>
+              </p:cTn>
+              <p:prevCondLst>
+                <p:cond evt="onPrev" delay="0">
+                  <p:tgtEl>
+                    <p:sldTgt/>
+                  </p:tgtEl>
+                </p:cond>
+              </p:prevCondLst>
+              <p:nextCondLst>
+                <p:cond evt="onNext" delay="0">
+                  <p:tgtEl>
+                    <p:sldTgt/>
+                  </p:tgtEl>
+                </p:cond>
+              </p:nextCondLst>
+            </p:seq>
+          </p:childTnLst>
+        </p:cTn>
+      </p:par>
+    </p:tnLst>
+  </p:timing>
+</p:sld>
+</file>
+
+<file path=ppt/slides/slide4.xml><?xml version="1.0" encoding="utf-8"?>
+<p:sld xmlns:a="http://schemas.openxmlformats.org/drawingml/2006/main" xmlns:r="http://schemas.openxmlformats.org/officeDocument/2006/relationships" xmlns:p="http://schemas.openxmlformats.org/presentationml/2006/main">
+  <p:cSld>
+    <p:spTree>
+      <p:nvGrpSpPr>
+        <p:cNvPr id="1" name=""/>
+        <p:cNvGrpSpPr/>
+        <p:nvPr/>
+      </p:nvGrpSpPr>
+      <p:grpSpPr>
+        <a:xfrm>
+          <a:off x="0" y="0"/>
+          <a:ext cx="0" cy="0"/>
+          <a:chOff x="0" y="0"/>
+          <a:chExt cx="0" cy="0"/>
+        </a:xfrm>
+      </p:grpSpPr>
+      <p:sp>
+        <p:nvSpPr>
+          <p:cNvPr id="2" name="Title 1">
+            <a:extLst>
+              <a:ext uri="{FF2B5EF4-FFF2-40B4-BE49-F238E27FC236}">
+                <a16:creationId xmlns:a16="http://schemas.microsoft.com/office/drawing/2014/main" id="{7A40177F-BCCD-7BE2-DBFD-188813EADB13}"/>
+              </a:ext>
+            </a:extLst>
+          </p:cNvPr>
+          <p:cNvSpPr>
+            <a:spLocks noGrp="1"/>
+          </p:cNvSpPr>
+          <p:nvPr>
+            <p:ph type="title"/>
+          </p:nvPr>
+        </p:nvSpPr>
+        <p:spPr/>
+        <p:txBody>
+          <a:bodyPr/>
+          <a:lstStyle/>
+          <a:p>
+            <a:r>
+              <a:rPr lang="en-US" dirty="0"/>
+              <a:t>Vanishing / exploding gradients</a:t>
+            </a:r>
+          </a:p>
+        </p:txBody>
+      </p:sp>
+      <p:pic>
+        <p:nvPicPr>
+          <p:cNvPr id="6" name="Picture 5">
+            <a:extLst>
+              <a:ext uri="{FF2B5EF4-FFF2-40B4-BE49-F238E27FC236}">
+                <a16:creationId xmlns:a16="http://schemas.microsoft.com/office/drawing/2014/main" id="{41E0C313-6B2E-3060-9868-1A72893FCCB2}"/>
+              </a:ext>
+            </a:extLst>
+          </p:cNvPr>
+          <p:cNvPicPr>
+            <a:picLocks noChangeAspect="1"/>
+          </p:cNvPicPr>
+          <p:nvPr/>
+        </p:nvPicPr>
+        <p:blipFill>
+          <a:blip r:embed="rId3"/>
+          <a:stretch>
+            <a:fillRect/>
+          </a:stretch>
+        </p:blipFill>
+        <p:spPr>
+          <a:xfrm>
+            <a:off x="1183757" y="2946621"/>
+            <a:ext cx="9824486" cy="1255044"/>
+          </a:xfrm>
+          <a:prstGeom prst="rect">
+            <a:avLst/>
+          </a:prstGeom>
+        </p:spPr>
+      </p:pic>
+    </p:spTree>
+    <p:extLst>
+      <p:ext uri="{BB962C8B-B14F-4D97-AF65-F5344CB8AC3E}">
+        <p14:creationId xmlns:p14="http://schemas.microsoft.com/office/powerpoint/2010/main" val="1118225854"/>
+      </p:ext>
+    </p:extLst>
+  </p:cSld>
+  <p:clrMapOvr>
+    <a:masterClrMapping/>
+  </p:clrMapOvr>
+</p:sld>
+</file>
+
+<file path=ppt/slides/slide5.xml><?xml version="1.0" encoding="utf-8"?>
+<p:sld xmlns:a="http://schemas.openxmlformats.org/drawingml/2006/main" xmlns:r="http://schemas.openxmlformats.org/officeDocument/2006/relationships" xmlns:p="http://schemas.openxmlformats.org/presentationml/2006/main">
+  <p:cSld>
+    <p:spTree>
+      <p:nvGrpSpPr>
+        <p:cNvPr id="1" name=""/>
+        <p:cNvGrpSpPr/>
+        <p:nvPr/>
+      </p:nvGrpSpPr>
+      <p:grpSpPr>
+        <a:xfrm>
+          <a:off x="0" y="0"/>
+          <a:ext cx="0" cy="0"/>
+          <a:chOff x="0" y="0"/>
+          <a:chExt cx="0" cy="0"/>
+        </a:xfrm>
+      </p:grpSpPr>
+      <p:sp>
+        <p:nvSpPr>
+          <p:cNvPr id="2" name="Title 1">
+            <a:extLst>
+              <a:ext uri="{FF2B5EF4-FFF2-40B4-BE49-F238E27FC236}">
+                <a16:creationId xmlns:a16="http://schemas.microsoft.com/office/drawing/2014/main" id="{7A40177F-BCCD-7BE2-DBFD-188813EADB13}"/>
+              </a:ext>
+            </a:extLst>
+          </p:cNvPr>
+          <p:cNvSpPr>
+            <a:spLocks noGrp="1"/>
+          </p:cNvSpPr>
+          <p:nvPr>
+            <p:ph type="title"/>
+          </p:nvPr>
+        </p:nvSpPr>
+        <p:spPr/>
+        <p:txBody>
+          <a:bodyPr/>
+          <a:lstStyle/>
+          <a:p>
+            <a:r>
+              <a:rPr lang="en-US" dirty="0"/>
+              <a:t>Vanishing</a:t>
+            </a:r>
+          </a:p>
+        </p:txBody>
+      </p:sp>
+      <p:sp>
+        <p:nvSpPr>
+          <p:cNvPr id="3" name="Content Placeholder 2">
+            <a:extLst>
+              <a:ext uri="{FF2B5EF4-FFF2-40B4-BE49-F238E27FC236}">
+                <a16:creationId xmlns:a16="http://schemas.microsoft.com/office/drawing/2014/main" id="{8F2B992F-F802-1514-A9E2-E2D2FCFD2ADB}"/>
+              </a:ext>
+            </a:extLst>
+          </p:cNvPr>
+          <p:cNvSpPr txBox="1">
+            <a:spLocks/>
+          </p:cNvSpPr>
+          <p:nvPr/>
+        </p:nvSpPr>
+        <p:spPr>
+          <a:xfrm>
+            <a:off x="838200" y="1825625"/>
+            <a:ext cx="10515600" cy="4351338"/>
+          </a:xfrm>
+          <a:prstGeom prst="rect">
+            <a:avLst/>
+          </a:prstGeom>
+        </p:spPr>
+        <p:txBody>
+          <a:bodyPr>
+            <a:normAutofit/>
+          </a:bodyPr>
+          <a:lstStyle>
+            <a:lvl1pPr marL="228600" indent="-228600" algn="l" defTabSz="914400" rtl="0" eaLnBrk="1" latinLnBrk="0" hangingPunct="1">
+              <a:lnSpc>
+                <a:spcPct val="90000"/>
+              </a:lnSpc>
+              <a:spcBef>
+                <a:spcPts val="1000"/>
+              </a:spcBef>
+              <a:buFont typeface="Arial" panose="020B0604020202020204" pitchFamily="34" charset="0"/>
+              <a:buChar char="•"/>
+              <a:defRPr sz="2800" kern="1200">
+                <a:solidFill>
+                  <a:schemeClr val="tx1"/>
+                </a:solidFill>
+                <a:latin typeface="+mn-lt"/>
+                <a:ea typeface="+mn-ea"/>
+                <a:cs typeface="+mn-cs"/>
+              </a:defRPr>
+            </a:lvl1pPr>
+            <a:lvl2pPr marL="685800" indent="-228600" algn="l" defTabSz="914400" rtl="0" eaLnBrk="1" latinLnBrk="0" hangingPunct="1">
+              <a:lnSpc>
+                <a:spcPct val="90000"/>
+              </a:lnSpc>
+              <a:spcBef>
+                <a:spcPts val="500"/>
+              </a:spcBef>
+              <a:buFont typeface="Arial" panose="020B0604020202020204" pitchFamily="34" charset="0"/>
+              <a:buChar char="•"/>
+              <a:defRPr sz="2400" kern="1200">
+                <a:solidFill>
+                  <a:schemeClr val="tx1"/>
+                </a:solidFill>
+                <a:latin typeface="+mn-lt"/>
+                <a:ea typeface="+mn-ea"/>
+                <a:cs typeface="+mn-cs"/>
+              </a:defRPr>
+            </a:lvl2pPr>
+            <a:lvl3pPr marL="1143000" indent="-228600" algn="l" defTabSz="914400" rtl="0" eaLnBrk="1" latinLnBrk="0" hangingPunct="1">
+              <a:lnSpc>
+                <a:spcPct val="90000"/>
+              </a:lnSpc>
+              <a:spcBef>
+                <a:spcPts val="500"/>
+              </a:spcBef>
+              <a:buFont typeface="Arial" panose="020B0604020202020204" pitchFamily="34" charset="0"/>
+              <a:buChar char="•"/>
+              <a:defRPr sz="2000" kern="1200">
+                <a:solidFill>
+                  <a:schemeClr val="tx1"/>
+                </a:solidFill>
+                <a:latin typeface="+mn-lt"/>
+                <a:ea typeface="+mn-ea"/>
+                <a:cs typeface="+mn-cs"/>
+              </a:defRPr>
+            </a:lvl3pPr>
+            <a:lvl4pPr marL="1600200" indent="-228600" algn="l" defTabSz="914400" rtl="0" eaLnBrk="1" latinLnBrk="0" hangingPunct="1">
+              <a:lnSpc>
+                <a:spcPct val="90000"/>
+              </a:lnSpc>
+              <a:spcBef>
+                <a:spcPts val="500"/>
+              </a:spcBef>
+              <a:buFont typeface="Arial" panose="020B0604020202020204" pitchFamily="34" charset="0"/>
+              <a:buChar char="•"/>
+              <a:defRPr sz="1800" kern="1200">
+                <a:solidFill>
+                  <a:schemeClr val="tx1"/>
+                </a:solidFill>
+                <a:latin typeface="+mn-lt"/>
+                <a:ea typeface="+mn-ea"/>
+                <a:cs typeface="+mn-cs"/>
+              </a:defRPr>
+            </a:lvl4pPr>
+            <a:lvl5pPr marL="2057400" indent="-228600" algn="l" defTabSz="914400" rtl="0" eaLnBrk="1" latinLnBrk="0" hangingPunct="1">
+              <a:lnSpc>
+                <a:spcPct val="90000"/>
+              </a:lnSpc>
+              <a:spcBef>
+                <a:spcPts val="500"/>
+              </a:spcBef>
+              <a:buFont typeface="Arial" panose="020B0604020202020204" pitchFamily="34" charset="0"/>
+              <a:buChar char="•"/>
+              <a:defRPr sz="1800" kern="1200">
+                <a:solidFill>
+                  <a:schemeClr val="tx1"/>
+                </a:solidFill>
+                <a:latin typeface="+mn-lt"/>
+                <a:ea typeface="+mn-ea"/>
+                <a:cs typeface="+mn-cs"/>
+              </a:defRPr>
+            </a:lvl5pPr>
+            <a:lvl6pPr marL="2514600" indent="-228600" algn="l" defTabSz="914400" rtl="0" eaLnBrk="1" latinLnBrk="0" hangingPunct="1">
+              <a:lnSpc>
+                <a:spcPct val="90000"/>
+              </a:lnSpc>
+              <a:spcBef>
+                <a:spcPts val="500"/>
+              </a:spcBef>
+              <a:buFont typeface="Arial" panose="020B0604020202020204" pitchFamily="34" charset="0"/>
+              <a:buChar char="•"/>
+              <a:defRPr sz="1800" kern="1200">
+                <a:solidFill>
+                  <a:schemeClr val="tx1"/>
+                </a:solidFill>
+                <a:latin typeface="+mn-lt"/>
+                <a:ea typeface="+mn-ea"/>
+                <a:cs typeface="+mn-cs"/>
+              </a:defRPr>
+            </a:lvl6pPr>
+            <a:lvl7pPr marL="2971800" indent="-228600" algn="l" defTabSz="914400" rtl="0" eaLnBrk="1" latinLnBrk="0" hangingPunct="1">
+              <a:lnSpc>
+                <a:spcPct val="90000"/>
+              </a:lnSpc>
+              <a:spcBef>
+                <a:spcPts val="500"/>
+              </a:spcBef>
+              <a:buFont typeface="Arial" panose="020B0604020202020204" pitchFamily="34" charset="0"/>
+              <a:buChar char="•"/>
+              <a:defRPr sz="1800" kern="1200">
+                <a:solidFill>
+                  <a:schemeClr val="tx1"/>
+                </a:solidFill>
+                <a:latin typeface="+mn-lt"/>
+                <a:ea typeface="+mn-ea"/>
+                <a:cs typeface="+mn-cs"/>
+              </a:defRPr>
+            </a:lvl7pPr>
+            <a:lvl8pPr marL="3429000" indent="-228600" algn="l" defTabSz="914400" rtl="0" eaLnBrk="1" latinLnBrk="0" hangingPunct="1">
+              <a:lnSpc>
+                <a:spcPct val="90000"/>
+              </a:lnSpc>
+              <a:spcBef>
+                <a:spcPts val="500"/>
+              </a:spcBef>
+              <a:buFont typeface="Arial" panose="020B0604020202020204" pitchFamily="34" charset="0"/>
+              <a:buChar char="•"/>
+              <a:defRPr sz="1800" kern="1200">
+                <a:solidFill>
+                  <a:schemeClr val="tx1"/>
+                </a:solidFill>
+                <a:latin typeface="+mn-lt"/>
+                <a:ea typeface="+mn-ea"/>
+                <a:cs typeface="+mn-cs"/>
+              </a:defRPr>
+            </a:lvl8pPr>
+            <a:lvl9pPr marL="3886200" indent="-228600" algn="l" defTabSz="914400" rtl="0" eaLnBrk="1" latinLnBrk="0" hangingPunct="1">
+              <a:lnSpc>
+                <a:spcPct val="90000"/>
+              </a:lnSpc>
+              <a:spcBef>
+                <a:spcPts val="500"/>
+              </a:spcBef>
+              <a:buFont typeface="Arial" panose="020B0604020202020204" pitchFamily="34" charset="0"/>
+              <a:buChar char="•"/>
+              <a:defRPr sz="1800" kern="1200">
+                <a:solidFill>
+                  <a:schemeClr val="tx1"/>
+                </a:solidFill>
+                <a:latin typeface="+mn-lt"/>
+                <a:ea typeface="+mn-ea"/>
+                <a:cs typeface="+mn-cs"/>
+              </a:defRPr>
+            </a:lvl9pPr>
+          </a:lstStyle>
+          <a:p>
+            <a:r>
+              <a:rPr lang="en-US" dirty="0"/>
+              <a:t>Increase learning rate</a:t>
+            </a:r>
+          </a:p>
+          <a:p>
+            <a:r>
+              <a:rPr lang="en-US" dirty="0" err="1"/>
+              <a:t>LeakyReLU</a:t>
+            </a:r>
+            <a:r>
+              <a:rPr lang="en-US" dirty="0"/>
+              <a:t> instead of </a:t>
+            </a:r>
+            <a:r>
+              <a:rPr lang="en-US" dirty="0" err="1"/>
+              <a:t>ReLU</a:t>
+            </a:r>
+            <a:r>
+              <a:rPr lang="en-US" dirty="0"/>
+              <a:t> </a:t>
+            </a:r>
+          </a:p>
+          <a:p>
+            <a:r>
+              <a:rPr lang="en-US" dirty="0"/>
+              <a:t>Use residual connections.</a:t>
+            </a:r>
+          </a:p>
+        </p:txBody>
+      </p:sp>
+      <p:pic>
+        <p:nvPicPr>
+          <p:cNvPr id="5" name="Picture 4">
+            <a:extLst>
+              <a:ext uri="{FF2B5EF4-FFF2-40B4-BE49-F238E27FC236}">
+                <a16:creationId xmlns:a16="http://schemas.microsoft.com/office/drawing/2014/main" id="{91828323-57F5-9A64-65EE-45B2B17628E7}"/>
+              </a:ext>
+            </a:extLst>
+          </p:cNvPr>
+          <p:cNvPicPr>
+            <a:picLocks noChangeAspect="1"/>
+          </p:cNvPicPr>
+          <p:nvPr/>
+        </p:nvPicPr>
+        <p:blipFill>
+          <a:blip r:embed="rId3"/>
+          <a:stretch>
+            <a:fillRect/>
+          </a:stretch>
+        </p:blipFill>
+        <p:spPr>
+          <a:xfrm>
+            <a:off x="6096000" y="3418114"/>
+            <a:ext cx="4348194" cy="2057415"/>
+          </a:xfrm>
+          <a:prstGeom prst="rect">
+            <a:avLst/>
+          </a:prstGeom>
+        </p:spPr>
+      </p:pic>
+    </p:spTree>
+    <p:extLst>
+      <p:ext uri="{BB962C8B-B14F-4D97-AF65-F5344CB8AC3E}">
+        <p14:creationId xmlns:p14="http://schemas.microsoft.com/office/powerpoint/2010/main" val="2302697383"/>
+      </p:ext>
+    </p:extLst>
+  </p:cSld>
+  <p:clrMapOvr>
+    <a:masterClrMapping/>
+  </p:clrMapOvr>
+  <p:timing>
+    <p:tnLst>
+      <p:par>
+        <p:cTn id="1" dur="indefinite" restart="never" nodeType="tmRoot">
+          <p:childTnLst>
+            <p:seq concurrent="1" nextAc="seek">
+              <p:cTn id="2" dur="indefinite" nodeType="mainSeq">
+                <p:childTnLst>
+                  <p:par>
+                    <p:cTn id="3" fill="hold">
+                      <p:stCondLst>
+                        <p:cond delay="indefinite"/>
+                      </p:stCondLst>
+                      <p:childTnLst>
+                        <p:par>
+                          <p:cTn id="4" fill="hold">
+                            <p:stCondLst>
+                              <p:cond delay="0"/>
+                            </p:stCondLst>
+                            <p:childTnLst>
+                              <p:par>
+                                <p:cTn id="5" presetID="10" presetClass="entr" presetSubtype="0" fill="hold" nodeType="clickEffect">
+                                  <p:stCondLst>
+                                    <p:cond delay="0"/>
+                                  </p:stCondLst>
+                                  <p:childTnLst>
+                                    <p:set>
+                                      <p:cBhvr>
+                                        <p:cTn id="6" dur="1" fill="hold">
+                                          <p:stCondLst>
+                                            <p:cond delay="0"/>
+                                          </p:stCondLst>
+                                        </p:cTn>
+                                        <p:tgtEl>
+                                          <p:spTgt spid="3">
+                                            <p:txEl>
+                                              <p:pRg st="1" end="1"/>
+                                            </p:txEl>
+                                          </p:spTgt>
+                                        </p:tgtEl>
+                                        <p:attrNameLst>
+                                          <p:attrName>style.visibility</p:attrName>
+                                        </p:attrNameLst>
+                                      </p:cBhvr>
+                                      <p:to>
+                                        <p:strVal val="visible"/>
+                                      </p:to>
+                                    </p:set>
+                                    <p:animEffect transition="in" filter="fade">
+                                      <p:cBhvr>
+                                        <p:cTn id="7" dur="500"/>
+                                        <p:tgtEl>
+                                          <p:spTgt spid="3">
+                                            <p:txEl>
+                                              <p:pRg st="1" end="1"/>
+                                            </p:txEl>
+                                          </p:spTgt>
+                                        </p:tgtEl>
+                                      </p:cBhvr>
+                                    </p:animEffect>
+                                  </p:childTnLst>
+                                </p:cTn>
+                              </p:par>
+                            </p:childTnLst>
+                          </p:cTn>
+                        </p:par>
+                      </p:childTnLst>
+                    </p:cTn>
+                  </p:par>
+                  <p:par>
+                    <p:cTn id="8" fill="hold">
+                      <p:stCondLst>
+                        <p:cond delay="indefinite"/>
+                      </p:stCondLst>
+                      <p:childTnLst>
+                        <p:par>
+                          <p:cTn id="9" fill="hold">
+                            <p:stCondLst>
+                              <p:cond delay="0"/>
+                            </p:stCondLst>
+                            <p:childTnLst>
+                              <p:par>
+                                <p:cTn id="10" presetID="10" presetClass="entr" presetSubtype="0" fill="hold" nodeType="clickEffect">
+                                  <p:stCondLst>
+                                    <p:cond delay="0"/>
+                                  </p:stCondLst>
+                                  <p:childTnLst>
+                                    <p:set>
+                                      <p:cBhvr>
+                                        <p:cTn id="11" dur="1" fill="hold">
+                                          <p:stCondLst>
+                                            <p:cond delay="0"/>
+                                          </p:stCondLst>
+                                        </p:cTn>
+                                        <p:tgtEl>
+                                          <p:spTgt spid="3">
+                                            <p:txEl>
+                                              <p:pRg st="2" end="2"/>
+                                            </p:txEl>
+                                          </p:spTgt>
+                                        </p:tgtEl>
+                                        <p:attrNameLst>
+                                          <p:attrName>style.visibility</p:attrName>
+                                        </p:attrNameLst>
+                                      </p:cBhvr>
+                                      <p:to>
+                                        <p:strVal val="visible"/>
+                                      </p:to>
+                                    </p:set>
+                                    <p:animEffect transition="in" filter="fade">
+                                      <p:cBhvr>
+                                        <p:cTn id="12" dur="500"/>
+                                        <p:tgtEl>
+                                          <p:spTgt spid="3">
+                                            <p:txEl>
+                                              <p:pRg st="2" end="2"/>
+                                            </p:txEl>
+                                          </p:spTgt>
+                                        </p:tgtEl>
+                                      </p:cBhvr>
+                                    </p:animEffect>
+                                  </p:childTnLst>
+                                </p:cTn>
+                              </p:par>
+                              <p:par>
+                                <p:cTn id="13" presetID="10" presetClass="entr" presetSubtype="0" fill="hold" nodeType="withEffect">
+                                  <p:stCondLst>
+                                    <p:cond delay="0"/>
+                                  </p:stCondLst>
+                                  <p:childTnLst>
+                                    <p:set>
+                                      <p:cBhvr>
+                                        <p:cTn id="14" dur="1" fill="hold">
+                                          <p:stCondLst>
+                                            <p:cond delay="0"/>
+                                          </p:stCondLst>
+                                        </p:cTn>
+                                        <p:tgtEl>
+                                          <p:spTgt spid="5"/>
+                                        </p:tgtEl>
+                                        <p:attrNameLst>
+                                          <p:attrName>style.visibility</p:attrName>
+                                        </p:attrNameLst>
+                                      </p:cBhvr>
+                                      <p:to>
+                                        <p:strVal val="visible"/>
+                                      </p:to>
+                                    </p:set>
+                                    <p:animEffect transition="in" filter="fade">
+                                      <p:cBhvr>
+                                        <p:cTn id="15" dur="500"/>
+                                        <p:tgtEl>
+                                          <p:spTgt spid="5"/>
+                                        </p:tgtEl>
+                                      </p:cBhvr>
+                                    </p:animEffect>
+                                  </p:childTnLst>
+                                </p:cTn>
+                              </p:par>
+                            </p:childTnLst>
+                          </p:cTn>
+                        </p:par>
+                      </p:childTnLst>
+                    </p:cTn>
+                  </p:par>
+                </p:childTnLst>
+              </p:cTn>
+              <p:prevCondLst>
+                <p:cond evt="onPrev" delay="0">
+                  <p:tgtEl>
+                    <p:sldTgt/>
+                  </p:tgtEl>
+                </p:cond>
+              </p:prevCondLst>
+              <p:nextCondLst>
+                <p:cond evt="onNext" delay="0">
+                  <p:tgtEl>
+                    <p:sldTgt/>
+                  </p:tgtEl>
+                </p:cond>
+              </p:nextCondLst>
+            </p:seq>
+          </p:childTnLst>
+        </p:cTn>
+      </p:par>
+    </p:tnLst>
+  </p:timing>
+</p:sld>
+</file>
+
+<file path=ppt/slides/slide6.xml><?xml version="1.0" encoding="utf-8"?>
+<p:sld xmlns:a="http://schemas.openxmlformats.org/drawingml/2006/main" xmlns:r="http://schemas.openxmlformats.org/officeDocument/2006/relationships" xmlns:p="http://schemas.openxmlformats.org/presentationml/2006/main">
+  <p:cSld>
+    <p:bg>
+      <p:bgPr>
+        <a:solidFill>
+          <a:schemeClr val="bg1"/>
+        </a:solidFill>
+        <a:effectLst/>
+      </p:bgPr>
+    </p:bg>
+    <p:spTree>
+      <p:nvGrpSpPr>
+        <p:cNvPr id="1" name=""/>
+        <p:cNvGrpSpPr/>
+        <p:nvPr/>
+      </p:nvGrpSpPr>
+      <p:grpSpPr>
+        <a:xfrm>
+          <a:off x="0" y="0"/>
+          <a:ext cx="0" cy="0"/>
+          <a:chOff x="0" y="0"/>
+          <a:chExt cx="0" cy="0"/>
+        </a:xfrm>
+      </p:grpSpPr>
+      <p:sp useBgFill="1">
+        <p:nvSpPr>
+          <p:cNvPr id="24" name="Rectangle 23">
+            <a:extLst>
+              <a:ext uri="{FF2B5EF4-FFF2-40B4-BE49-F238E27FC236}">
+                <a16:creationId xmlns:a16="http://schemas.microsoft.com/office/drawing/2014/main" id="{3E443FD7-A66B-4AA0-872D-B088B9BC5F17}"/>
+              </a:ext>
+              <a:ext uri="{C183D7F6-B498-43B3-948B-1728B52AA6E4}">
+                <adec:decorative xmlns:adec="http://schemas.microsoft.com/office/drawing/2017/decorative" val="1"/>
+              </a:ext>
+            </a:extLst>
+          </p:cNvPr>
+          <p:cNvSpPr>
+            <a:spLocks noGrp="1" noRot="1" noChangeAspect="1" noMove="1" noResize="1" noEditPoints="1" noAdjustHandles="1" noChangeArrowheads="1" noChangeShapeType="1" noTextEdit="1"/>
+          </p:cNvSpPr>
+          <p:nvPr>
+            <p:extLst>
+              <p:ext uri="{386F3935-93C4-4BCD-93E2-E3B085C9AB24}">
+                <p16:designElem xmlns:p16="http://schemas.microsoft.com/office/powerpoint/2015/main" val="1"/>
+              </p:ext>
+            </p:extLst>
+          </p:nvPr>
+        </p:nvSpPr>
+        <p:spPr>
+          <a:xfrm>
+            <a:off x="0" y="0"/>
+            <a:ext cx="12192000" cy="6858000"/>
+          </a:xfrm>
+          <a:prstGeom prst="rect">
+            <a:avLst/>
+          </a:prstGeom>
+          <a:ln>
+            <a:noFill/>
+          </a:ln>
+        </p:spPr>
+        <p:style>
+          <a:lnRef idx="2">
+            <a:schemeClr val="accent1">
+              <a:shade val="50000"/>
+            </a:schemeClr>
+          </a:lnRef>
+          <a:fillRef idx="1">
+            <a:schemeClr val="accent1"/>
+          </a:fillRef>
+          <a:effectRef idx="0">
+            <a:schemeClr val="accent1"/>
+          </a:effectRef>
+          <a:fontRef idx="minor">
+            <a:schemeClr val="lt1"/>
+          </a:fontRef>
+        </p:style>
+        <p:txBody>
+          <a:bodyPr rtlCol="0" anchor="ctr"/>
+          <a:lstStyle/>
+          <a:p>
+            <a:pPr algn="ctr"/>
+            <a:endParaRPr lang="en-US"/>
+          </a:p>
+        </p:txBody>
+      </p:sp>
+      <p:sp>
+        <p:nvSpPr>
+          <p:cNvPr id="2" name="Title 1">
+            <a:extLst>
+              <a:ext uri="{FF2B5EF4-FFF2-40B4-BE49-F238E27FC236}">
+                <a16:creationId xmlns:a16="http://schemas.microsoft.com/office/drawing/2014/main" id="{E990CDA1-3788-7874-AD2E-E3713B0B131F}"/>
+              </a:ext>
+            </a:extLst>
+          </p:cNvPr>
+          <p:cNvSpPr>
+            <a:spLocks noGrp="1"/>
+          </p:cNvSpPr>
+          <p:nvPr>
+            <p:ph type="title"/>
+          </p:nvPr>
+        </p:nvSpPr>
+        <p:spPr>
+          <a:xfrm>
+            <a:off x="1094095" y="851517"/>
+            <a:ext cx="5238466" cy="2991416"/>
+          </a:xfrm>
+        </p:spPr>
+        <p:txBody>
+          <a:bodyPr vert="horz" lIns="91440" tIns="45720" rIns="91440" bIns="45720" rtlCol="0" anchor="b">
+            <a:normAutofit/>
+          </a:bodyPr>
+          <a:lstStyle/>
+          <a:p>
+            <a:r>
+              <a:rPr lang="en-US" kern="1200">
+                <a:solidFill>
+                  <a:schemeClr val="tx1"/>
+                </a:solidFill>
+                <a:latin typeface="+mj-lt"/>
+                <a:ea typeface="+mj-ea"/>
+                <a:cs typeface="+mj-cs"/>
+              </a:rPr>
+              <a:t>Data</a:t>
+            </a:r>
+          </a:p>
+        </p:txBody>
+      </p:sp>
+      <p:sp>
+        <p:nvSpPr>
+          <p:cNvPr id="26" name="Freeform: Shape 25">
+            <a:extLst>
+              <a:ext uri="{FF2B5EF4-FFF2-40B4-BE49-F238E27FC236}">
+                <a16:creationId xmlns:a16="http://schemas.microsoft.com/office/drawing/2014/main" id="{C04BE0EF-3561-49B4-9A29-F283168A91C7}"/>
+              </a:ext>
+              <a:ext uri="{C183D7F6-B498-43B3-948B-1728B52AA6E4}">
+                <adec:decorative xmlns:adec="http://schemas.microsoft.com/office/drawing/2017/decorative" val="1"/>
+              </a:ext>
+            </a:extLst>
+          </p:cNvPr>
+          <p:cNvSpPr>
+            <a:spLocks noGrp="1" noRot="1" noChangeAspect="1" noMove="1" noResize="1" noEditPoints="1" noAdjustHandles="1" noChangeArrowheads="1" noChangeShapeType="1" noTextEdit="1"/>
+          </p:cNvSpPr>
+          <p:nvPr>
+            <p:extLst>
+              <p:ext uri="{386F3935-93C4-4BCD-93E2-E3B085C9AB24}">
+                <p16:designElem xmlns:p16="http://schemas.microsoft.com/office/powerpoint/2015/main" val="1"/>
+              </p:ext>
+            </p:extLst>
+          </p:nvPr>
+        </p:nvSpPr>
+        <p:spPr>
+          <a:xfrm>
+            <a:off x="5510370" y="851518"/>
+            <a:ext cx="6184806" cy="5154967"/>
+          </a:xfrm>
+          <a:custGeom>
+            <a:avLst/>
+            <a:gdLst>
+              <a:gd name="connsiteX0" fmla="*/ 363179 w 6184806"/>
+              <a:gd name="connsiteY0" fmla="*/ 3125191 h 5154967"/>
+              <a:gd name="connsiteX1" fmla="*/ 898270 w 6184806"/>
+              <a:gd name="connsiteY1" fmla="*/ 3125191 h 5154967"/>
+              <a:gd name="connsiteX2" fmla="*/ 980326 w 6184806"/>
+              <a:gd name="connsiteY2" fmla="*/ 3173551 h 5154967"/>
+              <a:gd name="connsiteX3" fmla="*/ 1248448 w 6184806"/>
+              <a:gd name="connsiteY3" fmla="*/ 3635277 h 5154967"/>
+              <a:gd name="connsiteX4" fmla="*/ 1248448 w 6184806"/>
+              <a:gd name="connsiteY4" fmla="*/ 3729695 h 5154967"/>
+              <a:gd name="connsiteX5" fmla="*/ 980326 w 6184806"/>
+              <a:gd name="connsiteY5" fmla="*/ 4191421 h 5154967"/>
+              <a:gd name="connsiteX6" fmla="*/ 898270 w 6184806"/>
+              <a:gd name="connsiteY6" fmla="*/ 4239781 h 5154967"/>
+              <a:gd name="connsiteX7" fmla="*/ 363179 w 6184806"/>
+              <a:gd name="connsiteY7" fmla="*/ 4239781 h 5154967"/>
+              <a:gd name="connsiteX8" fmla="*/ 279969 w 6184806"/>
+              <a:gd name="connsiteY8" fmla="*/ 4191421 h 5154967"/>
+              <a:gd name="connsiteX9" fmla="*/ 13002 w 6184806"/>
+              <a:gd name="connsiteY9" fmla="*/ 3729695 h 5154967"/>
+              <a:gd name="connsiteX10" fmla="*/ 13002 w 6184806"/>
+              <a:gd name="connsiteY10" fmla="*/ 3635277 h 5154967"/>
+              <a:gd name="connsiteX11" fmla="*/ 279969 w 6184806"/>
+              <a:gd name="connsiteY11" fmla="*/ 3173551 h 5154967"/>
+              <a:gd name="connsiteX12" fmla="*/ 363179 w 6184806"/>
+              <a:gd name="connsiteY12" fmla="*/ 3125191 h 5154967"/>
+              <a:gd name="connsiteX13" fmla="*/ 2489721 w 6184806"/>
+              <a:gd name="connsiteY13" fmla="*/ 570035 h 5154967"/>
+              <a:gd name="connsiteX14" fmla="*/ 2764862 w 6184806"/>
+              <a:gd name="connsiteY14" fmla="*/ 570035 h 5154967"/>
+              <a:gd name="connsiteX15" fmla="*/ 2796959 w 6184806"/>
+              <a:gd name="connsiteY15" fmla="*/ 570035 h 5154967"/>
+              <a:gd name="connsiteX16" fmla="*/ 2827587 w 6184806"/>
+              <a:gd name="connsiteY16" fmla="*/ 622777 h 5154967"/>
+              <a:gd name="connsiteX17" fmla="*/ 2977604 w 6184806"/>
+              <a:gd name="connsiteY17" fmla="*/ 881117 h 5154967"/>
+              <a:gd name="connsiteX18" fmla="*/ 2977604 w 6184806"/>
+              <a:gd name="connsiteY18" fmla="*/ 1025720 h 5154967"/>
+              <a:gd name="connsiteX19" fmla="*/ 2566968 w 6184806"/>
+              <a:gd name="connsiteY19" fmla="*/ 1732863 h 5154967"/>
+              <a:gd name="connsiteX20" fmla="*/ 2441299 w 6184806"/>
+              <a:gd name="connsiteY20" fmla="*/ 1806927 h 5154967"/>
+              <a:gd name="connsiteX21" fmla="*/ 1621798 w 6184806"/>
+              <a:gd name="connsiteY21" fmla="*/ 1806927 h 5154967"/>
+              <a:gd name="connsiteX22" fmla="*/ 1583218 w 6184806"/>
+              <a:gd name="connsiteY22" fmla="*/ 1801802 h 5154967"/>
+              <a:gd name="connsiteX23" fmla="*/ 1556683 w 6184806"/>
+              <a:gd name="connsiteY23" fmla="*/ 1790677 h 5154967"/>
+              <a:gd name="connsiteX24" fmla="*/ 1572899 w 6184806"/>
+              <a:gd name="connsiteY24" fmla="*/ 1762630 h 5154967"/>
+              <a:gd name="connsiteX25" fmla="*/ 2147429 w 6184806"/>
+              <a:gd name="connsiteY25" fmla="*/ 768968 h 5154967"/>
+              <a:gd name="connsiteX26" fmla="*/ 2489721 w 6184806"/>
+              <a:gd name="connsiteY26" fmla="*/ 570035 h 5154967"/>
+              <a:gd name="connsiteX27" fmla="*/ 1573268 w 6184806"/>
+              <a:gd name="connsiteY27" fmla="*/ 0 h 5154967"/>
+              <a:gd name="connsiteX28" fmla="*/ 2497662 w 6184806"/>
+              <a:gd name="connsiteY28" fmla="*/ 0 h 5154967"/>
+              <a:gd name="connsiteX29" fmla="*/ 2639415 w 6184806"/>
+              <a:gd name="connsiteY29" fmla="*/ 83546 h 5154967"/>
+              <a:gd name="connsiteX30" fmla="*/ 2887862 w 6184806"/>
+              <a:gd name="connsiteY30" fmla="*/ 511387 h 5154967"/>
+              <a:gd name="connsiteX31" fmla="*/ 2915928 w 6184806"/>
+              <a:gd name="connsiteY31" fmla="*/ 559720 h 5154967"/>
+              <a:gd name="connsiteX32" fmla="*/ 2893844 w 6184806"/>
+              <a:gd name="connsiteY32" fmla="*/ 559720 h 5154967"/>
+              <a:gd name="connsiteX33" fmla="*/ 2789466 w 6184806"/>
+              <a:gd name="connsiteY33" fmla="*/ 559720 h 5154967"/>
+              <a:gd name="connsiteX34" fmla="*/ 2744122 w 6184806"/>
+              <a:gd name="connsiteY34" fmla="*/ 481634 h 5154967"/>
+              <a:gd name="connsiteX35" fmla="*/ 2570885 w 6184806"/>
+              <a:gd name="connsiteY35" fmla="*/ 183309 h 5154967"/>
+              <a:gd name="connsiteX36" fmla="*/ 2445216 w 6184806"/>
+              <a:gd name="connsiteY36" fmla="*/ 109243 h 5154967"/>
+              <a:gd name="connsiteX37" fmla="*/ 1625714 w 6184806"/>
+              <a:gd name="connsiteY37" fmla="*/ 109243 h 5154967"/>
+              <a:gd name="connsiteX38" fmla="*/ 1498276 w 6184806"/>
+              <a:gd name="connsiteY38" fmla="*/ 183309 h 5154967"/>
+              <a:gd name="connsiteX39" fmla="*/ 1089410 w 6184806"/>
+              <a:gd name="connsiteY39" fmla="*/ 890450 h 5154967"/>
+              <a:gd name="connsiteX40" fmla="*/ 1089410 w 6184806"/>
+              <a:gd name="connsiteY40" fmla="*/ 1035054 h 5154967"/>
+              <a:gd name="connsiteX41" fmla="*/ 1498276 w 6184806"/>
+              <a:gd name="connsiteY41" fmla="*/ 1742196 h 5154967"/>
+              <a:gd name="connsiteX42" fmla="*/ 1552039 w 6184806"/>
+              <a:gd name="connsiteY42" fmla="*/ 1796422 h 5154967"/>
+              <a:gd name="connsiteX43" fmla="*/ 1558260 w 6184806"/>
+              <a:gd name="connsiteY43" fmla="*/ 1799029 h 5154967"/>
+              <a:gd name="connsiteX44" fmla="*/ 1524911 w 6184806"/>
+              <a:gd name="connsiteY44" fmla="*/ 1856707 h 5154967"/>
+              <a:gd name="connsiteX45" fmla="*/ 1500108 w 6184806"/>
+              <a:gd name="connsiteY45" fmla="*/ 1899604 h 5154967"/>
+              <a:gd name="connsiteX46" fmla="*/ 1525834 w 6184806"/>
+              <a:gd name="connsiteY46" fmla="*/ 1910390 h 5154967"/>
+              <a:gd name="connsiteX47" fmla="*/ 1569352 w 6184806"/>
+              <a:gd name="connsiteY47" fmla="*/ 1916170 h 5154967"/>
+              <a:gd name="connsiteX48" fmla="*/ 2493745 w 6184806"/>
+              <a:gd name="connsiteY48" fmla="*/ 1916170 h 5154967"/>
+              <a:gd name="connsiteX49" fmla="*/ 2635498 w 6184806"/>
+              <a:gd name="connsiteY49" fmla="*/ 1832627 h 5154967"/>
+              <a:gd name="connsiteX50" fmla="*/ 3098693 w 6184806"/>
+              <a:gd name="connsiteY50" fmla="*/ 1034974 h 5154967"/>
+              <a:gd name="connsiteX51" fmla="*/ 3098693 w 6184806"/>
+              <a:gd name="connsiteY51" fmla="*/ 871863 h 5154967"/>
+              <a:gd name="connsiteX52" fmla="*/ 2945803 w 6184806"/>
+              <a:gd name="connsiteY52" fmla="*/ 608576 h 5154967"/>
+              <a:gd name="connsiteX53" fmla="*/ 2923422 w 6184806"/>
+              <a:gd name="connsiteY53" fmla="*/ 570035 h 5154967"/>
+              <a:gd name="connsiteX54" fmla="*/ 3027104 w 6184806"/>
+              <a:gd name="connsiteY54" fmla="*/ 570035 h 5154967"/>
+              <a:gd name="connsiteX55" fmla="*/ 4690846 w 6184806"/>
+              <a:gd name="connsiteY55" fmla="*/ 570035 h 5154967"/>
+              <a:gd name="connsiteX56" fmla="*/ 5028384 w 6184806"/>
+              <a:gd name="connsiteY56" fmla="*/ 768968 h 5154967"/>
+              <a:gd name="connsiteX57" fmla="*/ 6131323 w 6184806"/>
+              <a:gd name="connsiteY57" fmla="*/ 2668304 h 5154967"/>
+              <a:gd name="connsiteX58" fmla="*/ 6131323 w 6184806"/>
+              <a:gd name="connsiteY58" fmla="*/ 3056698 h 5154967"/>
+              <a:gd name="connsiteX59" fmla="*/ 5028384 w 6184806"/>
+              <a:gd name="connsiteY59" fmla="*/ 4956035 h 5154967"/>
+              <a:gd name="connsiteX60" fmla="*/ 4690846 w 6184806"/>
+              <a:gd name="connsiteY60" fmla="*/ 5154967 h 5154967"/>
+              <a:gd name="connsiteX61" fmla="*/ 2489721 w 6184806"/>
+              <a:gd name="connsiteY61" fmla="*/ 5154967 h 5154967"/>
+              <a:gd name="connsiteX62" fmla="*/ 2147429 w 6184806"/>
+              <a:gd name="connsiteY62" fmla="*/ 4956035 h 5154967"/>
+              <a:gd name="connsiteX63" fmla="*/ 1049243 w 6184806"/>
+              <a:gd name="connsiteY63" fmla="*/ 3056698 h 5154967"/>
+              <a:gd name="connsiteX64" fmla="*/ 1049243 w 6184806"/>
+              <a:gd name="connsiteY64" fmla="*/ 2668304 h 5154967"/>
+              <a:gd name="connsiteX65" fmla="*/ 1457007 w 6184806"/>
+              <a:gd name="connsiteY65" fmla="*/ 1963067 h 5154967"/>
+              <a:gd name="connsiteX66" fmla="*/ 1491373 w 6184806"/>
+              <a:gd name="connsiteY66" fmla="*/ 1903634 h 5154967"/>
+              <a:gd name="connsiteX67" fmla="*/ 1490164 w 6184806"/>
+              <a:gd name="connsiteY67" fmla="*/ 1903127 h 5154967"/>
+              <a:gd name="connsiteX68" fmla="*/ 1429519 w 6184806"/>
+              <a:gd name="connsiteY68" fmla="*/ 1841960 h 5154967"/>
+              <a:gd name="connsiteX69" fmla="*/ 968320 w 6184806"/>
+              <a:gd name="connsiteY69" fmla="*/ 1044307 h 5154967"/>
+              <a:gd name="connsiteX70" fmla="*/ 968320 w 6184806"/>
+              <a:gd name="connsiteY70" fmla="*/ 881196 h 5154967"/>
+              <a:gd name="connsiteX71" fmla="*/ 1429519 w 6184806"/>
+              <a:gd name="connsiteY71" fmla="*/ 83546 h 5154967"/>
+              <a:gd name="connsiteX72" fmla="*/ 1573268 w 6184806"/>
+              <a:gd name="connsiteY72" fmla="*/ 0 h 5154967"/>
+            </a:gdLst>
+            <a:ahLst/>
+            <a:cxnLst>
+              <a:cxn ang="0">
+                <a:pos x="connsiteX0" y="connsiteY0"/>
+              </a:cxn>
+              <a:cxn ang="0">
+                <a:pos x="connsiteX1" y="connsiteY1"/>
+              </a:cxn>
+              <a:cxn ang="0">
+                <a:pos x="connsiteX2" y="connsiteY2"/>
+              </a:cxn>
+              <a:cxn ang="0">
+                <a:pos x="connsiteX3" y="connsiteY3"/>
+              </a:cxn>
+              <a:cxn ang="0">
+                <a:pos x="connsiteX4" y="connsiteY4"/>
+              </a:cxn>
+              <a:cxn ang="0">
+                <a:pos x="connsiteX5" y="connsiteY5"/>
+              </a:cxn>
+              <a:cxn ang="0">
+                <a:pos x="connsiteX6" y="connsiteY6"/>
+              </a:cxn>
+              <a:cxn ang="0">
+                <a:pos x="connsiteX7" y="connsiteY7"/>
+              </a:cxn>
+              <a:cxn ang="0">
+                <a:pos x="connsiteX8" y="connsiteY8"/>
+              </a:cxn>
+              <a:cxn ang="0">
+                <a:pos x="connsiteX9" y="connsiteY9"/>
+              </a:cxn>
+              <a:cxn ang="0">
+                <a:pos x="connsiteX10" y="connsiteY10"/>
+              </a:cxn>
+              <a:cxn ang="0">
+                <a:pos x="connsiteX11" y="connsiteY11"/>
+              </a:cxn>
+              <a:cxn ang="0">
+                <a:pos x="connsiteX12" y="connsiteY12"/>
+              </a:cxn>
+              <a:cxn ang="0">
+                <a:pos x="connsiteX13" y="connsiteY13"/>
+              </a:cxn>
+              <a:cxn ang="0">
+                <a:pos x="connsiteX14" y="connsiteY14"/>
+              </a:cxn>
+              <a:cxn ang="0">
+                <a:pos x="connsiteX15" y="connsiteY15"/>
+              </a:cxn>
+              <a:cxn ang="0">
+                <a:pos x="connsiteX16" y="connsiteY16"/>
+              </a:cxn>
+              <a:cxn ang="0">
+                <a:pos x="connsiteX17" y="connsiteY17"/>
+              </a:cxn>
+              <a:cxn ang="0">
+                <a:pos x="connsiteX18" y="connsiteY18"/>
+              </a:cxn>
+              <a:cxn ang="0">
+                <a:pos x="connsiteX19" y="connsiteY19"/>
+              </a:cxn>
+              <a:cxn ang="0">
+                <a:pos x="connsiteX20" y="connsiteY20"/>
+              </a:cxn>
+              <a:cxn ang="0">
+                <a:pos x="connsiteX21" y="connsiteY21"/>
+              </a:cxn>
+              <a:cxn ang="0">
+                <a:pos x="connsiteX22" y="connsiteY22"/>
+              </a:cxn>
+              <a:cxn ang="0">
+                <a:pos x="connsiteX23" y="connsiteY23"/>
+              </a:cxn>
+              <a:cxn ang="0">
+                <a:pos x="connsiteX24" y="connsiteY24"/>
+              </a:cxn>
+              <a:cxn ang="0">
+                <a:pos x="connsiteX25" y="connsiteY25"/>
+              </a:cxn>
+              <a:cxn ang="0">
+                <a:pos x="connsiteX26" y="connsiteY26"/>
+              </a:cxn>
+              <a:cxn ang="0">
+                <a:pos x="connsiteX27" y="connsiteY27"/>
+              </a:cxn>
+              <a:cxn ang="0">
+                <a:pos x="connsiteX28" y="connsiteY28"/>
+              </a:cxn>
+              <a:cxn ang="0">
+                <a:pos x="connsiteX29" y="connsiteY29"/>
+              </a:cxn>
+              <a:cxn ang="0">
+                <a:pos x="connsiteX30" y="connsiteY30"/>
+              </a:cxn>
+              <a:cxn ang="0">
+                <a:pos x="connsiteX31" y="connsiteY31"/>
+              </a:cxn>
+              <a:cxn ang="0">
+                <a:pos x="connsiteX32" y="connsiteY32"/>
+              </a:cxn>
+              <a:cxn ang="0">
+                <a:pos x="connsiteX33" y="connsiteY33"/>
+              </a:cxn>
+              <a:cxn ang="0">
+                <a:pos x="connsiteX34" y="connsiteY34"/>
+              </a:cxn>
+              <a:cxn ang="0">
+                <a:pos x="connsiteX35" y="connsiteY35"/>
+              </a:cxn>
+              <a:cxn ang="0">
+                <a:pos x="connsiteX36" y="connsiteY36"/>
+              </a:cxn>
+              <a:cxn ang="0">
+                <a:pos x="connsiteX37" y="connsiteY37"/>
+              </a:cxn>
+              <a:cxn ang="0">
+                <a:pos x="connsiteX38" y="connsiteY38"/>
+              </a:cxn>
+              <a:cxn ang="0">
+                <a:pos x="connsiteX39" y="connsiteY39"/>
+              </a:cxn>
+              <a:cxn ang="0">
+                <a:pos x="connsiteX40" y="connsiteY40"/>
+              </a:cxn>
+              <a:cxn ang="0">
+                <a:pos x="connsiteX41" y="connsiteY41"/>
+              </a:cxn>
+              <a:cxn ang="0">
+                <a:pos x="connsiteX42" y="connsiteY42"/>
+              </a:cxn>
+              <a:cxn ang="0">
+                <a:pos x="connsiteX43" y="connsiteY43"/>
+              </a:cxn>
+              <a:cxn ang="0">
+                <a:pos x="connsiteX44" y="connsiteY44"/>
+              </a:cxn>
+              <a:cxn ang="0">
+                <a:pos x="connsiteX45" y="connsiteY45"/>
+              </a:cxn>
+              <a:cxn ang="0">
+                <a:pos x="connsiteX46" y="connsiteY46"/>
+              </a:cxn>
+              <a:cxn ang="0">
+                <a:pos x="connsiteX47" y="connsiteY47"/>
+              </a:cxn>
+              <a:cxn ang="0">
+                <a:pos x="connsiteX48" y="connsiteY48"/>
+              </a:cxn>
+              <a:cxn ang="0">
+                <a:pos x="connsiteX49" y="connsiteY49"/>
+              </a:cxn>
+              <a:cxn ang="0">
+                <a:pos x="connsiteX50" y="connsiteY50"/>
+              </a:cxn>
+              <a:cxn ang="0">
+                <a:pos x="connsiteX51" y="connsiteY51"/>
+              </a:cxn>
+              <a:cxn ang="0">
+                <a:pos x="connsiteX52" y="connsiteY52"/>
+              </a:cxn>
+              <a:cxn ang="0">
+                <a:pos x="connsiteX53" y="connsiteY53"/>
+              </a:cxn>
+              <a:cxn ang="0">
+                <a:pos x="connsiteX54" y="connsiteY54"/>
+              </a:cxn>
+              <a:cxn ang="0">
+                <a:pos x="connsiteX55" y="connsiteY55"/>
+              </a:cxn>
+              <a:cxn ang="0">
+                <a:pos x="connsiteX56" y="connsiteY56"/>
+              </a:cxn>
+              <a:cxn ang="0">
+                <a:pos x="connsiteX57" y="connsiteY57"/>
+              </a:cxn>
+              <a:cxn ang="0">
+                <a:pos x="connsiteX58" y="connsiteY58"/>
+              </a:cxn>
+              <a:cxn ang="0">
+                <a:pos x="connsiteX59" y="connsiteY59"/>
+              </a:cxn>
+              <a:cxn ang="0">
+                <a:pos x="connsiteX60" y="connsiteY60"/>
+              </a:cxn>
+              <a:cxn ang="0">
+                <a:pos x="connsiteX61" y="connsiteY61"/>
+              </a:cxn>
+              <a:cxn ang="0">
+                <a:pos x="connsiteX62" y="connsiteY62"/>
+              </a:cxn>
+              <a:cxn ang="0">
+                <a:pos x="connsiteX63" y="connsiteY63"/>
+              </a:cxn>
+              <a:cxn ang="0">
+                <a:pos x="connsiteX64" y="connsiteY64"/>
+              </a:cxn>
+              <a:cxn ang="0">
+                <a:pos x="connsiteX65" y="connsiteY65"/>
+              </a:cxn>
+              <a:cxn ang="0">
+                <a:pos x="connsiteX66" y="connsiteY66"/>
+              </a:cxn>
+              <a:cxn ang="0">
+                <a:pos x="connsiteX67" y="connsiteY67"/>
+              </a:cxn>
+              <a:cxn ang="0">
+                <a:pos x="connsiteX68" y="connsiteY68"/>
+              </a:cxn>
+              <a:cxn ang="0">
+                <a:pos x="connsiteX69" y="connsiteY69"/>
+              </a:cxn>
+              <a:cxn ang="0">
+                <a:pos x="connsiteX70" y="connsiteY70"/>
+              </a:cxn>
+              <a:cxn ang="0">
+                <a:pos x="connsiteX71" y="connsiteY71"/>
+              </a:cxn>
+              <a:cxn ang="0">
+                <a:pos x="connsiteX72" y="connsiteY72"/>
+              </a:cxn>
+            </a:cxnLst>
+            <a:rect l="l" t="t" r="r" b="b"/>
+            <a:pathLst>
+              <a:path w="6184806" h="5154967">
+                <a:moveTo>
+                  <a:pt x="363179" y="3125191"/>
+                </a:moveTo>
+                <a:cubicBezTo>
+                  <a:pt x="363179" y="3125191"/>
+                  <a:pt x="363179" y="3125191"/>
+                  <a:pt x="898270" y="3125191"/>
+                </a:cubicBezTo>
+                <a:cubicBezTo>
+                  <a:pt x="931786" y="3125191"/>
+                  <a:pt x="964145" y="3143614"/>
+                  <a:pt x="980326" y="3173551"/>
+                </a:cubicBezTo>
+                <a:cubicBezTo>
+                  <a:pt x="980326" y="3173551"/>
+                  <a:pt x="980326" y="3173551"/>
+                  <a:pt x="1248448" y="3635277"/>
+                </a:cubicBezTo>
+                <a:cubicBezTo>
+                  <a:pt x="1265784" y="3664063"/>
+                  <a:pt x="1265784" y="3700909"/>
+                  <a:pt x="1248448" y="3729695"/>
+                </a:cubicBezTo>
+                <a:cubicBezTo>
+                  <a:pt x="1248448" y="3729695"/>
+                  <a:pt x="1248448" y="3729695"/>
+                  <a:pt x="980326" y="4191421"/>
+                </a:cubicBezTo>
+                <a:cubicBezTo>
+                  <a:pt x="964145" y="4221358"/>
+                  <a:pt x="931786" y="4239781"/>
+                  <a:pt x="898270" y="4239781"/>
+                </a:cubicBezTo>
+                <a:cubicBezTo>
+                  <a:pt x="898270" y="4239781"/>
+                  <a:pt x="898270" y="4239781"/>
+                  <a:pt x="363179" y="4239781"/>
+                </a:cubicBezTo>
+                <a:cubicBezTo>
+                  <a:pt x="328508" y="4239781"/>
+                  <a:pt x="297305" y="4221358"/>
+                  <a:pt x="279969" y="4191421"/>
+                </a:cubicBezTo>
+                <a:cubicBezTo>
+                  <a:pt x="279969" y="4191421"/>
+                  <a:pt x="279969" y="4191421"/>
+                  <a:pt x="13002" y="3729695"/>
+                </a:cubicBezTo>
+                <a:cubicBezTo>
+                  <a:pt x="-4334" y="3700909"/>
+                  <a:pt x="-4334" y="3664063"/>
+                  <a:pt x="13002" y="3635277"/>
+                </a:cubicBezTo>
+                <a:cubicBezTo>
+                  <a:pt x="13002" y="3635277"/>
+                  <a:pt x="13002" y="3635277"/>
+                  <a:pt x="279969" y="3173551"/>
+                </a:cubicBezTo>
+                <a:cubicBezTo>
+                  <a:pt x="297305" y="3143614"/>
+                  <a:pt x="328508" y="3125191"/>
+                  <a:pt x="363179" y="3125191"/>
+                </a:cubicBezTo>
+                <a:close/>
+                <a:moveTo>
+                  <a:pt x="2489721" y="570035"/>
+                </a:moveTo>
+                <a:cubicBezTo>
+                  <a:pt x="2489721" y="570035"/>
+                  <a:pt x="2489721" y="570035"/>
+                  <a:pt x="2764862" y="570035"/>
+                </a:cubicBezTo>
+                <a:lnTo>
+                  <a:pt x="2796959" y="570035"/>
+                </a:lnTo>
+                <a:lnTo>
+                  <a:pt x="2827587" y="622777"/>
+                </a:lnTo>
+                <a:cubicBezTo>
+                  <a:pt x="2870233" y="696217"/>
+                  <a:pt x="2919858" y="781675"/>
+                  <a:pt x="2977604" y="881117"/>
+                </a:cubicBezTo>
+                <a:cubicBezTo>
+                  <a:pt x="3004153" y="925204"/>
+                  <a:pt x="3004153" y="981634"/>
+                  <a:pt x="2977604" y="1025720"/>
+                </a:cubicBezTo>
+                <a:cubicBezTo>
+                  <a:pt x="2977604" y="1025720"/>
+                  <a:pt x="2977604" y="1025720"/>
+                  <a:pt x="2566968" y="1732863"/>
+                </a:cubicBezTo>
+                <a:cubicBezTo>
+                  <a:pt x="2542188" y="1778712"/>
+                  <a:pt x="2492629" y="1806927"/>
+                  <a:pt x="2441299" y="1806927"/>
+                </a:cubicBezTo>
+                <a:cubicBezTo>
+                  <a:pt x="2441299" y="1806927"/>
+                  <a:pt x="2441299" y="1806927"/>
+                  <a:pt x="1621798" y="1806927"/>
+                </a:cubicBezTo>
+                <a:cubicBezTo>
+                  <a:pt x="1608523" y="1806927"/>
+                  <a:pt x="1595580" y="1805163"/>
+                  <a:pt x="1583218" y="1801802"/>
+                </a:cubicBezTo>
+                <a:lnTo>
+                  <a:pt x="1556683" y="1790677"/>
+                </a:lnTo>
+                <a:lnTo>
+                  <a:pt x="1572899" y="1762630"/>
+                </a:lnTo>
+                <a:cubicBezTo>
+                  <a:pt x="1719523" y="1509042"/>
+                  <a:pt x="1907201" y="1184448"/>
+                  <a:pt x="2147429" y="768968"/>
+                </a:cubicBezTo>
+                <a:cubicBezTo>
+                  <a:pt x="2218739" y="645819"/>
+                  <a:pt x="2347099" y="570035"/>
+                  <a:pt x="2489721" y="570035"/>
+                </a:cubicBezTo>
+                <a:close/>
+                <a:moveTo>
+                  <a:pt x="1573268" y="0"/>
+                </a:moveTo>
+                <a:cubicBezTo>
+                  <a:pt x="1573268" y="0"/>
+                  <a:pt x="1573268" y="0"/>
+                  <a:pt x="2497662" y="0"/>
+                </a:cubicBezTo>
+                <a:cubicBezTo>
+                  <a:pt x="2555561" y="0"/>
+                  <a:pt x="2611463" y="31828"/>
+                  <a:pt x="2639415" y="83546"/>
+                </a:cubicBezTo>
+                <a:cubicBezTo>
+                  <a:pt x="2639415" y="83546"/>
+                  <a:pt x="2639415" y="83546"/>
+                  <a:pt x="2887862" y="511387"/>
+                </a:cubicBezTo>
+                <a:lnTo>
+                  <a:pt x="2915928" y="559720"/>
+                </a:lnTo>
+                <a:lnTo>
+                  <a:pt x="2893844" y="559720"/>
+                </a:lnTo>
+                <a:lnTo>
+                  <a:pt x="2789466" y="559720"/>
+                </a:lnTo>
+                <a:lnTo>
+                  <a:pt x="2744122" y="481634"/>
+                </a:lnTo>
+                <a:cubicBezTo>
+                  <a:pt x="2570885" y="183309"/>
+                  <a:pt x="2570885" y="183309"/>
+                  <a:pt x="2570885" y="183309"/>
+                </a:cubicBezTo>
+                <a:cubicBezTo>
+                  <a:pt x="2546104" y="137459"/>
+                  <a:pt x="2496545" y="109243"/>
+                  <a:pt x="2445216" y="109243"/>
+                </a:cubicBezTo>
+                <a:cubicBezTo>
+                  <a:pt x="1625714" y="109243"/>
+                  <a:pt x="1625714" y="109243"/>
+                  <a:pt x="1625714" y="109243"/>
+                </a:cubicBezTo>
+                <a:cubicBezTo>
+                  <a:pt x="1572615" y="109243"/>
+                  <a:pt x="1524825" y="137459"/>
+                  <a:pt x="1498276" y="183309"/>
+                </a:cubicBezTo>
+                <a:cubicBezTo>
+                  <a:pt x="1089410" y="890450"/>
+                  <a:pt x="1089410" y="890450"/>
+                  <a:pt x="1089410" y="890450"/>
+                </a:cubicBezTo>
+                <a:cubicBezTo>
+                  <a:pt x="1062860" y="934537"/>
+                  <a:pt x="1062860" y="990967"/>
+                  <a:pt x="1089410" y="1035054"/>
+                </a:cubicBezTo>
+                <a:cubicBezTo>
+                  <a:pt x="1498276" y="1742196"/>
+                  <a:pt x="1498276" y="1742196"/>
+                  <a:pt x="1498276" y="1742196"/>
+                </a:cubicBezTo>
+                <a:cubicBezTo>
+                  <a:pt x="1511551" y="1765121"/>
+                  <a:pt x="1530135" y="1783637"/>
+                  <a:pt x="1552039" y="1796422"/>
+                </a:cubicBezTo>
+                <a:lnTo>
+                  <a:pt x="1558260" y="1799029"/>
+                </a:lnTo>
+                <a:lnTo>
+                  <a:pt x="1524911" y="1856707"/>
+                </a:lnTo>
+                <a:lnTo>
+                  <a:pt x="1500108" y="1899604"/>
+                </a:lnTo>
+                <a:lnTo>
+                  <a:pt x="1525834" y="1910390"/>
+                </a:lnTo>
+                <a:cubicBezTo>
+                  <a:pt x="1539779" y="1914181"/>
+                  <a:pt x="1554378" y="1916170"/>
+                  <a:pt x="1569352" y="1916170"/>
+                </a:cubicBezTo>
+                <a:cubicBezTo>
+                  <a:pt x="2493745" y="1916170"/>
+                  <a:pt x="2493745" y="1916170"/>
+                  <a:pt x="2493745" y="1916170"/>
+                </a:cubicBezTo>
+                <a:cubicBezTo>
+                  <a:pt x="2551645" y="1916170"/>
+                  <a:pt x="2607546" y="1884345"/>
+                  <a:pt x="2635498" y="1832627"/>
+                </a:cubicBezTo>
+                <a:cubicBezTo>
+                  <a:pt x="3098693" y="1034974"/>
+                  <a:pt x="3098693" y="1034974"/>
+                  <a:pt x="3098693" y="1034974"/>
+                </a:cubicBezTo>
+                <a:cubicBezTo>
+                  <a:pt x="3128641" y="985246"/>
+                  <a:pt x="3128641" y="921593"/>
+                  <a:pt x="3098693" y="871863"/>
+                </a:cubicBezTo>
+                <a:cubicBezTo>
+                  <a:pt x="3040794" y="772157"/>
+                  <a:pt x="2990132" y="684914"/>
+                  <a:pt x="2945803" y="608576"/>
+                </a:cubicBezTo>
+                <a:lnTo>
+                  <a:pt x="2923422" y="570035"/>
+                </a:lnTo>
+                <a:lnTo>
+                  <a:pt x="3027104" y="570035"/>
+                </a:lnTo>
+                <a:cubicBezTo>
+                  <a:pt x="3349535" y="570035"/>
+                  <a:pt x="3865424" y="570035"/>
+                  <a:pt x="4690846" y="570035"/>
+                </a:cubicBezTo>
+                <a:cubicBezTo>
+                  <a:pt x="4828714" y="570035"/>
+                  <a:pt x="4961827" y="645819"/>
+                  <a:pt x="5028384" y="768968"/>
+                </a:cubicBezTo>
+                <a:cubicBezTo>
+                  <a:pt x="5028384" y="768968"/>
+                  <a:pt x="5028384" y="768968"/>
+                  <a:pt x="6131323" y="2668304"/>
+                </a:cubicBezTo>
+                <a:cubicBezTo>
+                  <a:pt x="6202634" y="2786717"/>
+                  <a:pt x="6202634" y="2938285"/>
+                  <a:pt x="6131323" y="3056698"/>
+                </a:cubicBezTo>
+                <a:cubicBezTo>
+                  <a:pt x="6131323" y="3056698"/>
+                  <a:pt x="6131323" y="3056698"/>
+                  <a:pt x="5028384" y="4956035"/>
+                </a:cubicBezTo>
+                <a:cubicBezTo>
+                  <a:pt x="4961827" y="5079184"/>
+                  <a:pt x="4828714" y="5154967"/>
+                  <a:pt x="4690846" y="5154967"/>
+                </a:cubicBezTo>
+                <a:cubicBezTo>
+                  <a:pt x="4690846" y="5154967"/>
+                  <a:pt x="4690846" y="5154967"/>
+                  <a:pt x="2489721" y="5154967"/>
+                </a:cubicBezTo>
+                <a:cubicBezTo>
+                  <a:pt x="2347099" y="5154967"/>
+                  <a:pt x="2218739" y="5079184"/>
+                  <a:pt x="2147429" y="4956035"/>
+                </a:cubicBezTo>
+                <a:cubicBezTo>
+                  <a:pt x="2147429" y="4956035"/>
+                  <a:pt x="2147429" y="4956035"/>
+                  <a:pt x="1049243" y="3056698"/>
+                </a:cubicBezTo>
+                <a:cubicBezTo>
+                  <a:pt x="977932" y="2938285"/>
+                  <a:pt x="977932" y="2786717"/>
+                  <a:pt x="1049243" y="2668304"/>
+                </a:cubicBezTo>
+                <a:cubicBezTo>
+                  <a:pt x="1049243" y="2668304"/>
+                  <a:pt x="1049243" y="2668304"/>
+                  <a:pt x="1457007" y="1963067"/>
+                </a:cubicBezTo>
+                <a:lnTo>
+                  <a:pt x="1491373" y="1903634"/>
+                </a:lnTo>
+                <a:lnTo>
+                  <a:pt x="1490164" y="1903127"/>
+                </a:lnTo>
+                <a:cubicBezTo>
+                  <a:pt x="1465456" y="1888705"/>
+                  <a:pt x="1444493" y="1867820"/>
+                  <a:pt x="1429519" y="1841960"/>
+                </a:cubicBezTo>
+                <a:cubicBezTo>
+                  <a:pt x="1429519" y="1841960"/>
+                  <a:pt x="1429519" y="1841960"/>
+                  <a:pt x="968320" y="1044307"/>
+                </a:cubicBezTo>
+                <a:cubicBezTo>
+                  <a:pt x="938371" y="994579"/>
+                  <a:pt x="938371" y="930926"/>
+                  <a:pt x="968320" y="881196"/>
+                </a:cubicBezTo>
+                <a:cubicBezTo>
+                  <a:pt x="968320" y="881196"/>
+                  <a:pt x="968320" y="881196"/>
+                  <a:pt x="1429519" y="83546"/>
+                </a:cubicBezTo>
+                <a:cubicBezTo>
+                  <a:pt x="1459466" y="31828"/>
+                  <a:pt x="1513373" y="0"/>
+                  <a:pt x="1573268" y="0"/>
+                </a:cubicBezTo>
+                <a:close/>
+              </a:path>
+            </a:pathLst>
+          </a:custGeom>
+          <a:solidFill>
+            <a:schemeClr val="tx1">
+              <a:lumMod val="50000"/>
+              <a:lumOff val="50000"/>
+              <a:alpha val="15000"/>
+            </a:schemeClr>
+          </a:solidFill>
+          <a:ln>
+            <a:noFill/>
+          </a:ln>
+        </p:spPr>
+        <p:style>
+          <a:lnRef idx="2">
+            <a:schemeClr val="accent1">
+              <a:shade val="50000"/>
+            </a:schemeClr>
+          </a:lnRef>
+          <a:fillRef idx="1">
+            <a:schemeClr val="accent1"/>
+          </a:fillRef>
+          <a:effectRef idx="0">
+            <a:schemeClr val="accent1"/>
+          </a:effectRef>
+          <a:fontRef idx="minor">
+            <a:schemeClr val="lt1"/>
+          </a:fontRef>
+        </p:style>
+        <p:txBody>
+          <a:bodyPr wrap="square" rtlCol="0" anchor="ctr">
+            <a:noAutofit/>
+          </a:bodyPr>
+          <a:lstStyle/>
+          <a:p>
+            <a:pPr algn="ctr"/>
+            <a:endParaRPr lang="en-US"/>
+          </a:p>
+        </p:txBody>
+      </p:sp>
+      <p:pic>
+        <p:nvPicPr>
+          <p:cNvPr id="5" name="Graphic 4">
+            <a:extLst>
+              <a:ext uri="{FF2B5EF4-FFF2-40B4-BE49-F238E27FC236}">
+                <a16:creationId xmlns:a16="http://schemas.microsoft.com/office/drawing/2014/main" id="{10BBF93C-E307-D89C-71AF-DCD9F29BB853}"/>
+              </a:ext>
+            </a:extLst>
+          </p:cNvPr>
+          <p:cNvPicPr>
+            <a:picLocks noChangeAspect="1"/>
+          </p:cNvPicPr>
+          <p:nvPr/>
+        </p:nvPicPr>
+        <p:blipFill>
+          <a:blip r:embed="rId2">
+            <a:extLst>
+              <a:ext uri="{28A0092B-C50C-407E-A947-70E740481C1C}">
+                <a14:useLocalDpi xmlns:a14="http://schemas.microsoft.com/office/drawing/2010/main" val="0"/>
+              </a:ext>
+              <a:ext uri="{96DAC541-7B7A-43D3-8B79-37D633B846F1}">
+                <asvg:svgBlip xmlns:asvg="http://schemas.microsoft.com/office/drawing/2016/SVG/main" r:embed="rId3"/>
+              </a:ext>
+            </a:extLst>
+          </a:blip>
+          <a:stretch>
+            <a:fillRect/>
+          </a:stretch>
+        </p:blipFill>
+        <p:spPr>
+          <a:xfrm>
+            <a:off x="7806153" y="2129307"/>
+            <a:ext cx="2668032" cy="3217333"/>
+          </a:xfrm>
+          <a:prstGeom prst="rect">
+            <a:avLst/>
+          </a:prstGeom>
+        </p:spPr>
+      </p:pic>
+    </p:spTree>
+    <p:extLst>
+      <p:ext uri="{BB962C8B-B14F-4D97-AF65-F5344CB8AC3E}">
+        <p14:creationId xmlns:p14="http://schemas.microsoft.com/office/powerpoint/2010/main" val="1626406594"/>
+      </p:ext>
+    </p:extLst>
+  </p:cSld>
+  <p:clrMapOvr>
+    <a:masterClrMapping/>
+  </p:clrMapOvr>
+</p:sld>
+</file>
+
+<file path=ppt/slides/slide7.xml><?xml version="1.0" encoding="utf-8"?>
+<p:sld xmlns:a="http://schemas.openxmlformats.org/drawingml/2006/main" xmlns:r="http://schemas.openxmlformats.org/officeDocument/2006/relationships" xmlns:p="http://schemas.openxmlformats.org/presentationml/2006/main">
+  <p:cSld>
+    <p:spTree>
+      <p:nvGrpSpPr>
+        <p:cNvPr id="1" name=""/>
+        <p:cNvGrpSpPr/>
+        <p:nvPr/>
+      </p:nvGrpSpPr>
+      <p:grpSpPr>
+        <a:xfrm>
+          <a:off x="0" y="0"/>
+          <a:ext cx="0" cy="0"/>
+          <a:chOff x="0" y="0"/>
+          <a:chExt cx="0" cy="0"/>
+        </a:xfrm>
+      </p:grpSpPr>
+      <p:sp>
+        <p:nvSpPr>
+          <p:cNvPr id="2" name="Title 1">
+            <a:extLst>
+              <a:ext uri="{FF2B5EF4-FFF2-40B4-BE49-F238E27FC236}">
+                <a16:creationId xmlns:a16="http://schemas.microsoft.com/office/drawing/2014/main" id="{7A40177F-BCCD-7BE2-DBFD-188813EADB13}"/>
+              </a:ext>
+            </a:extLst>
+          </p:cNvPr>
+          <p:cNvSpPr>
+            <a:spLocks noGrp="1"/>
+          </p:cNvSpPr>
+          <p:nvPr>
+            <p:ph type="title"/>
+          </p:nvPr>
+        </p:nvSpPr>
+        <p:spPr/>
+        <p:txBody>
+          <a:bodyPr/>
+          <a:lstStyle/>
+          <a:p>
+            <a:r>
+              <a:rPr lang="en-US" dirty="0"/>
+              <a:t>Simpson’s Paradox</a:t>
+            </a:r>
+          </a:p>
+        </p:txBody>
+      </p:sp>
+      <p:pic>
+        <p:nvPicPr>
+          <p:cNvPr id="13" name="Graphic 12">
+            <a:extLst>
+              <a:ext uri="{FF2B5EF4-FFF2-40B4-BE49-F238E27FC236}">
+                <a16:creationId xmlns:a16="http://schemas.microsoft.com/office/drawing/2014/main" id="{294D540C-B721-CD7B-337E-EF6259EA489D}"/>
+              </a:ext>
+            </a:extLst>
+          </p:cNvPr>
+          <p:cNvPicPr>
+            <a:picLocks noChangeAspect="1"/>
+          </p:cNvPicPr>
+          <p:nvPr/>
+        </p:nvPicPr>
+        <p:blipFill>
+          <a:blip r:embed="rId2">
+            <a:extLst>
+              <a:ext uri="{28A0092B-C50C-407E-A947-70E740481C1C}">
+                <a14:useLocalDpi xmlns:a14="http://schemas.microsoft.com/office/drawing/2010/main" val="0"/>
+              </a:ext>
+              <a:ext uri="{96DAC541-7B7A-43D3-8B79-37D633B846F1}">
+                <asvg:svgBlip xmlns:asvg="http://schemas.microsoft.com/office/drawing/2016/SVG/main" r:embed="rId3"/>
+              </a:ext>
+            </a:extLst>
+          </a:blip>
+          <a:stretch>
+            <a:fillRect/>
+          </a:stretch>
+        </p:blipFill>
+        <p:spPr>
+          <a:xfrm>
+            <a:off x="3171825" y="1690688"/>
+            <a:ext cx="5848350" cy="4391025"/>
+          </a:xfrm>
+          <a:prstGeom prst="rect">
+            <a:avLst/>
+          </a:prstGeom>
+        </p:spPr>
+      </p:pic>
+    </p:spTree>
+    <p:extLst>
+      <p:ext uri="{BB962C8B-B14F-4D97-AF65-F5344CB8AC3E}">
+        <p14:creationId xmlns:p14="http://schemas.microsoft.com/office/powerpoint/2010/main" val="3493813268"/>
+      </p:ext>
+    </p:extLst>
+  </p:cSld>
+  <p:clrMapOvr>
+    <a:masterClrMapping/>
+  </p:clrMapOvr>
+</p:sld>
+</file>
+
 <file path=ppt/slides/slide8.xml><?xml version="1.0" encoding="utf-8"?>
 <p:sld xmlns:a="http://schemas.openxmlformats.org/drawingml/2006/main" xmlns:r="http://schemas.openxmlformats.org/officeDocument/2006/relationships" xmlns:p="http://schemas.openxmlformats.org/presentationml/2006/main">
   <p:cSld>
@@ -7008,7 +8200,7 @@
           <p:cNvPr id="2" name="Title 1">
             <a:extLst>
               <a:ext uri="{FF2B5EF4-FFF2-40B4-BE49-F238E27FC236}">
-                <a16:creationId xmlns:a16="http://schemas.microsoft.com/office/drawing/2014/main" id="{2A0042A4-3BC4-5DB9-A063-CE81FC74B039}"/>
+                <a16:creationId xmlns:a16="http://schemas.microsoft.com/office/drawing/2014/main" id="{7A40177F-BCCD-7BE2-DBFD-188813EADB13}"/>
               </a:ext>
             </a:extLst>
           </p:cNvPr>
@@ -7026,98 +8218,54 @@
           <a:p>
             <a:r>
               <a:rPr lang="en-US" dirty="0"/>
-              <a:t>Data Augmentation: Images</a:t>
-            </a:r>
-          </a:p>
-        </p:txBody>
-      </p:sp>
-      <p:sp>
-        <p:nvSpPr>
-          <p:cNvPr id="3" name="Content Placeholder 2">
-            <a:extLst>
-              <a:ext uri="{FF2B5EF4-FFF2-40B4-BE49-F238E27FC236}">
-                <a16:creationId xmlns:a16="http://schemas.microsoft.com/office/drawing/2014/main" id="{65998CC8-6297-0262-86BE-0CCA329C18CB}"/>
-              </a:ext>
-            </a:extLst>
-          </p:cNvPr>
-          <p:cNvSpPr>
-            <a:spLocks noGrp="1"/>
-          </p:cNvSpPr>
-          <p:nvPr>
-            <p:ph idx="1"/>
-          </p:nvPr>
-        </p:nvSpPr>
+              <a:t>Simpson’s Paradox</a:t>
+            </a:r>
+          </a:p>
+        </p:txBody>
+      </p:sp>
+      <p:pic>
+        <p:nvPicPr>
+          <p:cNvPr id="4" name="Graphic 3">
+            <a:extLst>
+              <a:ext uri="{FF2B5EF4-FFF2-40B4-BE49-F238E27FC236}">
+                <a16:creationId xmlns:a16="http://schemas.microsoft.com/office/drawing/2014/main" id="{3A2B0B33-5AE1-0A11-A92B-1910013B3859}"/>
+              </a:ext>
+            </a:extLst>
+          </p:cNvPr>
+          <p:cNvPicPr>
+            <a:picLocks noChangeAspect="1"/>
+          </p:cNvPicPr>
+          <p:nvPr/>
+        </p:nvPicPr>
+        <p:blipFill>
+          <a:blip r:embed="rId2">
+            <a:extLst>
+              <a:ext uri="{28A0092B-C50C-407E-A947-70E740481C1C}">
+                <a14:useLocalDpi xmlns:a14="http://schemas.microsoft.com/office/drawing/2010/main" val="0"/>
+              </a:ext>
+              <a:ext uri="{96DAC541-7B7A-43D3-8B79-37D633B846F1}">
+                <asvg:svgBlip xmlns:asvg="http://schemas.microsoft.com/office/drawing/2016/SVG/main" r:embed="rId3"/>
+              </a:ext>
+            </a:extLst>
+          </a:blip>
+          <a:stretch>
+            <a:fillRect/>
+          </a:stretch>
+        </p:blipFill>
         <p:spPr>
           <a:xfrm>
-            <a:off x="838200" y="1825624"/>
-            <a:ext cx="10515600" cy="5032376"/>
+            <a:off x="3171825" y="1690688"/>
+            <a:ext cx="5848350" cy="4391025"/>
           </a:xfrm>
+          <a:prstGeom prst="rect">
+            <a:avLst/>
+          </a:prstGeom>
         </p:spPr>
-        <p:txBody>
-          <a:bodyPr>
-            <a:normAutofit/>
-          </a:bodyPr>
-          <a:lstStyle/>
-          <a:p>
-            <a:r>
-              <a:rPr lang="en-US" dirty="0"/>
-              <a:t>Flip horizontal / vertical</a:t>
-            </a:r>
-          </a:p>
-          <a:p>
-            <a:r>
-              <a:rPr lang="en-US" dirty="0"/>
-              <a:t>Rotate</a:t>
-            </a:r>
-          </a:p>
-          <a:p>
-            <a:r>
-              <a:rPr lang="en-US" dirty="0"/>
-              <a:t>Rescale</a:t>
-            </a:r>
-          </a:p>
-          <a:p>
-            <a:r>
-              <a:rPr lang="en-US" dirty="0"/>
-              <a:t>Crop</a:t>
-            </a:r>
-          </a:p>
-          <a:p>
-            <a:r>
-              <a:rPr lang="en-US" dirty="0"/>
-              <a:t>Dilate/shrink</a:t>
-            </a:r>
-          </a:p>
-          <a:p>
-            <a:r>
-              <a:rPr lang="en-US" dirty="0"/>
-              <a:t>Add white noise</a:t>
-            </a:r>
-          </a:p>
-          <a:p>
-            <a:r>
-              <a:rPr lang="en-US" dirty="0"/>
-              <a:t>Add salt/pepper noise</a:t>
-            </a:r>
-          </a:p>
-          <a:p>
-            <a:r>
-              <a:rPr lang="en-US" dirty="0"/>
-              <a:t>Add white/black boxes</a:t>
-            </a:r>
-          </a:p>
-          <a:p>
-            <a:r>
-              <a:rPr lang="en-US" dirty="0"/>
-              <a:t>+ anything that you can think of!</a:t>
-            </a:r>
-          </a:p>
-        </p:txBody>
-      </p:sp>
+      </p:pic>
     </p:spTree>
     <p:extLst>
       <p:ext uri="{BB962C8B-B14F-4D97-AF65-F5344CB8AC3E}">
-        <p14:creationId xmlns:p14="http://schemas.microsoft.com/office/powerpoint/2010/main" val="3314343235"/>
+        <p14:creationId xmlns:p14="http://schemas.microsoft.com/office/powerpoint/2010/main" val="3490033838"/>
       </p:ext>
     </p:extLst>
   </p:cSld>
@@ -7149,7 +8297,7 @@
           <p:cNvPr id="2" name="Title 1">
             <a:extLst>
               <a:ext uri="{FF2B5EF4-FFF2-40B4-BE49-F238E27FC236}">
-                <a16:creationId xmlns:a16="http://schemas.microsoft.com/office/drawing/2014/main" id="{2A0042A4-3BC4-5DB9-A063-CE81FC74B039}"/>
+                <a16:creationId xmlns:a16="http://schemas.microsoft.com/office/drawing/2014/main" id="{7A40177F-BCCD-7BE2-DBFD-188813EADB13}"/>
               </a:ext>
             </a:extLst>
           </p:cNvPr>
@@ -7167,63 +8315,54 @@
           <a:p>
             <a:r>
               <a:rPr lang="en-US" dirty="0"/>
-              <a:t>Data Augmentation: Audio</a:t>
-            </a:r>
-          </a:p>
-        </p:txBody>
-      </p:sp>
-      <p:sp>
-        <p:nvSpPr>
-          <p:cNvPr id="3" name="Content Placeholder 2">
-            <a:extLst>
-              <a:ext uri="{FF2B5EF4-FFF2-40B4-BE49-F238E27FC236}">
-                <a16:creationId xmlns:a16="http://schemas.microsoft.com/office/drawing/2014/main" id="{65998CC8-6297-0262-86BE-0CCA329C18CB}"/>
-              </a:ext>
-            </a:extLst>
-          </p:cNvPr>
-          <p:cNvSpPr>
-            <a:spLocks noGrp="1"/>
-          </p:cNvSpPr>
-          <p:nvPr>
-            <p:ph idx="1"/>
-          </p:nvPr>
-        </p:nvSpPr>
-        <p:spPr/>
-        <p:txBody>
-          <a:bodyPr>
-            <a:normAutofit/>
-          </a:bodyPr>
-          <a:lstStyle/>
-          <a:p>
-            <a:r>
-              <a:rPr lang="en-US" dirty="0"/>
-              <a:t>Add white noise</a:t>
-            </a:r>
-          </a:p>
-          <a:p>
-            <a:r>
-              <a:rPr lang="en-US" dirty="0"/>
-              <a:t>Shifting tone</a:t>
-            </a:r>
-          </a:p>
-          <a:p>
-            <a:r>
-              <a:rPr lang="en-US" dirty="0"/>
-              <a:t>Vary speed</a:t>
-            </a:r>
-          </a:p>
-          <a:p>
-            <a:r>
-              <a:rPr lang="en-US" dirty="0"/>
-              <a:t>Filter frequencies (drop/add low/high frequencies)</a:t>
-            </a:r>
-          </a:p>
-        </p:txBody>
-      </p:sp>
+              <a:t>Simpson’s Paradox</a:t>
+            </a:r>
+          </a:p>
+        </p:txBody>
+      </p:sp>
+      <p:pic>
+        <p:nvPicPr>
+          <p:cNvPr id="4" name="Graphic 3">
+            <a:extLst>
+              <a:ext uri="{FF2B5EF4-FFF2-40B4-BE49-F238E27FC236}">
+                <a16:creationId xmlns:a16="http://schemas.microsoft.com/office/drawing/2014/main" id="{0C59102A-F857-96FE-9AC8-C0E1F6EAB088}"/>
+              </a:ext>
+            </a:extLst>
+          </p:cNvPr>
+          <p:cNvPicPr>
+            <a:picLocks noChangeAspect="1"/>
+          </p:cNvPicPr>
+          <p:nvPr/>
+        </p:nvPicPr>
+        <p:blipFill>
+          <a:blip r:embed="rId2">
+            <a:extLst>
+              <a:ext uri="{28A0092B-C50C-407E-A947-70E740481C1C}">
+                <a14:useLocalDpi xmlns:a14="http://schemas.microsoft.com/office/drawing/2010/main" val="0"/>
+              </a:ext>
+              <a:ext uri="{96DAC541-7B7A-43D3-8B79-37D633B846F1}">
+                <asvg:svgBlip xmlns:asvg="http://schemas.microsoft.com/office/drawing/2016/SVG/main" r:embed="rId3"/>
+              </a:ext>
+            </a:extLst>
+          </a:blip>
+          <a:stretch>
+            <a:fillRect/>
+          </a:stretch>
+        </p:blipFill>
+        <p:spPr>
+          <a:xfrm>
+            <a:off x="3171825" y="1690688"/>
+            <a:ext cx="5848350" cy="4391025"/>
+          </a:xfrm>
+          <a:prstGeom prst="rect">
+            <a:avLst/>
+          </a:prstGeom>
+        </p:spPr>
+      </p:pic>
     </p:spTree>
     <p:extLst>
       <p:ext uri="{BB962C8B-B14F-4D97-AF65-F5344CB8AC3E}">
-        <p14:creationId xmlns:p14="http://schemas.microsoft.com/office/powerpoint/2010/main" val="4070658688"/>
+        <p14:creationId xmlns:p14="http://schemas.microsoft.com/office/powerpoint/2010/main" val="3372273435"/>
       </p:ext>
     </p:extLst>
   </p:cSld>
